--- a/XENTIS-Monitoring.pptx
+++ b/XENTIS-Monitoring.pptx
@@ -8,12 +8,12 @@
     <p:sldId id="262" r:id="rId2"/>
     <p:sldId id="268" r:id="rId3"/>
     <p:sldId id="267" r:id="rId4"/>
-    <p:sldId id="264" r:id="rId5"/>
-    <p:sldId id="269" r:id="rId6"/>
-    <p:sldId id="270" r:id="rId7"/>
-    <p:sldId id="271" r:id="rId8"/>
-    <p:sldId id="263" r:id="rId9"/>
-    <p:sldId id="265" r:id="rId10"/>
+    <p:sldId id="269" r:id="rId5"/>
+    <p:sldId id="270" r:id="rId6"/>
+    <p:sldId id="271" r:id="rId7"/>
+    <p:sldId id="263" r:id="rId8"/>
+    <p:sldId id="272" r:id="rId9"/>
+    <p:sldId id="273" r:id="rId10"/>
   </p:sldIdLst>
   <p:sldSz cx="12192000" cy="6858000"/>
   <p:notesSz cx="6858000" cy="9144000"/>
@@ -273,7 +273,7 @@
           <a:p>
             <a:fld id="{10014CDF-9FE5-4E1C-8A78-84758F72220B}" type="datetimeFigureOut">
               <a:rPr lang="de-CH" smtClean="0"/>
-              <a:t>14.07.2017</a:t>
+              <a:t>17.07.2017</a:t>
             </a:fld>
             <a:endParaRPr lang="de-CH"/>
           </a:p>
@@ -473,7 +473,7 @@
           <a:p>
             <a:fld id="{10014CDF-9FE5-4E1C-8A78-84758F72220B}" type="datetimeFigureOut">
               <a:rPr lang="de-CH" smtClean="0"/>
-              <a:t>14.07.2017</a:t>
+              <a:t>17.07.2017</a:t>
             </a:fld>
             <a:endParaRPr lang="de-CH"/>
           </a:p>
@@ -683,7 +683,7 @@
           <a:p>
             <a:fld id="{10014CDF-9FE5-4E1C-8A78-84758F72220B}" type="datetimeFigureOut">
               <a:rPr lang="de-CH" smtClean="0"/>
-              <a:t>14.07.2017</a:t>
+              <a:t>17.07.2017</a:t>
             </a:fld>
             <a:endParaRPr lang="de-CH"/>
           </a:p>
@@ -1373,7 +1373,7 @@
           <a:p>
             <a:fld id="{10014CDF-9FE5-4E1C-8A78-84758F72220B}" type="datetimeFigureOut">
               <a:rPr lang="de-CH" smtClean="0"/>
-              <a:t>14.07.2017</a:t>
+              <a:t>17.07.2017</a:t>
             </a:fld>
             <a:endParaRPr lang="de-CH"/>
           </a:p>
@@ -1649,7 +1649,7 @@
           <a:p>
             <a:fld id="{10014CDF-9FE5-4E1C-8A78-84758F72220B}" type="datetimeFigureOut">
               <a:rPr lang="de-CH" smtClean="0"/>
-              <a:t>14.07.2017</a:t>
+              <a:t>17.07.2017</a:t>
             </a:fld>
             <a:endParaRPr lang="de-CH"/>
           </a:p>
@@ -1917,7 +1917,7 @@
           <a:p>
             <a:fld id="{10014CDF-9FE5-4E1C-8A78-84758F72220B}" type="datetimeFigureOut">
               <a:rPr lang="de-CH" smtClean="0"/>
-              <a:t>14.07.2017</a:t>
+              <a:t>17.07.2017</a:t>
             </a:fld>
             <a:endParaRPr lang="de-CH"/>
           </a:p>
@@ -2332,7 +2332,7 @@
           <a:p>
             <a:fld id="{10014CDF-9FE5-4E1C-8A78-84758F72220B}" type="datetimeFigureOut">
               <a:rPr lang="de-CH" smtClean="0"/>
-              <a:t>14.07.2017</a:t>
+              <a:t>17.07.2017</a:t>
             </a:fld>
             <a:endParaRPr lang="de-CH"/>
           </a:p>
@@ -2474,7 +2474,7 @@
           <a:p>
             <a:fld id="{10014CDF-9FE5-4E1C-8A78-84758F72220B}" type="datetimeFigureOut">
               <a:rPr lang="de-CH" smtClean="0"/>
-              <a:t>14.07.2017</a:t>
+              <a:t>17.07.2017</a:t>
             </a:fld>
             <a:endParaRPr lang="de-CH"/>
           </a:p>
@@ -2587,7 +2587,7 @@
           <a:p>
             <a:fld id="{10014CDF-9FE5-4E1C-8A78-84758F72220B}" type="datetimeFigureOut">
               <a:rPr lang="de-CH" smtClean="0"/>
-              <a:t>14.07.2017</a:t>
+              <a:t>17.07.2017</a:t>
             </a:fld>
             <a:endParaRPr lang="de-CH"/>
           </a:p>
@@ -2900,7 +2900,7 @@
           <a:p>
             <a:fld id="{10014CDF-9FE5-4E1C-8A78-84758F72220B}" type="datetimeFigureOut">
               <a:rPr lang="de-CH" smtClean="0"/>
-              <a:t>14.07.2017</a:t>
+              <a:t>17.07.2017</a:t>
             </a:fld>
             <a:endParaRPr lang="de-CH"/>
           </a:p>
@@ -3189,7 +3189,7 @@
           <a:p>
             <a:fld id="{10014CDF-9FE5-4E1C-8A78-84758F72220B}" type="datetimeFigureOut">
               <a:rPr lang="de-CH" smtClean="0"/>
-              <a:t>14.07.2017</a:t>
+              <a:t>17.07.2017</a:t>
             </a:fld>
             <a:endParaRPr lang="de-CH"/>
           </a:p>
@@ -3432,7 +3432,7 @@
           <a:p>
             <a:fld id="{10014CDF-9FE5-4E1C-8A78-84758F72220B}" type="datetimeFigureOut">
               <a:rPr lang="de-CH" smtClean="0"/>
-              <a:t>14.07.2017</a:t>
+              <a:t>17.07.2017</a:t>
             </a:fld>
             <a:endParaRPr lang="de-CH"/>
           </a:p>
@@ -4270,7 +4270,7 @@
           <p:spPr>
             <a:xfrm>
               <a:off x="1275904" y="1609507"/>
-              <a:ext cx="1796530" cy="352926"/>
+              <a:ext cx="1420654" cy="488800"/>
             </a:xfrm>
             <a:prstGeom prst="roundRect">
               <a:avLst/>
@@ -4328,6 +4328,17 @@
                 <a:t>Prozesse</a:t>
               </a:r>
             </a:p>
+            <a:p>
+              <a:pPr algn="ctr"/>
+              <a:r>
+                <a:rPr lang="de-CH" sz="1200" dirty="0">
+                  <a:solidFill>
+                    <a:schemeClr val="tx1"/>
+                  </a:solidFill>
+                </a:rPr>
+                <a:t>+ XMON</a:t>
+              </a:r>
+            </a:p>
           </p:txBody>
         </p:sp>
       </p:grpSp>
@@ -4341,7 +4352,12 @@
             <p:ph type="body" sz="quarter" idx="10"/>
           </p:nvPr>
         </p:nvSpPr>
-        <p:spPr/>
+        <p:spPr>
+          <a:xfrm>
+            <a:off x="500040" y="576000"/>
+            <a:ext cx="11161538" cy="432948"/>
+          </a:xfrm>
+        </p:spPr>
         <p:txBody>
           <a:bodyPr/>
           <a:lstStyle/>
@@ -4644,659 +4660,6 @@
             </a:p>
           </p:txBody>
         </p:sp>
-      </p:grpSp>
-      <p:grpSp>
-        <p:nvGrpSpPr>
-          <p:cNvPr id="74" name="Gruppieren 73">
-            <a:extLst>
-              <a:ext uri="{FF2B5EF4-FFF2-40B4-BE49-F238E27FC236}">
-                <a16:creationId xmlns:a16="http://schemas.microsoft.com/office/drawing/2014/main" id="{7E545433-8269-4674-AE57-73A8B300A235}"/>
-              </a:ext>
-            </a:extLst>
-          </p:cNvPr>
-          <p:cNvGrpSpPr/>
-          <p:nvPr/>
-        </p:nvGrpSpPr>
-        <p:grpSpPr>
-          <a:xfrm>
-            <a:off x="2147774" y="2102480"/>
-            <a:ext cx="1911250" cy="1170477"/>
-            <a:chOff x="2147774" y="1988291"/>
-            <a:chExt cx="1911250" cy="1199614"/>
-          </a:xfrm>
-        </p:grpSpPr>
-        <p:sp>
-          <p:nvSpPr>
-            <p:cNvPr id="27" name="Rechteck: abgerundete Ecken 26">
-              <a:extLst>
-                <a:ext uri="{FF2B5EF4-FFF2-40B4-BE49-F238E27FC236}">
-                  <a16:creationId xmlns:a16="http://schemas.microsoft.com/office/drawing/2014/main" id="{0F423684-8931-4599-9202-F55E19FD7731}"/>
-                </a:ext>
-              </a:extLst>
-            </p:cNvPr>
-            <p:cNvSpPr/>
-            <p:nvPr/>
-          </p:nvSpPr>
-          <p:spPr>
-            <a:xfrm>
-              <a:off x="3072434" y="2834979"/>
-              <a:ext cx="986590" cy="352926"/>
-            </a:xfrm>
-            <a:prstGeom prst="roundRect">
-              <a:avLst/>
-            </a:prstGeom>
-            <a:solidFill>
-              <a:schemeClr val="accent2">
-                <a:lumMod val="60000"/>
-                <a:lumOff val="40000"/>
-              </a:schemeClr>
-            </a:solidFill>
-          </p:spPr>
-          <p:style>
-            <a:lnRef idx="2">
-              <a:schemeClr val="accent1">
-                <a:shade val="50000"/>
-              </a:schemeClr>
-            </a:lnRef>
-            <a:fillRef idx="1">
-              <a:schemeClr val="accent1"/>
-            </a:fillRef>
-            <a:effectRef idx="0">
-              <a:schemeClr val="accent1"/>
-            </a:effectRef>
-            <a:fontRef idx="minor">
-              <a:schemeClr val="lt1"/>
-            </a:fontRef>
-          </p:style>
-          <p:txBody>
-            <a:bodyPr rtlCol="0" anchor="ctr"/>
-            <a:lstStyle/>
-            <a:p>
-              <a:pPr algn="ctr"/>
-              <a:r>
-                <a:rPr lang="de-CH" sz="1200" b="1" dirty="0">
-                  <a:solidFill>
-                    <a:schemeClr val="tx1"/>
-                  </a:solidFill>
-                </a:rPr>
-                <a:t>Monitor</a:t>
-              </a:r>
-              <a:r>
-                <a:rPr lang="de-CH" sz="1200" dirty="0">
-                  <a:solidFill>
-                    <a:schemeClr val="tx1"/>
-                  </a:solidFill>
-                </a:rPr>
-                <a:t> API</a:t>
-              </a:r>
-            </a:p>
-          </p:txBody>
-        </p:sp>
-        <p:cxnSp>
-          <p:nvCxnSpPr>
-            <p:cNvPr id="45" name="Gerade Verbindung mit Pfeil 44">
-              <a:extLst>
-                <a:ext uri="{FF2B5EF4-FFF2-40B4-BE49-F238E27FC236}">
-                  <a16:creationId xmlns:a16="http://schemas.microsoft.com/office/drawing/2014/main" id="{8DC9EFDB-E843-4696-9E85-5EAA4E1BB64C}"/>
-                </a:ext>
-              </a:extLst>
-            </p:cNvPr>
-            <p:cNvCxnSpPr>
-              <a:endCxn id="27" idx="1"/>
-            </p:cNvCxnSpPr>
-            <p:nvPr/>
-          </p:nvCxnSpPr>
-          <p:spPr>
-            <a:xfrm>
-              <a:off x="2147774" y="1988291"/>
-              <a:ext cx="924660" cy="1023151"/>
-            </a:xfrm>
-            <a:prstGeom prst="straightConnector1">
-              <a:avLst/>
-            </a:prstGeom>
-            <a:ln w="25400">
-              <a:solidFill>
-                <a:schemeClr val="accent2">
-                  <a:lumMod val="60000"/>
-                  <a:lumOff val="40000"/>
-                </a:schemeClr>
-              </a:solidFill>
-              <a:tailEnd type="triangle"/>
-            </a:ln>
-          </p:spPr>
-          <p:style>
-            <a:lnRef idx="1">
-              <a:schemeClr val="accent1"/>
-            </a:lnRef>
-            <a:fillRef idx="0">
-              <a:schemeClr val="accent1"/>
-            </a:fillRef>
-            <a:effectRef idx="0">
-              <a:schemeClr val="accent1"/>
-            </a:effectRef>
-            <a:fontRef idx="minor">
-              <a:schemeClr val="tx1"/>
-            </a:fontRef>
-          </p:style>
-        </p:cxnSp>
-      </p:grpSp>
-      <p:grpSp>
-        <p:nvGrpSpPr>
-          <p:cNvPr id="81" name="Gruppieren 80">
-            <a:extLst>
-              <a:ext uri="{FF2B5EF4-FFF2-40B4-BE49-F238E27FC236}">
-                <a16:creationId xmlns:a16="http://schemas.microsoft.com/office/drawing/2014/main" id="{90F1559D-EB81-4567-9035-28373DBC3B96}"/>
-              </a:ext>
-            </a:extLst>
-          </p:cNvPr>
-          <p:cNvGrpSpPr/>
-          <p:nvPr/>
-        </p:nvGrpSpPr>
-        <p:grpSpPr>
-          <a:xfrm>
-            <a:off x="2248418" y="3272957"/>
-            <a:ext cx="2634621" cy="2199758"/>
-            <a:chOff x="2248418" y="3272957"/>
-            <a:chExt cx="2634621" cy="2199758"/>
-          </a:xfrm>
-        </p:grpSpPr>
-        <p:sp>
-          <p:nvSpPr>
-            <p:cNvPr id="46" name="Rechteck: abgerundete Ecken 45">
-              <a:extLst>
-                <a:ext uri="{FF2B5EF4-FFF2-40B4-BE49-F238E27FC236}">
-                  <a16:creationId xmlns:a16="http://schemas.microsoft.com/office/drawing/2014/main" id="{C52D6862-D265-4DAB-A748-0915F72EE8E2}"/>
-                </a:ext>
-              </a:extLst>
-            </p:cNvPr>
-            <p:cNvSpPr/>
-            <p:nvPr/>
-          </p:nvSpPr>
-          <p:spPr>
-            <a:xfrm>
-              <a:off x="2248418" y="4830409"/>
-              <a:ext cx="2634621" cy="642306"/>
-            </a:xfrm>
-            <a:prstGeom prst="roundRect">
-              <a:avLst/>
-            </a:prstGeom>
-          </p:spPr>
-          <p:style>
-            <a:lnRef idx="2">
-              <a:schemeClr val="accent1">
-                <a:shade val="50000"/>
-              </a:schemeClr>
-            </a:lnRef>
-            <a:fillRef idx="1">
-              <a:schemeClr val="accent1"/>
-            </a:fillRef>
-            <a:effectRef idx="0">
-              <a:schemeClr val="accent1"/>
-            </a:effectRef>
-            <a:fontRef idx="minor">
-              <a:schemeClr val="lt1"/>
-            </a:fontRef>
-          </p:style>
-          <p:txBody>
-            <a:bodyPr rtlCol="0" anchor="ctr"/>
-            <a:lstStyle/>
-            <a:p>
-              <a:endParaRPr lang="de-CH" dirty="0"/>
-            </a:p>
-            <a:p>
-              <a:r>
-                <a:rPr lang="de-CH" dirty="0" err="1"/>
-                <a:t>To</a:t>
-              </a:r>
-              <a:r>
-                <a:rPr lang="de-CH" dirty="0"/>
-                <a:t> </a:t>
-              </a:r>
-              <a:r>
-                <a:rPr lang="de-CH" dirty="0" err="1"/>
-                <a:t>be</a:t>
-              </a:r>
-              <a:r>
-                <a:rPr lang="de-CH" dirty="0"/>
-                <a:t> </a:t>
-              </a:r>
-              <a:r>
-                <a:rPr lang="de-CH" dirty="0" err="1"/>
-                <a:t>developed</a:t>
-              </a:r>
-              <a:endParaRPr lang="de-CH" dirty="0"/>
-            </a:p>
-            <a:p>
-              <a:r>
-                <a:rPr lang="de-CH" dirty="0" err="1"/>
-                <a:t>by</a:t>
-              </a:r>
-              <a:r>
-                <a:rPr lang="de-CH" dirty="0"/>
-                <a:t> Glen (XENTIS 5.5.0)</a:t>
-              </a:r>
-            </a:p>
-            <a:p>
-              <a:pPr algn="ctr"/>
-              <a:endParaRPr lang="de-CH" dirty="0"/>
-            </a:p>
-          </p:txBody>
-        </p:sp>
-        <p:cxnSp>
-          <p:nvCxnSpPr>
-            <p:cNvPr id="47" name="Gerade Verbindung mit Pfeil 46">
-              <a:extLst>
-                <a:ext uri="{FF2B5EF4-FFF2-40B4-BE49-F238E27FC236}">
-                  <a16:creationId xmlns:a16="http://schemas.microsoft.com/office/drawing/2014/main" id="{1545236C-31DD-4E28-9D9F-E301098506C0}"/>
-                </a:ext>
-              </a:extLst>
-            </p:cNvPr>
-            <p:cNvCxnSpPr>
-              <a:cxnSpLocks/>
-              <a:stCxn id="46" idx="0"/>
-              <a:endCxn id="27" idx="2"/>
-            </p:cNvCxnSpPr>
-            <p:nvPr/>
-          </p:nvCxnSpPr>
-          <p:spPr>
-            <a:xfrm flipV="1">
-              <a:off x="3565729" y="3272957"/>
-              <a:ext cx="0" cy="1557452"/>
-            </a:xfrm>
-            <a:prstGeom prst="straightConnector1">
-              <a:avLst/>
-            </a:prstGeom>
-            <a:ln w="25400">
-              <a:tailEnd type="triangle"/>
-            </a:ln>
-          </p:spPr>
-          <p:style>
-            <a:lnRef idx="1">
-              <a:schemeClr val="accent1"/>
-            </a:lnRef>
-            <a:fillRef idx="0">
-              <a:schemeClr val="accent1"/>
-            </a:fillRef>
-            <a:effectRef idx="0">
-              <a:schemeClr val="accent1"/>
-            </a:effectRef>
-            <a:fontRef idx="minor">
-              <a:schemeClr val="tx1"/>
-            </a:fontRef>
-          </p:style>
-        </p:cxnSp>
-      </p:grpSp>
-      <p:grpSp>
-        <p:nvGrpSpPr>
-          <p:cNvPr id="84" name="Gruppieren 83">
-            <a:extLst>
-              <a:ext uri="{FF2B5EF4-FFF2-40B4-BE49-F238E27FC236}">
-                <a16:creationId xmlns:a16="http://schemas.microsoft.com/office/drawing/2014/main" id="{7C745435-FFBE-4C2B-9AAC-2FF66E595B91}"/>
-              </a:ext>
-            </a:extLst>
-          </p:cNvPr>
-          <p:cNvGrpSpPr/>
-          <p:nvPr/>
-        </p:nvGrpSpPr>
-        <p:grpSpPr>
-          <a:xfrm>
-            <a:off x="220212" y="2400542"/>
-            <a:ext cx="5051945" cy="2384110"/>
-            <a:chOff x="220212" y="2343439"/>
-            <a:chExt cx="5051945" cy="2441213"/>
-          </a:xfrm>
-        </p:grpSpPr>
-        <p:sp>
-          <p:nvSpPr>
-            <p:cNvPr id="35" name="Textfeld 34">
-              <a:extLst>
-                <a:ext uri="{FF2B5EF4-FFF2-40B4-BE49-F238E27FC236}">
-                  <a16:creationId xmlns:a16="http://schemas.microsoft.com/office/drawing/2014/main" id="{4CA05729-3F08-4613-8518-DD096BE2E1DF}"/>
-                </a:ext>
-              </a:extLst>
-            </p:cNvPr>
-            <p:cNvSpPr txBox="1"/>
-            <p:nvPr/>
-          </p:nvSpPr>
-          <p:spPr>
-            <a:xfrm rot="20340380">
-              <a:off x="4036752" y="2343439"/>
-              <a:ext cx="1140505" cy="461665"/>
-            </a:xfrm>
-            <a:prstGeom prst="rect">
-              <a:avLst/>
-            </a:prstGeom>
-            <a:noFill/>
-          </p:spPr>
-          <p:txBody>
-            <a:bodyPr wrap="none" rtlCol="0">
-              <a:spAutoFit/>
-            </a:bodyPr>
-            <a:lstStyle/>
-            <a:p>
-              <a:r>
-                <a:rPr lang="de-CH" sz="1200" dirty="0"/>
-                <a:t>More </a:t>
-              </a:r>
-              <a:r>
-                <a:rPr lang="de-CH" sz="1200" dirty="0" err="1"/>
-                <a:t>Complex</a:t>
-              </a:r>
-              <a:r>
-                <a:rPr lang="de-CH" sz="1200" dirty="0"/>
-                <a:t> </a:t>
-              </a:r>
-            </a:p>
-            <a:p>
-              <a:r>
-                <a:rPr lang="de-CH" sz="1200" dirty="0" err="1"/>
-                <a:t>Datatypes</a:t>
-              </a:r>
-              <a:endParaRPr lang="de-CH" sz="1200" dirty="0"/>
-            </a:p>
-          </p:txBody>
-        </p:sp>
-        <p:cxnSp>
-          <p:nvCxnSpPr>
-            <p:cNvPr id="36" name="Gerade Verbindung mit Pfeil 35">
-              <a:extLst>
-                <a:ext uri="{FF2B5EF4-FFF2-40B4-BE49-F238E27FC236}">
-                  <a16:creationId xmlns:a16="http://schemas.microsoft.com/office/drawing/2014/main" id="{84C62580-2D83-415A-8ABF-D7005982D707}"/>
-                </a:ext>
-              </a:extLst>
-            </p:cNvPr>
-            <p:cNvCxnSpPr>
-              <a:cxnSpLocks/>
-              <a:endCxn id="41" idx="1"/>
-            </p:cNvCxnSpPr>
-            <p:nvPr/>
-          </p:nvCxnSpPr>
-          <p:spPr>
-            <a:xfrm flipV="1">
-              <a:off x="4059024" y="2662835"/>
-              <a:ext cx="1095961" cy="401772"/>
-            </a:xfrm>
-            <a:prstGeom prst="straightConnector1">
-              <a:avLst/>
-            </a:prstGeom>
-            <a:ln>
-              <a:tailEnd type="triangle"/>
-            </a:ln>
-          </p:spPr>
-          <p:style>
-            <a:lnRef idx="1">
-              <a:schemeClr val="accent1"/>
-            </a:lnRef>
-            <a:fillRef idx="0">
-              <a:schemeClr val="accent1"/>
-            </a:fillRef>
-            <a:effectRef idx="0">
-              <a:schemeClr val="accent1"/>
-            </a:effectRef>
-            <a:fontRef idx="minor">
-              <a:schemeClr val="tx1"/>
-            </a:fontRef>
-          </p:style>
-        </p:cxnSp>
-        <p:cxnSp>
-          <p:nvCxnSpPr>
-            <p:cNvPr id="37" name="Gerade Verbindung mit Pfeil 36">
-              <a:extLst>
-                <a:ext uri="{FF2B5EF4-FFF2-40B4-BE49-F238E27FC236}">
-                  <a16:creationId xmlns:a16="http://schemas.microsoft.com/office/drawing/2014/main" id="{5A6FA79E-90FD-43D6-83A1-B68D03C2F6DD}"/>
-                </a:ext>
-              </a:extLst>
-            </p:cNvPr>
-            <p:cNvCxnSpPr>
-              <a:cxnSpLocks/>
-              <a:endCxn id="42" idx="1"/>
-            </p:cNvCxnSpPr>
-            <p:nvPr/>
-          </p:nvCxnSpPr>
-          <p:spPr>
-            <a:xfrm>
-              <a:off x="4059024" y="3064607"/>
-              <a:ext cx="1097237" cy="876258"/>
-            </a:xfrm>
-            <a:prstGeom prst="straightConnector1">
-              <a:avLst/>
-            </a:prstGeom>
-            <a:ln>
-              <a:tailEnd type="triangle"/>
-            </a:ln>
-          </p:spPr>
-          <p:style>
-            <a:lnRef idx="1">
-              <a:schemeClr val="accent1"/>
-            </a:lnRef>
-            <a:fillRef idx="0">
-              <a:schemeClr val="accent1"/>
-            </a:fillRef>
-            <a:effectRef idx="0">
-              <a:schemeClr val="accent1"/>
-            </a:effectRef>
-            <a:fontRef idx="minor">
-              <a:schemeClr val="tx1"/>
-            </a:fontRef>
-          </p:style>
-        </p:cxnSp>
-        <p:sp>
-          <p:nvSpPr>
-            <p:cNvPr id="38" name="Textfeld 37">
-              <a:extLst>
-                <a:ext uri="{FF2B5EF4-FFF2-40B4-BE49-F238E27FC236}">
-                  <a16:creationId xmlns:a16="http://schemas.microsoft.com/office/drawing/2014/main" id="{83E9551B-A96C-487C-81D9-E22DD6D72231}"/>
-                </a:ext>
-              </a:extLst>
-            </p:cNvPr>
-            <p:cNvSpPr txBox="1"/>
-            <p:nvPr/>
-          </p:nvSpPr>
-          <p:spPr>
-            <a:xfrm rot="2450753">
-              <a:off x="3795021" y="3501808"/>
-              <a:ext cx="1477136" cy="461665"/>
-            </a:xfrm>
-            <a:prstGeom prst="rect">
-              <a:avLst/>
-            </a:prstGeom>
-            <a:noFill/>
-          </p:spPr>
-          <p:txBody>
-            <a:bodyPr wrap="none" rtlCol="0">
-              <a:spAutoFit/>
-            </a:bodyPr>
-            <a:lstStyle/>
-            <a:p>
-              <a:r>
-                <a:rPr lang="de-CH" sz="1200" dirty="0"/>
-                <a:t>Time Series Data</a:t>
-              </a:r>
-            </a:p>
-            <a:p>
-              <a:r>
-                <a:rPr lang="de-CH" sz="1200" dirty="0"/>
-                <a:t>(</a:t>
-              </a:r>
-              <a:r>
-                <a:rPr lang="de-CH" sz="1200" dirty="0" err="1"/>
-                <a:t>Typical</a:t>
-              </a:r>
-              <a:r>
-                <a:rPr lang="de-CH" sz="1200" dirty="0"/>
-                <a:t> </a:t>
-              </a:r>
-              <a:r>
-                <a:rPr lang="de-CH" sz="1200" dirty="0" err="1"/>
-                <a:t>Metric</a:t>
-              </a:r>
-              <a:r>
-                <a:rPr lang="de-CH" sz="1200" dirty="0"/>
-                <a:t> Data)</a:t>
-              </a:r>
-            </a:p>
-          </p:txBody>
-        </p:sp>
-        <p:grpSp>
-          <p:nvGrpSpPr>
-            <p:cNvPr id="83" name="Gruppieren 82">
-              <a:extLst>
-                <a:ext uri="{FF2B5EF4-FFF2-40B4-BE49-F238E27FC236}">
-                  <a16:creationId xmlns:a16="http://schemas.microsoft.com/office/drawing/2014/main" id="{DA82034C-E4C8-4D2E-BC2A-AE75B00E0B22}"/>
-                </a:ext>
-              </a:extLst>
-            </p:cNvPr>
-            <p:cNvGrpSpPr/>
-            <p:nvPr/>
-          </p:nvGrpSpPr>
-          <p:grpSpPr>
-            <a:xfrm>
-              <a:off x="220212" y="2419904"/>
-              <a:ext cx="2618678" cy="2364748"/>
-              <a:chOff x="220212" y="2419904"/>
-              <a:chExt cx="2618678" cy="2364748"/>
-            </a:xfrm>
-          </p:grpSpPr>
-          <p:sp>
-            <p:nvSpPr>
-              <p:cNvPr id="48" name="Rechteck: abgerundete Ecken 47">
-                <a:extLst>
-                  <a:ext uri="{FF2B5EF4-FFF2-40B4-BE49-F238E27FC236}">
-                    <a16:creationId xmlns:a16="http://schemas.microsoft.com/office/drawing/2014/main" id="{12B2DA58-23BC-4C2C-ACBE-251D41D9D6DB}"/>
-                  </a:ext>
-                </a:extLst>
-              </p:cNvPr>
-              <p:cNvSpPr/>
-              <p:nvPr/>
-            </p:nvSpPr>
-            <p:spPr>
-              <a:xfrm>
-                <a:off x="220212" y="3899187"/>
-                <a:ext cx="2618678" cy="885465"/>
-              </a:xfrm>
-              <a:prstGeom prst="roundRect">
-                <a:avLst/>
-              </a:prstGeom>
-            </p:spPr>
-            <p:style>
-              <a:lnRef idx="2">
-                <a:schemeClr val="accent1">
-                  <a:shade val="50000"/>
-                </a:schemeClr>
-              </a:lnRef>
-              <a:fillRef idx="1">
-                <a:schemeClr val="accent1"/>
-              </a:fillRef>
-              <a:effectRef idx="0">
-                <a:schemeClr val="accent1"/>
-              </a:effectRef>
-              <a:fontRef idx="minor">
-                <a:schemeClr val="lt1"/>
-              </a:fontRef>
-            </p:style>
-            <p:txBody>
-              <a:bodyPr rtlCol="0" anchor="ctr"/>
-              <a:lstStyle/>
-              <a:p>
-                <a:endParaRPr lang="de-CH" dirty="0"/>
-              </a:p>
-              <a:p>
-                <a:r>
-                  <a:rPr lang="de-CH" dirty="0" err="1"/>
-                  <a:t>To</a:t>
-                </a:r>
-                <a:r>
-                  <a:rPr lang="de-CH" dirty="0"/>
-                  <a:t> </a:t>
-                </a:r>
-                <a:r>
-                  <a:rPr lang="de-CH" dirty="0" err="1"/>
-                  <a:t>be</a:t>
-                </a:r>
-                <a:r>
-                  <a:rPr lang="de-CH" dirty="0"/>
-                  <a:t> </a:t>
-                </a:r>
-                <a:r>
-                  <a:rPr lang="de-CH" dirty="0" err="1"/>
-                  <a:t>feeded</a:t>
-                </a:r>
-                <a:r>
-                  <a:rPr lang="de-CH" dirty="0"/>
-                  <a:t> </a:t>
-                </a:r>
-                <a:r>
-                  <a:rPr lang="de-CH" dirty="0" err="1"/>
-                  <a:t>by</a:t>
-                </a:r>
-                <a:r>
-                  <a:rPr lang="de-CH" dirty="0"/>
-                  <a:t> </a:t>
-                </a:r>
-                <a:r>
-                  <a:rPr lang="de-CH" dirty="0" err="1"/>
-                  <a:t>the</a:t>
-                </a:r>
-                <a:r>
-                  <a:rPr lang="de-CH" dirty="0"/>
-                  <a:t> Accounting Development Team</a:t>
-                </a:r>
-              </a:p>
-              <a:p>
-                <a:pPr algn="ctr"/>
-                <a:endParaRPr lang="de-CH" dirty="0"/>
-              </a:p>
-            </p:txBody>
-          </p:sp>
-          <p:cxnSp>
-            <p:nvCxnSpPr>
-              <p:cNvPr id="49" name="Gerade Verbindung mit Pfeil 48">
-                <a:extLst>
-                  <a:ext uri="{FF2B5EF4-FFF2-40B4-BE49-F238E27FC236}">
-                    <a16:creationId xmlns:a16="http://schemas.microsoft.com/office/drawing/2014/main" id="{AF77BD53-5F3C-4952-B4DB-E785874B73E9}"/>
-                  </a:ext>
-                </a:extLst>
-              </p:cNvPr>
-              <p:cNvCxnSpPr>
-                <a:cxnSpLocks/>
-                <a:stCxn id="48" idx="0"/>
-              </p:cNvCxnSpPr>
-              <p:nvPr/>
-            </p:nvCxnSpPr>
-            <p:spPr>
-              <a:xfrm flipV="1">
-                <a:off x="1529551" y="2419904"/>
-                <a:ext cx="988301" cy="1479283"/>
-              </a:xfrm>
-              <a:prstGeom prst="straightConnector1">
-                <a:avLst/>
-              </a:prstGeom>
-              <a:ln w="25400">
-                <a:solidFill>
-                  <a:schemeClr val="accent2">
-                    <a:lumMod val="40000"/>
-                    <a:lumOff val="60000"/>
-                  </a:schemeClr>
-                </a:solidFill>
-                <a:tailEnd type="triangle"/>
-              </a:ln>
-            </p:spPr>
-            <p:style>
-              <a:lnRef idx="1">
-                <a:schemeClr val="accent1"/>
-              </a:lnRef>
-              <a:fillRef idx="0">
-                <a:schemeClr val="accent1"/>
-              </a:fillRef>
-              <a:effectRef idx="0">
-                <a:schemeClr val="accent1"/>
-              </a:effectRef>
-              <a:fontRef idx="minor">
-                <a:schemeClr val="tx1"/>
-              </a:fontRef>
-            </p:style>
-          </p:cxnSp>
-        </p:grpSp>
       </p:grpSp>
       <p:sp>
         <p:nvSpPr>
@@ -5968,9 +5331,9 @@
         <p:grpSpPr>
           <a:xfrm>
             <a:off x="1201932" y="4484299"/>
-            <a:ext cx="10821286" cy="1902816"/>
+            <a:ext cx="10821286" cy="1824435"/>
             <a:chOff x="1201932" y="4484299"/>
-            <a:chExt cx="10821286" cy="1902816"/>
+            <a:chExt cx="10821286" cy="1824435"/>
           </a:xfrm>
         </p:grpSpPr>
         <p:pic>
@@ -6143,7 +5506,7 @@
           </p:blipFill>
           <p:spPr>
             <a:xfrm>
-              <a:off x="1201932" y="5472715"/>
+              <a:off x="1201932" y="5394334"/>
               <a:ext cx="914400" cy="914400"/>
             </a:xfrm>
             <a:prstGeom prst="rect">
@@ -6169,7 +5532,7 @@
           <p:spPr>
             <a:xfrm flipV="1">
               <a:off x="2116332" y="5846286"/>
-              <a:ext cx="2978512" cy="83629"/>
+              <a:ext cx="2978512" cy="5248"/>
             </a:xfrm>
             <a:prstGeom prst="straightConnector1">
               <a:avLst/>
@@ -6206,7 +5569,7 @@
             <p:nvPr/>
           </p:nvSpPr>
           <p:spPr>
-            <a:xfrm rot="21445263">
+            <a:xfrm>
               <a:off x="2658452" y="5860054"/>
               <a:ext cx="1995226" cy="276999"/>
             </a:xfrm>
@@ -6498,6 +5861,820 @@
           </p:style>
         </p:cxnSp>
       </p:grpSp>
+      <p:grpSp>
+        <p:nvGrpSpPr>
+          <p:cNvPr id="22" name="Gruppieren 21">
+            <a:extLst>
+              <a:ext uri="{FF2B5EF4-FFF2-40B4-BE49-F238E27FC236}">
+                <a16:creationId xmlns:a16="http://schemas.microsoft.com/office/drawing/2014/main" id="{19BCC8C3-D8A6-45BE-8F9E-E09B994A059A}"/>
+              </a:ext>
+            </a:extLst>
+          </p:cNvPr>
+          <p:cNvGrpSpPr/>
+          <p:nvPr/>
+        </p:nvGrpSpPr>
+        <p:grpSpPr>
+          <a:xfrm>
+            <a:off x="2248418" y="2171789"/>
+            <a:ext cx="2634621" cy="3076899"/>
+            <a:chOff x="2248418" y="2171789"/>
+            <a:chExt cx="2634621" cy="3076899"/>
+          </a:xfrm>
+        </p:grpSpPr>
+        <p:grpSp>
+          <p:nvGrpSpPr>
+            <p:cNvPr id="81" name="Gruppieren 80">
+              <a:extLst>
+                <a:ext uri="{FF2B5EF4-FFF2-40B4-BE49-F238E27FC236}">
+                  <a16:creationId xmlns:a16="http://schemas.microsoft.com/office/drawing/2014/main" id="{90F1559D-EB81-4567-9035-28373DBC3B96}"/>
+                </a:ext>
+              </a:extLst>
+            </p:cNvPr>
+            <p:cNvGrpSpPr/>
+            <p:nvPr/>
+          </p:nvGrpSpPr>
+          <p:grpSpPr>
+            <a:xfrm>
+              <a:off x="2248418" y="2542054"/>
+              <a:ext cx="2634621" cy="2706634"/>
+              <a:chOff x="2248418" y="2542054"/>
+              <a:chExt cx="2634621" cy="2706634"/>
+            </a:xfrm>
+          </p:grpSpPr>
+          <p:sp>
+            <p:nvSpPr>
+              <p:cNvPr id="46" name="Rechteck: abgerundete Ecken 45">
+                <a:extLst>
+                  <a:ext uri="{FF2B5EF4-FFF2-40B4-BE49-F238E27FC236}">
+                    <a16:creationId xmlns:a16="http://schemas.microsoft.com/office/drawing/2014/main" id="{C52D6862-D265-4DAB-A748-0915F72EE8E2}"/>
+                  </a:ext>
+                </a:extLst>
+              </p:cNvPr>
+              <p:cNvSpPr/>
+              <p:nvPr/>
+            </p:nvSpPr>
+            <p:spPr>
+              <a:xfrm>
+                <a:off x="2248418" y="4830409"/>
+                <a:ext cx="2634621" cy="418279"/>
+              </a:xfrm>
+              <a:prstGeom prst="roundRect">
+                <a:avLst/>
+              </a:prstGeom>
+            </p:spPr>
+            <p:style>
+              <a:lnRef idx="2">
+                <a:schemeClr val="accent1">
+                  <a:shade val="50000"/>
+                </a:schemeClr>
+              </a:lnRef>
+              <a:fillRef idx="1">
+                <a:schemeClr val="accent1"/>
+              </a:fillRef>
+              <a:effectRef idx="0">
+                <a:schemeClr val="accent1"/>
+              </a:effectRef>
+              <a:fontRef idx="minor">
+                <a:schemeClr val="lt1"/>
+              </a:fontRef>
+            </p:style>
+            <p:txBody>
+              <a:bodyPr rtlCol="0" anchor="ctr"/>
+              <a:lstStyle/>
+              <a:p>
+                <a:endParaRPr lang="de-CH" dirty="0"/>
+              </a:p>
+              <a:p>
+                <a:r>
+                  <a:rPr lang="de-CH" sz="1400" dirty="0" err="1"/>
+                  <a:t>Delivered</a:t>
+                </a:r>
+                <a:r>
+                  <a:rPr lang="de-CH" sz="1400" dirty="0"/>
+                  <a:t> </a:t>
+                </a:r>
+                <a:r>
+                  <a:rPr lang="de-CH" sz="1400" dirty="0" err="1"/>
+                  <a:t>with</a:t>
+                </a:r>
+                <a:r>
+                  <a:rPr lang="de-CH" sz="1400" dirty="0"/>
+                  <a:t> XENTIS 5.5</a:t>
+                </a:r>
+              </a:p>
+              <a:p>
+                <a:pPr algn="ctr"/>
+                <a:endParaRPr lang="de-CH" dirty="0"/>
+              </a:p>
+            </p:txBody>
+          </p:sp>
+          <p:cxnSp>
+            <p:nvCxnSpPr>
+              <p:cNvPr id="47" name="Gerade Verbindung mit Pfeil 46">
+                <a:extLst>
+                  <a:ext uri="{FF2B5EF4-FFF2-40B4-BE49-F238E27FC236}">
+                    <a16:creationId xmlns:a16="http://schemas.microsoft.com/office/drawing/2014/main" id="{1545236C-31DD-4E28-9D9F-E301098506C0}"/>
+                  </a:ext>
+                </a:extLst>
+              </p:cNvPr>
+              <p:cNvCxnSpPr>
+                <a:cxnSpLocks/>
+                <a:stCxn id="46" idx="0"/>
+                <a:endCxn id="27" idx="2"/>
+              </p:cNvCxnSpPr>
+              <p:nvPr/>
+            </p:nvCxnSpPr>
+            <p:spPr>
+              <a:xfrm flipV="1">
+                <a:off x="3565729" y="2542054"/>
+                <a:ext cx="33948" cy="2288355"/>
+              </a:xfrm>
+              <a:prstGeom prst="straightConnector1">
+                <a:avLst/>
+              </a:prstGeom>
+              <a:ln w="12700">
+                <a:solidFill>
+                  <a:schemeClr val="tx1"/>
+                </a:solidFill>
+                <a:tailEnd type="triangle"/>
+              </a:ln>
+            </p:spPr>
+            <p:style>
+              <a:lnRef idx="1">
+                <a:schemeClr val="accent1"/>
+              </a:lnRef>
+              <a:fillRef idx="0">
+                <a:schemeClr val="accent1"/>
+              </a:fillRef>
+              <a:effectRef idx="0">
+                <a:schemeClr val="accent1"/>
+              </a:effectRef>
+              <a:fontRef idx="minor">
+                <a:schemeClr val="tx1"/>
+              </a:fontRef>
+            </p:style>
+          </p:cxnSp>
+        </p:grpSp>
+        <p:cxnSp>
+          <p:nvCxnSpPr>
+            <p:cNvPr id="85" name="Gerade Verbindung mit Pfeil 84">
+              <a:extLst>
+                <a:ext uri="{FF2B5EF4-FFF2-40B4-BE49-F238E27FC236}">
+                  <a16:creationId xmlns:a16="http://schemas.microsoft.com/office/drawing/2014/main" id="{5BB3D580-645C-4400-B7BB-2B28F3FCAEF5}"/>
+                </a:ext>
+              </a:extLst>
+            </p:cNvPr>
+            <p:cNvCxnSpPr>
+              <a:cxnSpLocks/>
+              <a:stCxn id="46" idx="0"/>
+              <a:endCxn id="70" idx="2"/>
+            </p:cNvCxnSpPr>
+            <p:nvPr/>
+          </p:nvCxnSpPr>
+          <p:spPr>
+            <a:xfrm flipH="1" flipV="1">
+              <a:off x="2645675" y="2171789"/>
+              <a:ext cx="920054" cy="2658620"/>
+            </a:xfrm>
+            <a:prstGeom prst="straightConnector1">
+              <a:avLst/>
+            </a:prstGeom>
+            <a:ln w="12700">
+              <a:solidFill>
+                <a:schemeClr val="tx1"/>
+              </a:solidFill>
+              <a:tailEnd type="triangle"/>
+            </a:ln>
+          </p:spPr>
+          <p:style>
+            <a:lnRef idx="1">
+              <a:schemeClr val="accent1"/>
+            </a:lnRef>
+            <a:fillRef idx="0">
+              <a:schemeClr val="accent1"/>
+            </a:fillRef>
+            <a:effectRef idx="0">
+              <a:schemeClr val="accent1"/>
+            </a:effectRef>
+            <a:fontRef idx="minor">
+              <a:schemeClr val="tx1"/>
+            </a:fontRef>
+          </p:style>
+        </p:cxnSp>
+      </p:grpSp>
+      <p:grpSp>
+        <p:nvGrpSpPr>
+          <p:cNvPr id="20" name="Gruppieren 19">
+            <a:extLst>
+              <a:ext uri="{FF2B5EF4-FFF2-40B4-BE49-F238E27FC236}">
+                <a16:creationId xmlns:a16="http://schemas.microsoft.com/office/drawing/2014/main" id="{70F54665-8E9F-416F-9A40-FBF541DDC09E}"/>
+              </a:ext>
+            </a:extLst>
+          </p:cNvPr>
+          <p:cNvGrpSpPr/>
+          <p:nvPr/>
+        </p:nvGrpSpPr>
+        <p:grpSpPr>
+          <a:xfrm>
+            <a:off x="2269230" y="1915025"/>
+            <a:ext cx="2978164" cy="2050229"/>
+            <a:chOff x="2269230" y="1915025"/>
+            <a:chExt cx="2978164" cy="2050229"/>
+          </a:xfrm>
+        </p:grpSpPr>
+        <p:sp>
+          <p:nvSpPr>
+            <p:cNvPr id="27" name="Rechteck: abgerundete Ecken 26">
+              <a:extLst>
+                <a:ext uri="{FF2B5EF4-FFF2-40B4-BE49-F238E27FC236}">
+                  <a16:creationId xmlns:a16="http://schemas.microsoft.com/office/drawing/2014/main" id="{0F423684-8931-4599-9202-F55E19FD7731}"/>
+                </a:ext>
+              </a:extLst>
+            </p:cNvPr>
+            <p:cNvSpPr/>
+            <p:nvPr/>
+          </p:nvSpPr>
+          <p:spPr>
+            <a:xfrm>
+              <a:off x="3106382" y="2197700"/>
+              <a:ext cx="986590" cy="344354"/>
+            </a:xfrm>
+            <a:prstGeom prst="roundRect">
+              <a:avLst/>
+            </a:prstGeom>
+            <a:solidFill>
+              <a:schemeClr val="accent2">
+                <a:lumMod val="60000"/>
+                <a:lumOff val="40000"/>
+              </a:schemeClr>
+            </a:solidFill>
+          </p:spPr>
+          <p:style>
+            <a:lnRef idx="2">
+              <a:schemeClr val="accent1">
+                <a:shade val="50000"/>
+              </a:schemeClr>
+            </a:lnRef>
+            <a:fillRef idx="1">
+              <a:schemeClr val="accent1"/>
+            </a:fillRef>
+            <a:effectRef idx="0">
+              <a:schemeClr val="accent1"/>
+            </a:effectRef>
+            <a:fontRef idx="minor">
+              <a:schemeClr val="lt1"/>
+            </a:fontRef>
+          </p:style>
+          <p:txBody>
+            <a:bodyPr rtlCol="0" anchor="ctr"/>
+            <a:lstStyle/>
+            <a:p>
+              <a:pPr algn="ctr"/>
+              <a:r>
+                <a:rPr lang="de-CH" sz="1200" b="1" dirty="0">
+                  <a:solidFill>
+                    <a:schemeClr val="tx1"/>
+                  </a:solidFill>
+                </a:rPr>
+                <a:t>Monitor</a:t>
+              </a:r>
+              <a:r>
+                <a:rPr lang="de-CH" sz="1200" dirty="0">
+                  <a:solidFill>
+                    <a:schemeClr val="tx1"/>
+                  </a:solidFill>
+                </a:rPr>
+                <a:t> API</a:t>
+              </a:r>
+            </a:p>
+          </p:txBody>
+        </p:sp>
+        <p:sp>
+          <p:nvSpPr>
+            <p:cNvPr id="35" name="Textfeld 34">
+              <a:extLst>
+                <a:ext uri="{FF2B5EF4-FFF2-40B4-BE49-F238E27FC236}">
+                  <a16:creationId xmlns:a16="http://schemas.microsoft.com/office/drawing/2014/main" id="{4CA05729-3F08-4613-8518-DD096BE2E1DF}"/>
+                </a:ext>
+              </a:extLst>
+            </p:cNvPr>
+            <p:cNvSpPr txBox="1"/>
+            <p:nvPr/>
+          </p:nvSpPr>
+          <p:spPr>
+            <a:xfrm rot="924507">
+              <a:off x="4106889" y="2315202"/>
+              <a:ext cx="1140505" cy="450866"/>
+            </a:xfrm>
+            <a:prstGeom prst="rect">
+              <a:avLst/>
+            </a:prstGeom>
+            <a:noFill/>
+          </p:spPr>
+          <p:txBody>
+            <a:bodyPr wrap="none" rtlCol="0">
+              <a:spAutoFit/>
+            </a:bodyPr>
+            <a:lstStyle/>
+            <a:p>
+              <a:r>
+                <a:rPr lang="de-CH" sz="1200" dirty="0"/>
+                <a:t>More </a:t>
+              </a:r>
+              <a:r>
+                <a:rPr lang="de-CH" sz="1200" dirty="0" err="1"/>
+                <a:t>Complex</a:t>
+              </a:r>
+              <a:r>
+                <a:rPr lang="de-CH" sz="1200" dirty="0"/>
+                <a:t> </a:t>
+              </a:r>
+            </a:p>
+            <a:p>
+              <a:r>
+                <a:rPr lang="de-CH" sz="1200" dirty="0" err="1"/>
+                <a:t>Datatypes</a:t>
+              </a:r>
+              <a:endParaRPr lang="de-CH" sz="1200" dirty="0"/>
+            </a:p>
+          </p:txBody>
+        </p:sp>
+        <p:cxnSp>
+          <p:nvCxnSpPr>
+            <p:cNvPr id="36" name="Gerade Verbindung mit Pfeil 35">
+              <a:extLst>
+                <a:ext uri="{FF2B5EF4-FFF2-40B4-BE49-F238E27FC236}">
+                  <a16:creationId xmlns:a16="http://schemas.microsoft.com/office/drawing/2014/main" id="{84C62580-2D83-415A-8ABF-D7005982D707}"/>
+                </a:ext>
+              </a:extLst>
+            </p:cNvPr>
+            <p:cNvCxnSpPr>
+              <a:cxnSpLocks/>
+              <a:stCxn id="27" idx="3"/>
+              <a:endCxn id="41" idx="1"/>
+            </p:cNvCxnSpPr>
+            <p:nvPr/>
+          </p:nvCxnSpPr>
+          <p:spPr>
+            <a:xfrm>
+              <a:off x="4092972" y="2369877"/>
+              <a:ext cx="1062013" cy="292958"/>
+            </a:xfrm>
+            <a:prstGeom prst="straightConnector1">
+              <a:avLst/>
+            </a:prstGeom>
+            <a:ln>
+              <a:solidFill>
+                <a:schemeClr val="tx1"/>
+              </a:solidFill>
+              <a:tailEnd type="triangle"/>
+            </a:ln>
+          </p:spPr>
+          <p:style>
+            <a:lnRef idx="1">
+              <a:schemeClr val="accent1"/>
+            </a:lnRef>
+            <a:fillRef idx="0">
+              <a:schemeClr val="accent1"/>
+            </a:fillRef>
+            <a:effectRef idx="0">
+              <a:schemeClr val="accent1"/>
+            </a:effectRef>
+            <a:fontRef idx="minor">
+              <a:schemeClr val="tx1"/>
+            </a:fontRef>
+          </p:style>
+        </p:cxnSp>
+        <p:sp>
+          <p:nvSpPr>
+            <p:cNvPr id="70" name="Rechteck: abgerundete Ecken 69">
+              <a:extLst>
+                <a:ext uri="{FF2B5EF4-FFF2-40B4-BE49-F238E27FC236}">
+                  <a16:creationId xmlns:a16="http://schemas.microsoft.com/office/drawing/2014/main" id="{4528A99B-F417-454F-9189-0FD09D7033E3}"/>
+                </a:ext>
+              </a:extLst>
+            </p:cNvPr>
+            <p:cNvSpPr/>
+            <p:nvPr/>
+          </p:nvSpPr>
+          <p:spPr>
+            <a:xfrm>
+              <a:off x="2269230" y="1915025"/>
+              <a:ext cx="752889" cy="256764"/>
+            </a:xfrm>
+            <a:prstGeom prst="roundRect">
+              <a:avLst/>
+            </a:prstGeom>
+            <a:solidFill>
+              <a:schemeClr val="accent2">
+                <a:lumMod val="75000"/>
+              </a:schemeClr>
+            </a:solidFill>
+            <a:ln>
+              <a:solidFill>
+                <a:schemeClr val="accent2">
+                  <a:lumMod val="40000"/>
+                  <a:lumOff val="60000"/>
+                </a:schemeClr>
+              </a:solidFill>
+            </a:ln>
+          </p:spPr>
+          <p:style>
+            <a:lnRef idx="2">
+              <a:schemeClr val="accent1">
+                <a:shade val="50000"/>
+              </a:schemeClr>
+            </a:lnRef>
+            <a:fillRef idx="1">
+              <a:schemeClr val="accent1"/>
+            </a:fillRef>
+            <a:effectRef idx="0">
+              <a:schemeClr val="accent1"/>
+            </a:effectRef>
+            <a:fontRef idx="minor">
+              <a:schemeClr val="lt1"/>
+            </a:fontRef>
+          </p:style>
+          <p:txBody>
+            <a:bodyPr rtlCol="0" anchor="ctr"/>
+            <a:lstStyle/>
+            <a:p>
+              <a:pPr algn="ctr"/>
+              <a:r>
+                <a:rPr lang="de-CH" sz="1200" b="1" dirty="0">
+                  <a:solidFill>
+                    <a:schemeClr val="tx1"/>
+                  </a:solidFill>
+                </a:rPr>
+                <a:t>HOOKS</a:t>
+              </a:r>
+              <a:endParaRPr lang="de-CH" sz="1200" dirty="0">
+                <a:solidFill>
+                  <a:schemeClr val="tx1"/>
+                </a:solidFill>
+              </a:endParaRPr>
+            </a:p>
+          </p:txBody>
+        </p:sp>
+        <p:cxnSp>
+          <p:nvCxnSpPr>
+            <p:cNvPr id="45" name="Gerade Verbindung mit Pfeil 44">
+              <a:extLst>
+                <a:ext uri="{FF2B5EF4-FFF2-40B4-BE49-F238E27FC236}">
+                  <a16:creationId xmlns:a16="http://schemas.microsoft.com/office/drawing/2014/main" id="{8DC9EFDB-E843-4696-9E85-5EAA4E1BB64C}"/>
+                </a:ext>
+              </a:extLst>
+            </p:cNvPr>
+            <p:cNvCxnSpPr>
+              <a:cxnSpLocks/>
+              <a:endCxn id="27" idx="1"/>
+            </p:cNvCxnSpPr>
+            <p:nvPr/>
+          </p:nvCxnSpPr>
+          <p:spPr>
+            <a:xfrm>
+              <a:off x="2787755" y="2120592"/>
+              <a:ext cx="318627" cy="249285"/>
+            </a:xfrm>
+            <a:prstGeom prst="straightConnector1">
+              <a:avLst/>
+            </a:prstGeom>
+            <a:ln w="25400">
+              <a:solidFill>
+                <a:schemeClr val="accent2">
+                  <a:lumMod val="60000"/>
+                  <a:lumOff val="40000"/>
+                </a:schemeClr>
+              </a:solidFill>
+              <a:tailEnd type="triangle"/>
+            </a:ln>
+          </p:spPr>
+          <p:style>
+            <a:lnRef idx="1">
+              <a:schemeClr val="accent1"/>
+            </a:lnRef>
+            <a:fillRef idx="0">
+              <a:schemeClr val="accent1"/>
+            </a:fillRef>
+            <a:effectRef idx="0">
+              <a:schemeClr val="accent1"/>
+            </a:effectRef>
+            <a:fontRef idx="minor">
+              <a:schemeClr val="tx1"/>
+            </a:fontRef>
+          </p:style>
+        </p:cxnSp>
+        <p:sp>
+          <p:nvSpPr>
+            <p:cNvPr id="38" name="Textfeld 37">
+              <a:extLst>
+                <a:ext uri="{FF2B5EF4-FFF2-40B4-BE49-F238E27FC236}">
+                  <a16:creationId xmlns:a16="http://schemas.microsoft.com/office/drawing/2014/main" id="{83E9551B-A96C-487C-81D9-E22DD6D72231}"/>
+                </a:ext>
+              </a:extLst>
+            </p:cNvPr>
+            <p:cNvSpPr txBox="1"/>
+            <p:nvPr/>
+          </p:nvSpPr>
+          <p:spPr>
+            <a:xfrm rot="3129833">
+              <a:off x="3957735" y="2986877"/>
+              <a:ext cx="1495089" cy="461665"/>
+            </a:xfrm>
+            <a:prstGeom prst="rect">
+              <a:avLst/>
+            </a:prstGeom>
+            <a:noFill/>
+          </p:spPr>
+          <p:txBody>
+            <a:bodyPr wrap="none" rtlCol="0">
+              <a:spAutoFit/>
+            </a:bodyPr>
+            <a:lstStyle/>
+            <a:p>
+              <a:r>
+                <a:rPr lang="de-CH" sz="1200" dirty="0"/>
+                <a:t>Time Series </a:t>
+              </a:r>
+              <a:r>
+                <a:rPr lang="de-CH" sz="1200" dirty="0" err="1"/>
+                <a:t>Metrics</a:t>
+              </a:r>
+              <a:endParaRPr lang="de-CH" sz="1200" dirty="0"/>
+            </a:p>
+            <a:p>
+              <a:r>
+                <a:rPr lang="de-CH" sz="1200" dirty="0"/>
+                <a:t>(</a:t>
+              </a:r>
+              <a:r>
+                <a:rPr lang="de-CH" sz="1200" dirty="0" err="1"/>
+                <a:t>Typical</a:t>
+              </a:r>
+              <a:r>
+                <a:rPr lang="de-CH" sz="1200" dirty="0"/>
+                <a:t> </a:t>
+              </a:r>
+              <a:r>
+                <a:rPr lang="de-CH" sz="1200" dirty="0" err="1"/>
+                <a:t>Metric</a:t>
+              </a:r>
+              <a:r>
+                <a:rPr lang="de-CH" sz="1200" dirty="0"/>
+                <a:t> Data)</a:t>
+              </a:r>
+            </a:p>
+          </p:txBody>
+        </p:sp>
+        <p:cxnSp>
+          <p:nvCxnSpPr>
+            <p:cNvPr id="37" name="Gerade Verbindung mit Pfeil 36">
+              <a:extLst>
+                <a:ext uri="{FF2B5EF4-FFF2-40B4-BE49-F238E27FC236}">
+                  <a16:creationId xmlns:a16="http://schemas.microsoft.com/office/drawing/2014/main" id="{5A6FA79E-90FD-43D6-83A1-B68D03C2F6DD}"/>
+                </a:ext>
+              </a:extLst>
+            </p:cNvPr>
+            <p:cNvCxnSpPr>
+              <a:cxnSpLocks/>
+            </p:cNvCxnSpPr>
+            <p:nvPr/>
+          </p:nvCxnSpPr>
+          <p:spPr>
+            <a:xfrm>
+              <a:off x="4065986" y="2490522"/>
+              <a:ext cx="1122854" cy="1324129"/>
+            </a:xfrm>
+            <a:prstGeom prst="straightConnector1">
+              <a:avLst/>
+            </a:prstGeom>
+            <a:ln>
+              <a:solidFill>
+                <a:schemeClr val="tx1"/>
+              </a:solidFill>
+              <a:tailEnd type="triangle"/>
+            </a:ln>
+          </p:spPr>
+          <p:style>
+            <a:lnRef idx="1">
+              <a:schemeClr val="accent1"/>
+            </a:lnRef>
+            <a:fillRef idx="0">
+              <a:schemeClr val="accent1"/>
+            </a:fillRef>
+            <a:effectRef idx="0">
+              <a:schemeClr val="accent1"/>
+            </a:effectRef>
+            <a:fontRef idx="minor">
+              <a:schemeClr val="tx1"/>
+            </a:fontRef>
+          </p:style>
+        </p:cxnSp>
+      </p:grpSp>
+      <p:grpSp>
+        <p:nvGrpSpPr>
+          <p:cNvPr id="21" name="Gruppieren 20">
+            <a:extLst>
+              <a:ext uri="{FF2B5EF4-FFF2-40B4-BE49-F238E27FC236}">
+                <a16:creationId xmlns:a16="http://schemas.microsoft.com/office/drawing/2014/main" id="{77318FD3-D361-4776-B4E0-A3122D3E6AA2}"/>
+              </a:ext>
+            </a:extLst>
+          </p:cNvPr>
+          <p:cNvGrpSpPr/>
+          <p:nvPr/>
+        </p:nvGrpSpPr>
+        <p:grpSpPr>
+          <a:xfrm>
+            <a:off x="1146602" y="2579871"/>
+            <a:ext cx="4042238" cy="1497504"/>
+            <a:chOff x="1146602" y="2579871"/>
+            <a:chExt cx="4042238" cy="1497504"/>
+          </a:xfrm>
+        </p:grpSpPr>
+        <p:sp>
+          <p:nvSpPr>
+            <p:cNvPr id="63" name="Rechteck: abgerundete Ecken 62">
+              <a:extLst>
+                <a:ext uri="{FF2B5EF4-FFF2-40B4-BE49-F238E27FC236}">
+                  <a16:creationId xmlns:a16="http://schemas.microsoft.com/office/drawing/2014/main" id="{8E5FE157-443B-4B60-B568-3BE9A7446426}"/>
+                </a:ext>
+              </a:extLst>
+            </p:cNvPr>
+            <p:cNvSpPr/>
+            <p:nvPr/>
+          </p:nvSpPr>
+          <p:spPr>
+            <a:xfrm>
+              <a:off x="1146602" y="2579871"/>
+              <a:ext cx="1397041" cy="488800"/>
+            </a:xfrm>
+            <a:prstGeom prst="roundRect">
+              <a:avLst/>
+            </a:prstGeom>
+            <a:solidFill>
+              <a:schemeClr val="accent2">
+                <a:lumMod val="40000"/>
+                <a:lumOff val="60000"/>
+              </a:schemeClr>
+            </a:solidFill>
+            <a:ln>
+              <a:solidFill>
+                <a:schemeClr val="accent2">
+                  <a:lumMod val="40000"/>
+                  <a:lumOff val="60000"/>
+                </a:schemeClr>
+              </a:solidFill>
+            </a:ln>
+          </p:spPr>
+          <p:style>
+            <a:lnRef idx="2">
+              <a:schemeClr val="accent1">
+                <a:shade val="50000"/>
+              </a:schemeClr>
+            </a:lnRef>
+            <a:fillRef idx="1">
+              <a:schemeClr val="accent1"/>
+            </a:fillRef>
+            <a:effectRef idx="0">
+              <a:schemeClr val="accent1"/>
+            </a:effectRef>
+            <a:fontRef idx="minor">
+              <a:schemeClr val="lt1"/>
+            </a:fontRef>
+          </p:style>
+          <p:txBody>
+            <a:bodyPr rtlCol="0" anchor="ctr"/>
+            <a:lstStyle/>
+            <a:p>
+              <a:pPr algn="ctr"/>
+              <a:r>
+                <a:rPr lang="de-CH" sz="1200" b="1" dirty="0" err="1">
+                  <a:solidFill>
+                    <a:schemeClr val="tx1"/>
+                  </a:solidFill>
+                </a:rPr>
+                <a:t>Collectd</a:t>
+              </a:r>
+              <a:endParaRPr lang="de-CH" sz="1200" dirty="0">
+                <a:solidFill>
+                  <a:schemeClr val="tx1"/>
+                </a:solidFill>
+              </a:endParaRPr>
+            </a:p>
+          </p:txBody>
+        </p:sp>
+        <p:cxnSp>
+          <p:nvCxnSpPr>
+            <p:cNvPr id="12" name="Gerade Verbindung mit Pfeil 11">
+              <a:extLst>
+                <a:ext uri="{FF2B5EF4-FFF2-40B4-BE49-F238E27FC236}">
+                  <a16:creationId xmlns:a16="http://schemas.microsoft.com/office/drawing/2014/main" id="{1EB63A9B-3284-49D5-A592-910D485DFBEC}"/>
+                </a:ext>
+              </a:extLst>
+            </p:cNvPr>
+            <p:cNvCxnSpPr>
+              <a:cxnSpLocks/>
+              <a:stCxn id="63" idx="3"/>
+            </p:cNvCxnSpPr>
+            <p:nvPr/>
+          </p:nvCxnSpPr>
+          <p:spPr>
+            <a:xfrm>
+              <a:off x="2543643" y="2824271"/>
+              <a:ext cx="2645197" cy="1253104"/>
+            </a:xfrm>
+            <a:prstGeom prst="straightConnector1">
+              <a:avLst/>
+            </a:prstGeom>
+            <a:ln>
+              <a:solidFill>
+                <a:schemeClr val="tx1"/>
+              </a:solidFill>
+              <a:tailEnd type="triangle"/>
+            </a:ln>
+          </p:spPr>
+          <p:style>
+            <a:lnRef idx="1">
+              <a:schemeClr val="accent1"/>
+            </a:lnRef>
+            <a:fillRef idx="0">
+              <a:schemeClr val="accent1"/>
+            </a:fillRef>
+            <a:effectRef idx="0">
+              <a:schemeClr val="accent1"/>
+            </a:effectRef>
+            <a:fontRef idx="minor">
+              <a:schemeClr val="tx1"/>
+            </a:fontRef>
+          </p:style>
+        </p:cxnSp>
+        <p:sp>
+          <p:nvSpPr>
+            <p:cNvPr id="86" name="Textfeld 85">
+              <a:extLst>
+                <a:ext uri="{FF2B5EF4-FFF2-40B4-BE49-F238E27FC236}">
+                  <a16:creationId xmlns:a16="http://schemas.microsoft.com/office/drawing/2014/main" id="{104C989E-10AE-4D15-BF1A-5DA858BB8AC1}"/>
+                </a:ext>
+              </a:extLst>
+            </p:cNvPr>
+            <p:cNvSpPr txBox="1"/>
+            <p:nvPr/>
+          </p:nvSpPr>
+          <p:spPr>
+            <a:xfrm rot="1547930">
+              <a:off x="3619263" y="3454729"/>
+              <a:ext cx="1464632" cy="461665"/>
+            </a:xfrm>
+            <a:prstGeom prst="rect">
+              <a:avLst/>
+            </a:prstGeom>
+            <a:noFill/>
+          </p:spPr>
+          <p:txBody>
+            <a:bodyPr wrap="none" rtlCol="0">
+              <a:spAutoFit/>
+            </a:bodyPr>
+            <a:lstStyle/>
+            <a:p>
+              <a:r>
+                <a:rPr lang="de-CH" sz="1200" dirty="0"/>
+                <a:t>OS </a:t>
+              </a:r>
+              <a:r>
+                <a:rPr lang="de-CH" sz="1200" dirty="0" err="1"/>
+                <a:t>based</a:t>
+              </a:r>
+              <a:r>
+                <a:rPr lang="de-CH" sz="1200" dirty="0"/>
+                <a:t> </a:t>
+              </a:r>
+              <a:r>
+                <a:rPr lang="de-CH" sz="1200" dirty="0" err="1"/>
+                <a:t>Metrics</a:t>
+              </a:r>
+              <a:r>
+                <a:rPr lang="de-CH" sz="1200" dirty="0"/>
+                <a:t>, </a:t>
+              </a:r>
+              <a:r>
+                <a:rPr lang="de-CH" sz="1200" dirty="0" err="1"/>
+                <a:t>if</a:t>
+              </a:r>
+              <a:r>
+                <a:rPr lang="de-CH" sz="1200" dirty="0"/>
+                <a:t> </a:t>
+              </a:r>
+            </a:p>
+            <a:p>
+              <a:r>
+                <a:rPr lang="de-CH" sz="1200" dirty="0" err="1"/>
+                <a:t>available</a:t>
+              </a:r>
+              <a:endParaRPr lang="de-CH" sz="1200" dirty="0"/>
+            </a:p>
+          </p:txBody>
+        </p:sp>
+      </p:grpSp>
     </p:spTree>
     <p:extLst>
       <p:ext uri="{BB962C8B-B14F-4D97-AF65-F5344CB8AC3E}">
@@ -6595,7 +6772,7 @@
                                           </p:stCondLst>
                                         </p:cTn>
                                         <p:tgtEl>
-                                          <p:spTgt spid="74"/>
+                                          <p:spTgt spid="75"/>
                                         </p:tgtEl>
                                         <p:attrNameLst>
                                           <p:attrName>style.visibility</p:attrName>
@@ -6609,7 +6786,7 @@
                                       <p:cBhvr>
                                         <p:cTn id="12" dur="500"/>
                                         <p:tgtEl>
-                                          <p:spTgt spid="74"/>
+                                          <p:spTgt spid="75"/>
                                         </p:tgtEl>
                                       </p:cBhvr>
                                     </p:animEffect>
@@ -6648,7 +6825,7 @@
                                           </p:stCondLst>
                                         </p:cTn>
                                         <p:tgtEl>
-                                          <p:spTgt spid="81"/>
+                                          <p:spTgt spid="76"/>
                                         </p:tgtEl>
                                         <p:attrNameLst>
                                           <p:attrName>style.visibility</p:attrName>
@@ -6662,7 +6839,7 @@
                                       <p:cBhvr>
                                         <p:cTn id="17" dur="500"/>
                                         <p:tgtEl>
-                                          <p:spTgt spid="81"/>
+                                          <p:spTgt spid="76"/>
                                         </p:tgtEl>
                                       </p:cBhvr>
                                     </p:animEffect>
@@ -6701,7 +6878,7 @@
                                           </p:stCondLst>
                                         </p:cTn>
                                         <p:tgtEl>
-                                          <p:spTgt spid="75"/>
+                                          <p:spTgt spid="77"/>
                                         </p:tgtEl>
                                         <p:attrNameLst>
                                           <p:attrName>style.visibility</p:attrName>
@@ -6715,7 +6892,7 @@
                                       <p:cBhvr>
                                         <p:cTn id="22" dur="500"/>
                                         <p:tgtEl>
-                                          <p:spTgt spid="75"/>
+                                          <p:spTgt spid="77"/>
                                         </p:tgtEl>
                                       </p:cBhvr>
                                     </p:animEffect>
@@ -6754,7 +6931,7 @@
                                           </p:stCondLst>
                                         </p:cTn>
                                         <p:tgtEl>
-                                          <p:spTgt spid="76"/>
+                                          <p:spTgt spid="78"/>
                                         </p:tgtEl>
                                         <p:attrNameLst>
                                           <p:attrName>style.visibility</p:attrName>
@@ -6768,7 +6945,7 @@
                                       <p:cBhvr>
                                         <p:cTn id="27" dur="500"/>
                                         <p:tgtEl>
-                                          <p:spTgt spid="76"/>
+                                          <p:spTgt spid="78"/>
                                         </p:tgtEl>
                                       </p:cBhvr>
                                     </p:animEffect>
@@ -6807,7 +6984,7 @@
                                           </p:stCondLst>
                                         </p:cTn>
                                         <p:tgtEl>
-                                          <p:spTgt spid="77"/>
+                                          <p:spTgt spid="5"/>
                                         </p:tgtEl>
                                         <p:attrNameLst>
                                           <p:attrName>style.visibility</p:attrName>
@@ -6821,7 +6998,7 @@
                                       <p:cBhvr>
                                         <p:cTn id="32" dur="500"/>
                                         <p:tgtEl>
-                                          <p:spTgt spid="77"/>
+                                          <p:spTgt spid="5"/>
                                         </p:tgtEl>
                                       </p:cBhvr>
                                     </p:animEffect>
@@ -6860,7 +7037,7 @@
                                           </p:stCondLst>
                                         </p:cTn>
                                         <p:tgtEl>
-                                          <p:spTgt spid="78"/>
+                                          <p:spTgt spid="80"/>
                                         </p:tgtEl>
                                         <p:attrNameLst>
                                           <p:attrName>style.visibility</p:attrName>
@@ -6874,7 +7051,7 @@
                                       <p:cBhvr>
                                         <p:cTn id="37" dur="500"/>
                                         <p:tgtEl>
-                                          <p:spTgt spid="78"/>
+                                          <p:spTgt spid="80"/>
                                         </p:tgtEl>
                                       </p:cBhvr>
                                     </p:animEffect>
@@ -6913,7 +7090,7 @@
                                           </p:stCondLst>
                                         </p:cTn>
                                         <p:tgtEl>
-                                          <p:spTgt spid="5"/>
+                                          <p:spTgt spid="20"/>
                                         </p:tgtEl>
                                         <p:attrNameLst>
                                           <p:attrName>style.visibility</p:attrName>
@@ -6927,7 +7104,7 @@
                                       <p:cBhvr>
                                         <p:cTn id="42" dur="500"/>
                                         <p:tgtEl>
-                                          <p:spTgt spid="5"/>
+                                          <p:spTgt spid="20"/>
                                         </p:tgtEl>
                                       </p:cBhvr>
                                     </p:animEffect>
@@ -6966,7 +7143,7 @@
                                           </p:stCondLst>
                                         </p:cTn>
                                         <p:tgtEl>
-                                          <p:spTgt spid="80"/>
+                                          <p:spTgt spid="22"/>
                                         </p:tgtEl>
                                         <p:attrNameLst>
                                           <p:attrName>style.visibility</p:attrName>
@@ -6980,7 +7157,7 @@
                                       <p:cBhvr>
                                         <p:cTn id="47" dur="500"/>
                                         <p:tgtEl>
-                                          <p:spTgt spid="80"/>
+                                          <p:spTgt spid="22"/>
                                         </p:tgtEl>
                                       </p:cBhvr>
                                     </p:animEffect>
@@ -7019,7 +7196,7 @@
                                           </p:stCondLst>
                                         </p:cTn>
                                         <p:tgtEl>
-                                          <p:spTgt spid="79"/>
+                                          <p:spTgt spid="21"/>
                                         </p:tgtEl>
                                         <p:attrNameLst>
                                           <p:attrName>style.visibility</p:attrName>
@@ -7033,7 +7210,7 @@
                                       <p:cBhvr>
                                         <p:cTn id="52" dur="500"/>
                                         <p:tgtEl>
-                                          <p:spTgt spid="79"/>
+                                          <p:spTgt spid="21"/>
                                         </p:tgtEl>
                                       </p:cBhvr>
                                     </p:animEffect>
@@ -7072,7 +7249,7 @@
                                           </p:stCondLst>
                                         </p:cTn>
                                         <p:tgtEl>
-                                          <p:spTgt spid="84"/>
+                                          <p:spTgt spid="79"/>
                                         </p:tgtEl>
                                         <p:attrNameLst>
                                           <p:attrName>style.visibility</p:attrName>
@@ -7086,7 +7263,7 @@
                                       <p:cBhvr>
                                         <p:cTn id="57" dur="500"/>
                                         <p:tgtEl>
-                                          <p:spTgt spid="84"/>
+                                          <p:spTgt spid="79"/>
                                         </p:tgtEl>
                                       </p:cBhvr>
                                     </p:animEffect>
@@ -7522,197 +7699,6 @@
           </p:txBody>
         </p:sp>
       </p:grpSp>
-      <p:grpSp>
-        <p:nvGrpSpPr>
-          <p:cNvPr id="73" name="Gruppieren 72">
-            <a:extLst>
-              <a:ext uri="{FF2B5EF4-FFF2-40B4-BE49-F238E27FC236}">
-                <a16:creationId xmlns:a16="http://schemas.microsoft.com/office/drawing/2014/main" id="{7984332A-E256-4E2C-9C10-1262E98E9820}"/>
-              </a:ext>
-            </a:extLst>
-          </p:cNvPr>
-          <p:cNvGrpSpPr/>
-          <p:nvPr/>
-        </p:nvGrpSpPr>
-        <p:grpSpPr>
-          <a:xfrm>
-            <a:off x="690978" y="1131202"/>
-            <a:ext cx="3039979" cy="2703095"/>
-            <a:chOff x="850602" y="1006178"/>
-            <a:chExt cx="3039979" cy="2703095"/>
-          </a:xfrm>
-        </p:grpSpPr>
-        <p:sp>
-          <p:nvSpPr>
-            <p:cNvPr id="24" name="Rechteck 23">
-              <a:extLst>
-                <a:ext uri="{FF2B5EF4-FFF2-40B4-BE49-F238E27FC236}">
-                  <a16:creationId xmlns:a16="http://schemas.microsoft.com/office/drawing/2014/main" id="{7B0E7E72-6BD6-47BF-AB2E-3DDD093F960E}"/>
-                </a:ext>
-              </a:extLst>
-            </p:cNvPr>
-            <p:cNvSpPr/>
-            <p:nvPr/>
-          </p:nvSpPr>
-          <p:spPr>
-            <a:xfrm>
-              <a:off x="850602" y="1006178"/>
-              <a:ext cx="3039979" cy="2703095"/>
-            </a:xfrm>
-            <a:prstGeom prst="rect">
-              <a:avLst/>
-            </a:prstGeom>
-            <a:solidFill>
-              <a:schemeClr val="bg1"/>
-            </a:solidFill>
-          </p:spPr>
-          <p:style>
-            <a:lnRef idx="2">
-              <a:schemeClr val="accent1">
-                <a:shade val="50000"/>
-              </a:schemeClr>
-            </a:lnRef>
-            <a:fillRef idx="1">
-              <a:schemeClr val="accent1"/>
-            </a:fillRef>
-            <a:effectRef idx="0">
-              <a:schemeClr val="accent1"/>
-            </a:effectRef>
-            <a:fontRef idx="minor">
-              <a:schemeClr val="lt1"/>
-            </a:fontRef>
-          </p:style>
-          <p:txBody>
-            <a:bodyPr rtlCol="0" anchor="ctr"/>
-            <a:lstStyle/>
-            <a:p>
-              <a:pPr algn="ctr"/>
-              <a:endParaRPr lang="de-CH" dirty="0"/>
-            </a:p>
-          </p:txBody>
-        </p:sp>
-        <p:sp>
-          <p:nvSpPr>
-            <p:cNvPr id="25" name="Rechteck 24">
-              <a:extLst>
-                <a:ext uri="{FF2B5EF4-FFF2-40B4-BE49-F238E27FC236}">
-                  <a16:creationId xmlns:a16="http://schemas.microsoft.com/office/drawing/2014/main" id="{22F8F42D-8567-4888-B584-C666862E314E}"/>
-                </a:ext>
-              </a:extLst>
-            </p:cNvPr>
-            <p:cNvSpPr/>
-            <p:nvPr/>
-          </p:nvSpPr>
-          <p:spPr>
-            <a:xfrm>
-              <a:off x="1025083" y="1166599"/>
-              <a:ext cx="2405985" cy="2219135"/>
-            </a:xfrm>
-            <a:prstGeom prst="rect">
-              <a:avLst/>
-            </a:prstGeom>
-          </p:spPr>
-          <p:style>
-            <a:lnRef idx="2">
-              <a:schemeClr val="accent1">
-                <a:shade val="50000"/>
-              </a:schemeClr>
-            </a:lnRef>
-            <a:fillRef idx="1">
-              <a:schemeClr val="accent1"/>
-            </a:fillRef>
-            <a:effectRef idx="0">
-              <a:schemeClr val="accent1"/>
-            </a:effectRef>
-            <a:fontRef idx="minor">
-              <a:schemeClr val="lt1"/>
-            </a:fontRef>
-          </p:style>
-          <p:txBody>
-            <a:bodyPr rtlCol="0" anchor="ctr"/>
-            <a:lstStyle/>
-            <a:p>
-              <a:pPr algn="ctr"/>
-              <a:endParaRPr lang="de-CH" dirty="0"/>
-            </a:p>
-          </p:txBody>
-        </p:sp>
-        <p:sp>
-          <p:nvSpPr>
-            <p:cNvPr id="39" name="Rechteck: abgerundete Ecken 38">
-              <a:extLst>
-                <a:ext uri="{FF2B5EF4-FFF2-40B4-BE49-F238E27FC236}">
-                  <a16:creationId xmlns:a16="http://schemas.microsoft.com/office/drawing/2014/main" id="{22EAB9F8-BA05-4151-B9FB-269DEE135916}"/>
-                </a:ext>
-              </a:extLst>
-            </p:cNvPr>
-            <p:cNvSpPr/>
-            <p:nvPr/>
-          </p:nvSpPr>
-          <p:spPr>
-            <a:xfrm>
-              <a:off x="1275904" y="1609507"/>
-              <a:ext cx="1796530" cy="352926"/>
-            </a:xfrm>
-            <a:prstGeom prst="roundRect">
-              <a:avLst/>
-            </a:prstGeom>
-            <a:solidFill>
-              <a:schemeClr val="accent2">
-                <a:lumMod val="40000"/>
-                <a:lumOff val="60000"/>
-              </a:schemeClr>
-            </a:solidFill>
-            <a:ln>
-              <a:solidFill>
-                <a:schemeClr val="accent2">
-                  <a:lumMod val="40000"/>
-                  <a:lumOff val="60000"/>
-                </a:schemeClr>
-              </a:solidFill>
-            </a:ln>
-          </p:spPr>
-          <p:style>
-            <a:lnRef idx="2">
-              <a:schemeClr val="accent1">
-                <a:shade val="50000"/>
-              </a:schemeClr>
-            </a:lnRef>
-            <a:fillRef idx="1">
-              <a:schemeClr val="accent1"/>
-            </a:fillRef>
-            <a:effectRef idx="0">
-              <a:schemeClr val="accent1"/>
-            </a:effectRef>
-            <a:fontRef idx="minor">
-              <a:schemeClr val="lt1"/>
-            </a:fontRef>
-          </p:style>
-          <p:txBody>
-            <a:bodyPr rtlCol="0" anchor="ctr"/>
-            <a:lstStyle/>
-            <a:p>
-              <a:pPr algn="ctr"/>
-              <a:r>
-                <a:rPr lang="de-CH" sz="1200" b="1" dirty="0">
-                  <a:solidFill>
-                    <a:schemeClr val="tx1"/>
-                  </a:solidFill>
-                </a:rPr>
-                <a:t>XENTIS </a:t>
-              </a:r>
-              <a:r>
-                <a:rPr lang="de-CH" sz="1200" dirty="0">
-                  <a:solidFill>
-                    <a:schemeClr val="tx1"/>
-                  </a:solidFill>
-                </a:rPr>
-                <a:t>Prozesse</a:t>
-              </a:r>
-            </a:p>
-          </p:txBody>
-        </p:sp>
-      </p:grpSp>
       <p:sp>
         <p:nvSpPr>
           <p:cNvPr id="2" name="Text Placeholder 1"/>
@@ -7761,43 +7747,6 @@
               <a:rPr lang="de-CH" sz="1800" dirty="0"/>
               <a:t> HOST</a:t>
             </a:r>
-          </a:p>
-        </p:txBody>
-      </p:sp>
-      <p:sp>
-        <p:nvSpPr>
-          <p:cNvPr id="26" name="Textfeld 25">
-            <a:extLst>
-              <a:ext uri="{FF2B5EF4-FFF2-40B4-BE49-F238E27FC236}">
-                <a16:creationId xmlns:a16="http://schemas.microsoft.com/office/drawing/2014/main" id="{0B0DBF91-9CFD-468E-A86B-0863185EA001}"/>
-              </a:ext>
-            </a:extLst>
-          </p:cNvPr>
-          <p:cNvSpPr txBox="1"/>
-          <p:nvPr/>
-        </p:nvSpPr>
-        <p:spPr>
-          <a:xfrm>
-            <a:off x="1492471" y="1304824"/>
-            <a:ext cx="1074979" cy="369332"/>
-          </a:xfrm>
-          <a:prstGeom prst="rect">
-            <a:avLst/>
-          </a:prstGeom>
-          <a:noFill/>
-        </p:spPr>
-        <p:txBody>
-          <a:bodyPr wrap="square" rtlCol="0">
-            <a:spAutoFit/>
-          </a:bodyPr>
-          <a:lstStyle/>
-          <a:p>
-            <a:pPr algn="ctr"/>
-            <a:r>
-              <a:rPr lang="de-CH" dirty="0" err="1"/>
-              <a:t>Xentis</a:t>
-            </a:r>
-            <a:endParaRPr lang="de-CH" dirty="0"/>
           </a:p>
         </p:txBody>
       </p:sp>
@@ -8046,141 +7995,6 @@
             </a:p>
           </p:txBody>
         </p:sp>
-      </p:grpSp>
-      <p:grpSp>
-        <p:nvGrpSpPr>
-          <p:cNvPr id="74" name="Gruppieren 73">
-            <a:extLst>
-              <a:ext uri="{FF2B5EF4-FFF2-40B4-BE49-F238E27FC236}">
-                <a16:creationId xmlns:a16="http://schemas.microsoft.com/office/drawing/2014/main" id="{7E545433-8269-4674-AE57-73A8B300A235}"/>
-              </a:ext>
-            </a:extLst>
-          </p:cNvPr>
-          <p:cNvGrpSpPr/>
-          <p:nvPr/>
-        </p:nvGrpSpPr>
-        <p:grpSpPr>
-          <a:xfrm>
-            <a:off x="2147774" y="2102480"/>
-            <a:ext cx="1911250" cy="1170477"/>
-            <a:chOff x="2147774" y="1988291"/>
-            <a:chExt cx="1911250" cy="1199614"/>
-          </a:xfrm>
-        </p:grpSpPr>
-        <p:sp>
-          <p:nvSpPr>
-            <p:cNvPr id="27" name="Rechteck: abgerundete Ecken 26">
-              <a:extLst>
-                <a:ext uri="{FF2B5EF4-FFF2-40B4-BE49-F238E27FC236}">
-                  <a16:creationId xmlns:a16="http://schemas.microsoft.com/office/drawing/2014/main" id="{0F423684-8931-4599-9202-F55E19FD7731}"/>
-                </a:ext>
-              </a:extLst>
-            </p:cNvPr>
-            <p:cNvSpPr/>
-            <p:nvPr/>
-          </p:nvSpPr>
-          <p:spPr>
-            <a:xfrm>
-              <a:off x="3072434" y="2834979"/>
-              <a:ext cx="986590" cy="352926"/>
-            </a:xfrm>
-            <a:prstGeom prst="roundRect">
-              <a:avLst/>
-            </a:prstGeom>
-            <a:solidFill>
-              <a:schemeClr val="accent2">
-                <a:lumMod val="60000"/>
-                <a:lumOff val="40000"/>
-              </a:schemeClr>
-            </a:solidFill>
-          </p:spPr>
-          <p:style>
-            <a:lnRef idx="2">
-              <a:schemeClr val="accent1">
-                <a:shade val="50000"/>
-              </a:schemeClr>
-            </a:lnRef>
-            <a:fillRef idx="1">
-              <a:schemeClr val="accent1"/>
-            </a:fillRef>
-            <a:effectRef idx="0">
-              <a:schemeClr val="accent1"/>
-            </a:effectRef>
-            <a:fontRef idx="minor">
-              <a:schemeClr val="lt1"/>
-            </a:fontRef>
-          </p:style>
-          <p:txBody>
-            <a:bodyPr rtlCol="0" anchor="ctr"/>
-            <a:lstStyle/>
-            <a:p>
-              <a:pPr algn="ctr"/>
-              <a:r>
-                <a:rPr lang="de-CH" sz="1200" b="1" dirty="0">
-                  <a:solidFill>
-                    <a:schemeClr val="tx1"/>
-                  </a:solidFill>
-                </a:rPr>
-                <a:t>Monitor</a:t>
-              </a:r>
-              <a:r>
-                <a:rPr lang="de-CH" sz="1200" dirty="0">
-                  <a:solidFill>
-                    <a:schemeClr val="tx1"/>
-                  </a:solidFill>
-                </a:rPr>
-                <a:t> API</a:t>
-              </a:r>
-            </a:p>
-          </p:txBody>
-        </p:sp>
-        <p:cxnSp>
-          <p:nvCxnSpPr>
-            <p:cNvPr id="45" name="Gerade Verbindung mit Pfeil 44">
-              <a:extLst>
-                <a:ext uri="{FF2B5EF4-FFF2-40B4-BE49-F238E27FC236}">
-                  <a16:creationId xmlns:a16="http://schemas.microsoft.com/office/drawing/2014/main" id="{8DC9EFDB-E843-4696-9E85-5EAA4E1BB64C}"/>
-                </a:ext>
-              </a:extLst>
-            </p:cNvPr>
-            <p:cNvCxnSpPr>
-              <a:endCxn id="27" idx="1"/>
-            </p:cNvCxnSpPr>
-            <p:nvPr/>
-          </p:nvCxnSpPr>
-          <p:spPr>
-            <a:xfrm>
-              <a:off x="2147774" y="1988291"/>
-              <a:ext cx="924660" cy="1023151"/>
-            </a:xfrm>
-            <a:prstGeom prst="straightConnector1">
-              <a:avLst/>
-            </a:prstGeom>
-            <a:ln w="25400">
-              <a:solidFill>
-                <a:schemeClr val="accent2">
-                  <a:lumMod val="60000"/>
-                  <a:lumOff val="40000"/>
-                </a:schemeClr>
-              </a:solidFill>
-              <a:tailEnd type="triangle"/>
-            </a:ln>
-          </p:spPr>
-          <p:style>
-            <a:lnRef idx="1">
-              <a:schemeClr val="accent1"/>
-            </a:lnRef>
-            <a:fillRef idx="0">
-              <a:schemeClr val="accent1"/>
-            </a:fillRef>
-            <a:effectRef idx="0">
-              <a:schemeClr val="accent1"/>
-            </a:effectRef>
-            <a:fontRef idx="minor">
-              <a:schemeClr val="tx1"/>
-            </a:fontRef>
-          </p:style>
-        </p:cxnSp>
       </p:grpSp>
       <p:sp>
         <p:nvSpPr>
@@ -9168,7 +8982,7 @@
                 <a:t> </a:t>
               </a:r>
               <a:r>
-                <a:rPr lang="de-CH" sz="1200" dirty="0" err="1">
+                <a:rPr lang="de-CH" sz="1200" b="1" dirty="0" err="1">
                   <a:solidFill>
                     <a:schemeClr val="tx1"/>
                   </a:solidFill>
@@ -9641,197 +9455,6 @@
           </p:txBody>
         </p:sp>
       </p:grpSp>
-      <p:grpSp>
-        <p:nvGrpSpPr>
-          <p:cNvPr id="73" name="Gruppieren 72">
-            <a:extLst>
-              <a:ext uri="{FF2B5EF4-FFF2-40B4-BE49-F238E27FC236}">
-                <a16:creationId xmlns:a16="http://schemas.microsoft.com/office/drawing/2014/main" id="{7984332A-E256-4E2C-9C10-1262E98E9820}"/>
-              </a:ext>
-            </a:extLst>
-          </p:cNvPr>
-          <p:cNvGrpSpPr/>
-          <p:nvPr/>
-        </p:nvGrpSpPr>
-        <p:grpSpPr>
-          <a:xfrm>
-            <a:off x="690978" y="1131202"/>
-            <a:ext cx="3039979" cy="2703095"/>
-            <a:chOff x="850602" y="1006178"/>
-            <a:chExt cx="3039979" cy="2703095"/>
-          </a:xfrm>
-        </p:grpSpPr>
-        <p:sp>
-          <p:nvSpPr>
-            <p:cNvPr id="24" name="Rechteck 23">
-              <a:extLst>
-                <a:ext uri="{FF2B5EF4-FFF2-40B4-BE49-F238E27FC236}">
-                  <a16:creationId xmlns:a16="http://schemas.microsoft.com/office/drawing/2014/main" id="{7B0E7E72-6BD6-47BF-AB2E-3DDD093F960E}"/>
-                </a:ext>
-              </a:extLst>
-            </p:cNvPr>
-            <p:cNvSpPr/>
-            <p:nvPr/>
-          </p:nvSpPr>
-          <p:spPr>
-            <a:xfrm>
-              <a:off x="850602" y="1006178"/>
-              <a:ext cx="3039979" cy="2703095"/>
-            </a:xfrm>
-            <a:prstGeom prst="rect">
-              <a:avLst/>
-            </a:prstGeom>
-            <a:solidFill>
-              <a:schemeClr val="bg1"/>
-            </a:solidFill>
-          </p:spPr>
-          <p:style>
-            <a:lnRef idx="2">
-              <a:schemeClr val="accent1">
-                <a:shade val="50000"/>
-              </a:schemeClr>
-            </a:lnRef>
-            <a:fillRef idx="1">
-              <a:schemeClr val="accent1"/>
-            </a:fillRef>
-            <a:effectRef idx="0">
-              <a:schemeClr val="accent1"/>
-            </a:effectRef>
-            <a:fontRef idx="minor">
-              <a:schemeClr val="lt1"/>
-            </a:fontRef>
-          </p:style>
-          <p:txBody>
-            <a:bodyPr rtlCol="0" anchor="ctr"/>
-            <a:lstStyle/>
-            <a:p>
-              <a:pPr algn="ctr"/>
-              <a:endParaRPr lang="de-CH" dirty="0"/>
-            </a:p>
-          </p:txBody>
-        </p:sp>
-        <p:sp>
-          <p:nvSpPr>
-            <p:cNvPr id="25" name="Rechteck 24">
-              <a:extLst>
-                <a:ext uri="{FF2B5EF4-FFF2-40B4-BE49-F238E27FC236}">
-                  <a16:creationId xmlns:a16="http://schemas.microsoft.com/office/drawing/2014/main" id="{22F8F42D-8567-4888-B584-C666862E314E}"/>
-                </a:ext>
-              </a:extLst>
-            </p:cNvPr>
-            <p:cNvSpPr/>
-            <p:nvPr/>
-          </p:nvSpPr>
-          <p:spPr>
-            <a:xfrm>
-              <a:off x="1025083" y="1166599"/>
-              <a:ext cx="2405985" cy="2219135"/>
-            </a:xfrm>
-            <a:prstGeom prst="rect">
-              <a:avLst/>
-            </a:prstGeom>
-          </p:spPr>
-          <p:style>
-            <a:lnRef idx="2">
-              <a:schemeClr val="accent1">
-                <a:shade val="50000"/>
-              </a:schemeClr>
-            </a:lnRef>
-            <a:fillRef idx="1">
-              <a:schemeClr val="accent1"/>
-            </a:fillRef>
-            <a:effectRef idx="0">
-              <a:schemeClr val="accent1"/>
-            </a:effectRef>
-            <a:fontRef idx="minor">
-              <a:schemeClr val="lt1"/>
-            </a:fontRef>
-          </p:style>
-          <p:txBody>
-            <a:bodyPr rtlCol="0" anchor="ctr"/>
-            <a:lstStyle/>
-            <a:p>
-              <a:pPr algn="ctr"/>
-              <a:endParaRPr lang="de-CH" dirty="0"/>
-            </a:p>
-          </p:txBody>
-        </p:sp>
-        <p:sp>
-          <p:nvSpPr>
-            <p:cNvPr id="39" name="Rechteck: abgerundete Ecken 38">
-              <a:extLst>
-                <a:ext uri="{FF2B5EF4-FFF2-40B4-BE49-F238E27FC236}">
-                  <a16:creationId xmlns:a16="http://schemas.microsoft.com/office/drawing/2014/main" id="{22EAB9F8-BA05-4151-B9FB-269DEE135916}"/>
-                </a:ext>
-              </a:extLst>
-            </p:cNvPr>
-            <p:cNvSpPr/>
-            <p:nvPr/>
-          </p:nvSpPr>
-          <p:spPr>
-            <a:xfrm>
-              <a:off x="1275904" y="1609507"/>
-              <a:ext cx="1796530" cy="352926"/>
-            </a:xfrm>
-            <a:prstGeom prst="roundRect">
-              <a:avLst/>
-            </a:prstGeom>
-            <a:solidFill>
-              <a:schemeClr val="accent2">
-                <a:lumMod val="40000"/>
-                <a:lumOff val="60000"/>
-              </a:schemeClr>
-            </a:solidFill>
-            <a:ln>
-              <a:solidFill>
-                <a:schemeClr val="accent2">
-                  <a:lumMod val="40000"/>
-                  <a:lumOff val="60000"/>
-                </a:schemeClr>
-              </a:solidFill>
-            </a:ln>
-          </p:spPr>
-          <p:style>
-            <a:lnRef idx="2">
-              <a:schemeClr val="accent1">
-                <a:shade val="50000"/>
-              </a:schemeClr>
-            </a:lnRef>
-            <a:fillRef idx="1">
-              <a:schemeClr val="accent1"/>
-            </a:fillRef>
-            <a:effectRef idx="0">
-              <a:schemeClr val="accent1"/>
-            </a:effectRef>
-            <a:fontRef idx="minor">
-              <a:schemeClr val="lt1"/>
-            </a:fontRef>
-          </p:style>
-          <p:txBody>
-            <a:bodyPr rtlCol="0" anchor="ctr"/>
-            <a:lstStyle/>
-            <a:p>
-              <a:pPr algn="ctr"/>
-              <a:r>
-                <a:rPr lang="de-CH" sz="1200" b="1" dirty="0">
-                  <a:solidFill>
-                    <a:schemeClr val="tx1"/>
-                  </a:solidFill>
-                </a:rPr>
-                <a:t>XENTIS </a:t>
-              </a:r>
-              <a:r>
-                <a:rPr lang="de-CH" sz="1200" dirty="0">
-                  <a:solidFill>
-                    <a:schemeClr val="tx1"/>
-                  </a:solidFill>
-                </a:rPr>
-                <a:t>Prozesse</a:t>
-              </a:r>
-            </a:p>
-          </p:txBody>
-        </p:sp>
-      </p:grpSp>
       <p:sp>
         <p:nvSpPr>
           <p:cNvPr id="2" name="Text Placeholder 1"/>
@@ -9873,43 +9496,6 @@
               <a:t>updates</a:t>
             </a:r>
             <a:endParaRPr lang="de-CH" sz="1800" dirty="0"/>
-          </a:p>
-        </p:txBody>
-      </p:sp>
-      <p:sp>
-        <p:nvSpPr>
-          <p:cNvPr id="26" name="Textfeld 25">
-            <a:extLst>
-              <a:ext uri="{FF2B5EF4-FFF2-40B4-BE49-F238E27FC236}">
-                <a16:creationId xmlns:a16="http://schemas.microsoft.com/office/drawing/2014/main" id="{0B0DBF91-9CFD-468E-A86B-0863185EA001}"/>
-              </a:ext>
-            </a:extLst>
-          </p:cNvPr>
-          <p:cNvSpPr txBox="1"/>
-          <p:nvPr/>
-        </p:nvSpPr>
-        <p:spPr>
-          <a:xfrm>
-            <a:off x="1492471" y="1304824"/>
-            <a:ext cx="1074979" cy="369332"/>
-          </a:xfrm>
-          <a:prstGeom prst="rect">
-            <a:avLst/>
-          </a:prstGeom>
-          <a:noFill/>
-        </p:spPr>
-        <p:txBody>
-          <a:bodyPr wrap="square" rtlCol="0">
-            <a:spAutoFit/>
-          </a:bodyPr>
-          <a:lstStyle/>
-          <a:p>
-            <a:pPr algn="ctr"/>
-            <a:r>
-              <a:rPr lang="de-CH" dirty="0" err="1"/>
-              <a:t>Xentis</a:t>
-            </a:r>
-            <a:endParaRPr lang="de-CH" dirty="0"/>
           </a:p>
         </p:txBody>
       </p:sp>
@@ -10158,141 +9744,6 @@
             </a:p>
           </p:txBody>
         </p:sp>
-      </p:grpSp>
-      <p:grpSp>
-        <p:nvGrpSpPr>
-          <p:cNvPr id="74" name="Gruppieren 73">
-            <a:extLst>
-              <a:ext uri="{FF2B5EF4-FFF2-40B4-BE49-F238E27FC236}">
-                <a16:creationId xmlns:a16="http://schemas.microsoft.com/office/drawing/2014/main" id="{7E545433-8269-4674-AE57-73A8B300A235}"/>
-              </a:ext>
-            </a:extLst>
-          </p:cNvPr>
-          <p:cNvGrpSpPr/>
-          <p:nvPr/>
-        </p:nvGrpSpPr>
-        <p:grpSpPr>
-          <a:xfrm>
-            <a:off x="2147774" y="2102480"/>
-            <a:ext cx="1911250" cy="1170477"/>
-            <a:chOff x="2147774" y="1988291"/>
-            <a:chExt cx="1911250" cy="1199614"/>
-          </a:xfrm>
-        </p:grpSpPr>
-        <p:sp>
-          <p:nvSpPr>
-            <p:cNvPr id="27" name="Rechteck: abgerundete Ecken 26">
-              <a:extLst>
-                <a:ext uri="{FF2B5EF4-FFF2-40B4-BE49-F238E27FC236}">
-                  <a16:creationId xmlns:a16="http://schemas.microsoft.com/office/drawing/2014/main" id="{0F423684-8931-4599-9202-F55E19FD7731}"/>
-                </a:ext>
-              </a:extLst>
-            </p:cNvPr>
-            <p:cNvSpPr/>
-            <p:nvPr/>
-          </p:nvSpPr>
-          <p:spPr>
-            <a:xfrm>
-              <a:off x="3072434" y="2834979"/>
-              <a:ext cx="986590" cy="352926"/>
-            </a:xfrm>
-            <a:prstGeom prst="roundRect">
-              <a:avLst/>
-            </a:prstGeom>
-            <a:solidFill>
-              <a:schemeClr val="accent2">
-                <a:lumMod val="60000"/>
-                <a:lumOff val="40000"/>
-              </a:schemeClr>
-            </a:solidFill>
-          </p:spPr>
-          <p:style>
-            <a:lnRef idx="2">
-              <a:schemeClr val="accent1">
-                <a:shade val="50000"/>
-              </a:schemeClr>
-            </a:lnRef>
-            <a:fillRef idx="1">
-              <a:schemeClr val="accent1"/>
-            </a:fillRef>
-            <a:effectRef idx="0">
-              <a:schemeClr val="accent1"/>
-            </a:effectRef>
-            <a:fontRef idx="minor">
-              <a:schemeClr val="lt1"/>
-            </a:fontRef>
-          </p:style>
-          <p:txBody>
-            <a:bodyPr rtlCol="0" anchor="ctr"/>
-            <a:lstStyle/>
-            <a:p>
-              <a:pPr algn="ctr"/>
-              <a:r>
-                <a:rPr lang="de-CH" sz="1200" b="1" dirty="0">
-                  <a:solidFill>
-                    <a:schemeClr val="tx1"/>
-                  </a:solidFill>
-                </a:rPr>
-                <a:t>Monitor</a:t>
-              </a:r>
-              <a:r>
-                <a:rPr lang="de-CH" sz="1200" dirty="0">
-                  <a:solidFill>
-                    <a:schemeClr val="tx1"/>
-                  </a:solidFill>
-                </a:rPr>
-                <a:t> API</a:t>
-              </a:r>
-            </a:p>
-          </p:txBody>
-        </p:sp>
-        <p:cxnSp>
-          <p:nvCxnSpPr>
-            <p:cNvPr id="45" name="Gerade Verbindung mit Pfeil 44">
-              <a:extLst>
-                <a:ext uri="{FF2B5EF4-FFF2-40B4-BE49-F238E27FC236}">
-                  <a16:creationId xmlns:a16="http://schemas.microsoft.com/office/drawing/2014/main" id="{8DC9EFDB-E843-4696-9E85-5EAA4E1BB64C}"/>
-                </a:ext>
-              </a:extLst>
-            </p:cNvPr>
-            <p:cNvCxnSpPr>
-              <a:endCxn id="27" idx="1"/>
-            </p:cNvCxnSpPr>
-            <p:nvPr/>
-          </p:nvCxnSpPr>
-          <p:spPr>
-            <a:xfrm>
-              <a:off x="2147774" y="1988291"/>
-              <a:ext cx="924660" cy="1023151"/>
-            </a:xfrm>
-            <a:prstGeom prst="straightConnector1">
-              <a:avLst/>
-            </a:prstGeom>
-            <a:ln w="25400">
-              <a:solidFill>
-                <a:schemeClr val="accent2">
-                  <a:lumMod val="60000"/>
-                  <a:lumOff val="40000"/>
-                </a:schemeClr>
-              </a:solidFill>
-              <a:tailEnd type="triangle"/>
-            </a:ln>
-          </p:spPr>
-          <p:style>
-            <a:lnRef idx="1">
-              <a:schemeClr val="accent1"/>
-            </a:lnRef>
-            <a:fillRef idx="0">
-              <a:schemeClr val="accent1"/>
-            </a:fillRef>
-            <a:effectRef idx="0">
-              <a:schemeClr val="accent1"/>
-            </a:effectRef>
-            <a:fontRef idx="minor">
-              <a:schemeClr val="tx1"/>
-            </a:fontRef>
-          </p:style>
-        </p:cxnSp>
       </p:grpSp>
       <p:sp>
         <p:nvSpPr>
@@ -11225,357 +10676,6 @@
           <a:chExt cx="0" cy="0"/>
         </a:xfrm>
       </p:grpSpPr>
-      <p:sp>
-        <p:nvSpPr>
-          <p:cNvPr id="2" name="Text Placeholder 1"/>
-          <p:cNvSpPr>
-            <a:spLocks noGrp="1"/>
-          </p:cNvSpPr>
-          <p:nvPr>
-            <p:ph type="body" sz="quarter" idx="10"/>
-          </p:nvPr>
-        </p:nvSpPr>
-        <p:spPr/>
-        <p:txBody>
-          <a:bodyPr/>
-          <a:lstStyle/>
-          <a:p>
-            <a:r>
-              <a:rPr lang="de-CH" dirty="0" err="1"/>
-              <a:t>Xentis</a:t>
-            </a:r>
-            <a:r>
-              <a:rPr lang="de-CH" dirty="0"/>
-              <a:t> Monitoring -  SCOPE </a:t>
-            </a:r>
-            <a:r>
-              <a:rPr lang="de-CH" dirty="0" err="1"/>
-              <a:t>of</a:t>
-            </a:r>
-            <a:r>
-              <a:rPr lang="de-CH" dirty="0"/>
-              <a:t> DATA</a:t>
-            </a:r>
-          </a:p>
-        </p:txBody>
-      </p:sp>
-      <p:sp>
-        <p:nvSpPr>
-          <p:cNvPr id="23" name="Rechteck: abgerundete Ecken 22">
-            <a:extLst>
-              <a:ext uri="{FF2B5EF4-FFF2-40B4-BE49-F238E27FC236}">
-                <a16:creationId xmlns:a16="http://schemas.microsoft.com/office/drawing/2014/main" id="{DE684F02-CABD-45D9-8EE5-234ECCF7B80B}"/>
-              </a:ext>
-            </a:extLst>
-          </p:cNvPr>
-          <p:cNvSpPr/>
-          <p:nvPr/>
-        </p:nvSpPr>
-        <p:spPr>
-          <a:xfrm>
-            <a:off x="563527" y="1073888"/>
-            <a:ext cx="10898372" cy="5316279"/>
-          </a:xfrm>
-          <a:prstGeom prst="roundRect">
-            <a:avLst/>
-          </a:prstGeom>
-        </p:spPr>
-        <p:style>
-          <a:lnRef idx="2">
-            <a:schemeClr val="accent1">
-              <a:shade val="50000"/>
-            </a:schemeClr>
-          </a:lnRef>
-          <a:fillRef idx="1">
-            <a:schemeClr val="accent1"/>
-          </a:fillRef>
-          <a:effectRef idx="0">
-            <a:schemeClr val="accent1"/>
-          </a:effectRef>
-          <a:fontRef idx="minor">
-            <a:schemeClr val="lt1"/>
-          </a:fontRef>
-        </p:style>
-        <p:txBody>
-          <a:bodyPr rtlCol="0" anchor="ctr"/>
-          <a:lstStyle/>
-          <a:p>
-            <a:endParaRPr lang="de-DE" sz="1400" dirty="0"/>
-          </a:p>
-          <a:p>
-            <a:endParaRPr lang="de-DE" sz="1400" dirty="0"/>
-          </a:p>
-          <a:p>
-            <a:r>
-              <a:rPr lang="de-DE" sz="1400" dirty="0"/>
-              <a:t>Das folgende wird auf Basis von  Typ {Bus, </a:t>
-            </a:r>
-            <a:r>
-              <a:rPr lang="de-DE" sz="1400" dirty="0" err="1"/>
-              <a:t>Cpp</a:t>
-            </a:r>
-            <a:r>
-              <a:rPr lang="de-DE" sz="1400" dirty="0"/>
-              <a:t>, Cp2, LL, </a:t>
-            </a:r>
-            <a:r>
-              <a:rPr lang="de-DE" sz="1400" dirty="0" err="1"/>
-              <a:t>NoL</a:t>
-            </a:r>
-            <a:r>
-              <a:rPr lang="de-DE" sz="1400" dirty="0"/>
-              <a:t>, SMA} getrennt.</a:t>
-            </a:r>
-            <a:endParaRPr lang="de-CH" sz="1400" dirty="0"/>
-          </a:p>
-          <a:p>
-            <a:r>
-              <a:rPr lang="de-CH" sz="1400" dirty="0"/>
-              <a:t> </a:t>
-            </a:r>
-          </a:p>
-          <a:p>
-            <a:r>
-              <a:rPr lang="de-DE" sz="1400" dirty="0"/>
-              <a:t>   1. Plot: Anzahl der laufenden TRX zum Zeitpunkt t, auf Basis vom Typ {Bus, Cpp,Cp2, LL, </a:t>
-            </a:r>
-            <a:r>
-              <a:rPr lang="de-DE" sz="1400" dirty="0" err="1"/>
-              <a:t>NoL</a:t>
-            </a:r>
-            <a:r>
-              <a:rPr lang="de-DE" sz="1400" dirty="0"/>
-              <a:t>, SMA}</a:t>
-            </a:r>
-            <a:br>
-              <a:rPr lang="de-DE" sz="1400" dirty="0"/>
-            </a:br>
-            <a:r>
-              <a:rPr lang="de-DE" sz="1400" dirty="0"/>
-              <a:t>   2. Plot: Anzahl der laufenden, </a:t>
-            </a:r>
-            <a:r>
-              <a:rPr lang="de-DE" sz="1400" i="1" dirty="0"/>
-              <a:t>modifizierenden</a:t>
-            </a:r>
-            <a:r>
-              <a:rPr lang="de-DE" sz="1400" dirty="0"/>
-              <a:t>  TRX zum Zeitpunkt t .</a:t>
-            </a:r>
-            <a:br>
-              <a:rPr lang="de-DE" sz="1400" dirty="0"/>
-            </a:br>
-            <a:r>
-              <a:rPr lang="de-DE" sz="1400" dirty="0"/>
-              <a:t>   3. Anzahl: TRX innerhalb des gewählten Zeitintervalls abgeschlossen.</a:t>
-            </a:r>
-            <a:br>
-              <a:rPr lang="de-DE" sz="1400" dirty="0"/>
-            </a:br>
-            <a:r>
-              <a:rPr lang="de-DE" sz="1400" dirty="0"/>
-              <a:t>   4. Anzahl:  Modifizierende  TRX innerhalb des ausgewählten Zeitintervalls abgeschlossen.</a:t>
-            </a:r>
-            <a:br>
-              <a:rPr lang="de-DE" sz="1400" dirty="0"/>
-            </a:br>
-            <a:r>
-              <a:rPr lang="de-DE" sz="1400" dirty="0"/>
-              <a:t>   5. Anzahl: Rollbacks innerhalb des ausgewählten Intervalls.</a:t>
-            </a:r>
-            <a:br>
-              <a:rPr lang="de-DE" sz="1400" dirty="0"/>
-            </a:br>
-            <a:r>
-              <a:rPr lang="de-DE" sz="1400" dirty="0"/>
-              <a:t>   6. Tabelle: </a:t>
-            </a:r>
-            <a:r>
-              <a:rPr lang="de-DE" sz="1400" dirty="0" err="1"/>
-              <a:t>Trx</a:t>
-            </a:r>
-            <a:r>
-              <a:rPr lang="de-DE" sz="1400" dirty="0"/>
-              <a:t> läuft innerhalb des ausgewählten Zeitintervalls, sortiert nach Absenkende</a:t>
-            </a:r>
-            <a:br>
-              <a:rPr lang="de-DE" sz="1400" dirty="0"/>
-            </a:br>
-            <a:r>
-              <a:rPr lang="de-DE" sz="1400" dirty="0"/>
-              <a:t>      Laufzeit. Alerten auf übermäßig langlaufende </a:t>
-            </a:r>
-            <a:r>
-              <a:rPr lang="de-DE" sz="1400" dirty="0" err="1"/>
-              <a:t>Trx</a:t>
-            </a:r>
-            <a:r>
-              <a:rPr lang="de-DE" sz="1400" dirty="0"/>
-              <a:t>. </a:t>
-            </a:r>
-            <a:r>
-              <a:rPr lang="de-DE" sz="1400" dirty="0" err="1"/>
-              <a:t>Include</a:t>
-            </a:r>
-            <a:r>
-              <a:rPr lang="de-DE" sz="1400" dirty="0"/>
-              <a:t> zählen von</a:t>
-            </a:r>
-            <a:br>
-              <a:rPr lang="de-DE" sz="1400" dirty="0"/>
-            </a:br>
-            <a:r>
-              <a:rPr lang="de-DE" sz="1400" dirty="0"/>
-              <a:t>      Rollbacks pro TRX.</a:t>
-            </a:r>
-            <a:br>
-              <a:rPr lang="de-DE" sz="1400" dirty="0"/>
-            </a:br>
-            <a:br>
-              <a:rPr lang="de-DE" sz="1400" dirty="0"/>
-            </a:br>
-            <a:r>
-              <a:rPr lang="de-DE" sz="1400" b="1" dirty="0"/>
-              <a:t>Jobs &amp; AWZ</a:t>
-            </a:r>
-            <a:br>
-              <a:rPr lang="de-DE" sz="1400" b="1" dirty="0"/>
-            </a:br>
-            <a:br>
-              <a:rPr lang="de-DE" sz="1400" dirty="0"/>
-            </a:br>
-            <a:r>
-              <a:rPr lang="de-DE" sz="1400" dirty="0"/>
-              <a:t>   Eine </a:t>
-            </a:r>
-            <a:r>
-              <a:rPr lang="de-DE" sz="1400" dirty="0" err="1"/>
-              <a:t>poliertere</a:t>
-            </a:r>
-            <a:r>
-              <a:rPr lang="de-DE" sz="1400" dirty="0"/>
-              <a:t> Version von dem, was in der Demo gezeigt wurde. Anzeigen auf einem</a:t>
-            </a:r>
-            <a:br>
-              <a:rPr lang="de-DE" sz="1400" dirty="0"/>
-            </a:br>
-            <a:r>
-              <a:rPr lang="de-DE" sz="1400" dirty="0"/>
-              <a:t>   Pro-Fond oder aggregierte Basis.</a:t>
-            </a:r>
-            <a:br>
-              <a:rPr lang="de-DE" sz="1400" dirty="0"/>
-            </a:br>
-            <a:br>
-              <a:rPr lang="de-DE" sz="1400" dirty="0"/>
-            </a:br>
-            <a:r>
-              <a:rPr lang="de-DE" sz="1400" dirty="0"/>
-              <a:t>   1. Anzahl: aktuell laufende Jobs.</a:t>
-            </a:r>
-            <a:br>
-              <a:rPr lang="de-DE" sz="1400" dirty="0"/>
-            </a:br>
-            <a:r>
-              <a:rPr lang="de-DE" sz="1400" dirty="0"/>
-              <a:t>   2. Anzahl: </a:t>
-            </a:r>
-            <a:r>
-              <a:rPr lang="de-DE" sz="1400" dirty="0" err="1"/>
-              <a:t>curently</a:t>
-            </a:r>
-            <a:r>
-              <a:rPr lang="de-DE" sz="1400" dirty="0"/>
-              <a:t> wartende Jobs.</a:t>
-            </a:r>
-            <a:br>
-              <a:rPr lang="de-DE" sz="1400" dirty="0"/>
-            </a:br>
-            <a:r>
-              <a:rPr lang="de-DE" sz="1400" dirty="0"/>
-              <a:t>   3. Plot: von AWZ Job </a:t>
-            </a:r>
-            <a:r>
-              <a:rPr lang="de-DE" sz="1400" dirty="0" err="1"/>
-              <a:t>count</a:t>
-            </a:r>
-            <a:r>
-              <a:rPr lang="de-DE" sz="1400" dirty="0"/>
-              <a:t> {Warten, Laufen}.</a:t>
-            </a:r>
-            <a:br>
-              <a:rPr lang="de-DE" sz="1400" dirty="0"/>
-            </a:br>
-            <a:r>
-              <a:rPr lang="de-DE" sz="1400" dirty="0"/>
-              <a:t>   4. Plot: Nicht-AWZ-Job zählen {Warten, Laufen}.</a:t>
-            </a:r>
-            <a:br>
-              <a:rPr lang="de-DE" sz="1400" dirty="0"/>
-            </a:br>
-            <a:r>
-              <a:rPr lang="de-DE" sz="1400" dirty="0"/>
-              <a:t>   5. Tabelle: Aufträge mit ausgewähltem Zeitintervall, sortiert nach Laufzeit.</a:t>
-            </a:r>
-            <a:br>
-              <a:rPr lang="de-DE" sz="1400" dirty="0"/>
-            </a:br>
-            <a:r>
-              <a:rPr lang="de-DE" sz="1400" dirty="0"/>
-              <a:t>   6. Plot: Täglich AWZ-Zeit mit Ausfall von </a:t>
-            </a:r>
-            <a:r>
-              <a:rPr lang="de-DE" sz="1400" dirty="0" err="1"/>
-              <a:t>awz-step</a:t>
-            </a:r>
-            <a:r>
-              <a:rPr lang="de-DE" sz="1400" dirty="0"/>
-              <a:t>.</a:t>
-            </a:r>
-            <a:br>
-              <a:rPr lang="de-DE" sz="1400" dirty="0"/>
-            </a:br>
-            <a:r>
-              <a:rPr lang="de-DE" sz="1400" dirty="0"/>
-              <a:t>   7. Plot: Anzahl der anstehenden AWZ-Schritte (pro Tag).</a:t>
-            </a:r>
-            <a:br>
-              <a:rPr lang="de-DE" sz="1400" dirty="0"/>
-            </a:br>
-            <a:endParaRPr lang="de-CH" sz="1400" dirty="0"/>
-          </a:p>
-        </p:txBody>
-      </p:sp>
-    </p:spTree>
-    <p:extLst>
-      <p:ext uri="{BB962C8B-B14F-4D97-AF65-F5344CB8AC3E}">
-        <p14:creationId xmlns:p14="http://schemas.microsoft.com/office/powerpoint/2010/main" val="915215307"/>
-      </p:ext>
-    </p:extLst>
-  </p:cSld>
-  <p:clrMapOvr>
-    <a:masterClrMapping/>
-  </p:clrMapOvr>
-</p:sld>
-</file>
-
-<file path=ppt/slides/slide5.xml><?xml version="1.0" encoding="utf-8"?>
-<p:sld xmlns:a="http://schemas.openxmlformats.org/drawingml/2006/main" xmlns:r="http://schemas.openxmlformats.org/officeDocument/2006/relationships" xmlns:p="http://schemas.openxmlformats.org/presentationml/2006/main">
-  <p:cSld>
-    <p:spTree>
-      <p:nvGrpSpPr>
-        <p:cNvPr id="1" name=""/>
-        <p:cNvGrpSpPr/>
-        <p:nvPr/>
-      </p:nvGrpSpPr>
-      <p:grpSpPr>
-        <a:xfrm>
-          <a:off x="0" y="0"/>
-          <a:ext cx="0" cy="0"/>
-          <a:chOff x="0" y="0"/>
-          <a:chExt cx="0" cy="0"/>
-        </a:xfrm>
-      </p:grpSpPr>
       <p:pic>
         <p:nvPicPr>
           <p:cNvPr id="8" name="Grafik 7">
@@ -11946,7 +11046,7 @@
 </p:sld>
 </file>
 
-<file path=ppt/slides/slide6.xml><?xml version="1.0" encoding="utf-8"?>
+<file path=ppt/slides/slide5.xml><?xml version="1.0" encoding="utf-8"?>
 <p:sld xmlns:a="http://schemas.openxmlformats.org/drawingml/2006/main" xmlns:r="http://schemas.openxmlformats.org/officeDocument/2006/relationships" xmlns:p="http://schemas.openxmlformats.org/presentationml/2006/main">
   <p:cSld>
     <p:spTree>
@@ -12460,7 +11560,7 @@
 </p:sld>
 </file>
 
-<file path=ppt/slides/slide7.xml><?xml version="1.0" encoding="utf-8"?>
+<file path=ppt/slides/slide6.xml><?xml version="1.0" encoding="utf-8"?>
 <p:sld xmlns:a="http://schemas.openxmlformats.org/drawingml/2006/main" xmlns:r="http://schemas.openxmlformats.org/officeDocument/2006/relationships" xmlns:p="http://schemas.openxmlformats.org/presentationml/2006/main">
   <p:cSld>
     <p:spTree>
@@ -13163,7 +12263,7 @@
 </p:sld>
 </file>
 
-<file path=ppt/slides/slide8.xml><?xml version="1.0" encoding="utf-8"?>
+<file path=ppt/slides/slide7.xml><?xml version="1.0" encoding="utf-8"?>
 <p:sld xmlns:a="http://schemas.openxmlformats.org/drawingml/2006/main" xmlns:r="http://schemas.openxmlformats.org/officeDocument/2006/relationships" xmlns:p="http://schemas.openxmlformats.org/presentationml/2006/main">
   <p:cSld>
     <p:spTree>
@@ -14666,6 +13766,2623 @@
 </p:sld>
 </file>
 
+<file path=ppt/slides/slide8.xml><?xml version="1.0" encoding="utf-8"?>
+<p:sld xmlns:a="http://schemas.openxmlformats.org/drawingml/2006/main" xmlns:r="http://schemas.openxmlformats.org/officeDocument/2006/relationships" xmlns:p="http://schemas.openxmlformats.org/presentationml/2006/main">
+  <p:cSld>
+    <p:spTree>
+      <p:nvGrpSpPr>
+        <p:cNvPr id="1" name=""/>
+        <p:cNvGrpSpPr/>
+        <p:nvPr/>
+      </p:nvGrpSpPr>
+      <p:grpSpPr>
+        <a:xfrm>
+          <a:off x="0" y="0"/>
+          <a:ext cx="0" cy="0"/>
+          <a:chOff x="0" y="0"/>
+          <a:chExt cx="0" cy="0"/>
+        </a:xfrm>
+      </p:grpSpPr>
+      <p:sp>
+        <p:nvSpPr>
+          <p:cNvPr id="2" name="Text Placeholder 1"/>
+          <p:cNvSpPr>
+            <a:spLocks noGrp="1"/>
+          </p:cNvSpPr>
+          <p:nvPr>
+            <p:ph type="body" sz="quarter" idx="10"/>
+          </p:nvPr>
+        </p:nvSpPr>
+        <p:spPr>
+          <a:xfrm>
+            <a:off x="500040" y="576000"/>
+            <a:ext cx="11161538" cy="432948"/>
+          </a:xfrm>
+        </p:spPr>
+        <p:txBody>
+          <a:bodyPr/>
+          <a:lstStyle/>
+          <a:p>
+            <a:r>
+              <a:rPr lang="de-CH" dirty="0" err="1"/>
+              <a:t>Xentis</a:t>
+            </a:r>
+            <a:r>
+              <a:rPr lang="de-CH" dirty="0"/>
+              <a:t> Monitoring -  </a:t>
+            </a:r>
+            <a:r>
+              <a:rPr lang="de-CH" dirty="0" err="1"/>
+              <a:t>aim</a:t>
+            </a:r>
+            <a:endParaRPr lang="de-CH" dirty="0"/>
+          </a:p>
+        </p:txBody>
+      </p:sp>
+      <p:grpSp>
+        <p:nvGrpSpPr>
+          <p:cNvPr id="174" name="Gruppieren 173">
+            <a:extLst>
+              <a:ext uri="{FF2B5EF4-FFF2-40B4-BE49-F238E27FC236}">
+                <a16:creationId xmlns:a16="http://schemas.microsoft.com/office/drawing/2014/main" id="{6FF00394-59FD-4FC8-856E-E2DBA9A5C442}"/>
+              </a:ext>
+            </a:extLst>
+          </p:cNvPr>
+          <p:cNvGrpSpPr/>
+          <p:nvPr/>
+        </p:nvGrpSpPr>
+        <p:grpSpPr>
+          <a:xfrm>
+            <a:off x="529746" y="1169614"/>
+            <a:ext cx="10772720" cy="1848886"/>
+            <a:chOff x="529746" y="1169614"/>
+            <a:chExt cx="10772720" cy="1848886"/>
+          </a:xfrm>
+        </p:grpSpPr>
+        <p:sp>
+          <p:nvSpPr>
+            <p:cNvPr id="134" name="Textfeld 133">
+              <a:extLst>
+                <a:ext uri="{FF2B5EF4-FFF2-40B4-BE49-F238E27FC236}">
+                  <a16:creationId xmlns:a16="http://schemas.microsoft.com/office/drawing/2014/main" id="{12E4E798-6716-4880-8241-0241C86B49A7}"/>
+                </a:ext>
+              </a:extLst>
+            </p:cNvPr>
+            <p:cNvSpPr txBox="1"/>
+            <p:nvPr/>
+          </p:nvSpPr>
+          <p:spPr>
+            <a:xfrm>
+              <a:off x="529746" y="1565348"/>
+              <a:ext cx="5510656" cy="1200329"/>
+            </a:xfrm>
+            <a:prstGeom prst="rect">
+              <a:avLst/>
+            </a:prstGeom>
+            <a:solidFill>
+              <a:schemeClr val="accent2">
+                <a:lumMod val="40000"/>
+                <a:lumOff val="60000"/>
+              </a:schemeClr>
+            </a:solidFill>
+          </p:spPr>
+          <p:txBody>
+            <a:bodyPr wrap="square" rtlCol="0">
+              <a:spAutoFit/>
+            </a:bodyPr>
+            <a:lstStyle/>
+            <a:p>
+              <a:r>
+                <a:rPr lang="de-CH" b="1" dirty="0">
+                  <a:effectLst>
+                    <a:outerShdw blurRad="38100" dist="38100" dir="2700000" algn="tl">
+                      <a:srgbClr val="000000">
+                        <a:alpha val="43137"/>
+                      </a:srgbClr>
+                    </a:outerShdw>
+                  </a:effectLst>
+                </a:rPr>
+                <a:t>Version 1:</a:t>
+              </a:r>
+            </a:p>
+            <a:p>
+              <a:pPr marL="285750" indent="-285750">
+                <a:buFont typeface="Arial" panose="020B0604020202020204" pitchFamily="34" charset="0"/>
+                <a:buChar char="•"/>
+              </a:pPr>
+              <a:r>
+                <a:rPr lang="de-CH" dirty="0"/>
+                <a:t>Setup and </a:t>
+              </a:r>
+              <a:r>
+                <a:rPr lang="de-CH" dirty="0" err="1"/>
+                <a:t>delivered</a:t>
+              </a:r>
+              <a:r>
+                <a:rPr lang="de-CH" dirty="0"/>
+                <a:t> Infrastructure</a:t>
+              </a:r>
+            </a:p>
+            <a:p>
+              <a:pPr marL="285750" indent="-285750">
+                <a:buFont typeface="Arial" panose="020B0604020202020204" pitchFamily="34" charset="0"/>
+                <a:buChar char="•"/>
+              </a:pPr>
+              <a:r>
+                <a:rPr lang="de-CH" dirty="0" err="1"/>
+                <a:t>Required</a:t>
+              </a:r>
+              <a:r>
+                <a:rPr lang="de-CH" dirty="0"/>
+                <a:t> SW </a:t>
+              </a:r>
+              <a:r>
+                <a:rPr lang="de-CH" dirty="0" err="1"/>
+                <a:t>addjustetments</a:t>
+              </a:r>
+              <a:r>
+                <a:rPr lang="de-CH" dirty="0"/>
+                <a:t> in </a:t>
+              </a:r>
+              <a:r>
+                <a:rPr lang="de-CH" dirty="0" err="1"/>
+                <a:t>Xentis</a:t>
+              </a:r>
+              <a:r>
+                <a:rPr lang="de-CH" dirty="0"/>
+                <a:t> </a:t>
+              </a:r>
+              <a:r>
+                <a:rPr lang="de-CH" dirty="0" err="1"/>
+                <a:t>to</a:t>
+              </a:r>
+              <a:r>
+                <a:rPr lang="de-CH" dirty="0"/>
+                <a:t> </a:t>
+              </a:r>
+              <a:r>
+                <a:rPr lang="de-CH" dirty="0" err="1"/>
+                <a:t>fullfill</a:t>
+              </a:r>
+              <a:r>
+                <a:rPr lang="de-CH" dirty="0"/>
+                <a:t> </a:t>
+              </a:r>
+              <a:r>
+                <a:rPr lang="de-CH" dirty="0" err="1"/>
+                <a:t>the</a:t>
+              </a:r>
+              <a:r>
+                <a:rPr lang="de-CH" dirty="0"/>
+                <a:t> </a:t>
+              </a:r>
+            </a:p>
+            <a:p>
+              <a:r>
+                <a:rPr lang="de-CH" dirty="0"/>
+                <a:t>     </a:t>
+              </a:r>
+              <a:r>
+                <a:rPr lang="de-CH" dirty="0" err="1"/>
+                <a:t>requirement</a:t>
+              </a:r>
+              <a:r>
+                <a:rPr lang="de-CH" dirty="0"/>
+                <a:t> </a:t>
+              </a:r>
+              <a:r>
+                <a:rPr lang="de-CH" dirty="0" err="1"/>
+                <a:t>agreed</a:t>
+              </a:r>
+              <a:r>
+                <a:rPr lang="de-CH" dirty="0"/>
+                <a:t> </a:t>
+              </a:r>
+              <a:r>
+                <a:rPr lang="de-CH" dirty="0" err="1"/>
+                <a:t>with</a:t>
+              </a:r>
+              <a:r>
+                <a:rPr lang="de-CH" dirty="0"/>
+                <a:t> UI</a:t>
+              </a:r>
+            </a:p>
+          </p:txBody>
+        </p:sp>
+        <p:grpSp>
+          <p:nvGrpSpPr>
+            <p:cNvPr id="132" name="Gruppieren 131">
+              <a:extLst>
+                <a:ext uri="{FF2B5EF4-FFF2-40B4-BE49-F238E27FC236}">
+                  <a16:creationId xmlns:a16="http://schemas.microsoft.com/office/drawing/2014/main" id="{2B221123-7AC5-43D3-B150-1D4A05B49929}"/>
+                </a:ext>
+              </a:extLst>
+            </p:cNvPr>
+            <p:cNvGrpSpPr/>
+            <p:nvPr/>
+          </p:nvGrpSpPr>
+          <p:grpSpPr>
+            <a:xfrm>
+              <a:off x="5914992" y="1182815"/>
+              <a:ext cx="2841298" cy="1835685"/>
+              <a:chOff x="865460" y="1291623"/>
+              <a:chExt cx="2841298" cy="1835685"/>
+            </a:xfrm>
+          </p:grpSpPr>
+          <p:sp>
+            <p:nvSpPr>
+              <p:cNvPr id="118" name="Rechteck 117">
+                <a:extLst>
+                  <a:ext uri="{FF2B5EF4-FFF2-40B4-BE49-F238E27FC236}">
+                    <a16:creationId xmlns:a16="http://schemas.microsoft.com/office/drawing/2014/main" id="{B3DE01FD-CCCD-4C8A-89D7-8C481786E2C5}"/>
+                  </a:ext>
+                </a:extLst>
+              </p:cNvPr>
+              <p:cNvSpPr/>
+              <p:nvPr/>
+            </p:nvSpPr>
+            <p:spPr>
+              <a:xfrm>
+                <a:off x="865460" y="1291623"/>
+                <a:ext cx="2420766" cy="1835685"/>
+              </a:xfrm>
+              <a:prstGeom prst="rect">
+                <a:avLst/>
+              </a:prstGeom>
+            </p:spPr>
+            <p:style>
+              <a:lnRef idx="2">
+                <a:schemeClr val="accent1">
+                  <a:shade val="50000"/>
+                </a:schemeClr>
+              </a:lnRef>
+              <a:fillRef idx="1">
+                <a:schemeClr val="accent1"/>
+              </a:fillRef>
+              <a:effectRef idx="0">
+                <a:schemeClr val="accent1"/>
+              </a:effectRef>
+              <a:fontRef idx="minor">
+                <a:schemeClr val="lt1"/>
+              </a:fontRef>
+            </p:style>
+            <p:txBody>
+              <a:bodyPr rtlCol="0" anchor="ctr"/>
+              <a:lstStyle/>
+              <a:p>
+                <a:pPr algn="ctr"/>
+                <a:endParaRPr lang="de-CH" dirty="0"/>
+              </a:p>
+            </p:txBody>
+          </p:sp>
+          <p:sp>
+            <p:nvSpPr>
+              <p:cNvPr id="119" name="Rechteck: abgerundete Ecken 118">
+                <a:extLst>
+                  <a:ext uri="{FF2B5EF4-FFF2-40B4-BE49-F238E27FC236}">
+                    <a16:creationId xmlns:a16="http://schemas.microsoft.com/office/drawing/2014/main" id="{E95F84F8-EE8A-4F77-93B8-FA85BB09644C}"/>
+                  </a:ext>
+                </a:extLst>
+              </p:cNvPr>
+              <p:cNvSpPr/>
+              <p:nvPr/>
+            </p:nvSpPr>
+            <p:spPr>
+              <a:xfrm>
+                <a:off x="1116280" y="1734531"/>
+                <a:ext cx="1031494" cy="352926"/>
+              </a:xfrm>
+              <a:prstGeom prst="roundRect">
+                <a:avLst/>
+              </a:prstGeom>
+              <a:solidFill>
+                <a:schemeClr val="accent2">
+                  <a:lumMod val="40000"/>
+                  <a:lumOff val="60000"/>
+                </a:schemeClr>
+              </a:solidFill>
+              <a:ln>
+                <a:solidFill>
+                  <a:schemeClr val="accent2">
+                    <a:lumMod val="40000"/>
+                    <a:lumOff val="60000"/>
+                  </a:schemeClr>
+                </a:solidFill>
+              </a:ln>
+            </p:spPr>
+            <p:style>
+              <a:lnRef idx="2">
+                <a:schemeClr val="accent1">
+                  <a:shade val="50000"/>
+                </a:schemeClr>
+              </a:lnRef>
+              <a:fillRef idx="1">
+                <a:schemeClr val="accent1"/>
+              </a:fillRef>
+              <a:effectRef idx="0">
+                <a:schemeClr val="accent1"/>
+              </a:effectRef>
+              <a:fontRef idx="minor">
+                <a:schemeClr val="lt1"/>
+              </a:fontRef>
+            </p:style>
+            <p:txBody>
+              <a:bodyPr rtlCol="0" anchor="ctr"/>
+              <a:lstStyle/>
+              <a:p>
+                <a:pPr algn="ctr"/>
+                <a:r>
+                  <a:rPr lang="de-CH" sz="1200" b="1" dirty="0">
+                    <a:solidFill>
+                      <a:schemeClr val="tx1"/>
+                    </a:solidFill>
+                  </a:rPr>
+                  <a:t>XENTIS </a:t>
+                </a:r>
+                <a:r>
+                  <a:rPr lang="de-CH" sz="1200" dirty="0">
+                    <a:solidFill>
+                      <a:schemeClr val="tx1"/>
+                    </a:solidFill>
+                  </a:rPr>
+                  <a:t>Prozesse</a:t>
+                </a:r>
+              </a:p>
+            </p:txBody>
+          </p:sp>
+          <p:sp>
+            <p:nvSpPr>
+              <p:cNvPr id="120" name="Textfeld 119">
+                <a:extLst>
+                  <a:ext uri="{FF2B5EF4-FFF2-40B4-BE49-F238E27FC236}">
+                    <a16:creationId xmlns:a16="http://schemas.microsoft.com/office/drawing/2014/main" id="{C36678CD-565B-46A1-A824-227E39E066DC}"/>
+                  </a:ext>
+                </a:extLst>
+              </p:cNvPr>
+              <p:cNvSpPr txBox="1"/>
+              <p:nvPr/>
+            </p:nvSpPr>
+            <p:spPr>
+              <a:xfrm>
+                <a:off x="1492471" y="1304824"/>
+                <a:ext cx="1074979" cy="369332"/>
+              </a:xfrm>
+              <a:prstGeom prst="rect">
+                <a:avLst/>
+              </a:prstGeom>
+              <a:noFill/>
+            </p:spPr>
+            <p:txBody>
+              <a:bodyPr wrap="square" rtlCol="0">
+                <a:spAutoFit/>
+              </a:bodyPr>
+              <a:lstStyle/>
+              <a:p>
+                <a:pPr algn="ctr"/>
+                <a:r>
+                  <a:rPr lang="de-CH" dirty="0" err="1"/>
+                  <a:t>Xentis</a:t>
+                </a:r>
+                <a:endParaRPr lang="de-CH" dirty="0"/>
+              </a:p>
+            </p:txBody>
+          </p:sp>
+          <p:sp>
+            <p:nvSpPr>
+              <p:cNvPr id="122" name="Rechteck: abgerundete Ecken 121">
+                <a:extLst>
+                  <a:ext uri="{FF2B5EF4-FFF2-40B4-BE49-F238E27FC236}">
+                    <a16:creationId xmlns:a16="http://schemas.microsoft.com/office/drawing/2014/main" id="{9E43F80B-91A6-4498-86A4-AF18D3245511}"/>
+                  </a:ext>
+                </a:extLst>
+              </p:cNvPr>
+              <p:cNvSpPr/>
+              <p:nvPr/>
+            </p:nvSpPr>
+            <p:spPr>
+              <a:xfrm>
+                <a:off x="2720168" y="2396419"/>
+                <a:ext cx="986590" cy="344354"/>
+              </a:xfrm>
+              <a:prstGeom prst="roundRect">
+                <a:avLst/>
+              </a:prstGeom>
+              <a:solidFill>
+                <a:schemeClr val="accent2">
+                  <a:lumMod val="60000"/>
+                  <a:lumOff val="40000"/>
+                </a:schemeClr>
+              </a:solidFill>
+            </p:spPr>
+            <p:style>
+              <a:lnRef idx="2">
+                <a:schemeClr val="accent1">
+                  <a:shade val="50000"/>
+                </a:schemeClr>
+              </a:lnRef>
+              <a:fillRef idx="1">
+                <a:schemeClr val="accent1"/>
+              </a:fillRef>
+              <a:effectRef idx="0">
+                <a:schemeClr val="accent1"/>
+              </a:effectRef>
+              <a:fontRef idx="minor">
+                <a:schemeClr val="lt1"/>
+              </a:fontRef>
+            </p:style>
+            <p:txBody>
+              <a:bodyPr rtlCol="0" anchor="ctr"/>
+              <a:lstStyle/>
+              <a:p>
+                <a:pPr algn="ctr"/>
+                <a:r>
+                  <a:rPr lang="de-CH" sz="1200" b="1" dirty="0">
+                    <a:solidFill>
+                      <a:schemeClr val="tx1"/>
+                    </a:solidFill>
+                  </a:rPr>
+                  <a:t>Monitor</a:t>
+                </a:r>
+                <a:r>
+                  <a:rPr lang="de-CH" sz="1200" dirty="0">
+                    <a:solidFill>
+                      <a:schemeClr val="tx1"/>
+                    </a:solidFill>
+                  </a:rPr>
+                  <a:t> API</a:t>
+                </a:r>
+              </a:p>
+            </p:txBody>
+          </p:sp>
+          <p:sp>
+            <p:nvSpPr>
+              <p:cNvPr id="124" name="Rechteck: abgerundete Ecken 123">
+                <a:extLst>
+                  <a:ext uri="{FF2B5EF4-FFF2-40B4-BE49-F238E27FC236}">
+                    <a16:creationId xmlns:a16="http://schemas.microsoft.com/office/drawing/2014/main" id="{E74D8E88-4C78-467C-BD85-1DDBC65E229A}"/>
+                  </a:ext>
+                </a:extLst>
+              </p:cNvPr>
+              <p:cNvSpPr/>
+              <p:nvPr/>
+            </p:nvSpPr>
+            <p:spPr>
+              <a:xfrm>
+                <a:off x="1116280" y="2308550"/>
+                <a:ext cx="1031494" cy="530967"/>
+              </a:xfrm>
+              <a:prstGeom prst="roundRect">
+                <a:avLst/>
+              </a:prstGeom>
+              <a:solidFill>
+                <a:schemeClr val="accent2">
+                  <a:lumMod val="40000"/>
+                  <a:lumOff val="60000"/>
+                </a:schemeClr>
+              </a:solidFill>
+              <a:ln>
+                <a:solidFill>
+                  <a:schemeClr val="accent2">
+                    <a:lumMod val="40000"/>
+                    <a:lumOff val="60000"/>
+                  </a:schemeClr>
+                </a:solidFill>
+              </a:ln>
+            </p:spPr>
+            <p:style>
+              <a:lnRef idx="2">
+                <a:schemeClr val="accent1">
+                  <a:shade val="50000"/>
+                </a:schemeClr>
+              </a:lnRef>
+              <a:fillRef idx="1">
+                <a:schemeClr val="accent1"/>
+              </a:fillRef>
+              <a:effectRef idx="0">
+                <a:schemeClr val="accent1"/>
+              </a:effectRef>
+              <a:fontRef idx="minor">
+                <a:schemeClr val="lt1"/>
+              </a:fontRef>
+            </p:style>
+            <p:txBody>
+              <a:bodyPr rtlCol="0" anchor="ctr"/>
+              <a:lstStyle/>
+              <a:p>
+                <a:pPr algn="ctr"/>
+                <a:r>
+                  <a:rPr lang="de-CH" sz="1200" b="1" dirty="0">
+                    <a:solidFill>
+                      <a:schemeClr val="tx1"/>
+                    </a:solidFill>
+                  </a:rPr>
+                  <a:t>XENTIS </a:t>
+                </a:r>
+                <a:r>
+                  <a:rPr lang="de-CH" sz="1200" dirty="0">
+                    <a:solidFill>
+                      <a:schemeClr val="tx1"/>
+                    </a:solidFill>
+                  </a:rPr>
+                  <a:t>XNON</a:t>
+                </a:r>
+              </a:p>
+              <a:p>
+                <a:pPr algn="ctr"/>
+                <a:r>
+                  <a:rPr lang="de-CH" sz="1200" dirty="0" err="1">
+                    <a:solidFill>
+                      <a:schemeClr val="tx1"/>
+                    </a:solidFill>
+                  </a:rPr>
+                  <a:t>expanded</a:t>
+                </a:r>
+                <a:endParaRPr lang="de-CH" sz="1200" dirty="0">
+                  <a:solidFill>
+                    <a:schemeClr val="tx1"/>
+                  </a:solidFill>
+                </a:endParaRPr>
+              </a:p>
+            </p:txBody>
+          </p:sp>
+          <p:sp>
+            <p:nvSpPr>
+              <p:cNvPr id="125" name="Rechteck: abgerundete Ecken 124">
+                <a:extLst>
+                  <a:ext uri="{FF2B5EF4-FFF2-40B4-BE49-F238E27FC236}">
+                    <a16:creationId xmlns:a16="http://schemas.microsoft.com/office/drawing/2014/main" id="{527D7F27-7702-4856-9164-9C4F20D304B2}"/>
+                  </a:ext>
+                </a:extLst>
+              </p:cNvPr>
+              <p:cNvSpPr/>
+              <p:nvPr/>
+            </p:nvSpPr>
+            <p:spPr>
+              <a:xfrm>
+                <a:off x="1965366" y="1895249"/>
+                <a:ext cx="1031494" cy="352926"/>
+              </a:xfrm>
+              <a:prstGeom prst="roundRect">
+                <a:avLst/>
+              </a:prstGeom>
+              <a:solidFill>
+                <a:schemeClr val="accent2">
+                  <a:lumMod val="75000"/>
+                </a:schemeClr>
+              </a:solidFill>
+              <a:ln>
+                <a:solidFill>
+                  <a:schemeClr val="accent2">
+                    <a:lumMod val="40000"/>
+                    <a:lumOff val="60000"/>
+                  </a:schemeClr>
+                </a:solidFill>
+              </a:ln>
+            </p:spPr>
+            <p:style>
+              <a:lnRef idx="2">
+                <a:schemeClr val="accent1">
+                  <a:shade val="50000"/>
+                </a:schemeClr>
+              </a:lnRef>
+              <a:fillRef idx="1">
+                <a:schemeClr val="accent1"/>
+              </a:fillRef>
+              <a:effectRef idx="0">
+                <a:schemeClr val="accent1"/>
+              </a:effectRef>
+              <a:fontRef idx="minor">
+                <a:schemeClr val="lt1"/>
+              </a:fontRef>
+            </p:style>
+            <p:txBody>
+              <a:bodyPr rtlCol="0" anchor="ctr"/>
+              <a:lstStyle/>
+              <a:p>
+                <a:pPr algn="ctr"/>
+                <a:r>
+                  <a:rPr lang="de-CH" sz="1200" b="1" dirty="0">
+                    <a:solidFill>
+                      <a:schemeClr val="tx1"/>
+                    </a:solidFill>
+                  </a:rPr>
+                  <a:t>HOOKS</a:t>
+                </a:r>
+                <a:endParaRPr lang="de-CH" sz="1200" dirty="0">
+                  <a:solidFill>
+                    <a:schemeClr val="tx1"/>
+                  </a:solidFill>
+                </a:endParaRPr>
+              </a:p>
+            </p:txBody>
+          </p:sp>
+        </p:grpSp>
+        <p:sp>
+          <p:nvSpPr>
+            <p:cNvPr id="126" name="Rechteck 125">
+              <a:extLst>
+                <a:ext uri="{FF2B5EF4-FFF2-40B4-BE49-F238E27FC236}">
+                  <a16:creationId xmlns:a16="http://schemas.microsoft.com/office/drawing/2014/main" id="{586F85E7-8EBE-4C05-B180-8F6ECBAFE308}"/>
+                </a:ext>
+              </a:extLst>
+            </p:cNvPr>
+            <p:cNvSpPr/>
+            <p:nvPr/>
+          </p:nvSpPr>
+          <p:spPr>
+            <a:xfrm>
+              <a:off x="8881700" y="1169614"/>
+              <a:ext cx="2420766" cy="1835685"/>
+            </a:xfrm>
+            <a:prstGeom prst="rect">
+              <a:avLst/>
+            </a:prstGeom>
+          </p:spPr>
+          <p:style>
+            <a:lnRef idx="2">
+              <a:schemeClr val="accent1">
+                <a:shade val="50000"/>
+              </a:schemeClr>
+            </a:lnRef>
+            <a:fillRef idx="1">
+              <a:schemeClr val="accent1"/>
+            </a:fillRef>
+            <a:effectRef idx="0">
+              <a:schemeClr val="accent1"/>
+            </a:effectRef>
+            <a:fontRef idx="minor">
+              <a:schemeClr val="lt1"/>
+            </a:fontRef>
+          </p:style>
+          <p:txBody>
+            <a:bodyPr rtlCol="0" anchor="ctr"/>
+            <a:lstStyle/>
+            <a:p>
+              <a:pPr algn="ctr"/>
+              <a:endParaRPr lang="de-CH" dirty="0"/>
+            </a:p>
+          </p:txBody>
+        </p:sp>
+        <p:sp>
+          <p:nvSpPr>
+            <p:cNvPr id="127" name="Rechteck: abgerundete Ecken 126">
+              <a:extLst>
+                <a:ext uri="{FF2B5EF4-FFF2-40B4-BE49-F238E27FC236}">
+                  <a16:creationId xmlns:a16="http://schemas.microsoft.com/office/drawing/2014/main" id="{395789FA-2A34-4889-8E42-359D6BE10733}"/>
+                </a:ext>
+              </a:extLst>
+            </p:cNvPr>
+            <p:cNvSpPr/>
+            <p:nvPr/>
+          </p:nvSpPr>
+          <p:spPr>
+            <a:xfrm>
+              <a:off x="9541825" y="1612522"/>
+              <a:ext cx="1178429" cy="352926"/>
+            </a:xfrm>
+            <a:prstGeom prst="roundRect">
+              <a:avLst/>
+            </a:prstGeom>
+            <a:solidFill>
+              <a:schemeClr val="accent2">
+                <a:lumMod val="40000"/>
+                <a:lumOff val="60000"/>
+              </a:schemeClr>
+            </a:solidFill>
+            <a:ln>
+              <a:solidFill>
+                <a:schemeClr val="accent2">
+                  <a:lumMod val="40000"/>
+                  <a:lumOff val="60000"/>
+                </a:schemeClr>
+              </a:solidFill>
+            </a:ln>
+          </p:spPr>
+          <p:style>
+            <a:lnRef idx="2">
+              <a:schemeClr val="accent1">
+                <a:shade val="50000"/>
+              </a:schemeClr>
+            </a:lnRef>
+            <a:fillRef idx="1">
+              <a:schemeClr val="accent1"/>
+            </a:fillRef>
+            <a:effectRef idx="0">
+              <a:schemeClr val="accent1"/>
+            </a:effectRef>
+            <a:fontRef idx="minor">
+              <a:schemeClr val="lt1"/>
+            </a:fontRef>
+          </p:style>
+          <p:txBody>
+            <a:bodyPr rtlCol="0" anchor="ctr"/>
+            <a:lstStyle/>
+            <a:p>
+              <a:pPr algn="ctr"/>
+              <a:r>
+                <a:rPr lang="de-CH" sz="1200" b="1" dirty="0" err="1">
+                  <a:solidFill>
+                    <a:schemeClr val="tx1"/>
+                  </a:solidFill>
+                </a:rPr>
+                <a:t>ElasticSearch</a:t>
+              </a:r>
+              <a:endParaRPr lang="de-CH" sz="1200" dirty="0">
+                <a:solidFill>
+                  <a:schemeClr val="tx1"/>
+                </a:solidFill>
+              </a:endParaRPr>
+            </a:p>
+          </p:txBody>
+        </p:sp>
+        <p:sp>
+          <p:nvSpPr>
+            <p:cNvPr id="128" name="Textfeld 127">
+              <a:extLst>
+                <a:ext uri="{FF2B5EF4-FFF2-40B4-BE49-F238E27FC236}">
+                  <a16:creationId xmlns:a16="http://schemas.microsoft.com/office/drawing/2014/main" id="{4F5AE309-B8BB-4A30-9EAC-8CBA051A8D7E}"/>
+                </a:ext>
+              </a:extLst>
+            </p:cNvPr>
+            <p:cNvSpPr txBox="1"/>
+            <p:nvPr/>
+          </p:nvSpPr>
+          <p:spPr>
+            <a:xfrm>
+              <a:off x="9058566" y="1182815"/>
+              <a:ext cx="2114534" cy="369332"/>
+            </a:xfrm>
+            <a:prstGeom prst="rect">
+              <a:avLst/>
+            </a:prstGeom>
+            <a:noFill/>
+          </p:spPr>
+          <p:txBody>
+            <a:bodyPr wrap="square" rtlCol="0">
+              <a:spAutoFit/>
+            </a:bodyPr>
+            <a:lstStyle/>
+            <a:p>
+              <a:pPr algn="ctr"/>
+              <a:r>
+                <a:rPr lang="de-CH" dirty="0"/>
+                <a:t>Monitor Host (VM)</a:t>
+              </a:r>
+            </a:p>
+          </p:txBody>
+        </p:sp>
+        <p:sp>
+          <p:nvSpPr>
+            <p:cNvPr id="130" name="Rechteck: abgerundete Ecken 129">
+              <a:extLst>
+                <a:ext uri="{FF2B5EF4-FFF2-40B4-BE49-F238E27FC236}">
+                  <a16:creationId xmlns:a16="http://schemas.microsoft.com/office/drawing/2014/main" id="{092F0D76-C340-4F58-BB8C-9E629E8906CF}"/>
+                </a:ext>
+              </a:extLst>
+            </p:cNvPr>
+            <p:cNvSpPr/>
+            <p:nvPr/>
+          </p:nvSpPr>
+          <p:spPr>
+            <a:xfrm>
+              <a:off x="9541824" y="2032375"/>
+              <a:ext cx="1178429" cy="375981"/>
+            </a:xfrm>
+            <a:prstGeom prst="roundRect">
+              <a:avLst/>
+            </a:prstGeom>
+            <a:solidFill>
+              <a:schemeClr val="accent2">
+                <a:lumMod val="40000"/>
+                <a:lumOff val="60000"/>
+              </a:schemeClr>
+            </a:solidFill>
+            <a:ln>
+              <a:solidFill>
+                <a:schemeClr val="accent2">
+                  <a:lumMod val="40000"/>
+                  <a:lumOff val="60000"/>
+                </a:schemeClr>
+              </a:solidFill>
+            </a:ln>
+          </p:spPr>
+          <p:style>
+            <a:lnRef idx="2">
+              <a:schemeClr val="accent1">
+                <a:shade val="50000"/>
+              </a:schemeClr>
+            </a:lnRef>
+            <a:fillRef idx="1">
+              <a:schemeClr val="accent1"/>
+            </a:fillRef>
+            <a:effectRef idx="0">
+              <a:schemeClr val="accent1"/>
+            </a:effectRef>
+            <a:fontRef idx="minor">
+              <a:schemeClr val="lt1"/>
+            </a:fontRef>
+          </p:style>
+          <p:txBody>
+            <a:bodyPr rtlCol="0" anchor="ctr"/>
+            <a:lstStyle/>
+            <a:p>
+              <a:pPr algn="ctr"/>
+              <a:r>
+                <a:rPr lang="de-CH" sz="1200" b="1" dirty="0">
+                  <a:solidFill>
+                    <a:schemeClr val="tx1"/>
+                  </a:solidFill>
+                </a:rPr>
+                <a:t>Graphite</a:t>
+              </a:r>
+              <a:endParaRPr lang="de-CH" sz="1200" dirty="0">
+                <a:solidFill>
+                  <a:schemeClr val="tx1"/>
+                </a:solidFill>
+              </a:endParaRPr>
+            </a:p>
+          </p:txBody>
+        </p:sp>
+        <p:sp>
+          <p:nvSpPr>
+            <p:cNvPr id="133" name="Rechteck: abgerundete Ecken 132">
+              <a:extLst>
+                <a:ext uri="{FF2B5EF4-FFF2-40B4-BE49-F238E27FC236}">
+                  <a16:creationId xmlns:a16="http://schemas.microsoft.com/office/drawing/2014/main" id="{0DFB640E-3C85-499E-8227-762855D22C5F}"/>
+                </a:ext>
+              </a:extLst>
+            </p:cNvPr>
+            <p:cNvSpPr/>
+            <p:nvPr/>
+          </p:nvSpPr>
+          <p:spPr>
+            <a:xfrm>
+              <a:off x="9541823" y="2548482"/>
+              <a:ext cx="1178429" cy="375981"/>
+            </a:xfrm>
+            <a:prstGeom prst="roundRect">
+              <a:avLst/>
+            </a:prstGeom>
+            <a:solidFill>
+              <a:schemeClr val="accent2">
+                <a:lumMod val="40000"/>
+                <a:lumOff val="60000"/>
+              </a:schemeClr>
+            </a:solidFill>
+            <a:ln>
+              <a:solidFill>
+                <a:schemeClr val="accent2">
+                  <a:lumMod val="40000"/>
+                  <a:lumOff val="60000"/>
+                </a:schemeClr>
+              </a:solidFill>
+            </a:ln>
+          </p:spPr>
+          <p:style>
+            <a:lnRef idx="2">
+              <a:schemeClr val="accent1">
+                <a:shade val="50000"/>
+              </a:schemeClr>
+            </a:lnRef>
+            <a:fillRef idx="1">
+              <a:schemeClr val="accent1"/>
+            </a:fillRef>
+            <a:effectRef idx="0">
+              <a:schemeClr val="accent1"/>
+            </a:effectRef>
+            <a:fontRef idx="minor">
+              <a:schemeClr val="lt1"/>
+            </a:fontRef>
+          </p:style>
+          <p:txBody>
+            <a:bodyPr rtlCol="0" anchor="ctr"/>
+            <a:lstStyle/>
+            <a:p>
+              <a:pPr algn="ctr"/>
+              <a:r>
+                <a:rPr lang="de-CH" sz="1200" b="1" dirty="0" err="1">
+                  <a:solidFill>
+                    <a:schemeClr val="tx1"/>
+                  </a:solidFill>
+                </a:rPr>
+                <a:t>Grafana</a:t>
+              </a:r>
+              <a:endParaRPr lang="de-CH" sz="1200" dirty="0">
+                <a:solidFill>
+                  <a:schemeClr val="tx1"/>
+                </a:solidFill>
+              </a:endParaRPr>
+            </a:p>
+          </p:txBody>
+        </p:sp>
+        <p:cxnSp>
+          <p:nvCxnSpPr>
+            <p:cNvPr id="136" name="Gerade Verbindung mit Pfeil 135">
+              <a:extLst>
+                <a:ext uri="{FF2B5EF4-FFF2-40B4-BE49-F238E27FC236}">
+                  <a16:creationId xmlns:a16="http://schemas.microsoft.com/office/drawing/2014/main" id="{D81FEF67-7C12-4CDC-8433-5120B9CA1E98}"/>
+                </a:ext>
+              </a:extLst>
+            </p:cNvPr>
+            <p:cNvCxnSpPr>
+              <a:endCxn id="122" idx="0"/>
+            </p:cNvCxnSpPr>
+            <p:nvPr/>
+          </p:nvCxnSpPr>
+          <p:spPr>
+            <a:xfrm>
+              <a:off x="8046392" y="1943813"/>
+              <a:ext cx="216603" cy="343798"/>
+            </a:xfrm>
+            <a:prstGeom prst="straightConnector1">
+              <a:avLst/>
+            </a:prstGeom>
+            <a:ln>
+              <a:solidFill>
+                <a:schemeClr val="tx1"/>
+              </a:solidFill>
+              <a:tailEnd type="triangle"/>
+            </a:ln>
+          </p:spPr>
+          <p:style>
+            <a:lnRef idx="1">
+              <a:schemeClr val="accent1"/>
+            </a:lnRef>
+            <a:fillRef idx="0">
+              <a:schemeClr val="accent1"/>
+            </a:fillRef>
+            <a:effectRef idx="0">
+              <a:schemeClr val="accent1"/>
+            </a:effectRef>
+            <a:fontRef idx="minor">
+              <a:schemeClr val="tx1"/>
+            </a:fontRef>
+          </p:style>
+        </p:cxnSp>
+        <p:cxnSp>
+          <p:nvCxnSpPr>
+            <p:cNvPr id="138" name="Gerade Verbindung mit Pfeil 137">
+              <a:extLst>
+                <a:ext uri="{FF2B5EF4-FFF2-40B4-BE49-F238E27FC236}">
+                  <a16:creationId xmlns:a16="http://schemas.microsoft.com/office/drawing/2014/main" id="{6FE987B2-09AD-487C-BC2B-1E03F739A061}"/>
+                </a:ext>
+              </a:extLst>
+            </p:cNvPr>
+            <p:cNvCxnSpPr>
+              <a:cxnSpLocks/>
+              <a:stCxn id="124" idx="3"/>
+              <a:endCxn id="122" idx="1"/>
+            </p:cNvCxnSpPr>
+            <p:nvPr/>
+          </p:nvCxnSpPr>
+          <p:spPr>
+            <a:xfrm flipV="1">
+              <a:off x="7197306" y="2459788"/>
+              <a:ext cx="572394" cy="5438"/>
+            </a:xfrm>
+            <a:prstGeom prst="straightConnector1">
+              <a:avLst/>
+            </a:prstGeom>
+            <a:ln>
+              <a:solidFill>
+                <a:schemeClr val="tx1"/>
+              </a:solidFill>
+              <a:tailEnd type="triangle"/>
+            </a:ln>
+          </p:spPr>
+          <p:style>
+            <a:lnRef idx="1">
+              <a:schemeClr val="accent1"/>
+            </a:lnRef>
+            <a:fillRef idx="0">
+              <a:schemeClr val="accent1"/>
+            </a:fillRef>
+            <a:effectRef idx="0">
+              <a:schemeClr val="accent1"/>
+            </a:effectRef>
+            <a:fontRef idx="minor">
+              <a:schemeClr val="tx1"/>
+            </a:fontRef>
+          </p:style>
+        </p:cxnSp>
+        <p:cxnSp>
+          <p:nvCxnSpPr>
+            <p:cNvPr id="140" name="Gerade Verbindung mit Pfeil 139">
+              <a:extLst>
+                <a:ext uri="{FF2B5EF4-FFF2-40B4-BE49-F238E27FC236}">
+                  <a16:creationId xmlns:a16="http://schemas.microsoft.com/office/drawing/2014/main" id="{30B20B79-9272-42DC-8DE8-360F64EE13DA}"/>
+                </a:ext>
+              </a:extLst>
+            </p:cNvPr>
+            <p:cNvCxnSpPr>
+              <a:stCxn id="122" idx="3"/>
+            </p:cNvCxnSpPr>
+            <p:nvPr/>
+          </p:nvCxnSpPr>
+          <p:spPr>
+            <a:xfrm flipV="1">
+              <a:off x="8756290" y="1767350"/>
+              <a:ext cx="785533" cy="692438"/>
+            </a:xfrm>
+            <a:prstGeom prst="straightConnector1">
+              <a:avLst/>
+            </a:prstGeom>
+            <a:ln>
+              <a:solidFill>
+                <a:schemeClr val="tx1"/>
+              </a:solidFill>
+              <a:tailEnd type="triangle"/>
+            </a:ln>
+          </p:spPr>
+          <p:style>
+            <a:lnRef idx="1">
+              <a:schemeClr val="accent1"/>
+            </a:lnRef>
+            <a:fillRef idx="0">
+              <a:schemeClr val="accent1"/>
+            </a:fillRef>
+            <a:effectRef idx="0">
+              <a:schemeClr val="accent1"/>
+            </a:effectRef>
+            <a:fontRef idx="minor">
+              <a:schemeClr val="tx1"/>
+            </a:fontRef>
+          </p:style>
+        </p:cxnSp>
+        <p:cxnSp>
+          <p:nvCxnSpPr>
+            <p:cNvPr id="142" name="Gerade Verbindung mit Pfeil 141">
+              <a:extLst>
+                <a:ext uri="{FF2B5EF4-FFF2-40B4-BE49-F238E27FC236}">
+                  <a16:creationId xmlns:a16="http://schemas.microsoft.com/office/drawing/2014/main" id="{8E354B71-AE70-4E5F-899D-8AC56A96501B}"/>
+                </a:ext>
+              </a:extLst>
+            </p:cNvPr>
+            <p:cNvCxnSpPr>
+              <a:stCxn id="122" idx="3"/>
+              <a:endCxn id="130" idx="1"/>
+            </p:cNvCxnSpPr>
+            <p:nvPr/>
+          </p:nvCxnSpPr>
+          <p:spPr>
+            <a:xfrm flipV="1">
+              <a:off x="8756290" y="2220366"/>
+              <a:ext cx="785534" cy="239422"/>
+            </a:xfrm>
+            <a:prstGeom prst="straightConnector1">
+              <a:avLst/>
+            </a:prstGeom>
+            <a:ln>
+              <a:solidFill>
+                <a:schemeClr val="tx1"/>
+              </a:solidFill>
+              <a:tailEnd type="triangle"/>
+            </a:ln>
+          </p:spPr>
+          <p:style>
+            <a:lnRef idx="1">
+              <a:schemeClr val="accent1"/>
+            </a:lnRef>
+            <a:fillRef idx="0">
+              <a:schemeClr val="accent1"/>
+            </a:fillRef>
+            <a:effectRef idx="0">
+              <a:schemeClr val="accent1"/>
+            </a:effectRef>
+            <a:fontRef idx="minor">
+              <a:schemeClr val="tx1"/>
+            </a:fontRef>
+          </p:style>
+        </p:cxnSp>
+        <p:cxnSp>
+          <p:nvCxnSpPr>
+            <p:cNvPr id="144" name="Gerade Verbindung mit Pfeil 143">
+              <a:extLst>
+                <a:ext uri="{FF2B5EF4-FFF2-40B4-BE49-F238E27FC236}">
+                  <a16:creationId xmlns:a16="http://schemas.microsoft.com/office/drawing/2014/main" id="{63F391B0-4848-483C-BAE0-DD7098232325}"/>
+                </a:ext>
+              </a:extLst>
+            </p:cNvPr>
+            <p:cNvCxnSpPr>
+              <a:cxnSpLocks/>
+            </p:cNvCxnSpPr>
+            <p:nvPr/>
+          </p:nvCxnSpPr>
+          <p:spPr>
+            <a:xfrm flipV="1">
+              <a:off x="10607037" y="1788985"/>
+              <a:ext cx="2" cy="947488"/>
+            </a:xfrm>
+            <a:prstGeom prst="straightConnector1">
+              <a:avLst/>
+            </a:prstGeom>
+            <a:ln>
+              <a:solidFill>
+                <a:schemeClr val="tx1"/>
+              </a:solidFill>
+              <a:tailEnd type="triangle"/>
+            </a:ln>
+          </p:spPr>
+          <p:style>
+            <a:lnRef idx="1">
+              <a:schemeClr val="accent1"/>
+            </a:lnRef>
+            <a:fillRef idx="0">
+              <a:schemeClr val="accent1"/>
+            </a:fillRef>
+            <a:effectRef idx="0">
+              <a:schemeClr val="accent1"/>
+            </a:effectRef>
+            <a:fontRef idx="minor">
+              <a:schemeClr val="tx1"/>
+            </a:fontRef>
+          </p:style>
+        </p:cxnSp>
+        <p:cxnSp>
+          <p:nvCxnSpPr>
+            <p:cNvPr id="145" name="Gerade Verbindung mit Pfeil 144">
+              <a:extLst>
+                <a:ext uri="{FF2B5EF4-FFF2-40B4-BE49-F238E27FC236}">
+                  <a16:creationId xmlns:a16="http://schemas.microsoft.com/office/drawing/2014/main" id="{DB3D6E80-DC35-474E-8B70-7EED70D5D6C3}"/>
+                </a:ext>
+              </a:extLst>
+            </p:cNvPr>
+            <p:cNvCxnSpPr>
+              <a:cxnSpLocks/>
+            </p:cNvCxnSpPr>
+            <p:nvPr/>
+          </p:nvCxnSpPr>
+          <p:spPr>
+            <a:xfrm flipV="1">
+              <a:off x="10488602" y="2199742"/>
+              <a:ext cx="5220" cy="530967"/>
+            </a:xfrm>
+            <a:prstGeom prst="straightConnector1">
+              <a:avLst/>
+            </a:prstGeom>
+            <a:ln>
+              <a:solidFill>
+                <a:schemeClr val="tx1"/>
+              </a:solidFill>
+              <a:tailEnd type="triangle"/>
+            </a:ln>
+          </p:spPr>
+          <p:style>
+            <a:lnRef idx="1">
+              <a:schemeClr val="accent1"/>
+            </a:lnRef>
+            <a:fillRef idx="0">
+              <a:schemeClr val="accent1"/>
+            </a:fillRef>
+            <a:effectRef idx="0">
+              <a:schemeClr val="accent1"/>
+            </a:effectRef>
+            <a:fontRef idx="minor">
+              <a:schemeClr val="tx1"/>
+            </a:fontRef>
+          </p:style>
+        </p:cxnSp>
+      </p:grpSp>
+      <p:sp>
+        <p:nvSpPr>
+          <p:cNvPr id="148" name="Textfeld 147">
+            <a:extLst>
+              <a:ext uri="{FF2B5EF4-FFF2-40B4-BE49-F238E27FC236}">
+                <a16:creationId xmlns:a16="http://schemas.microsoft.com/office/drawing/2014/main" id="{43D256BA-1123-49FC-BDDE-971BCE5B0671}"/>
+              </a:ext>
+            </a:extLst>
+          </p:cNvPr>
+          <p:cNvSpPr txBox="1"/>
+          <p:nvPr/>
+        </p:nvSpPr>
+        <p:spPr>
+          <a:xfrm>
+            <a:off x="529746" y="3209173"/>
+            <a:ext cx="5510656" cy="646331"/>
+          </a:xfrm>
+          <a:prstGeom prst="rect">
+            <a:avLst/>
+          </a:prstGeom>
+          <a:solidFill>
+            <a:schemeClr val="accent2">
+              <a:lumMod val="40000"/>
+              <a:lumOff val="60000"/>
+            </a:schemeClr>
+          </a:solidFill>
+        </p:spPr>
+        <p:txBody>
+          <a:bodyPr wrap="square" rtlCol="0">
+            <a:spAutoFit/>
+          </a:bodyPr>
+          <a:lstStyle/>
+          <a:p>
+            <a:r>
+              <a:rPr lang="de-CH" b="1" dirty="0">
+                <a:effectLst>
+                  <a:outerShdw blurRad="38100" dist="38100" dir="2700000" algn="tl">
+                    <a:srgbClr val="000000">
+                      <a:alpha val="43137"/>
+                    </a:srgbClr>
+                  </a:outerShdw>
+                </a:effectLst>
+              </a:rPr>
+              <a:t>Version 2:</a:t>
+            </a:r>
+          </a:p>
+          <a:p>
+            <a:pPr marL="285750" indent="-285750">
+              <a:buFont typeface="Arial" panose="020B0604020202020204" pitchFamily="34" charset="0"/>
+              <a:buChar char="•"/>
+            </a:pPr>
+            <a:r>
+              <a:rPr lang="de-CH" dirty="0" err="1"/>
+              <a:t>Expand</a:t>
+            </a:r>
+            <a:r>
+              <a:rPr lang="de-CH" dirty="0"/>
+              <a:t> </a:t>
+            </a:r>
+            <a:r>
+              <a:rPr lang="de-CH" dirty="0" err="1"/>
+              <a:t>Scope</a:t>
+            </a:r>
+            <a:r>
+              <a:rPr lang="de-CH" dirty="0"/>
+              <a:t> in </a:t>
+            </a:r>
+            <a:r>
+              <a:rPr lang="de-CH" dirty="0" err="1"/>
+              <a:t>order</a:t>
+            </a:r>
+            <a:r>
+              <a:rPr lang="de-CH" dirty="0"/>
+              <a:t> </a:t>
+            </a:r>
+            <a:r>
+              <a:rPr lang="de-CH" dirty="0" err="1"/>
+              <a:t>to</a:t>
+            </a:r>
+            <a:r>
+              <a:rPr lang="de-CH" dirty="0"/>
+              <a:t> </a:t>
+            </a:r>
+            <a:r>
+              <a:rPr lang="de-CH" dirty="0" err="1"/>
+              <a:t>get</a:t>
+            </a:r>
+            <a:r>
+              <a:rPr lang="de-CH" dirty="0"/>
+              <a:t> </a:t>
+            </a:r>
+            <a:r>
+              <a:rPr lang="de-CH" dirty="0" err="1"/>
+              <a:t>rid</a:t>
+            </a:r>
+            <a:r>
+              <a:rPr lang="de-CH" dirty="0"/>
+              <a:t> </a:t>
+            </a:r>
+            <a:r>
+              <a:rPr lang="de-CH" dirty="0" err="1"/>
+              <a:t>of</a:t>
+            </a:r>
+            <a:r>
+              <a:rPr lang="de-CH" dirty="0"/>
+              <a:t> </a:t>
+            </a:r>
+            <a:r>
+              <a:rPr lang="de-CH" dirty="0" err="1"/>
+              <a:t>Xentis</a:t>
+            </a:r>
+            <a:r>
+              <a:rPr lang="de-CH" dirty="0"/>
+              <a:t> XMON</a:t>
+            </a:r>
+          </a:p>
+        </p:txBody>
+      </p:sp>
+      <p:grpSp>
+        <p:nvGrpSpPr>
+          <p:cNvPr id="175" name="Gruppieren 174">
+            <a:extLst>
+              <a:ext uri="{FF2B5EF4-FFF2-40B4-BE49-F238E27FC236}">
+                <a16:creationId xmlns:a16="http://schemas.microsoft.com/office/drawing/2014/main" id="{42992B73-EBF5-41F9-9063-9FF96AAEB88D}"/>
+              </a:ext>
+            </a:extLst>
+          </p:cNvPr>
+          <p:cNvGrpSpPr/>
+          <p:nvPr/>
+        </p:nvGrpSpPr>
+        <p:grpSpPr>
+          <a:xfrm>
+            <a:off x="529746" y="4093189"/>
+            <a:ext cx="10772720" cy="1848886"/>
+            <a:chOff x="529746" y="4093189"/>
+            <a:chExt cx="10772720" cy="1848886"/>
+          </a:xfrm>
+        </p:grpSpPr>
+        <p:sp>
+          <p:nvSpPr>
+            <p:cNvPr id="149" name="Textfeld 148">
+              <a:extLst>
+                <a:ext uri="{FF2B5EF4-FFF2-40B4-BE49-F238E27FC236}">
+                  <a16:creationId xmlns:a16="http://schemas.microsoft.com/office/drawing/2014/main" id="{65A53C49-7F85-4784-8649-F3CEB696E22F}"/>
+                </a:ext>
+              </a:extLst>
+            </p:cNvPr>
+            <p:cNvSpPr txBox="1"/>
+            <p:nvPr/>
+          </p:nvSpPr>
+          <p:spPr>
+            <a:xfrm>
+              <a:off x="529746" y="4702690"/>
+              <a:ext cx="5510656" cy="646331"/>
+            </a:xfrm>
+            <a:prstGeom prst="rect">
+              <a:avLst/>
+            </a:prstGeom>
+            <a:solidFill>
+              <a:schemeClr val="accent2">
+                <a:lumMod val="40000"/>
+                <a:lumOff val="60000"/>
+              </a:schemeClr>
+            </a:solidFill>
+          </p:spPr>
+          <p:txBody>
+            <a:bodyPr wrap="square" rtlCol="0">
+              <a:spAutoFit/>
+            </a:bodyPr>
+            <a:lstStyle/>
+            <a:p>
+              <a:r>
+                <a:rPr lang="de-CH" b="1" dirty="0">
+                  <a:effectLst>
+                    <a:outerShdw blurRad="38100" dist="38100" dir="2700000" algn="tl">
+                      <a:srgbClr val="000000">
+                        <a:alpha val="43137"/>
+                      </a:srgbClr>
+                    </a:outerShdw>
+                  </a:effectLst>
+                </a:rPr>
+                <a:t>Version 3:</a:t>
+              </a:r>
+            </a:p>
+            <a:p>
+              <a:pPr marL="285750" indent="-285750">
+                <a:buFont typeface="Arial" panose="020B0604020202020204" pitchFamily="34" charset="0"/>
+                <a:buChar char="•"/>
+              </a:pPr>
+              <a:r>
+                <a:rPr lang="de-CH" dirty="0"/>
+                <a:t>Put off </a:t>
+              </a:r>
+              <a:r>
+                <a:rPr lang="de-CH" dirty="0" err="1"/>
+                <a:t>Xentis</a:t>
+              </a:r>
+              <a:endParaRPr lang="de-CH" dirty="0"/>
+            </a:p>
+          </p:txBody>
+        </p:sp>
+        <p:grpSp>
+          <p:nvGrpSpPr>
+            <p:cNvPr id="150" name="Gruppieren 149">
+              <a:extLst>
+                <a:ext uri="{FF2B5EF4-FFF2-40B4-BE49-F238E27FC236}">
+                  <a16:creationId xmlns:a16="http://schemas.microsoft.com/office/drawing/2014/main" id="{C14F3460-6433-4A0F-AF77-D025E40673FF}"/>
+                </a:ext>
+              </a:extLst>
+            </p:cNvPr>
+            <p:cNvGrpSpPr/>
+            <p:nvPr/>
+          </p:nvGrpSpPr>
+          <p:grpSpPr>
+            <a:xfrm>
+              <a:off x="5914992" y="4106390"/>
+              <a:ext cx="2841298" cy="1835685"/>
+              <a:chOff x="865460" y="1291623"/>
+              <a:chExt cx="2841298" cy="1835685"/>
+            </a:xfrm>
+          </p:grpSpPr>
+          <p:sp>
+            <p:nvSpPr>
+              <p:cNvPr id="151" name="Rechteck 150">
+                <a:extLst>
+                  <a:ext uri="{FF2B5EF4-FFF2-40B4-BE49-F238E27FC236}">
+                    <a16:creationId xmlns:a16="http://schemas.microsoft.com/office/drawing/2014/main" id="{FA60FA44-F82D-497D-B950-7BFCA6C139FB}"/>
+                  </a:ext>
+                </a:extLst>
+              </p:cNvPr>
+              <p:cNvSpPr/>
+              <p:nvPr/>
+            </p:nvSpPr>
+            <p:spPr>
+              <a:xfrm>
+                <a:off x="865460" y="1291623"/>
+                <a:ext cx="2420766" cy="1835685"/>
+              </a:xfrm>
+              <a:prstGeom prst="rect">
+                <a:avLst/>
+              </a:prstGeom>
+            </p:spPr>
+            <p:style>
+              <a:lnRef idx="2">
+                <a:schemeClr val="accent1">
+                  <a:shade val="50000"/>
+                </a:schemeClr>
+              </a:lnRef>
+              <a:fillRef idx="1">
+                <a:schemeClr val="accent1"/>
+              </a:fillRef>
+              <a:effectRef idx="0">
+                <a:schemeClr val="accent1"/>
+              </a:effectRef>
+              <a:fontRef idx="minor">
+                <a:schemeClr val="lt1"/>
+              </a:fontRef>
+            </p:style>
+            <p:txBody>
+              <a:bodyPr rtlCol="0" anchor="ctr"/>
+              <a:lstStyle/>
+              <a:p>
+                <a:pPr algn="ctr"/>
+                <a:endParaRPr lang="de-CH" dirty="0"/>
+              </a:p>
+            </p:txBody>
+          </p:sp>
+          <p:sp>
+            <p:nvSpPr>
+              <p:cNvPr id="152" name="Rechteck: abgerundete Ecken 151">
+                <a:extLst>
+                  <a:ext uri="{FF2B5EF4-FFF2-40B4-BE49-F238E27FC236}">
+                    <a16:creationId xmlns:a16="http://schemas.microsoft.com/office/drawing/2014/main" id="{E4E18D8E-5E55-4638-BA4B-9294BBCEFC15}"/>
+                  </a:ext>
+                </a:extLst>
+              </p:cNvPr>
+              <p:cNvSpPr/>
+              <p:nvPr/>
+            </p:nvSpPr>
+            <p:spPr>
+              <a:xfrm>
+                <a:off x="1116280" y="1734531"/>
+                <a:ext cx="1031494" cy="352926"/>
+              </a:xfrm>
+              <a:prstGeom prst="roundRect">
+                <a:avLst/>
+              </a:prstGeom>
+              <a:solidFill>
+                <a:schemeClr val="accent2">
+                  <a:lumMod val="40000"/>
+                  <a:lumOff val="60000"/>
+                </a:schemeClr>
+              </a:solidFill>
+              <a:ln>
+                <a:solidFill>
+                  <a:schemeClr val="accent2">
+                    <a:lumMod val="40000"/>
+                    <a:lumOff val="60000"/>
+                  </a:schemeClr>
+                </a:solidFill>
+              </a:ln>
+            </p:spPr>
+            <p:style>
+              <a:lnRef idx="2">
+                <a:schemeClr val="accent1">
+                  <a:shade val="50000"/>
+                </a:schemeClr>
+              </a:lnRef>
+              <a:fillRef idx="1">
+                <a:schemeClr val="accent1"/>
+              </a:fillRef>
+              <a:effectRef idx="0">
+                <a:schemeClr val="accent1"/>
+              </a:effectRef>
+              <a:fontRef idx="minor">
+                <a:schemeClr val="lt1"/>
+              </a:fontRef>
+            </p:style>
+            <p:txBody>
+              <a:bodyPr rtlCol="0" anchor="ctr"/>
+              <a:lstStyle/>
+              <a:p>
+                <a:pPr algn="ctr"/>
+                <a:r>
+                  <a:rPr lang="de-CH" sz="1200" b="1" dirty="0">
+                    <a:solidFill>
+                      <a:schemeClr val="tx1"/>
+                    </a:solidFill>
+                  </a:rPr>
+                  <a:t>XENTIS </a:t>
+                </a:r>
+                <a:r>
+                  <a:rPr lang="de-CH" sz="1200" dirty="0">
+                    <a:solidFill>
+                      <a:schemeClr val="tx1"/>
+                    </a:solidFill>
+                  </a:rPr>
+                  <a:t>Prozesse</a:t>
+                </a:r>
+              </a:p>
+            </p:txBody>
+          </p:sp>
+          <p:sp>
+            <p:nvSpPr>
+              <p:cNvPr id="153" name="Textfeld 152">
+                <a:extLst>
+                  <a:ext uri="{FF2B5EF4-FFF2-40B4-BE49-F238E27FC236}">
+                    <a16:creationId xmlns:a16="http://schemas.microsoft.com/office/drawing/2014/main" id="{0128D56F-B869-4DF9-AE35-757FB6A79FF3}"/>
+                  </a:ext>
+                </a:extLst>
+              </p:cNvPr>
+              <p:cNvSpPr txBox="1"/>
+              <p:nvPr/>
+            </p:nvSpPr>
+            <p:spPr>
+              <a:xfrm>
+                <a:off x="1492471" y="1304824"/>
+                <a:ext cx="1074979" cy="369332"/>
+              </a:xfrm>
+              <a:prstGeom prst="rect">
+                <a:avLst/>
+              </a:prstGeom>
+              <a:noFill/>
+            </p:spPr>
+            <p:txBody>
+              <a:bodyPr wrap="square" rtlCol="0">
+                <a:spAutoFit/>
+              </a:bodyPr>
+              <a:lstStyle/>
+              <a:p>
+                <a:pPr algn="ctr"/>
+                <a:r>
+                  <a:rPr lang="de-CH" dirty="0" err="1"/>
+                  <a:t>Xentis</a:t>
+                </a:r>
+                <a:endParaRPr lang="de-CH" dirty="0"/>
+              </a:p>
+            </p:txBody>
+          </p:sp>
+          <p:sp>
+            <p:nvSpPr>
+              <p:cNvPr id="154" name="Rechteck: abgerundete Ecken 153">
+                <a:extLst>
+                  <a:ext uri="{FF2B5EF4-FFF2-40B4-BE49-F238E27FC236}">
+                    <a16:creationId xmlns:a16="http://schemas.microsoft.com/office/drawing/2014/main" id="{1DBEF96F-53D4-4E84-BB9F-241D75AF7495}"/>
+                  </a:ext>
+                </a:extLst>
+              </p:cNvPr>
+              <p:cNvSpPr/>
+              <p:nvPr/>
+            </p:nvSpPr>
+            <p:spPr>
+              <a:xfrm>
+                <a:off x="2720168" y="2396419"/>
+                <a:ext cx="986590" cy="344354"/>
+              </a:xfrm>
+              <a:prstGeom prst="roundRect">
+                <a:avLst/>
+              </a:prstGeom>
+              <a:solidFill>
+                <a:schemeClr val="accent2">
+                  <a:lumMod val="60000"/>
+                  <a:lumOff val="40000"/>
+                </a:schemeClr>
+              </a:solidFill>
+            </p:spPr>
+            <p:style>
+              <a:lnRef idx="2">
+                <a:schemeClr val="accent1">
+                  <a:shade val="50000"/>
+                </a:schemeClr>
+              </a:lnRef>
+              <a:fillRef idx="1">
+                <a:schemeClr val="accent1"/>
+              </a:fillRef>
+              <a:effectRef idx="0">
+                <a:schemeClr val="accent1"/>
+              </a:effectRef>
+              <a:fontRef idx="minor">
+                <a:schemeClr val="lt1"/>
+              </a:fontRef>
+            </p:style>
+            <p:txBody>
+              <a:bodyPr rtlCol="0" anchor="ctr"/>
+              <a:lstStyle/>
+              <a:p>
+                <a:pPr algn="ctr"/>
+                <a:r>
+                  <a:rPr lang="de-CH" sz="1200" b="1" dirty="0">
+                    <a:solidFill>
+                      <a:schemeClr val="tx1"/>
+                    </a:solidFill>
+                  </a:rPr>
+                  <a:t>Monitor</a:t>
+                </a:r>
+                <a:r>
+                  <a:rPr lang="de-CH" sz="1200" dirty="0">
+                    <a:solidFill>
+                      <a:schemeClr val="tx1"/>
+                    </a:solidFill>
+                  </a:rPr>
+                  <a:t> API</a:t>
+                </a:r>
+              </a:p>
+            </p:txBody>
+          </p:sp>
+          <p:sp>
+            <p:nvSpPr>
+              <p:cNvPr id="155" name="Rechteck: abgerundete Ecken 154">
+                <a:extLst>
+                  <a:ext uri="{FF2B5EF4-FFF2-40B4-BE49-F238E27FC236}">
+                    <a16:creationId xmlns:a16="http://schemas.microsoft.com/office/drawing/2014/main" id="{032623BE-BA93-459A-AAE4-8E7F1C08AC7A}"/>
+                  </a:ext>
+                </a:extLst>
+              </p:cNvPr>
+              <p:cNvSpPr/>
+              <p:nvPr/>
+            </p:nvSpPr>
+            <p:spPr>
+              <a:xfrm>
+                <a:off x="1116280" y="2308550"/>
+                <a:ext cx="1031494" cy="530967"/>
+              </a:xfrm>
+              <a:prstGeom prst="roundRect">
+                <a:avLst/>
+              </a:prstGeom>
+              <a:solidFill>
+                <a:schemeClr val="accent2">
+                  <a:lumMod val="40000"/>
+                  <a:lumOff val="60000"/>
+                </a:schemeClr>
+              </a:solidFill>
+              <a:ln>
+                <a:solidFill>
+                  <a:schemeClr val="accent2">
+                    <a:lumMod val="40000"/>
+                    <a:lumOff val="60000"/>
+                  </a:schemeClr>
+                </a:solidFill>
+              </a:ln>
+            </p:spPr>
+            <p:style>
+              <a:lnRef idx="2">
+                <a:schemeClr val="accent1">
+                  <a:shade val="50000"/>
+                </a:schemeClr>
+              </a:lnRef>
+              <a:fillRef idx="1">
+                <a:schemeClr val="accent1"/>
+              </a:fillRef>
+              <a:effectRef idx="0">
+                <a:schemeClr val="accent1"/>
+              </a:effectRef>
+              <a:fontRef idx="minor">
+                <a:schemeClr val="lt1"/>
+              </a:fontRef>
+            </p:style>
+            <p:txBody>
+              <a:bodyPr rtlCol="0" anchor="ctr"/>
+              <a:lstStyle/>
+              <a:p>
+                <a:pPr algn="ctr"/>
+                <a:r>
+                  <a:rPr lang="de-CH" sz="1200" b="1" dirty="0">
+                    <a:solidFill>
+                      <a:schemeClr val="tx1"/>
+                    </a:solidFill>
+                  </a:rPr>
+                  <a:t>XENTIS </a:t>
+                </a:r>
+                <a:r>
+                  <a:rPr lang="de-CH" sz="1200" dirty="0">
+                    <a:solidFill>
+                      <a:schemeClr val="tx1"/>
+                    </a:solidFill>
+                  </a:rPr>
+                  <a:t>XNON</a:t>
+                </a:r>
+              </a:p>
+              <a:p>
+                <a:pPr algn="ctr"/>
+                <a:r>
+                  <a:rPr lang="de-CH" sz="1200" dirty="0" err="1">
+                    <a:solidFill>
+                      <a:schemeClr val="tx1"/>
+                    </a:solidFill>
+                  </a:rPr>
+                  <a:t>expanded</a:t>
+                </a:r>
+                <a:endParaRPr lang="de-CH" sz="1200" dirty="0">
+                  <a:solidFill>
+                    <a:schemeClr val="tx1"/>
+                  </a:solidFill>
+                </a:endParaRPr>
+              </a:p>
+            </p:txBody>
+          </p:sp>
+          <p:sp>
+            <p:nvSpPr>
+              <p:cNvPr id="156" name="Rechteck: abgerundete Ecken 155">
+                <a:extLst>
+                  <a:ext uri="{FF2B5EF4-FFF2-40B4-BE49-F238E27FC236}">
+                    <a16:creationId xmlns:a16="http://schemas.microsoft.com/office/drawing/2014/main" id="{344458E7-5F8C-4494-B45A-9B86258D3132}"/>
+                  </a:ext>
+                </a:extLst>
+              </p:cNvPr>
+              <p:cNvSpPr/>
+              <p:nvPr/>
+            </p:nvSpPr>
+            <p:spPr>
+              <a:xfrm>
+                <a:off x="1965366" y="1895249"/>
+                <a:ext cx="1031494" cy="352926"/>
+              </a:xfrm>
+              <a:prstGeom prst="roundRect">
+                <a:avLst/>
+              </a:prstGeom>
+              <a:solidFill>
+                <a:schemeClr val="accent2">
+                  <a:lumMod val="75000"/>
+                </a:schemeClr>
+              </a:solidFill>
+              <a:ln>
+                <a:solidFill>
+                  <a:schemeClr val="accent2">
+                    <a:lumMod val="40000"/>
+                    <a:lumOff val="60000"/>
+                  </a:schemeClr>
+                </a:solidFill>
+              </a:ln>
+            </p:spPr>
+            <p:style>
+              <a:lnRef idx="2">
+                <a:schemeClr val="accent1">
+                  <a:shade val="50000"/>
+                </a:schemeClr>
+              </a:lnRef>
+              <a:fillRef idx="1">
+                <a:schemeClr val="accent1"/>
+              </a:fillRef>
+              <a:effectRef idx="0">
+                <a:schemeClr val="accent1"/>
+              </a:effectRef>
+              <a:fontRef idx="minor">
+                <a:schemeClr val="lt1"/>
+              </a:fontRef>
+            </p:style>
+            <p:txBody>
+              <a:bodyPr rtlCol="0" anchor="ctr"/>
+              <a:lstStyle/>
+              <a:p>
+                <a:pPr algn="ctr"/>
+                <a:r>
+                  <a:rPr lang="de-CH" sz="1200" b="1" dirty="0">
+                    <a:solidFill>
+                      <a:schemeClr val="tx1"/>
+                    </a:solidFill>
+                  </a:rPr>
+                  <a:t>HOOKS</a:t>
+                </a:r>
+                <a:endParaRPr lang="de-CH" sz="1200" dirty="0">
+                  <a:solidFill>
+                    <a:schemeClr val="tx1"/>
+                  </a:solidFill>
+                </a:endParaRPr>
+              </a:p>
+            </p:txBody>
+          </p:sp>
+        </p:grpSp>
+        <p:sp>
+          <p:nvSpPr>
+            <p:cNvPr id="157" name="Rechteck 156">
+              <a:extLst>
+                <a:ext uri="{FF2B5EF4-FFF2-40B4-BE49-F238E27FC236}">
+                  <a16:creationId xmlns:a16="http://schemas.microsoft.com/office/drawing/2014/main" id="{6CAD2C6E-385E-4A15-BC6C-75E6BF1E2E3B}"/>
+                </a:ext>
+              </a:extLst>
+            </p:cNvPr>
+            <p:cNvSpPr/>
+            <p:nvPr/>
+          </p:nvSpPr>
+          <p:spPr>
+            <a:xfrm>
+              <a:off x="8881700" y="4093189"/>
+              <a:ext cx="2420766" cy="1835685"/>
+            </a:xfrm>
+            <a:prstGeom prst="rect">
+              <a:avLst/>
+            </a:prstGeom>
+          </p:spPr>
+          <p:style>
+            <a:lnRef idx="2">
+              <a:schemeClr val="accent1">
+                <a:shade val="50000"/>
+              </a:schemeClr>
+            </a:lnRef>
+            <a:fillRef idx="1">
+              <a:schemeClr val="accent1"/>
+            </a:fillRef>
+            <a:effectRef idx="0">
+              <a:schemeClr val="accent1"/>
+            </a:effectRef>
+            <a:fontRef idx="minor">
+              <a:schemeClr val="lt1"/>
+            </a:fontRef>
+          </p:style>
+          <p:txBody>
+            <a:bodyPr rtlCol="0" anchor="ctr"/>
+            <a:lstStyle/>
+            <a:p>
+              <a:pPr algn="ctr"/>
+              <a:endParaRPr lang="de-CH" dirty="0"/>
+            </a:p>
+          </p:txBody>
+        </p:sp>
+        <p:sp>
+          <p:nvSpPr>
+            <p:cNvPr id="158" name="Rechteck: abgerundete Ecken 157">
+              <a:extLst>
+                <a:ext uri="{FF2B5EF4-FFF2-40B4-BE49-F238E27FC236}">
+                  <a16:creationId xmlns:a16="http://schemas.microsoft.com/office/drawing/2014/main" id="{3F7F962F-BE06-40B8-9745-64FEE01BA762}"/>
+                </a:ext>
+              </a:extLst>
+            </p:cNvPr>
+            <p:cNvSpPr/>
+            <p:nvPr/>
+          </p:nvSpPr>
+          <p:spPr>
+            <a:xfrm>
+              <a:off x="9541825" y="4536097"/>
+              <a:ext cx="1178429" cy="352926"/>
+            </a:xfrm>
+            <a:prstGeom prst="roundRect">
+              <a:avLst/>
+            </a:prstGeom>
+            <a:solidFill>
+              <a:schemeClr val="accent2">
+                <a:lumMod val="40000"/>
+                <a:lumOff val="60000"/>
+              </a:schemeClr>
+            </a:solidFill>
+            <a:ln>
+              <a:solidFill>
+                <a:schemeClr val="accent2">
+                  <a:lumMod val="40000"/>
+                  <a:lumOff val="60000"/>
+                </a:schemeClr>
+              </a:solidFill>
+            </a:ln>
+          </p:spPr>
+          <p:style>
+            <a:lnRef idx="2">
+              <a:schemeClr val="accent1">
+                <a:shade val="50000"/>
+              </a:schemeClr>
+            </a:lnRef>
+            <a:fillRef idx="1">
+              <a:schemeClr val="accent1"/>
+            </a:fillRef>
+            <a:effectRef idx="0">
+              <a:schemeClr val="accent1"/>
+            </a:effectRef>
+            <a:fontRef idx="minor">
+              <a:schemeClr val="lt1"/>
+            </a:fontRef>
+          </p:style>
+          <p:txBody>
+            <a:bodyPr rtlCol="0" anchor="ctr"/>
+            <a:lstStyle/>
+            <a:p>
+              <a:pPr algn="ctr"/>
+              <a:r>
+                <a:rPr lang="de-CH" sz="1200" b="1" dirty="0" err="1">
+                  <a:solidFill>
+                    <a:schemeClr val="tx1"/>
+                  </a:solidFill>
+                </a:rPr>
+                <a:t>ElasticSearch</a:t>
+              </a:r>
+              <a:endParaRPr lang="de-CH" sz="1200" dirty="0">
+                <a:solidFill>
+                  <a:schemeClr val="tx1"/>
+                </a:solidFill>
+              </a:endParaRPr>
+            </a:p>
+          </p:txBody>
+        </p:sp>
+        <p:sp>
+          <p:nvSpPr>
+            <p:cNvPr id="159" name="Textfeld 158">
+              <a:extLst>
+                <a:ext uri="{FF2B5EF4-FFF2-40B4-BE49-F238E27FC236}">
+                  <a16:creationId xmlns:a16="http://schemas.microsoft.com/office/drawing/2014/main" id="{24D66B33-3D6A-4856-BE06-77CB0010A4D4}"/>
+                </a:ext>
+              </a:extLst>
+            </p:cNvPr>
+            <p:cNvSpPr txBox="1"/>
+            <p:nvPr/>
+          </p:nvSpPr>
+          <p:spPr>
+            <a:xfrm>
+              <a:off x="9058566" y="4106390"/>
+              <a:ext cx="2114534" cy="369332"/>
+            </a:xfrm>
+            <a:prstGeom prst="rect">
+              <a:avLst/>
+            </a:prstGeom>
+            <a:noFill/>
+          </p:spPr>
+          <p:txBody>
+            <a:bodyPr wrap="square" rtlCol="0">
+              <a:spAutoFit/>
+            </a:bodyPr>
+            <a:lstStyle/>
+            <a:p>
+              <a:pPr algn="ctr"/>
+              <a:r>
+                <a:rPr lang="de-CH" dirty="0"/>
+                <a:t>Monitor Host (VM)</a:t>
+              </a:r>
+            </a:p>
+          </p:txBody>
+        </p:sp>
+        <p:sp>
+          <p:nvSpPr>
+            <p:cNvPr id="160" name="Rechteck: abgerundete Ecken 159">
+              <a:extLst>
+                <a:ext uri="{FF2B5EF4-FFF2-40B4-BE49-F238E27FC236}">
+                  <a16:creationId xmlns:a16="http://schemas.microsoft.com/office/drawing/2014/main" id="{24FB4A33-9319-4ECF-9063-BFC7D230DBB1}"/>
+                </a:ext>
+              </a:extLst>
+            </p:cNvPr>
+            <p:cNvSpPr/>
+            <p:nvPr/>
+          </p:nvSpPr>
+          <p:spPr>
+            <a:xfrm>
+              <a:off x="9541824" y="4955950"/>
+              <a:ext cx="1178429" cy="375981"/>
+            </a:xfrm>
+            <a:prstGeom prst="roundRect">
+              <a:avLst/>
+            </a:prstGeom>
+            <a:solidFill>
+              <a:schemeClr val="accent2">
+                <a:lumMod val="40000"/>
+                <a:lumOff val="60000"/>
+              </a:schemeClr>
+            </a:solidFill>
+            <a:ln>
+              <a:solidFill>
+                <a:schemeClr val="accent2">
+                  <a:lumMod val="40000"/>
+                  <a:lumOff val="60000"/>
+                </a:schemeClr>
+              </a:solidFill>
+            </a:ln>
+          </p:spPr>
+          <p:style>
+            <a:lnRef idx="2">
+              <a:schemeClr val="accent1">
+                <a:shade val="50000"/>
+              </a:schemeClr>
+            </a:lnRef>
+            <a:fillRef idx="1">
+              <a:schemeClr val="accent1"/>
+            </a:fillRef>
+            <a:effectRef idx="0">
+              <a:schemeClr val="accent1"/>
+            </a:effectRef>
+            <a:fontRef idx="minor">
+              <a:schemeClr val="lt1"/>
+            </a:fontRef>
+          </p:style>
+          <p:txBody>
+            <a:bodyPr rtlCol="0" anchor="ctr"/>
+            <a:lstStyle/>
+            <a:p>
+              <a:pPr algn="ctr"/>
+              <a:r>
+                <a:rPr lang="de-CH" sz="1200" b="1" dirty="0">
+                  <a:solidFill>
+                    <a:schemeClr val="tx1"/>
+                  </a:solidFill>
+                </a:rPr>
+                <a:t>Graphite</a:t>
+              </a:r>
+              <a:endParaRPr lang="de-CH" sz="1200" dirty="0">
+                <a:solidFill>
+                  <a:schemeClr val="tx1"/>
+                </a:solidFill>
+              </a:endParaRPr>
+            </a:p>
+          </p:txBody>
+        </p:sp>
+        <p:sp>
+          <p:nvSpPr>
+            <p:cNvPr id="161" name="Rechteck: abgerundete Ecken 160">
+              <a:extLst>
+                <a:ext uri="{FF2B5EF4-FFF2-40B4-BE49-F238E27FC236}">
+                  <a16:creationId xmlns:a16="http://schemas.microsoft.com/office/drawing/2014/main" id="{B808326D-2C0E-4AF7-85E2-295AA6CCB73F}"/>
+                </a:ext>
+              </a:extLst>
+            </p:cNvPr>
+            <p:cNvSpPr/>
+            <p:nvPr/>
+          </p:nvSpPr>
+          <p:spPr>
+            <a:xfrm>
+              <a:off x="9541823" y="5472057"/>
+              <a:ext cx="1178429" cy="375981"/>
+            </a:xfrm>
+            <a:prstGeom prst="roundRect">
+              <a:avLst/>
+            </a:prstGeom>
+            <a:solidFill>
+              <a:schemeClr val="accent2">
+                <a:lumMod val="40000"/>
+                <a:lumOff val="60000"/>
+              </a:schemeClr>
+            </a:solidFill>
+            <a:ln>
+              <a:solidFill>
+                <a:schemeClr val="accent2">
+                  <a:lumMod val="40000"/>
+                  <a:lumOff val="60000"/>
+                </a:schemeClr>
+              </a:solidFill>
+            </a:ln>
+          </p:spPr>
+          <p:style>
+            <a:lnRef idx="2">
+              <a:schemeClr val="accent1">
+                <a:shade val="50000"/>
+              </a:schemeClr>
+            </a:lnRef>
+            <a:fillRef idx="1">
+              <a:schemeClr val="accent1"/>
+            </a:fillRef>
+            <a:effectRef idx="0">
+              <a:schemeClr val="accent1"/>
+            </a:effectRef>
+            <a:fontRef idx="minor">
+              <a:schemeClr val="lt1"/>
+            </a:fontRef>
+          </p:style>
+          <p:txBody>
+            <a:bodyPr rtlCol="0" anchor="ctr"/>
+            <a:lstStyle/>
+            <a:p>
+              <a:pPr algn="ctr"/>
+              <a:r>
+                <a:rPr lang="de-CH" sz="1200" b="1" dirty="0" err="1">
+                  <a:solidFill>
+                    <a:schemeClr val="tx1"/>
+                  </a:solidFill>
+                </a:rPr>
+                <a:t>Grafana</a:t>
+              </a:r>
+              <a:endParaRPr lang="de-CH" sz="1200" dirty="0">
+                <a:solidFill>
+                  <a:schemeClr val="tx1"/>
+                </a:solidFill>
+              </a:endParaRPr>
+            </a:p>
+          </p:txBody>
+        </p:sp>
+        <p:cxnSp>
+          <p:nvCxnSpPr>
+            <p:cNvPr id="162" name="Gerade Verbindung mit Pfeil 161">
+              <a:extLst>
+                <a:ext uri="{FF2B5EF4-FFF2-40B4-BE49-F238E27FC236}">
+                  <a16:creationId xmlns:a16="http://schemas.microsoft.com/office/drawing/2014/main" id="{F9ED32D3-D03B-49C9-B4DB-0FFA62D08EB4}"/>
+                </a:ext>
+              </a:extLst>
+            </p:cNvPr>
+            <p:cNvCxnSpPr>
+              <a:endCxn id="154" idx="0"/>
+            </p:cNvCxnSpPr>
+            <p:nvPr/>
+          </p:nvCxnSpPr>
+          <p:spPr>
+            <a:xfrm>
+              <a:off x="8046392" y="4867388"/>
+              <a:ext cx="216603" cy="343798"/>
+            </a:xfrm>
+            <a:prstGeom prst="straightConnector1">
+              <a:avLst/>
+            </a:prstGeom>
+            <a:ln>
+              <a:solidFill>
+                <a:schemeClr val="tx1"/>
+              </a:solidFill>
+              <a:tailEnd type="triangle"/>
+            </a:ln>
+          </p:spPr>
+          <p:style>
+            <a:lnRef idx="1">
+              <a:schemeClr val="accent1"/>
+            </a:lnRef>
+            <a:fillRef idx="0">
+              <a:schemeClr val="accent1"/>
+            </a:fillRef>
+            <a:effectRef idx="0">
+              <a:schemeClr val="accent1"/>
+            </a:effectRef>
+            <a:fontRef idx="minor">
+              <a:schemeClr val="tx1"/>
+            </a:fontRef>
+          </p:style>
+        </p:cxnSp>
+        <p:cxnSp>
+          <p:nvCxnSpPr>
+            <p:cNvPr id="164" name="Gerade Verbindung mit Pfeil 163">
+              <a:extLst>
+                <a:ext uri="{FF2B5EF4-FFF2-40B4-BE49-F238E27FC236}">
+                  <a16:creationId xmlns:a16="http://schemas.microsoft.com/office/drawing/2014/main" id="{E8487B15-1812-4BD0-8445-30CA53BC43E1}"/>
+                </a:ext>
+              </a:extLst>
+            </p:cNvPr>
+            <p:cNvCxnSpPr>
+              <a:stCxn id="154" idx="3"/>
+            </p:cNvCxnSpPr>
+            <p:nvPr/>
+          </p:nvCxnSpPr>
+          <p:spPr>
+            <a:xfrm flipV="1">
+              <a:off x="8756290" y="4690925"/>
+              <a:ext cx="785533" cy="692438"/>
+            </a:xfrm>
+            <a:prstGeom prst="straightConnector1">
+              <a:avLst/>
+            </a:prstGeom>
+            <a:ln>
+              <a:solidFill>
+                <a:schemeClr val="tx1"/>
+              </a:solidFill>
+              <a:tailEnd type="triangle"/>
+            </a:ln>
+          </p:spPr>
+          <p:style>
+            <a:lnRef idx="1">
+              <a:schemeClr val="accent1"/>
+            </a:lnRef>
+            <a:fillRef idx="0">
+              <a:schemeClr val="accent1"/>
+            </a:fillRef>
+            <a:effectRef idx="0">
+              <a:schemeClr val="accent1"/>
+            </a:effectRef>
+            <a:fontRef idx="minor">
+              <a:schemeClr val="tx1"/>
+            </a:fontRef>
+          </p:style>
+        </p:cxnSp>
+        <p:cxnSp>
+          <p:nvCxnSpPr>
+            <p:cNvPr id="165" name="Gerade Verbindung mit Pfeil 164">
+              <a:extLst>
+                <a:ext uri="{FF2B5EF4-FFF2-40B4-BE49-F238E27FC236}">
+                  <a16:creationId xmlns:a16="http://schemas.microsoft.com/office/drawing/2014/main" id="{5C3B1873-B590-4A21-ABCA-48894D8BA3FF}"/>
+                </a:ext>
+              </a:extLst>
+            </p:cNvPr>
+            <p:cNvCxnSpPr>
+              <a:stCxn id="154" idx="3"/>
+              <a:endCxn id="160" idx="1"/>
+            </p:cNvCxnSpPr>
+            <p:nvPr/>
+          </p:nvCxnSpPr>
+          <p:spPr>
+            <a:xfrm flipV="1">
+              <a:off x="8756290" y="5143941"/>
+              <a:ext cx="785534" cy="239422"/>
+            </a:xfrm>
+            <a:prstGeom prst="straightConnector1">
+              <a:avLst/>
+            </a:prstGeom>
+            <a:ln>
+              <a:solidFill>
+                <a:schemeClr val="tx1"/>
+              </a:solidFill>
+              <a:tailEnd type="triangle"/>
+            </a:ln>
+          </p:spPr>
+          <p:style>
+            <a:lnRef idx="1">
+              <a:schemeClr val="accent1"/>
+            </a:lnRef>
+            <a:fillRef idx="0">
+              <a:schemeClr val="accent1"/>
+            </a:fillRef>
+            <a:effectRef idx="0">
+              <a:schemeClr val="accent1"/>
+            </a:effectRef>
+            <a:fontRef idx="minor">
+              <a:schemeClr val="tx1"/>
+            </a:fontRef>
+          </p:style>
+        </p:cxnSp>
+        <p:cxnSp>
+          <p:nvCxnSpPr>
+            <p:cNvPr id="166" name="Gerade Verbindung mit Pfeil 165">
+              <a:extLst>
+                <a:ext uri="{FF2B5EF4-FFF2-40B4-BE49-F238E27FC236}">
+                  <a16:creationId xmlns:a16="http://schemas.microsoft.com/office/drawing/2014/main" id="{32E4FEF6-7154-4BA6-80C7-A478CDE544E0}"/>
+                </a:ext>
+              </a:extLst>
+            </p:cNvPr>
+            <p:cNvCxnSpPr>
+              <a:cxnSpLocks/>
+            </p:cNvCxnSpPr>
+            <p:nvPr/>
+          </p:nvCxnSpPr>
+          <p:spPr>
+            <a:xfrm flipV="1">
+              <a:off x="10607037" y="4712560"/>
+              <a:ext cx="2" cy="947488"/>
+            </a:xfrm>
+            <a:prstGeom prst="straightConnector1">
+              <a:avLst/>
+            </a:prstGeom>
+            <a:ln>
+              <a:solidFill>
+                <a:schemeClr val="tx1"/>
+              </a:solidFill>
+              <a:tailEnd type="triangle"/>
+            </a:ln>
+          </p:spPr>
+          <p:style>
+            <a:lnRef idx="1">
+              <a:schemeClr val="accent1"/>
+            </a:lnRef>
+            <a:fillRef idx="0">
+              <a:schemeClr val="accent1"/>
+            </a:fillRef>
+            <a:effectRef idx="0">
+              <a:schemeClr val="accent1"/>
+            </a:effectRef>
+            <a:fontRef idx="minor">
+              <a:schemeClr val="tx1"/>
+            </a:fontRef>
+          </p:style>
+        </p:cxnSp>
+        <p:cxnSp>
+          <p:nvCxnSpPr>
+            <p:cNvPr id="167" name="Gerade Verbindung mit Pfeil 166">
+              <a:extLst>
+                <a:ext uri="{FF2B5EF4-FFF2-40B4-BE49-F238E27FC236}">
+                  <a16:creationId xmlns:a16="http://schemas.microsoft.com/office/drawing/2014/main" id="{0B1636B6-F83B-4317-8A87-A53ECDDF9B88}"/>
+                </a:ext>
+              </a:extLst>
+            </p:cNvPr>
+            <p:cNvCxnSpPr>
+              <a:cxnSpLocks/>
+            </p:cNvCxnSpPr>
+            <p:nvPr/>
+          </p:nvCxnSpPr>
+          <p:spPr>
+            <a:xfrm flipV="1">
+              <a:off x="10488602" y="5123317"/>
+              <a:ext cx="5220" cy="530967"/>
+            </a:xfrm>
+            <a:prstGeom prst="straightConnector1">
+              <a:avLst/>
+            </a:prstGeom>
+            <a:ln>
+              <a:solidFill>
+                <a:schemeClr val="tx1"/>
+              </a:solidFill>
+              <a:tailEnd type="triangle"/>
+            </a:ln>
+          </p:spPr>
+          <p:style>
+            <a:lnRef idx="1">
+              <a:schemeClr val="accent1"/>
+            </a:lnRef>
+            <a:fillRef idx="0">
+              <a:schemeClr val="accent1"/>
+            </a:fillRef>
+            <a:effectRef idx="0">
+              <a:schemeClr val="accent1"/>
+            </a:effectRef>
+            <a:fontRef idx="minor">
+              <a:schemeClr val="tx1"/>
+            </a:fontRef>
+          </p:style>
+        </p:cxnSp>
+        <p:cxnSp>
+          <p:nvCxnSpPr>
+            <p:cNvPr id="169" name="Gerader Verbinder 168">
+              <a:extLst>
+                <a:ext uri="{FF2B5EF4-FFF2-40B4-BE49-F238E27FC236}">
+                  <a16:creationId xmlns:a16="http://schemas.microsoft.com/office/drawing/2014/main" id="{65BABCC8-392E-492E-BFD2-B9917A383319}"/>
+                </a:ext>
+              </a:extLst>
+            </p:cNvPr>
+            <p:cNvCxnSpPr>
+              <a:cxnSpLocks/>
+            </p:cNvCxnSpPr>
+            <p:nvPr/>
+          </p:nvCxnSpPr>
+          <p:spPr>
+            <a:xfrm>
+              <a:off x="6165810" y="5130897"/>
+              <a:ext cx="1031496" cy="523387"/>
+            </a:xfrm>
+            <a:prstGeom prst="line">
+              <a:avLst/>
+            </a:prstGeom>
+            <a:ln>
+              <a:solidFill>
+                <a:srgbClr val="FF0000"/>
+              </a:solidFill>
+            </a:ln>
+          </p:spPr>
+          <p:style>
+            <a:lnRef idx="1">
+              <a:schemeClr val="accent1"/>
+            </a:lnRef>
+            <a:fillRef idx="0">
+              <a:schemeClr val="accent1"/>
+            </a:fillRef>
+            <a:effectRef idx="0">
+              <a:schemeClr val="accent1"/>
+            </a:effectRef>
+            <a:fontRef idx="minor">
+              <a:schemeClr val="tx1"/>
+            </a:fontRef>
+          </p:style>
+        </p:cxnSp>
+        <p:cxnSp>
+          <p:nvCxnSpPr>
+            <p:cNvPr id="171" name="Gerader Verbinder 170">
+              <a:extLst>
+                <a:ext uri="{FF2B5EF4-FFF2-40B4-BE49-F238E27FC236}">
+                  <a16:creationId xmlns:a16="http://schemas.microsoft.com/office/drawing/2014/main" id="{A9178668-F1D5-4EB2-B09E-950E6703D942}"/>
+                </a:ext>
+              </a:extLst>
+            </p:cNvPr>
+            <p:cNvCxnSpPr>
+              <a:cxnSpLocks/>
+            </p:cNvCxnSpPr>
+            <p:nvPr/>
+          </p:nvCxnSpPr>
+          <p:spPr>
+            <a:xfrm flipH="1">
+              <a:off x="6165812" y="5143941"/>
+              <a:ext cx="1012210" cy="516929"/>
+            </a:xfrm>
+            <a:prstGeom prst="line">
+              <a:avLst/>
+            </a:prstGeom>
+            <a:ln>
+              <a:solidFill>
+                <a:srgbClr val="FF0000"/>
+              </a:solidFill>
+            </a:ln>
+          </p:spPr>
+          <p:style>
+            <a:lnRef idx="1">
+              <a:schemeClr val="accent1"/>
+            </a:lnRef>
+            <a:fillRef idx="0">
+              <a:schemeClr val="accent1"/>
+            </a:fillRef>
+            <a:effectRef idx="0">
+              <a:schemeClr val="accent1"/>
+            </a:effectRef>
+            <a:fontRef idx="minor">
+              <a:schemeClr val="tx1"/>
+            </a:fontRef>
+          </p:style>
+        </p:cxnSp>
+      </p:grpSp>
+    </p:spTree>
+    <p:extLst>
+      <p:ext uri="{BB962C8B-B14F-4D97-AF65-F5344CB8AC3E}">
+        <p14:creationId xmlns:p14="http://schemas.microsoft.com/office/powerpoint/2010/main" val="3893074238"/>
+      </p:ext>
+    </p:extLst>
+  </p:cSld>
+  <p:clrMapOvr>
+    <a:masterClrMapping/>
+  </p:clrMapOvr>
+  <p:timing>
+    <p:tnLst>
+      <p:par>
+        <p:cTn id="1" dur="indefinite" restart="never" nodeType="tmRoot">
+          <p:childTnLst>
+            <p:seq concurrent="1" nextAc="seek">
+              <p:cTn id="2" dur="indefinite" nodeType="mainSeq">
+                <p:childTnLst>
+                  <p:par>
+                    <p:cTn id="3" fill="hold">
+                      <p:stCondLst>
+                        <p:cond delay="indefinite"/>
+                      </p:stCondLst>
+                      <p:childTnLst>
+                        <p:par>
+                          <p:cTn id="4" fill="hold">
+                            <p:stCondLst>
+                              <p:cond delay="0"/>
+                            </p:stCondLst>
+                            <p:childTnLst>
+                              <p:par>
+                                <p:cTn id="5" presetID="22" presetClass="entr" presetSubtype="4" fill="hold" nodeType="clickEffect">
+                                  <p:stCondLst>
+                                    <p:cond delay="0"/>
+                                  </p:stCondLst>
+                                  <p:childTnLst>
+                                    <p:set>
+                                      <p:cBhvr>
+                                        <p:cTn id="6" dur="1" fill="hold">
+                                          <p:stCondLst>
+                                            <p:cond delay="0"/>
+                                          </p:stCondLst>
+                                        </p:cTn>
+                                        <p:tgtEl>
+                                          <p:spTgt spid="174"/>
+                                        </p:tgtEl>
+                                        <p:attrNameLst>
+                                          <p:attrName>style.visibility</p:attrName>
+                                        </p:attrNameLst>
+                                      </p:cBhvr>
+                                      <p:to>
+                                        <p:strVal val="visible"/>
+                                      </p:to>
+                                    </p:set>
+                                    <p:animEffect transition="in" filter="wipe(down)">
+                                      <p:cBhvr>
+                                        <p:cTn id="7" dur="500"/>
+                                        <p:tgtEl>
+                                          <p:spTgt spid="174"/>
+                                        </p:tgtEl>
+                                      </p:cBhvr>
+                                    </p:animEffect>
+                                  </p:childTnLst>
+                                </p:cTn>
+                              </p:par>
+                            </p:childTnLst>
+                          </p:cTn>
+                        </p:par>
+                      </p:childTnLst>
+                    </p:cTn>
+                  </p:par>
+                  <p:par>
+                    <p:cTn id="8" fill="hold">
+                      <p:stCondLst>
+                        <p:cond delay="indefinite"/>
+                      </p:stCondLst>
+                      <p:childTnLst>
+                        <p:par>
+                          <p:cTn id="9" fill="hold">
+                            <p:stCondLst>
+                              <p:cond delay="0"/>
+                            </p:stCondLst>
+                            <p:childTnLst>
+                              <p:par>
+                                <p:cTn id="10" presetID="22" presetClass="entr" presetSubtype="4" fill="hold" grpId="0" nodeType="clickEffect">
+                                  <p:stCondLst>
+                                    <p:cond delay="0"/>
+                                  </p:stCondLst>
+                                  <p:childTnLst>
+                                    <p:set>
+                                      <p:cBhvr>
+                                        <p:cTn id="11" dur="1" fill="hold">
+                                          <p:stCondLst>
+                                            <p:cond delay="0"/>
+                                          </p:stCondLst>
+                                        </p:cTn>
+                                        <p:tgtEl>
+                                          <p:spTgt spid="148"/>
+                                        </p:tgtEl>
+                                        <p:attrNameLst>
+                                          <p:attrName>style.visibility</p:attrName>
+                                        </p:attrNameLst>
+                                      </p:cBhvr>
+                                      <p:to>
+                                        <p:strVal val="visible"/>
+                                      </p:to>
+                                    </p:set>
+                                    <p:animEffect transition="in" filter="wipe(down)">
+                                      <p:cBhvr>
+                                        <p:cTn id="12" dur="500"/>
+                                        <p:tgtEl>
+                                          <p:spTgt spid="148"/>
+                                        </p:tgtEl>
+                                      </p:cBhvr>
+                                    </p:animEffect>
+                                  </p:childTnLst>
+                                </p:cTn>
+                              </p:par>
+                            </p:childTnLst>
+                          </p:cTn>
+                        </p:par>
+                      </p:childTnLst>
+                    </p:cTn>
+                  </p:par>
+                  <p:par>
+                    <p:cTn id="13" fill="hold">
+                      <p:stCondLst>
+                        <p:cond delay="indefinite"/>
+                      </p:stCondLst>
+                      <p:childTnLst>
+                        <p:par>
+                          <p:cTn id="14" fill="hold">
+                            <p:stCondLst>
+                              <p:cond delay="0"/>
+                            </p:stCondLst>
+                            <p:childTnLst>
+                              <p:par>
+                                <p:cTn id="15" presetID="22" presetClass="entr" presetSubtype="4" fill="hold" nodeType="clickEffect">
+                                  <p:stCondLst>
+                                    <p:cond delay="0"/>
+                                  </p:stCondLst>
+                                  <p:childTnLst>
+                                    <p:set>
+                                      <p:cBhvr>
+                                        <p:cTn id="16" dur="1" fill="hold">
+                                          <p:stCondLst>
+                                            <p:cond delay="0"/>
+                                          </p:stCondLst>
+                                        </p:cTn>
+                                        <p:tgtEl>
+                                          <p:spTgt spid="175"/>
+                                        </p:tgtEl>
+                                        <p:attrNameLst>
+                                          <p:attrName>style.visibility</p:attrName>
+                                        </p:attrNameLst>
+                                      </p:cBhvr>
+                                      <p:to>
+                                        <p:strVal val="visible"/>
+                                      </p:to>
+                                    </p:set>
+                                    <p:animEffect transition="in" filter="wipe(down)">
+                                      <p:cBhvr>
+                                        <p:cTn id="17" dur="500"/>
+                                        <p:tgtEl>
+                                          <p:spTgt spid="175"/>
+                                        </p:tgtEl>
+                                      </p:cBhvr>
+                                    </p:animEffect>
+                                  </p:childTnLst>
+                                </p:cTn>
+                              </p:par>
+                            </p:childTnLst>
+                          </p:cTn>
+                        </p:par>
+                      </p:childTnLst>
+                    </p:cTn>
+                  </p:par>
+                </p:childTnLst>
+              </p:cTn>
+              <p:prevCondLst>
+                <p:cond evt="onPrev" delay="0">
+                  <p:tgtEl>
+                    <p:sldTgt/>
+                  </p:tgtEl>
+                </p:cond>
+              </p:prevCondLst>
+              <p:nextCondLst>
+                <p:cond evt="onNext" delay="0">
+                  <p:tgtEl>
+                    <p:sldTgt/>
+                  </p:tgtEl>
+                </p:cond>
+              </p:nextCondLst>
+            </p:seq>
+          </p:childTnLst>
+        </p:cTn>
+      </p:par>
+    </p:tnLst>
+    <p:bldLst>
+      <p:bldP spid="148" grpId="0" animBg="1"/>
+    </p:bldLst>
+  </p:timing>
+</p:sld>
+</file>
+
 <file path=ppt/slides/slide9.xml><?xml version="1.0" encoding="utf-8"?>
 <p:sld xmlns:a="http://schemas.openxmlformats.org/drawingml/2006/main" xmlns:r="http://schemas.openxmlformats.org/officeDocument/2006/relationships" xmlns:p="http://schemas.openxmlformats.org/presentationml/2006/main">
   <p:cSld>
@@ -14709,197 +16426,515 @@
             </a:r>
             <a:r>
               <a:rPr lang="de-CH" dirty="0"/>
-              <a:t> Monitoring -  EXTRA EXPLANATIONS</a:t>
-            </a:r>
+              <a:t> Monitoring -  </a:t>
+            </a:r>
+            <a:r>
+              <a:rPr lang="de-CH" dirty="0" err="1"/>
+              <a:t>aim</a:t>
+            </a:r>
+            <a:endParaRPr lang="de-CH" dirty="0"/>
           </a:p>
         </p:txBody>
       </p:sp>
       <p:sp>
         <p:nvSpPr>
-          <p:cNvPr id="3" name="Textfeld 2">
+          <p:cNvPr id="115" name="Rechteck: abgerundete Ecken 114">
             <a:extLst>
               <a:ext uri="{FF2B5EF4-FFF2-40B4-BE49-F238E27FC236}">
-                <a16:creationId xmlns:a16="http://schemas.microsoft.com/office/drawing/2014/main" id="{F2EF382F-0285-4B0B-9E1F-3D8D7D8098F7}"/>
+                <a16:creationId xmlns:a16="http://schemas.microsoft.com/office/drawing/2014/main" id="{DC948C33-3380-4AC6-B0EA-75915320189B}"/>
               </a:ext>
             </a:extLst>
           </p:cNvPr>
-          <p:cNvSpPr txBox="1"/>
+          <p:cNvSpPr/>
           <p:nvPr/>
         </p:nvSpPr>
         <p:spPr>
           <a:xfrm>
-            <a:off x="649705" y="1628274"/>
-            <a:ext cx="4020844" cy="1477328"/>
+            <a:off x="563527" y="1184366"/>
+            <a:ext cx="10898372" cy="5155457"/>
           </a:xfrm>
-          <a:prstGeom prst="rect">
+          <a:prstGeom prst="roundRect">
             <a:avLst/>
           </a:prstGeom>
-          <a:noFill/>
         </p:spPr>
+        <p:style>
+          <a:lnRef idx="2">
+            <a:schemeClr val="accent1">
+              <a:shade val="50000"/>
+            </a:schemeClr>
+          </a:lnRef>
+          <a:fillRef idx="1">
+            <a:schemeClr val="accent1"/>
+          </a:fillRef>
+          <a:effectRef idx="0">
+            <a:schemeClr val="accent1"/>
+          </a:effectRef>
+          <a:fontRef idx="minor">
+            <a:schemeClr val="lt1"/>
+          </a:fontRef>
+        </p:style>
         <p:txBody>
-          <a:bodyPr wrap="none" rtlCol="0">
-            <a:spAutoFit/>
-          </a:bodyPr>
+          <a:bodyPr rtlCol="0" anchor="t"/>
           <a:lstStyle/>
           <a:p>
             <a:r>
-              <a:rPr lang="de-CH" dirty="0" err="1"/>
-              <a:t>Scope</a:t>
-            </a:r>
-            <a:r>
-              <a:rPr lang="de-CH" dirty="0"/>
+              <a:rPr lang="de-DE" sz="1600" dirty="0">
+                <a:effectLst>
+                  <a:outerShdw blurRad="38100" dist="38100" dir="2700000" algn="tl">
+                    <a:srgbClr val="000000">
+                      <a:alpha val="43137"/>
+                    </a:srgbClr>
+                  </a:outerShdw>
+                </a:effectLst>
+              </a:rPr>
+              <a:t>Open Items </a:t>
+            </a:r>
+            <a:r>
+              <a:rPr lang="de-DE" sz="1600" dirty="0" err="1">
+                <a:effectLst>
+                  <a:outerShdw blurRad="38100" dist="38100" dir="2700000" algn="tl">
+                    <a:srgbClr val="000000">
+                      <a:alpha val="43137"/>
+                    </a:srgbClr>
+                  </a:outerShdw>
+                </a:effectLst>
+              </a:rPr>
+              <a:t>to</a:t>
+            </a:r>
+            <a:r>
+              <a:rPr lang="de-DE" sz="1600" dirty="0">
+                <a:effectLst>
+                  <a:outerShdw blurRad="38100" dist="38100" dir="2700000" algn="tl">
+                    <a:srgbClr val="000000">
+                      <a:alpha val="43137"/>
+                    </a:srgbClr>
+                  </a:outerShdw>
+                </a:effectLst>
+              </a:rPr>
               <a:t> </a:t>
             </a:r>
             <a:r>
-              <a:rPr lang="de-CH" dirty="0" err="1"/>
+              <a:rPr lang="de-DE" sz="1600" dirty="0" err="1">
+                <a:effectLst>
+                  <a:outerShdw blurRad="38100" dist="38100" dir="2700000" algn="tl">
+                    <a:srgbClr val="000000">
+                      <a:alpha val="43137"/>
+                    </a:srgbClr>
+                  </a:outerShdw>
+                </a:effectLst>
+              </a:rPr>
+              <a:t>be</a:t>
+            </a:r>
+            <a:r>
+              <a:rPr lang="de-DE" sz="1600" dirty="0">
+                <a:effectLst>
+                  <a:outerShdw blurRad="38100" dist="38100" dir="2700000" algn="tl">
+                    <a:srgbClr val="000000">
+                      <a:alpha val="43137"/>
+                    </a:srgbClr>
+                  </a:outerShdw>
+                </a:effectLst>
+              </a:rPr>
+              <a:t> </a:t>
+            </a:r>
+            <a:r>
+              <a:rPr lang="de-DE" sz="1600" dirty="0" err="1">
+                <a:effectLst>
+                  <a:outerShdw blurRad="38100" dist="38100" dir="2700000" algn="tl">
+                    <a:srgbClr val="000000">
+                      <a:alpha val="43137"/>
+                    </a:srgbClr>
+                  </a:outerShdw>
+                </a:effectLst>
+              </a:rPr>
+              <a:t>Clarified</a:t>
+            </a:r>
+            <a:r>
+              <a:rPr lang="de-DE" sz="1600" dirty="0">
+                <a:effectLst>
+                  <a:outerShdw blurRad="38100" dist="38100" dir="2700000" algn="tl">
+                    <a:srgbClr val="000000">
+                      <a:alpha val="43137"/>
+                    </a:srgbClr>
+                  </a:outerShdw>
+                </a:effectLst>
+              </a:rPr>
+              <a:t>:</a:t>
+            </a:r>
+          </a:p>
+          <a:p>
+            <a:endParaRPr lang="de-DE" sz="1400" dirty="0"/>
+          </a:p>
+          <a:p>
+            <a:pPr marL="342900" indent="-342900">
+              <a:buAutoNum type="arabicParenR"/>
+            </a:pPr>
+            <a:r>
+              <a:rPr lang="de-DE" sz="1400" dirty="0"/>
+              <a:t>Housekeeping:</a:t>
+            </a:r>
+          </a:p>
+          <a:p>
+            <a:pPr marL="800100" lvl="1" indent="-342900">
+              <a:buFont typeface="Arial" panose="020B0604020202020204" pitchFamily="34" charset="0"/>
+              <a:buChar char="•"/>
+            </a:pPr>
+            <a:r>
+              <a:rPr lang="de-DE" sz="1400" dirty="0" err="1">
+                <a:sym typeface="Wingdings" panose="05000000000000000000" pitchFamily="2" charset="2"/>
+              </a:rPr>
+              <a:t>How</a:t>
+            </a:r>
+            <a:r>
+              <a:rPr lang="de-DE" sz="1400" dirty="0">
+                <a:sym typeface="Wingdings" panose="05000000000000000000" pitchFamily="2" charset="2"/>
+              </a:rPr>
+              <a:t> </a:t>
+            </a:r>
+            <a:r>
+              <a:rPr lang="de-DE" sz="1400" dirty="0" err="1">
+                <a:sym typeface="Wingdings" panose="05000000000000000000" pitchFamily="2" charset="2"/>
+              </a:rPr>
+              <a:t>long</a:t>
+            </a:r>
+            <a:r>
+              <a:rPr lang="de-DE" sz="1400" dirty="0">
+                <a:sym typeface="Wingdings" panose="05000000000000000000" pitchFamily="2" charset="2"/>
+              </a:rPr>
+              <a:t> do </a:t>
+            </a:r>
+            <a:r>
+              <a:rPr lang="de-DE" sz="1400" dirty="0" err="1">
+                <a:sym typeface="Wingdings" panose="05000000000000000000" pitchFamily="2" charset="2"/>
+              </a:rPr>
+              <a:t>we</a:t>
+            </a:r>
+            <a:r>
+              <a:rPr lang="de-DE" sz="1400" dirty="0">
+                <a:sym typeface="Wingdings" panose="05000000000000000000" pitchFamily="2" charset="2"/>
+              </a:rPr>
+              <a:t> </a:t>
+            </a:r>
+            <a:r>
+              <a:rPr lang="de-DE" sz="1400" dirty="0" err="1">
+                <a:sym typeface="Wingdings" panose="05000000000000000000" pitchFamily="2" charset="2"/>
+              </a:rPr>
+              <a:t>have</a:t>
+            </a:r>
+            <a:r>
+              <a:rPr lang="de-DE" sz="1400" dirty="0">
+                <a:sym typeface="Wingdings" panose="05000000000000000000" pitchFamily="2" charset="2"/>
+              </a:rPr>
+              <a:t> </a:t>
+            </a:r>
+            <a:r>
+              <a:rPr lang="de-DE" sz="1400" dirty="0" err="1">
+                <a:sym typeface="Wingdings" panose="05000000000000000000" pitchFamily="2" charset="2"/>
+              </a:rPr>
+              <a:t>to</a:t>
+            </a:r>
+            <a:r>
+              <a:rPr lang="de-DE" sz="1400" dirty="0">
+                <a:sym typeface="Wingdings" panose="05000000000000000000" pitchFamily="2" charset="2"/>
+              </a:rPr>
+              <a:t> </a:t>
+            </a:r>
+            <a:r>
+              <a:rPr lang="de-DE" sz="1400" dirty="0" err="1">
+                <a:sym typeface="Wingdings" panose="05000000000000000000" pitchFamily="2" charset="2"/>
+              </a:rPr>
+              <a:t>keep</a:t>
+            </a:r>
+            <a:r>
+              <a:rPr lang="de-DE" sz="1400" dirty="0">
+                <a:sym typeface="Wingdings" panose="05000000000000000000" pitchFamily="2" charset="2"/>
+              </a:rPr>
+              <a:t> </a:t>
+            </a:r>
+            <a:r>
+              <a:rPr lang="de-DE" sz="1400" dirty="0" err="1">
+                <a:sym typeface="Wingdings" panose="05000000000000000000" pitchFamily="2" charset="2"/>
+              </a:rPr>
+              <a:t>the</a:t>
+            </a:r>
+            <a:r>
+              <a:rPr lang="de-DE" sz="1400" dirty="0">
+                <a:sym typeface="Wingdings" panose="05000000000000000000" pitchFamily="2" charset="2"/>
+              </a:rPr>
+              <a:t> Data?</a:t>
+            </a:r>
+          </a:p>
+          <a:p>
+            <a:pPr marL="800100" lvl="1" indent="-342900">
+              <a:buFont typeface="Arial" panose="020B0604020202020204" pitchFamily="34" charset="0"/>
+              <a:buChar char="•"/>
+            </a:pPr>
+            <a:r>
+              <a:rPr lang="de-DE" sz="1400" dirty="0" err="1">
+                <a:sym typeface="Wingdings" panose="05000000000000000000" pitchFamily="2" charset="2"/>
+              </a:rPr>
+              <a:t>How</a:t>
+            </a:r>
+            <a:r>
+              <a:rPr lang="de-DE" sz="1400" dirty="0">
+                <a:sym typeface="Wingdings" panose="05000000000000000000" pitchFamily="2" charset="2"/>
+              </a:rPr>
+              <a:t> will </a:t>
+            </a:r>
+            <a:r>
+              <a:rPr lang="de-DE" sz="1400" dirty="0" err="1">
+                <a:sym typeface="Wingdings" panose="05000000000000000000" pitchFamily="2" charset="2"/>
+              </a:rPr>
+              <a:t>the</a:t>
+            </a:r>
+            <a:r>
+              <a:rPr lang="de-DE" sz="1400" dirty="0">
+                <a:sym typeface="Wingdings" panose="05000000000000000000" pitchFamily="2" charset="2"/>
+              </a:rPr>
+              <a:t> </a:t>
+            </a:r>
+            <a:r>
+              <a:rPr lang="de-DE" sz="1400" dirty="0" err="1">
+                <a:sym typeface="Wingdings" panose="05000000000000000000" pitchFamily="2" charset="2"/>
+              </a:rPr>
+              <a:t>housekeeping</a:t>
+            </a:r>
+            <a:r>
+              <a:rPr lang="de-DE" sz="1400" dirty="0">
+                <a:sym typeface="Wingdings" panose="05000000000000000000" pitchFamily="2" charset="2"/>
+              </a:rPr>
+              <a:t> </a:t>
+            </a:r>
+            <a:r>
+              <a:rPr lang="de-DE" sz="1400" dirty="0" err="1">
+                <a:sym typeface="Wingdings" panose="05000000000000000000" pitchFamily="2" charset="2"/>
+              </a:rPr>
+              <a:t>be</a:t>
+            </a:r>
+            <a:r>
+              <a:rPr lang="de-DE" sz="1400" dirty="0">
+                <a:sym typeface="Wingdings" panose="05000000000000000000" pitchFamily="2" charset="2"/>
+              </a:rPr>
+              <a:t> </a:t>
+            </a:r>
+            <a:r>
+              <a:rPr lang="de-DE" sz="1400" dirty="0" err="1">
+                <a:sym typeface="Wingdings" panose="05000000000000000000" pitchFamily="2" charset="2"/>
+              </a:rPr>
+              <a:t>done</a:t>
+            </a:r>
+            <a:r>
+              <a:rPr lang="de-DE" sz="1400" dirty="0">
+                <a:sym typeface="Wingdings" panose="05000000000000000000" pitchFamily="2" charset="2"/>
+              </a:rPr>
+              <a:t> on Graphite and </a:t>
+            </a:r>
+            <a:r>
+              <a:rPr lang="de-DE" sz="1400" dirty="0" err="1">
+                <a:sym typeface="Wingdings" panose="05000000000000000000" pitchFamily="2" charset="2"/>
+              </a:rPr>
+              <a:t>ElasticSearch</a:t>
+            </a:r>
+            <a:r>
+              <a:rPr lang="de-DE" sz="1400" dirty="0">
+                <a:sym typeface="Wingdings" panose="05000000000000000000" pitchFamily="2" charset="2"/>
+              </a:rPr>
+              <a:t>?   </a:t>
+            </a:r>
+          </a:p>
+          <a:p>
+            <a:pPr marL="800100" lvl="1" indent="-342900">
+              <a:buFont typeface="Arial" panose="020B0604020202020204" pitchFamily="34" charset="0"/>
+              <a:buChar char="•"/>
+            </a:pPr>
+            <a:endParaRPr lang="de-DE" sz="1400" dirty="0">
+              <a:sym typeface="Wingdings" panose="05000000000000000000" pitchFamily="2" charset="2"/>
+            </a:endParaRPr>
+          </a:p>
+          <a:p>
+            <a:pPr marL="342900" indent="-342900">
+              <a:buAutoNum type="arabicParenR" startAt="2"/>
+            </a:pPr>
+            <a:r>
+              <a:rPr lang="de-CH" sz="1400" dirty="0">
+                <a:sym typeface="Wingdings" panose="05000000000000000000" pitchFamily="2" charset="2"/>
+              </a:rPr>
+              <a:t>Agreement </a:t>
+            </a:r>
+            <a:r>
+              <a:rPr lang="de-CH" sz="1400" dirty="0" err="1">
+                <a:sym typeface="Wingdings" panose="05000000000000000000" pitchFamily="2" charset="2"/>
+              </a:rPr>
               <a:t>of</a:t>
             </a:r>
             <a:r>
-              <a:rPr lang="de-CH" dirty="0"/>
+              <a:rPr lang="de-CH" sz="1400" dirty="0">
+                <a:sym typeface="Wingdings" panose="05000000000000000000" pitchFamily="2" charset="2"/>
+              </a:rPr>
               <a:t> </a:t>
             </a:r>
             <a:r>
-              <a:rPr lang="de-CH" dirty="0" err="1"/>
-              <a:t>each</a:t>
-            </a:r>
-            <a:r>
-              <a:rPr lang="de-CH" dirty="0"/>
+              <a:rPr lang="de-CH" sz="1400" dirty="0" err="1">
+                <a:sym typeface="Wingdings" panose="05000000000000000000" pitchFamily="2" charset="2"/>
+              </a:rPr>
+              <a:t>the</a:t>
+            </a:r>
+            <a:r>
+              <a:rPr lang="de-CH" sz="1400" dirty="0">
+                <a:sym typeface="Wingdings" panose="05000000000000000000" pitchFamily="2" charset="2"/>
+              </a:rPr>
+              <a:t> Customers</a:t>
+            </a:r>
+          </a:p>
+          <a:p>
+            <a:pPr lvl="1"/>
+            <a:endParaRPr lang="de-CH" sz="1400" dirty="0">
+              <a:sym typeface="Wingdings" panose="05000000000000000000" pitchFamily="2" charset="2"/>
+            </a:endParaRPr>
+          </a:p>
+          <a:p>
+            <a:pPr marL="342900" indent="-342900">
+              <a:buAutoNum type="arabicParenR" startAt="3"/>
+            </a:pPr>
+            <a:r>
+              <a:rPr lang="de-CH" sz="1400" dirty="0" err="1">
+                <a:sym typeface="Wingdings" panose="05000000000000000000" pitchFamily="2" charset="2"/>
+              </a:rPr>
+              <a:t>How</a:t>
+            </a:r>
+            <a:r>
+              <a:rPr lang="de-CH" sz="1400" dirty="0">
+                <a:sym typeface="Wingdings" panose="05000000000000000000" pitchFamily="2" charset="2"/>
+              </a:rPr>
               <a:t> </a:t>
             </a:r>
             <a:r>
-              <a:rPr lang="de-CH" dirty="0" err="1"/>
-              <a:t>version</a:t>
-            </a:r>
-            <a:endParaRPr lang="de-CH" dirty="0"/>
-          </a:p>
-          <a:p>
-            <a:endParaRPr lang="de-CH" dirty="0"/>
-          </a:p>
-          <a:p>
-            <a:r>
-              <a:rPr lang="de-CH" dirty="0"/>
-              <a:t>1: </a:t>
-            </a:r>
-            <a:r>
-              <a:rPr lang="de-CH" dirty="0" err="1"/>
-              <a:t>Scope</a:t>
-            </a:r>
-            <a:r>
-              <a:rPr lang="de-CH" dirty="0"/>
+              <a:rPr lang="de-CH" sz="1400" dirty="0" err="1">
+                <a:sym typeface="Wingdings" panose="05000000000000000000" pitchFamily="2" charset="2"/>
+              </a:rPr>
+              <a:t>to</a:t>
+            </a:r>
+            <a:r>
+              <a:rPr lang="de-CH" sz="1400" dirty="0">
+                <a:sym typeface="Wingdings" panose="05000000000000000000" pitchFamily="2" charset="2"/>
+              </a:rPr>
               <a:t> </a:t>
             </a:r>
             <a:r>
-              <a:rPr lang="de-CH" dirty="0" err="1"/>
+              <a:rPr lang="de-CH" sz="1400" dirty="0" err="1">
+                <a:sym typeface="Wingdings" panose="05000000000000000000" pitchFamily="2" charset="2"/>
+              </a:rPr>
+              <a:t>deliver</a:t>
+            </a:r>
+            <a:r>
+              <a:rPr lang="de-CH" sz="1400" dirty="0">
+                <a:sym typeface="Wingdings" panose="05000000000000000000" pitchFamily="2" charset="2"/>
+              </a:rPr>
+              <a:t> Monitoring Instance  </a:t>
+            </a:r>
+            <a:r>
+              <a:rPr lang="de-CH" sz="1400" dirty="0" err="1">
+                <a:sym typeface="Wingdings" panose="05000000000000000000" pitchFamily="2" charset="2"/>
+              </a:rPr>
+              <a:t>seperate</a:t>
+            </a:r>
+            <a:r>
+              <a:rPr lang="de-CH" sz="1400" dirty="0">
+                <a:sym typeface="Wingdings" panose="05000000000000000000" pitchFamily="2" charset="2"/>
+              </a:rPr>
+              <a:t> Task after </a:t>
+            </a:r>
+            <a:r>
+              <a:rPr lang="de-CH" sz="1400" dirty="0" err="1">
+                <a:sym typeface="Wingdings" panose="05000000000000000000" pitchFamily="2" charset="2"/>
+              </a:rPr>
+              <a:t>rollout</a:t>
+            </a:r>
+            <a:r>
+              <a:rPr lang="de-CH" sz="1400" dirty="0">
+                <a:sym typeface="Wingdings" panose="05000000000000000000" pitchFamily="2" charset="2"/>
+              </a:rPr>
+              <a:t> </a:t>
+            </a:r>
+            <a:r>
+              <a:rPr lang="de-CH" sz="1400" dirty="0" err="1">
+                <a:sym typeface="Wingdings" panose="05000000000000000000" pitchFamily="2" charset="2"/>
+              </a:rPr>
               <a:t>of</a:t>
             </a:r>
             <a:r>
-              <a:rPr lang="de-CH" dirty="0"/>
-              <a:t> </a:t>
-            </a:r>
-            <a:r>
-              <a:rPr lang="de-CH" dirty="0" err="1"/>
-              <a:t>this</a:t>
-            </a:r>
-            <a:r>
-              <a:rPr lang="de-CH" dirty="0"/>
-              <a:t> PP</a:t>
-            </a:r>
-          </a:p>
-          <a:p>
-            <a:r>
-              <a:rPr lang="de-CH" dirty="0"/>
-              <a:t>2: </a:t>
-            </a:r>
-            <a:r>
-              <a:rPr lang="de-CH" dirty="0" err="1"/>
-              <a:t>Expand</a:t>
-            </a:r>
-            <a:r>
-              <a:rPr lang="de-CH" dirty="0"/>
-              <a:t> </a:t>
-            </a:r>
-            <a:r>
-              <a:rPr lang="de-CH" dirty="0" err="1"/>
-              <a:t>Metruc</a:t>
-            </a:r>
-            <a:r>
-              <a:rPr lang="de-CH" dirty="0"/>
-              <a:t> Set </a:t>
-            </a:r>
-            <a:r>
-              <a:rPr lang="de-CH" dirty="0" err="1"/>
-              <a:t>to</a:t>
-            </a:r>
-            <a:r>
-              <a:rPr lang="de-CH" dirty="0"/>
-              <a:t> </a:t>
-            </a:r>
-            <a:r>
-              <a:rPr lang="de-CH" dirty="0" err="1"/>
-              <a:t>get</a:t>
-            </a:r>
-            <a:r>
-              <a:rPr lang="de-CH" dirty="0"/>
-              <a:t> </a:t>
-            </a:r>
-            <a:r>
-              <a:rPr lang="de-CH" dirty="0" err="1"/>
-              <a:t>rid</a:t>
-            </a:r>
-            <a:r>
-              <a:rPr lang="de-CH" dirty="0"/>
-              <a:t> </a:t>
-            </a:r>
-            <a:r>
-              <a:rPr lang="de-CH" dirty="0" err="1"/>
-              <a:t>of</a:t>
-            </a:r>
-            <a:r>
-              <a:rPr lang="de-CH" dirty="0"/>
-              <a:t> XMON</a:t>
-            </a:r>
-          </a:p>
-          <a:p>
-            <a:r>
-              <a:rPr lang="de-CH" dirty="0"/>
-              <a:t>3: Feed </a:t>
-            </a:r>
-            <a:r>
-              <a:rPr lang="de-CH" dirty="0" err="1"/>
-              <a:t>it</a:t>
-            </a:r>
-            <a:r>
-              <a:rPr lang="de-CH" dirty="0"/>
-              <a:t> </a:t>
-            </a:r>
-            <a:r>
-              <a:rPr lang="de-CH" dirty="0" err="1"/>
-              <a:t>with</a:t>
-            </a:r>
-            <a:r>
-              <a:rPr lang="de-CH" dirty="0"/>
-              <a:t> </a:t>
-            </a:r>
-            <a:r>
-              <a:rPr lang="de-CH" dirty="0" err="1"/>
-              <a:t>more</a:t>
-            </a:r>
-            <a:r>
-              <a:rPr lang="de-CH" dirty="0"/>
-              <a:t> </a:t>
-            </a:r>
-            <a:r>
-              <a:rPr lang="de-CH"/>
-              <a:t>Metrics</a:t>
-            </a:r>
-            <a:endParaRPr lang="de-CH" dirty="0"/>
+              <a:rPr lang="de-CH" sz="1400" dirty="0">
+                <a:sym typeface="Wingdings" panose="05000000000000000000" pitchFamily="2" charset="2"/>
+              </a:rPr>
+              <a:t> XENTIS 5.5?</a:t>
+            </a:r>
+          </a:p>
+          <a:p>
+            <a:pPr marL="800100" lvl="1" indent="-342900">
+              <a:buFont typeface="Arial" panose="020B0604020202020204" pitchFamily="34" charset="0"/>
+              <a:buChar char="•"/>
+            </a:pPr>
+            <a:r>
+              <a:rPr lang="de-CH" sz="1400" dirty="0">
+                <a:sym typeface="Wingdings" panose="05000000000000000000" pitchFamily="2" charset="2"/>
+              </a:rPr>
+              <a:t>Setup Monitor VM</a:t>
+            </a:r>
+          </a:p>
+          <a:p>
+            <a:pPr marL="800100" lvl="1" indent="-342900">
+              <a:buFont typeface="Arial" panose="020B0604020202020204" pitchFamily="34" charset="0"/>
+              <a:buChar char="•"/>
+            </a:pPr>
+            <a:r>
+              <a:rPr lang="de-CH" sz="1400" dirty="0">
+                <a:sym typeface="Wingdings" panose="05000000000000000000" pitchFamily="2" charset="2"/>
+              </a:rPr>
+              <a:t>Setup </a:t>
+            </a:r>
+            <a:r>
+              <a:rPr lang="de-CH" sz="1400" dirty="0" err="1">
+                <a:sym typeface="Wingdings" panose="05000000000000000000" pitchFamily="2" charset="2"/>
+              </a:rPr>
+              <a:t>collectd</a:t>
+            </a:r>
+            <a:endParaRPr lang="de-CH" sz="1400" dirty="0">
+              <a:sym typeface="Wingdings" panose="05000000000000000000" pitchFamily="2" charset="2"/>
+            </a:endParaRPr>
+          </a:p>
+          <a:p>
+            <a:pPr marL="800100" lvl="1" indent="-342900">
+              <a:buFont typeface="Arial" panose="020B0604020202020204" pitchFamily="34" charset="0"/>
+              <a:buChar char="•"/>
+            </a:pPr>
+            <a:r>
+              <a:rPr lang="de-CH" sz="1400" dirty="0" err="1">
+                <a:sym typeface="Wingdings" panose="05000000000000000000" pitchFamily="2" charset="2"/>
+              </a:rPr>
+              <a:t>Enable</a:t>
+            </a:r>
+            <a:r>
+              <a:rPr lang="de-CH" sz="1400" dirty="0">
+                <a:sym typeface="Wingdings" panose="05000000000000000000" pitchFamily="2" charset="2"/>
+              </a:rPr>
+              <a:t> Monitoring vom </a:t>
+            </a:r>
+            <a:r>
+              <a:rPr lang="de-CH" sz="1400" dirty="0" err="1">
+                <a:sym typeface="Wingdings" panose="05000000000000000000" pitchFamily="2" charset="2"/>
+              </a:rPr>
+              <a:t>Xentis</a:t>
+            </a:r>
+            <a:endParaRPr lang="de-DE" sz="1400" dirty="0">
+              <a:sym typeface="Wingdings" panose="05000000000000000000" pitchFamily="2" charset="2"/>
+            </a:endParaRPr>
           </a:p>
         </p:txBody>
       </p:sp>
     </p:spTree>
     <p:extLst>
       <p:ext uri="{BB962C8B-B14F-4D97-AF65-F5344CB8AC3E}">
-        <p14:creationId xmlns:p14="http://schemas.microsoft.com/office/powerpoint/2010/main" val="1432914430"/>
+        <p14:creationId xmlns:p14="http://schemas.microsoft.com/office/powerpoint/2010/main" val="696289390"/>
       </p:ext>
     </p:extLst>
   </p:cSld>

--- a/XENTIS-Monitoring.pptx
+++ b/XENTIS-Monitoring.pptx
@@ -273,7 +273,7 @@
           <a:p>
             <a:fld id="{10014CDF-9FE5-4E1C-8A78-84758F72220B}" type="datetimeFigureOut">
               <a:rPr lang="de-CH" smtClean="0"/>
-              <a:t>17.07.2017</a:t>
+              <a:t>18.07.2017</a:t>
             </a:fld>
             <a:endParaRPr lang="de-CH"/>
           </a:p>
@@ -473,7 +473,7 @@
           <a:p>
             <a:fld id="{10014CDF-9FE5-4E1C-8A78-84758F72220B}" type="datetimeFigureOut">
               <a:rPr lang="de-CH" smtClean="0"/>
-              <a:t>17.07.2017</a:t>
+              <a:t>18.07.2017</a:t>
             </a:fld>
             <a:endParaRPr lang="de-CH"/>
           </a:p>
@@ -683,7 +683,7 @@
           <a:p>
             <a:fld id="{10014CDF-9FE5-4E1C-8A78-84758F72220B}" type="datetimeFigureOut">
               <a:rPr lang="de-CH" smtClean="0"/>
-              <a:t>17.07.2017</a:t>
+              <a:t>18.07.2017</a:t>
             </a:fld>
             <a:endParaRPr lang="de-CH"/>
           </a:p>
@@ -1373,7 +1373,7 @@
           <a:p>
             <a:fld id="{10014CDF-9FE5-4E1C-8A78-84758F72220B}" type="datetimeFigureOut">
               <a:rPr lang="de-CH" smtClean="0"/>
-              <a:t>17.07.2017</a:t>
+              <a:t>18.07.2017</a:t>
             </a:fld>
             <a:endParaRPr lang="de-CH"/>
           </a:p>
@@ -1649,7 +1649,7 @@
           <a:p>
             <a:fld id="{10014CDF-9FE5-4E1C-8A78-84758F72220B}" type="datetimeFigureOut">
               <a:rPr lang="de-CH" smtClean="0"/>
-              <a:t>17.07.2017</a:t>
+              <a:t>18.07.2017</a:t>
             </a:fld>
             <a:endParaRPr lang="de-CH"/>
           </a:p>
@@ -1917,7 +1917,7 @@
           <a:p>
             <a:fld id="{10014CDF-9FE5-4E1C-8A78-84758F72220B}" type="datetimeFigureOut">
               <a:rPr lang="de-CH" smtClean="0"/>
-              <a:t>17.07.2017</a:t>
+              <a:t>18.07.2017</a:t>
             </a:fld>
             <a:endParaRPr lang="de-CH"/>
           </a:p>
@@ -2332,7 +2332,7 @@
           <a:p>
             <a:fld id="{10014CDF-9FE5-4E1C-8A78-84758F72220B}" type="datetimeFigureOut">
               <a:rPr lang="de-CH" smtClean="0"/>
-              <a:t>17.07.2017</a:t>
+              <a:t>18.07.2017</a:t>
             </a:fld>
             <a:endParaRPr lang="de-CH"/>
           </a:p>
@@ -2474,7 +2474,7 @@
           <a:p>
             <a:fld id="{10014CDF-9FE5-4E1C-8A78-84758F72220B}" type="datetimeFigureOut">
               <a:rPr lang="de-CH" smtClean="0"/>
-              <a:t>17.07.2017</a:t>
+              <a:t>18.07.2017</a:t>
             </a:fld>
             <a:endParaRPr lang="de-CH"/>
           </a:p>
@@ -2587,7 +2587,7 @@
           <a:p>
             <a:fld id="{10014CDF-9FE5-4E1C-8A78-84758F72220B}" type="datetimeFigureOut">
               <a:rPr lang="de-CH" smtClean="0"/>
-              <a:t>17.07.2017</a:t>
+              <a:t>18.07.2017</a:t>
             </a:fld>
             <a:endParaRPr lang="de-CH"/>
           </a:p>
@@ -2900,7 +2900,7 @@
           <a:p>
             <a:fld id="{10014CDF-9FE5-4E1C-8A78-84758F72220B}" type="datetimeFigureOut">
               <a:rPr lang="de-CH" smtClean="0"/>
-              <a:t>17.07.2017</a:t>
+              <a:t>18.07.2017</a:t>
             </a:fld>
             <a:endParaRPr lang="de-CH"/>
           </a:p>
@@ -3189,7 +3189,7 @@
           <a:p>
             <a:fld id="{10014CDF-9FE5-4E1C-8A78-84758F72220B}" type="datetimeFigureOut">
               <a:rPr lang="de-CH" smtClean="0"/>
-              <a:t>17.07.2017</a:t>
+              <a:t>18.07.2017</a:t>
             </a:fld>
             <a:endParaRPr lang="de-CH"/>
           </a:p>
@@ -3432,7 +3432,7 @@
           <a:p>
             <a:fld id="{10014CDF-9FE5-4E1C-8A78-84758F72220B}" type="datetimeFigureOut">
               <a:rPr lang="de-CH" smtClean="0"/>
-              <a:t>17.07.2017</a:t>
+              <a:t>18.07.2017</a:t>
             </a:fld>
             <a:endParaRPr lang="de-CH"/>
           </a:p>
@@ -3865,9 +3865,9 @@
         <p:grpSpPr>
           <a:xfrm>
             <a:off x="4965342" y="1035098"/>
-            <a:ext cx="6891149" cy="5412210"/>
+            <a:ext cx="6792020" cy="5412210"/>
             <a:chOff x="4965342" y="1035098"/>
-            <a:chExt cx="6891149" cy="5412210"/>
+            <a:chExt cx="6792020" cy="5412210"/>
           </a:xfrm>
         </p:grpSpPr>
         <p:sp>
@@ -3948,7 +3948,7 @@
           <p:spPr>
             <a:xfrm>
               <a:off x="4986853" y="1050431"/>
-              <a:ext cx="6869638" cy="369332"/>
+              <a:ext cx="5737917" cy="369332"/>
             </a:xfrm>
             <a:prstGeom prst="rect">
               <a:avLst/>
@@ -3995,27 +3995,7 @@
                     </a:schemeClr>
                   </a:solidFill>
                 </a:rPr>
-                <a:t>Linux RED Hat 7.x </a:t>
-              </a:r>
-              <a:r>
-                <a:rPr lang="de-CH" dirty="0" err="1">
-                  <a:solidFill>
-                    <a:schemeClr val="accent2">
-                      <a:lumMod val="75000"/>
-                    </a:schemeClr>
-                  </a:solidFill>
-                </a:rPr>
-                <a:t>or</a:t>
-              </a:r>
-              <a:r>
-                <a:rPr lang="de-CH" dirty="0">
-                  <a:solidFill>
-                    <a:schemeClr val="accent2">
-                      <a:lumMod val="75000"/>
-                    </a:schemeClr>
-                  </a:solidFill>
-                </a:rPr>
-                <a:t> Suse 12.x </a:t>
+                <a:t>Linux RED Hat 7.3</a:t>
               </a:r>
               <a:r>
                 <a:rPr lang="de-CH" dirty="0"/>
@@ -4140,208 +4120,6 @@
           </p:txBody>
         </p:sp>
       </p:grpSp>
-      <p:grpSp>
-        <p:nvGrpSpPr>
-          <p:cNvPr id="73" name="Gruppieren 72">
-            <a:extLst>
-              <a:ext uri="{FF2B5EF4-FFF2-40B4-BE49-F238E27FC236}">
-                <a16:creationId xmlns:a16="http://schemas.microsoft.com/office/drawing/2014/main" id="{7984332A-E256-4E2C-9C10-1262E98E9820}"/>
-              </a:ext>
-            </a:extLst>
-          </p:cNvPr>
-          <p:cNvGrpSpPr/>
-          <p:nvPr/>
-        </p:nvGrpSpPr>
-        <p:grpSpPr>
-          <a:xfrm>
-            <a:off x="690978" y="1131202"/>
-            <a:ext cx="3039979" cy="2703095"/>
-            <a:chOff x="850602" y="1006178"/>
-            <a:chExt cx="3039979" cy="2703095"/>
-          </a:xfrm>
-        </p:grpSpPr>
-        <p:sp>
-          <p:nvSpPr>
-            <p:cNvPr id="24" name="Rechteck 23">
-              <a:extLst>
-                <a:ext uri="{FF2B5EF4-FFF2-40B4-BE49-F238E27FC236}">
-                  <a16:creationId xmlns:a16="http://schemas.microsoft.com/office/drawing/2014/main" id="{7B0E7E72-6BD6-47BF-AB2E-3DDD093F960E}"/>
-                </a:ext>
-              </a:extLst>
-            </p:cNvPr>
-            <p:cNvSpPr/>
-            <p:nvPr/>
-          </p:nvSpPr>
-          <p:spPr>
-            <a:xfrm>
-              <a:off x="850602" y="1006178"/>
-              <a:ext cx="3039979" cy="2703095"/>
-            </a:xfrm>
-            <a:prstGeom prst="rect">
-              <a:avLst/>
-            </a:prstGeom>
-            <a:solidFill>
-              <a:schemeClr val="bg1"/>
-            </a:solidFill>
-          </p:spPr>
-          <p:style>
-            <a:lnRef idx="2">
-              <a:schemeClr val="accent1">
-                <a:shade val="50000"/>
-              </a:schemeClr>
-            </a:lnRef>
-            <a:fillRef idx="1">
-              <a:schemeClr val="accent1"/>
-            </a:fillRef>
-            <a:effectRef idx="0">
-              <a:schemeClr val="accent1"/>
-            </a:effectRef>
-            <a:fontRef idx="minor">
-              <a:schemeClr val="lt1"/>
-            </a:fontRef>
-          </p:style>
-          <p:txBody>
-            <a:bodyPr rtlCol="0" anchor="ctr"/>
-            <a:lstStyle/>
-            <a:p>
-              <a:pPr algn="ctr"/>
-              <a:endParaRPr lang="de-CH" dirty="0"/>
-            </a:p>
-          </p:txBody>
-        </p:sp>
-        <p:sp>
-          <p:nvSpPr>
-            <p:cNvPr id="25" name="Rechteck 24">
-              <a:extLst>
-                <a:ext uri="{FF2B5EF4-FFF2-40B4-BE49-F238E27FC236}">
-                  <a16:creationId xmlns:a16="http://schemas.microsoft.com/office/drawing/2014/main" id="{22F8F42D-8567-4888-B584-C666862E314E}"/>
-                </a:ext>
-              </a:extLst>
-            </p:cNvPr>
-            <p:cNvSpPr/>
-            <p:nvPr/>
-          </p:nvSpPr>
-          <p:spPr>
-            <a:xfrm>
-              <a:off x="1025083" y="1166599"/>
-              <a:ext cx="2405985" cy="2219135"/>
-            </a:xfrm>
-            <a:prstGeom prst="rect">
-              <a:avLst/>
-            </a:prstGeom>
-          </p:spPr>
-          <p:style>
-            <a:lnRef idx="2">
-              <a:schemeClr val="accent1">
-                <a:shade val="50000"/>
-              </a:schemeClr>
-            </a:lnRef>
-            <a:fillRef idx="1">
-              <a:schemeClr val="accent1"/>
-            </a:fillRef>
-            <a:effectRef idx="0">
-              <a:schemeClr val="accent1"/>
-            </a:effectRef>
-            <a:fontRef idx="minor">
-              <a:schemeClr val="lt1"/>
-            </a:fontRef>
-          </p:style>
-          <p:txBody>
-            <a:bodyPr rtlCol="0" anchor="ctr"/>
-            <a:lstStyle/>
-            <a:p>
-              <a:pPr algn="ctr"/>
-              <a:endParaRPr lang="de-CH" dirty="0"/>
-            </a:p>
-          </p:txBody>
-        </p:sp>
-        <p:sp>
-          <p:nvSpPr>
-            <p:cNvPr id="39" name="Rechteck: abgerundete Ecken 38">
-              <a:extLst>
-                <a:ext uri="{FF2B5EF4-FFF2-40B4-BE49-F238E27FC236}">
-                  <a16:creationId xmlns:a16="http://schemas.microsoft.com/office/drawing/2014/main" id="{22EAB9F8-BA05-4151-B9FB-269DEE135916}"/>
-                </a:ext>
-              </a:extLst>
-            </p:cNvPr>
-            <p:cNvSpPr/>
-            <p:nvPr/>
-          </p:nvSpPr>
-          <p:spPr>
-            <a:xfrm>
-              <a:off x="1275904" y="1609507"/>
-              <a:ext cx="1420654" cy="488800"/>
-            </a:xfrm>
-            <a:prstGeom prst="roundRect">
-              <a:avLst/>
-            </a:prstGeom>
-            <a:solidFill>
-              <a:schemeClr val="accent2">
-                <a:lumMod val="40000"/>
-                <a:lumOff val="60000"/>
-              </a:schemeClr>
-            </a:solidFill>
-            <a:ln>
-              <a:solidFill>
-                <a:schemeClr val="accent2">
-                  <a:lumMod val="40000"/>
-                  <a:lumOff val="60000"/>
-                </a:schemeClr>
-              </a:solidFill>
-            </a:ln>
-          </p:spPr>
-          <p:style>
-            <a:lnRef idx="2">
-              <a:schemeClr val="accent1">
-                <a:shade val="50000"/>
-              </a:schemeClr>
-            </a:lnRef>
-            <a:fillRef idx="1">
-              <a:schemeClr val="accent1"/>
-            </a:fillRef>
-            <a:effectRef idx="0">
-              <a:schemeClr val="accent1"/>
-            </a:effectRef>
-            <a:fontRef idx="minor">
-              <a:schemeClr val="lt1"/>
-            </a:fontRef>
-          </p:style>
-          <p:txBody>
-            <a:bodyPr rtlCol="0" anchor="ctr"/>
-            <a:lstStyle/>
-            <a:p>
-              <a:pPr algn="ctr"/>
-              <a:r>
-                <a:rPr lang="de-CH" sz="1200" b="1" dirty="0">
-                  <a:solidFill>
-                    <a:schemeClr val="tx1"/>
-                  </a:solidFill>
-                </a:rPr>
-                <a:t>XENTIS </a:t>
-              </a:r>
-              <a:r>
-                <a:rPr lang="de-CH" sz="1200" dirty="0">
-                  <a:solidFill>
-                    <a:schemeClr val="tx1"/>
-                  </a:solidFill>
-                </a:rPr>
-                <a:t>Prozesse</a:t>
-              </a:r>
-            </a:p>
-            <a:p>
-              <a:pPr algn="ctr"/>
-              <a:r>
-                <a:rPr lang="de-CH" sz="1200" dirty="0">
-                  <a:solidFill>
-                    <a:schemeClr val="tx1"/>
-                  </a:solidFill>
-                </a:rPr>
-                <a:t>+ XMON</a:t>
-              </a:r>
-            </a:p>
-          </p:txBody>
-        </p:sp>
-      </p:grpSp>
       <p:sp>
         <p:nvSpPr>
           <p:cNvPr id="2" name="Text Placeholder 1"/>
@@ -4368,7 +4146,7 @@
             </a:r>
             <a:r>
               <a:rPr lang="de-CH" dirty="0"/>
-              <a:t> Monitoring -  Big Picture </a:t>
+              <a:t> Monitoring «MONSTAR» -  Big Picture </a:t>
             </a:r>
             <a:r>
               <a:rPr lang="de-CH" dirty="0" err="1"/>
@@ -4403,7 +4181,7 @@
         </p:nvSpPr>
         <p:spPr>
           <a:xfrm>
-            <a:off x="1492471" y="1304824"/>
+            <a:off x="906938" y="1240656"/>
             <a:ext cx="1074979" cy="369332"/>
           </a:xfrm>
           <a:prstGeom prst="rect">
@@ -5863,6 +5641,412 @@
       </p:grpSp>
       <p:grpSp>
         <p:nvGrpSpPr>
+          <p:cNvPr id="21" name="Gruppieren 20">
+            <a:extLst>
+              <a:ext uri="{FF2B5EF4-FFF2-40B4-BE49-F238E27FC236}">
+                <a16:creationId xmlns:a16="http://schemas.microsoft.com/office/drawing/2014/main" id="{77318FD3-D361-4776-B4E0-A3122D3E6AA2}"/>
+              </a:ext>
+            </a:extLst>
+          </p:cNvPr>
+          <p:cNvGrpSpPr/>
+          <p:nvPr/>
+        </p:nvGrpSpPr>
+        <p:grpSpPr>
+          <a:xfrm>
+            <a:off x="367184" y="2555654"/>
+            <a:ext cx="4847185" cy="1580544"/>
+            <a:chOff x="367184" y="2555654"/>
+            <a:chExt cx="4847185" cy="1580544"/>
+          </a:xfrm>
+        </p:grpSpPr>
+        <p:sp>
+          <p:nvSpPr>
+            <p:cNvPr id="63" name="Rechteck: abgerundete Ecken 62">
+              <a:extLst>
+                <a:ext uri="{FF2B5EF4-FFF2-40B4-BE49-F238E27FC236}">
+                  <a16:creationId xmlns:a16="http://schemas.microsoft.com/office/drawing/2014/main" id="{8E5FE157-443B-4B60-B568-3BE9A7446426}"/>
+                </a:ext>
+              </a:extLst>
+            </p:cNvPr>
+            <p:cNvSpPr/>
+            <p:nvPr/>
+          </p:nvSpPr>
+          <p:spPr>
+            <a:xfrm>
+              <a:off x="367184" y="2555654"/>
+              <a:ext cx="1397041" cy="488800"/>
+            </a:xfrm>
+            <a:prstGeom prst="roundRect">
+              <a:avLst/>
+            </a:prstGeom>
+            <a:solidFill>
+              <a:schemeClr val="accent2">
+                <a:lumMod val="40000"/>
+                <a:lumOff val="60000"/>
+              </a:schemeClr>
+            </a:solidFill>
+            <a:ln>
+              <a:solidFill>
+                <a:schemeClr val="accent2">
+                  <a:lumMod val="40000"/>
+                  <a:lumOff val="60000"/>
+                </a:schemeClr>
+              </a:solidFill>
+            </a:ln>
+          </p:spPr>
+          <p:style>
+            <a:lnRef idx="2">
+              <a:schemeClr val="accent1">
+                <a:shade val="50000"/>
+              </a:schemeClr>
+            </a:lnRef>
+            <a:fillRef idx="1">
+              <a:schemeClr val="accent1"/>
+            </a:fillRef>
+            <a:effectRef idx="0">
+              <a:schemeClr val="accent1"/>
+            </a:effectRef>
+            <a:fontRef idx="minor">
+              <a:schemeClr val="lt1"/>
+            </a:fontRef>
+          </p:style>
+          <p:txBody>
+            <a:bodyPr rtlCol="0" anchor="ctr"/>
+            <a:lstStyle/>
+            <a:p>
+              <a:pPr algn="ctr"/>
+              <a:r>
+                <a:rPr lang="de-CH" sz="1200" b="1" dirty="0" err="1">
+                  <a:solidFill>
+                    <a:schemeClr val="tx1"/>
+                  </a:solidFill>
+                </a:rPr>
+                <a:t>Collectd</a:t>
+              </a:r>
+              <a:endParaRPr lang="de-CH" sz="1200" dirty="0">
+                <a:solidFill>
+                  <a:schemeClr val="tx1"/>
+                </a:solidFill>
+              </a:endParaRPr>
+            </a:p>
+          </p:txBody>
+        </p:sp>
+        <p:cxnSp>
+          <p:nvCxnSpPr>
+            <p:cNvPr id="12" name="Gerade Verbindung mit Pfeil 11">
+              <a:extLst>
+                <a:ext uri="{FF2B5EF4-FFF2-40B4-BE49-F238E27FC236}">
+                  <a16:creationId xmlns:a16="http://schemas.microsoft.com/office/drawing/2014/main" id="{1EB63A9B-3284-49D5-A592-910D485DFBEC}"/>
+                </a:ext>
+              </a:extLst>
+            </p:cNvPr>
+            <p:cNvCxnSpPr>
+              <a:cxnSpLocks/>
+              <a:stCxn id="63" idx="3"/>
+            </p:cNvCxnSpPr>
+            <p:nvPr/>
+          </p:nvCxnSpPr>
+          <p:spPr>
+            <a:xfrm>
+              <a:off x="1764225" y="2800054"/>
+              <a:ext cx="3450144" cy="1336144"/>
+            </a:xfrm>
+            <a:prstGeom prst="straightConnector1">
+              <a:avLst/>
+            </a:prstGeom>
+            <a:ln>
+              <a:solidFill>
+                <a:schemeClr val="tx1"/>
+              </a:solidFill>
+              <a:tailEnd type="triangle"/>
+            </a:ln>
+          </p:spPr>
+          <p:style>
+            <a:lnRef idx="1">
+              <a:schemeClr val="accent1"/>
+            </a:lnRef>
+            <a:fillRef idx="0">
+              <a:schemeClr val="accent1"/>
+            </a:fillRef>
+            <a:effectRef idx="0">
+              <a:schemeClr val="accent1"/>
+            </a:effectRef>
+            <a:fontRef idx="minor">
+              <a:schemeClr val="tx1"/>
+            </a:fontRef>
+          </p:style>
+        </p:cxnSp>
+        <p:sp>
+          <p:nvSpPr>
+            <p:cNvPr id="86" name="Textfeld 85">
+              <a:extLst>
+                <a:ext uri="{FF2B5EF4-FFF2-40B4-BE49-F238E27FC236}">
+                  <a16:creationId xmlns:a16="http://schemas.microsoft.com/office/drawing/2014/main" id="{104C989E-10AE-4D15-BF1A-5DA858BB8AC1}"/>
+                </a:ext>
+              </a:extLst>
+            </p:cNvPr>
+            <p:cNvSpPr txBox="1"/>
+            <p:nvPr/>
+          </p:nvSpPr>
+          <p:spPr>
+            <a:xfrm rot="1297917">
+              <a:off x="3385736" y="3495543"/>
+              <a:ext cx="1464632" cy="461665"/>
+            </a:xfrm>
+            <a:prstGeom prst="rect">
+              <a:avLst/>
+            </a:prstGeom>
+            <a:noFill/>
+          </p:spPr>
+          <p:txBody>
+            <a:bodyPr wrap="none" rtlCol="0">
+              <a:spAutoFit/>
+            </a:bodyPr>
+            <a:lstStyle/>
+            <a:p>
+              <a:r>
+                <a:rPr lang="de-CH" sz="1200" dirty="0"/>
+                <a:t>OS </a:t>
+              </a:r>
+              <a:r>
+                <a:rPr lang="de-CH" sz="1200" dirty="0" err="1"/>
+                <a:t>based</a:t>
+              </a:r>
+              <a:r>
+                <a:rPr lang="de-CH" sz="1200" dirty="0"/>
+                <a:t> </a:t>
+              </a:r>
+              <a:r>
+                <a:rPr lang="de-CH" sz="1200" dirty="0" err="1"/>
+                <a:t>Metrics</a:t>
+              </a:r>
+              <a:r>
+                <a:rPr lang="de-CH" sz="1200" dirty="0"/>
+                <a:t>, </a:t>
+              </a:r>
+              <a:r>
+                <a:rPr lang="de-CH" sz="1200" dirty="0" err="1"/>
+                <a:t>if</a:t>
+              </a:r>
+              <a:r>
+                <a:rPr lang="de-CH" sz="1200" dirty="0"/>
+                <a:t> </a:t>
+              </a:r>
+            </a:p>
+            <a:p>
+              <a:r>
+                <a:rPr lang="de-CH" sz="1200" dirty="0" err="1"/>
+                <a:t>available</a:t>
+              </a:r>
+              <a:endParaRPr lang="de-CH" sz="1200" dirty="0"/>
+            </a:p>
+          </p:txBody>
+        </p:sp>
+      </p:grpSp>
+      <p:grpSp>
+        <p:nvGrpSpPr>
+          <p:cNvPr id="73" name="Gruppieren 72">
+            <a:extLst>
+              <a:ext uri="{FF2B5EF4-FFF2-40B4-BE49-F238E27FC236}">
+                <a16:creationId xmlns:a16="http://schemas.microsoft.com/office/drawing/2014/main" id="{7984332A-E256-4E2C-9C10-1262E98E9820}"/>
+              </a:ext>
+            </a:extLst>
+          </p:cNvPr>
+          <p:cNvGrpSpPr/>
+          <p:nvPr/>
+        </p:nvGrpSpPr>
+        <p:grpSpPr>
+          <a:xfrm>
+            <a:off x="105445" y="1067034"/>
+            <a:ext cx="3039979" cy="2703095"/>
+            <a:chOff x="850602" y="1006178"/>
+            <a:chExt cx="3039979" cy="2703095"/>
+          </a:xfrm>
+        </p:grpSpPr>
+        <p:sp>
+          <p:nvSpPr>
+            <p:cNvPr id="24" name="Rechteck 23">
+              <a:extLst>
+                <a:ext uri="{FF2B5EF4-FFF2-40B4-BE49-F238E27FC236}">
+                  <a16:creationId xmlns:a16="http://schemas.microsoft.com/office/drawing/2014/main" id="{7B0E7E72-6BD6-47BF-AB2E-3DDD093F960E}"/>
+                </a:ext>
+              </a:extLst>
+            </p:cNvPr>
+            <p:cNvSpPr/>
+            <p:nvPr/>
+          </p:nvSpPr>
+          <p:spPr>
+            <a:xfrm>
+              <a:off x="850602" y="1006178"/>
+              <a:ext cx="3039979" cy="2703095"/>
+            </a:xfrm>
+            <a:prstGeom prst="rect">
+              <a:avLst/>
+            </a:prstGeom>
+            <a:solidFill>
+              <a:schemeClr val="bg1"/>
+            </a:solidFill>
+          </p:spPr>
+          <p:style>
+            <a:lnRef idx="2">
+              <a:schemeClr val="accent1">
+                <a:shade val="50000"/>
+              </a:schemeClr>
+            </a:lnRef>
+            <a:fillRef idx="1">
+              <a:schemeClr val="accent1"/>
+            </a:fillRef>
+            <a:effectRef idx="0">
+              <a:schemeClr val="accent1"/>
+            </a:effectRef>
+            <a:fontRef idx="minor">
+              <a:schemeClr val="lt1"/>
+            </a:fontRef>
+          </p:style>
+          <p:txBody>
+            <a:bodyPr rtlCol="0" anchor="ctr"/>
+            <a:lstStyle/>
+            <a:p>
+              <a:pPr algn="ctr"/>
+              <a:endParaRPr lang="de-CH" dirty="0"/>
+            </a:p>
+          </p:txBody>
+        </p:sp>
+        <p:sp>
+          <p:nvSpPr>
+            <p:cNvPr id="25" name="Rechteck 24">
+              <a:extLst>
+                <a:ext uri="{FF2B5EF4-FFF2-40B4-BE49-F238E27FC236}">
+                  <a16:creationId xmlns:a16="http://schemas.microsoft.com/office/drawing/2014/main" id="{22F8F42D-8567-4888-B584-C666862E314E}"/>
+                </a:ext>
+              </a:extLst>
+            </p:cNvPr>
+            <p:cNvSpPr/>
+            <p:nvPr/>
+          </p:nvSpPr>
+          <p:spPr>
+            <a:xfrm>
+              <a:off x="1025083" y="1166599"/>
+              <a:ext cx="2405985" cy="2219135"/>
+            </a:xfrm>
+            <a:prstGeom prst="rect">
+              <a:avLst/>
+            </a:prstGeom>
+          </p:spPr>
+          <p:style>
+            <a:lnRef idx="2">
+              <a:schemeClr val="accent1">
+                <a:shade val="50000"/>
+              </a:schemeClr>
+            </a:lnRef>
+            <a:fillRef idx="1">
+              <a:schemeClr val="accent1"/>
+            </a:fillRef>
+            <a:effectRef idx="0">
+              <a:schemeClr val="accent1"/>
+            </a:effectRef>
+            <a:fontRef idx="minor">
+              <a:schemeClr val="lt1"/>
+            </a:fontRef>
+          </p:style>
+          <p:txBody>
+            <a:bodyPr rtlCol="0" anchor="ctr"/>
+            <a:lstStyle/>
+            <a:p>
+              <a:pPr algn="ctr"/>
+              <a:endParaRPr lang="de-CH" dirty="0"/>
+            </a:p>
+          </p:txBody>
+        </p:sp>
+        <p:sp>
+          <p:nvSpPr>
+            <p:cNvPr id="39" name="Rechteck: abgerundete Ecken 38">
+              <a:extLst>
+                <a:ext uri="{FF2B5EF4-FFF2-40B4-BE49-F238E27FC236}">
+                  <a16:creationId xmlns:a16="http://schemas.microsoft.com/office/drawing/2014/main" id="{22EAB9F8-BA05-4151-B9FB-269DEE135916}"/>
+                </a:ext>
+              </a:extLst>
+            </p:cNvPr>
+            <p:cNvSpPr/>
+            <p:nvPr/>
+          </p:nvSpPr>
+          <p:spPr>
+            <a:xfrm>
+              <a:off x="1107463" y="1609507"/>
+              <a:ext cx="1420654" cy="488800"/>
+            </a:xfrm>
+            <a:prstGeom prst="roundRect">
+              <a:avLst/>
+            </a:prstGeom>
+            <a:solidFill>
+              <a:schemeClr val="accent2">
+                <a:lumMod val="40000"/>
+                <a:lumOff val="60000"/>
+              </a:schemeClr>
+            </a:solidFill>
+            <a:ln>
+              <a:solidFill>
+                <a:schemeClr val="accent2">
+                  <a:lumMod val="40000"/>
+                  <a:lumOff val="60000"/>
+                </a:schemeClr>
+              </a:solidFill>
+            </a:ln>
+          </p:spPr>
+          <p:style>
+            <a:lnRef idx="2">
+              <a:schemeClr val="accent1">
+                <a:shade val="50000"/>
+              </a:schemeClr>
+            </a:lnRef>
+            <a:fillRef idx="1">
+              <a:schemeClr val="accent1"/>
+            </a:fillRef>
+            <a:effectRef idx="0">
+              <a:schemeClr val="accent1"/>
+            </a:effectRef>
+            <a:fontRef idx="minor">
+              <a:schemeClr val="lt1"/>
+            </a:fontRef>
+          </p:style>
+          <p:txBody>
+            <a:bodyPr rtlCol="0" anchor="ctr"/>
+            <a:lstStyle/>
+            <a:p>
+              <a:pPr algn="ctr"/>
+              <a:r>
+                <a:rPr lang="de-CH" sz="1200" b="1" dirty="0">
+                  <a:solidFill>
+                    <a:schemeClr val="tx1"/>
+                  </a:solidFill>
+                </a:rPr>
+                <a:t>XENTIS </a:t>
+              </a:r>
+              <a:r>
+                <a:rPr lang="de-CH" sz="1200" dirty="0">
+                  <a:solidFill>
+                    <a:schemeClr val="tx1"/>
+                  </a:solidFill>
+                </a:rPr>
+                <a:t>Prozesse</a:t>
+              </a:r>
+            </a:p>
+            <a:p>
+              <a:pPr algn="ctr"/>
+              <a:r>
+                <a:rPr lang="de-CH" sz="1200" dirty="0">
+                  <a:solidFill>
+                    <a:schemeClr val="tx1"/>
+                  </a:solidFill>
+                </a:rPr>
+                <a:t>+ XMON</a:t>
+              </a:r>
+            </a:p>
+          </p:txBody>
+        </p:sp>
+      </p:grpSp>
+      <p:grpSp>
+        <p:nvGrpSpPr>
           <p:cNvPr id="22" name="Gruppieren 21">
             <a:extLst>
               <a:ext uri="{FF2B5EF4-FFF2-40B4-BE49-F238E27FC236}">
@@ -5875,10 +6059,10 @@
         </p:nvGrpSpPr>
         <p:grpSpPr>
           <a:xfrm>
-            <a:off x="2248418" y="2171789"/>
-            <a:ext cx="2634621" cy="3076899"/>
-            <a:chOff x="2248418" y="2171789"/>
-            <a:chExt cx="2634621" cy="3076899"/>
+            <a:off x="2040845" y="2215527"/>
+            <a:ext cx="2842194" cy="3033161"/>
+            <a:chOff x="2040845" y="2215527"/>
+            <a:chExt cx="2842194" cy="3033161"/>
           </a:xfrm>
         </p:grpSpPr>
         <p:grpSp>
@@ -5895,10 +6079,10 @@
           </p:nvGrpSpPr>
           <p:grpSpPr>
             <a:xfrm>
-              <a:off x="2248418" y="2542054"/>
-              <a:ext cx="2634621" cy="2706634"/>
-              <a:chOff x="2248418" y="2542054"/>
-              <a:chExt cx="2634621" cy="2706634"/>
+              <a:off x="2248418" y="2961136"/>
+              <a:ext cx="2634621" cy="2287552"/>
+              <a:chOff x="2248418" y="2961136"/>
+              <a:chExt cx="2634621" cy="2287552"/>
             </a:xfrm>
           </p:grpSpPr>
           <p:sp>
@@ -5980,14 +6164,13 @@
               <p:cNvCxnSpPr>
                 <a:cxnSpLocks/>
                 <a:stCxn id="46" idx="0"/>
-                <a:endCxn id="27" idx="2"/>
               </p:cNvCxnSpPr>
               <p:nvPr/>
             </p:nvCxnSpPr>
             <p:spPr>
-              <a:xfrm flipV="1">
-                <a:off x="3565729" y="2542054"/>
-                <a:ext cx="33948" cy="2288355"/>
+              <a:xfrm flipH="1" flipV="1">
+                <a:off x="3030156" y="2961136"/>
+                <a:ext cx="535573" cy="1869273"/>
               </a:xfrm>
               <a:prstGeom prst="straightConnector1">
                 <a:avLst/>
@@ -6033,8 +6216,8 @@
           </p:nvCxnSpPr>
           <p:spPr>
             <a:xfrm flipH="1" flipV="1">
-              <a:off x="2645675" y="2171789"/>
-              <a:ext cx="920054" cy="2658620"/>
+              <a:off x="2040845" y="2215527"/>
+              <a:ext cx="1524884" cy="2614882"/>
             </a:xfrm>
             <a:prstGeom prst="straightConnector1">
               <a:avLst/>
@@ -6064,10 +6247,10 @@
       </p:grpSp>
       <p:grpSp>
         <p:nvGrpSpPr>
-          <p:cNvPr id="20" name="Gruppieren 19">
+          <p:cNvPr id="66" name="Gruppieren 65">
             <a:extLst>
               <a:ext uri="{FF2B5EF4-FFF2-40B4-BE49-F238E27FC236}">
-                <a16:creationId xmlns:a16="http://schemas.microsoft.com/office/drawing/2014/main" id="{70F54665-8E9F-416F-9A40-FBF541DDC09E}"/>
+                <a16:creationId xmlns:a16="http://schemas.microsoft.com/office/drawing/2014/main" id="{C9563B82-3D69-42E2-B006-9BD6525D5578}"/>
               </a:ext>
             </a:extLst>
           </p:cNvPr>
@@ -6076,18 +6259,18 @@
         </p:nvGrpSpPr>
         <p:grpSpPr>
           <a:xfrm>
-            <a:off x="2269230" y="1915025"/>
-            <a:ext cx="2978164" cy="2050229"/>
-            <a:chOff x="2269230" y="1915025"/>
-            <a:chExt cx="2978164" cy="2050229"/>
+            <a:off x="1514420" y="1926278"/>
+            <a:ext cx="3699949" cy="1916505"/>
+            <a:chOff x="1514420" y="1926278"/>
+            <a:chExt cx="3699949" cy="1916505"/>
           </a:xfrm>
         </p:grpSpPr>
         <p:sp>
           <p:nvSpPr>
-            <p:cNvPr id="27" name="Rechteck: abgerundete Ecken 26">
+            <p:cNvPr id="83" name="Rechteck: abgerundete Ecken 82">
               <a:extLst>
                 <a:ext uri="{FF2B5EF4-FFF2-40B4-BE49-F238E27FC236}">
-                  <a16:creationId xmlns:a16="http://schemas.microsoft.com/office/drawing/2014/main" id="{0F423684-8931-4599-9202-F55E19FD7731}"/>
+                  <a16:creationId xmlns:a16="http://schemas.microsoft.com/office/drawing/2014/main" id="{F5843039-ADF2-49B7-BAD9-69460197A213}"/>
                 </a:ext>
               </a:extLst>
             </p:cNvPr>
@@ -6096,171 +6279,8 @@
           </p:nvSpPr>
           <p:spPr>
             <a:xfrm>
-              <a:off x="3106382" y="2197700"/>
-              <a:ext cx="986590" cy="344354"/>
-            </a:xfrm>
-            <a:prstGeom prst="roundRect">
-              <a:avLst/>
-            </a:prstGeom>
-            <a:solidFill>
-              <a:schemeClr val="accent2">
-                <a:lumMod val="60000"/>
-                <a:lumOff val="40000"/>
-              </a:schemeClr>
-            </a:solidFill>
-          </p:spPr>
-          <p:style>
-            <a:lnRef idx="2">
-              <a:schemeClr val="accent1">
-                <a:shade val="50000"/>
-              </a:schemeClr>
-            </a:lnRef>
-            <a:fillRef idx="1">
-              <a:schemeClr val="accent1"/>
-            </a:fillRef>
-            <a:effectRef idx="0">
-              <a:schemeClr val="accent1"/>
-            </a:effectRef>
-            <a:fontRef idx="minor">
-              <a:schemeClr val="lt1"/>
-            </a:fontRef>
-          </p:style>
-          <p:txBody>
-            <a:bodyPr rtlCol="0" anchor="ctr"/>
-            <a:lstStyle/>
-            <a:p>
-              <a:pPr algn="ctr"/>
-              <a:r>
-                <a:rPr lang="de-CH" sz="1200" b="1" dirty="0">
-                  <a:solidFill>
-                    <a:schemeClr val="tx1"/>
-                  </a:solidFill>
-                </a:rPr>
-                <a:t>Monitor</a:t>
-              </a:r>
-              <a:r>
-                <a:rPr lang="de-CH" sz="1200" dirty="0">
-                  <a:solidFill>
-                    <a:schemeClr val="tx1"/>
-                  </a:solidFill>
-                </a:rPr>
-                <a:t> API</a:t>
-              </a:r>
-            </a:p>
-          </p:txBody>
-        </p:sp>
-        <p:sp>
-          <p:nvSpPr>
-            <p:cNvPr id="35" name="Textfeld 34">
-              <a:extLst>
-                <a:ext uri="{FF2B5EF4-FFF2-40B4-BE49-F238E27FC236}">
-                  <a16:creationId xmlns:a16="http://schemas.microsoft.com/office/drawing/2014/main" id="{4CA05729-3F08-4613-8518-DD096BE2E1DF}"/>
-                </a:ext>
-              </a:extLst>
-            </p:cNvPr>
-            <p:cNvSpPr txBox="1"/>
-            <p:nvPr/>
-          </p:nvSpPr>
-          <p:spPr>
-            <a:xfrm rot="924507">
-              <a:off x="4106889" y="2315202"/>
-              <a:ext cx="1140505" cy="450866"/>
-            </a:xfrm>
-            <a:prstGeom prst="rect">
-              <a:avLst/>
-            </a:prstGeom>
-            <a:noFill/>
-          </p:spPr>
-          <p:txBody>
-            <a:bodyPr wrap="none" rtlCol="0">
-              <a:spAutoFit/>
-            </a:bodyPr>
-            <a:lstStyle/>
-            <a:p>
-              <a:r>
-                <a:rPr lang="de-CH" sz="1200" dirty="0"/>
-                <a:t>More </a:t>
-              </a:r>
-              <a:r>
-                <a:rPr lang="de-CH" sz="1200" dirty="0" err="1"/>
-                <a:t>Complex</a:t>
-              </a:r>
-              <a:r>
-                <a:rPr lang="de-CH" sz="1200" dirty="0"/>
-                <a:t> </a:t>
-              </a:r>
-            </a:p>
-            <a:p>
-              <a:r>
-                <a:rPr lang="de-CH" sz="1200" dirty="0" err="1"/>
-                <a:t>Datatypes</a:t>
-              </a:r>
-              <a:endParaRPr lang="de-CH" sz="1200" dirty="0"/>
-            </a:p>
-          </p:txBody>
-        </p:sp>
-        <p:cxnSp>
-          <p:nvCxnSpPr>
-            <p:cNvPr id="36" name="Gerade Verbindung mit Pfeil 35">
-              <a:extLst>
-                <a:ext uri="{FF2B5EF4-FFF2-40B4-BE49-F238E27FC236}">
-                  <a16:creationId xmlns:a16="http://schemas.microsoft.com/office/drawing/2014/main" id="{84C62580-2D83-415A-8ABF-D7005982D707}"/>
-                </a:ext>
-              </a:extLst>
-            </p:cNvPr>
-            <p:cNvCxnSpPr>
-              <a:cxnSpLocks/>
-              <a:stCxn id="27" idx="3"/>
-              <a:endCxn id="41" idx="1"/>
-            </p:cNvCxnSpPr>
-            <p:nvPr/>
-          </p:nvCxnSpPr>
-          <p:spPr>
-            <a:xfrm>
-              <a:off x="4092972" y="2369877"/>
-              <a:ext cx="1062013" cy="292958"/>
-            </a:xfrm>
-            <a:prstGeom prst="straightConnector1">
-              <a:avLst/>
-            </a:prstGeom>
-            <a:ln>
-              <a:solidFill>
-                <a:schemeClr val="tx1"/>
-              </a:solidFill>
-              <a:tailEnd type="triangle"/>
-            </a:ln>
-          </p:spPr>
-          <p:style>
-            <a:lnRef idx="1">
-              <a:schemeClr val="accent1"/>
-            </a:lnRef>
-            <a:fillRef idx="0">
-              <a:schemeClr val="accent1"/>
-            </a:fillRef>
-            <a:effectRef idx="0">
-              <a:schemeClr val="accent1"/>
-            </a:effectRef>
-            <a:fontRef idx="minor">
-              <a:schemeClr val="tx1"/>
-            </a:fontRef>
-          </p:style>
-        </p:cxnSp>
-        <p:sp>
-          <p:nvSpPr>
-            <p:cNvPr id="70" name="Rechteck: abgerundete Ecken 69">
-              <a:extLst>
-                <a:ext uri="{FF2B5EF4-FFF2-40B4-BE49-F238E27FC236}">
-                  <a16:creationId xmlns:a16="http://schemas.microsoft.com/office/drawing/2014/main" id="{4528A99B-F417-454F-9189-0FD09D7033E3}"/>
-                </a:ext>
-              </a:extLst>
-            </p:cNvPr>
-            <p:cNvSpPr/>
-            <p:nvPr/>
-          </p:nvSpPr>
-          <p:spPr>
-            <a:xfrm>
-              <a:off x="2269230" y="1915025"/>
-              <a:ext cx="752889" cy="256764"/>
+              <a:off x="2552245" y="2664918"/>
+              <a:ext cx="1052850" cy="289249"/>
             </a:xfrm>
             <a:prstGeom prst="roundRect">
               <a:avLst/>
@@ -6301,14 +6321,14 @@
             <a:p>
               <a:pPr algn="ctr"/>
               <a:r>
-                <a:rPr lang="de-CH" sz="1200" b="1" dirty="0">
+                <a:rPr lang="de-CH" sz="1000" b="1" dirty="0">
                   <a:solidFill>
                     <a:schemeClr val="tx1"/>
                   </a:solidFill>
                 </a:rPr>
-                <a:t>HOOKS</a:t>
-              </a:r>
-              <a:endParaRPr lang="de-CH" sz="1200" dirty="0">
+                <a:t>New Class</a:t>
+              </a:r>
+              <a:endParaRPr lang="de-CH" sz="1000" dirty="0">
                 <a:solidFill>
                   <a:schemeClr val="tx1"/>
                 </a:solidFill>
@@ -6316,364 +6336,423 @@
             </a:p>
           </p:txBody>
         </p:sp>
-        <p:cxnSp>
-          <p:nvCxnSpPr>
-            <p:cNvPr id="45" name="Gerade Verbindung mit Pfeil 44">
+        <p:grpSp>
+          <p:nvGrpSpPr>
+            <p:cNvPr id="20" name="Gruppieren 19">
               <a:extLst>
                 <a:ext uri="{FF2B5EF4-FFF2-40B4-BE49-F238E27FC236}">
-                  <a16:creationId xmlns:a16="http://schemas.microsoft.com/office/drawing/2014/main" id="{8DC9EFDB-E843-4696-9E85-5EAA4E1BB64C}"/>
+                  <a16:creationId xmlns:a16="http://schemas.microsoft.com/office/drawing/2014/main" id="{70F54665-8E9F-416F-9A40-FBF541DDC09E}"/>
                 </a:ext>
               </a:extLst>
             </p:cNvPr>
-            <p:cNvCxnSpPr>
-              <a:cxnSpLocks/>
-              <a:endCxn id="27" idx="1"/>
-            </p:cNvCxnSpPr>
+            <p:cNvGrpSpPr/>
             <p:nvPr/>
-          </p:nvCxnSpPr>
-          <p:spPr>
+          </p:nvGrpSpPr>
+          <p:grpSpPr>
             <a:xfrm>
-              <a:off x="2787755" y="2120592"/>
-              <a:ext cx="318627" cy="249285"/>
+              <a:off x="1514420" y="1926278"/>
+              <a:ext cx="3699949" cy="1916505"/>
+              <a:chOff x="2142268" y="1925060"/>
+              <a:chExt cx="3699949" cy="1916505"/>
             </a:xfrm>
-            <a:prstGeom prst="straightConnector1">
-              <a:avLst/>
-            </a:prstGeom>
-            <a:ln w="25400">
+          </p:grpSpPr>
+          <p:sp>
+            <p:nvSpPr>
+              <p:cNvPr id="27" name="Rechteck: abgerundete Ecken 26">
+                <a:extLst>
+                  <a:ext uri="{FF2B5EF4-FFF2-40B4-BE49-F238E27FC236}">
+                    <a16:creationId xmlns:a16="http://schemas.microsoft.com/office/drawing/2014/main" id="{0F423684-8931-4599-9202-F55E19FD7731}"/>
+                  </a:ext>
+                </a:extLst>
+              </p:cNvPr>
+              <p:cNvSpPr/>
+              <p:nvPr/>
+            </p:nvSpPr>
+            <p:spPr>
+              <a:xfrm>
+                <a:off x="3028526" y="2379545"/>
+                <a:ext cx="986590" cy="344354"/>
+              </a:xfrm>
+              <a:prstGeom prst="roundRect">
+                <a:avLst/>
+              </a:prstGeom>
               <a:solidFill>
                 <a:schemeClr val="accent2">
                   <a:lumMod val="60000"/>
                   <a:lumOff val="40000"/>
                 </a:schemeClr>
               </a:solidFill>
-              <a:tailEnd type="triangle"/>
-            </a:ln>
-          </p:spPr>
-          <p:style>
-            <a:lnRef idx="1">
-              <a:schemeClr val="accent1"/>
-            </a:lnRef>
-            <a:fillRef idx="0">
-              <a:schemeClr val="accent1"/>
-            </a:fillRef>
-            <a:effectRef idx="0">
-              <a:schemeClr val="accent1"/>
-            </a:effectRef>
-            <a:fontRef idx="minor">
-              <a:schemeClr val="tx1"/>
-            </a:fontRef>
-          </p:style>
-        </p:cxnSp>
-        <p:sp>
-          <p:nvSpPr>
-            <p:cNvPr id="38" name="Textfeld 37">
-              <a:extLst>
-                <a:ext uri="{FF2B5EF4-FFF2-40B4-BE49-F238E27FC236}">
-                  <a16:creationId xmlns:a16="http://schemas.microsoft.com/office/drawing/2014/main" id="{83E9551B-A96C-487C-81D9-E22DD6D72231}"/>
-                </a:ext>
-              </a:extLst>
-            </p:cNvPr>
-            <p:cNvSpPr txBox="1"/>
-            <p:nvPr/>
-          </p:nvSpPr>
-          <p:spPr>
-            <a:xfrm rot="3129833">
-              <a:off x="3957735" y="2986877"/>
-              <a:ext cx="1495089" cy="461665"/>
-            </a:xfrm>
-            <a:prstGeom prst="rect">
-              <a:avLst/>
-            </a:prstGeom>
-            <a:noFill/>
-          </p:spPr>
-          <p:txBody>
-            <a:bodyPr wrap="none" rtlCol="0">
-              <a:spAutoFit/>
-            </a:bodyPr>
-            <a:lstStyle/>
-            <a:p>
-              <a:r>
-                <a:rPr lang="de-CH" sz="1200" dirty="0"/>
-                <a:t>Time Series </a:t>
-              </a:r>
-              <a:r>
-                <a:rPr lang="de-CH" sz="1200" dirty="0" err="1"/>
-                <a:t>Metrics</a:t>
-              </a:r>
-              <a:endParaRPr lang="de-CH" sz="1200" dirty="0"/>
-            </a:p>
-            <a:p>
-              <a:r>
-                <a:rPr lang="de-CH" sz="1200" dirty="0"/>
-                <a:t>(</a:t>
-              </a:r>
-              <a:r>
-                <a:rPr lang="de-CH" sz="1200" dirty="0" err="1"/>
-                <a:t>Typical</a:t>
-              </a:r>
-              <a:r>
-                <a:rPr lang="de-CH" sz="1200" dirty="0"/>
-                <a:t> </a:t>
-              </a:r>
-              <a:r>
-                <a:rPr lang="de-CH" sz="1200" dirty="0" err="1"/>
-                <a:t>Metric</a:t>
-              </a:r>
-              <a:r>
-                <a:rPr lang="de-CH" sz="1200" dirty="0"/>
-                <a:t> Data)</a:t>
-              </a:r>
-            </a:p>
-          </p:txBody>
-        </p:sp>
-        <p:cxnSp>
-          <p:nvCxnSpPr>
-            <p:cNvPr id="37" name="Gerade Verbindung mit Pfeil 36">
-              <a:extLst>
-                <a:ext uri="{FF2B5EF4-FFF2-40B4-BE49-F238E27FC236}">
-                  <a16:creationId xmlns:a16="http://schemas.microsoft.com/office/drawing/2014/main" id="{5A6FA79E-90FD-43D6-83A1-B68D03C2F6DD}"/>
-                </a:ext>
-              </a:extLst>
-            </p:cNvPr>
-            <p:cNvCxnSpPr>
-              <a:cxnSpLocks/>
-            </p:cNvCxnSpPr>
-            <p:nvPr/>
-          </p:nvCxnSpPr>
-          <p:spPr>
-            <a:xfrm>
-              <a:off x="4065986" y="2490522"/>
-              <a:ext cx="1122854" cy="1324129"/>
-            </a:xfrm>
-            <a:prstGeom prst="straightConnector1">
-              <a:avLst/>
-            </a:prstGeom>
-            <a:ln>
-              <a:solidFill>
+            </p:spPr>
+            <p:style>
+              <a:lnRef idx="2">
+                <a:schemeClr val="accent1">
+                  <a:shade val="50000"/>
+                </a:schemeClr>
+              </a:lnRef>
+              <a:fillRef idx="1">
+                <a:schemeClr val="accent1"/>
+              </a:fillRef>
+              <a:effectRef idx="0">
+                <a:schemeClr val="accent1"/>
+              </a:effectRef>
+              <a:fontRef idx="minor">
+                <a:schemeClr val="lt1"/>
+              </a:fontRef>
+            </p:style>
+            <p:txBody>
+              <a:bodyPr rtlCol="0" anchor="ctr"/>
+              <a:lstStyle/>
+              <a:p>
+                <a:pPr algn="ctr"/>
+                <a:r>
+                  <a:rPr lang="de-CH" sz="1200" b="1" dirty="0">
+                    <a:solidFill>
+                      <a:schemeClr val="tx1"/>
+                    </a:solidFill>
+                  </a:rPr>
+                  <a:t>Monitor</a:t>
+                </a:r>
+                <a:r>
+                  <a:rPr lang="de-CH" sz="1200" dirty="0">
+                    <a:solidFill>
+                      <a:schemeClr val="tx1"/>
+                    </a:solidFill>
+                  </a:rPr>
+                  <a:t> API</a:t>
+                </a:r>
+              </a:p>
+            </p:txBody>
+          </p:sp>
+          <p:sp>
+            <p:nvSpPr>
+              <p:cNvPr id="35" name="Textfeld 34">
+                <a:extLst>
+                  <a:ext uri="{FF2B5EF4-FFF2-40B4-BE49-F238E27FC236}">
+                    <a16:creationId xmlns:a16="http://schemas.microsoft.com/office/drawing/2014/main" id="{4CA05729-3F08-4613-8518-DD096BE2E1DF}"/>
+                  </a:ext>
+                </a:extLst>
+              </p:cNvPr>
+              <p:cNvSpPr txBox="1"/>
+              <p:nvPr/>
+            </p:nvSpPr>
+            <p:spPr>
+              <a:xfrm rot="166809">
+                <a:off x="4445684" y="2347427"/>
+                <a:ext cx="1140505" cy="450866"/>
+              </a:xfrm>
+              <a:prstGeom prst="rect">
+                <a:avLst/>
+              </a:prstGeom>
+              <a:noFill/>
+            </p:spPr>
+            <p:txBody>
+              <a:bodyPr wrap="none" rtlCol="0">
+                <a:spAutoFit/>
+              </a:bodyPr>
+              <a:lstStyle/>
+              <a:p>
+                <a:r>
+                  <a:rPr lang="de-CH" sz="1200" dirty="0"/>
+                  <a:t>More </a:t>
+                </a:r>
+                <a:r>
+                  <a:rPr lang="de-CH" sz="1200" dirty="0" err="1"/>
+                  <a:t>Complex</a:t>
+                </a:r>
+                <a:r>
+                  <a:rPr lang="de-CH" sz="1200" dirty="0"/>
+                  <a:t> </a:t>
+                </a:r>
+              </a:p>
+              <a:p>
+                <a:r>
+                  <a:rPr lang="de-CH" sz="1200" dirty="0" err="1"/>
+                  <a:t>Datatypes</a:t>
+                </a:r>
+                <a:endParaRPr lang="de-CH" sz="1200" dirty="0"/>
+              </a:p>
+            </p:txBody>
+          </p:sp>
+          <p:cxnSp>
+            <p:nvCxnSpPr>
+              <p:cNvPr id="36" name="Gerade Verbindung mit Pfeil 35">
+                <a:extLst>
+                  <a:ext uri="{FF2B5EF4-FFF2-40B4-BE49-F238E27FC236}">
+                    <a16:creationId xmlns:a16="http://schemas.microsoft.com/office/drawing/2014/main" id="{84C62580-2D83-415A-8ABF-D7005982D707}"/>
+                  </a:ext>
+                </a:extLst>
+              </p:cNvPr>
+              <p:cNvCxnSpPr>
+                <a:cxnSpLocks/>
+                <a:stCxn id="27" idx="3"/>
+                <a:endCxn id="41" idx="1"/>
+              </p:cNvCxnSpPr>
+              <p:nvPr/>
+            </p:nvCxnSpPr>
+            <p:spPr>
+              <a:xfrm>
+                <a:off x="4015116" y="2551722"/>
+                <a:ext cx="1767717" cy="109895"/>
+              </a:xfrm>
+              <a:prstGeom prst="straightConnector1">
+                <a:avLst/>
+              </a:prstGeom>
+              <a:ln>
+                <a:solidFill>
+                  <a:schemeClr val="tx1"/>
+                </a:solidFill>
+                <a:tailEnd type="triangle"/>
+              </a:ln>
+            </p:spPr>
+            <p:style>
+              <a:lnRef idx="1">
+                <a:schemeClr val="accent1"/>
+              </a:lnRef>
+              <a:fillRef idx="0">
+                <a:schemeClr val="accent1"/>
+              </a:fillRef>
+              <a:effectRef idx="0">
+                <a:schemeClr val="accent1"/>
+              </a:effectRef>
+              <a:fontRef idx="minor">
                 <a:schemeClr val="tx1"/>
-              </a:solidFill>
-              <a:tailEnd type="triangle"/>
-            </a:ln>
-          </p:spPr>
-          <p:style>
-            <a:lnRef idx="1">
-              <a:schemeClr val="accent1"/>
-            </a:lnRef>
-            <a:fillRef idx="0">
-              <a:schemeClr val="accent1"/>
-            </a:fillRef>
-            <a:effectRef idx="0">
-              <a:schemeClr val="accent1"/>
-            </a:effectRef>
-            <a:fontRef idx="minor">
-              <a:schemeClr val="tx1"/>
-            </a:fontRef>
-          </p:style>
-        </p:cxnSp>
-      </p:grpSp>
-      <p:grpSp>
-        <p:nvGrpSpPr>
-          <p:cNvPr id="21" name="Gruppieren 20">
-            <a:extLst>
-              <a:ext uri="{FF2B5EF4-FFF2-40B4-BE49-F238E27FC236}">
-                <a16:creationId xmlns:a16="http://schemas.microsoft.com/office/drawing/2014/main" id="{77318FD3-D361-4776-B4E0-A3122D3E6AA2}"/>
-              </a:ext>
-            </a:extLst>
-          </p:cNvPr>
-          <p:cNvGrpSpPr/>
-          <p:nvPr/>
-        </p:nvGrpSpPr>
-        <p:grpSpPr>
-          <a:xfrm>
-            <a:off x="1146602" y="2579871"/>
-            <a:ext cx="4042238" cy="1497504"/>
-            <a:chOff x="1146602" y="2579871"/>
-            <a:chExt cx="4042238" cy="1497504"/>
-          </a:xfrm>
-        </p:grpSpPr>
-        <p:sp>
-          <p:nvSpPr>
-            <p:cNvPr id="63" name="Rechteck: abgerundete Ecken 62">
-              <a:extLst>
-                <a:ext uri="{FF2B5EF4-FFF2-40B4-BE49-F238E27FC236}">
-                  <a16:creationId xmlns:a16="http://schemas.microsoft.com/office/drawing/2014/main" id="{8E5FE157-443B-4B60-B568-3BE9A7446426}"/>
-                </a:ext>
-              </a:extLst>
-            </p:cNvPr>
-            <p:cNvSpPr/>
-            <p:nvPr/>
-          </p:nvSpPr>
-          <p:spPr>
-            <a:xfrm>
-              <a:off x="1146602" y="2579871"/>
-              <a:ext cx="1397041" cy="488800"/>
-            </a:xfrm>
-            <a:prstGeom prst="roundRect">
-              <a:avLst/>
-            </a:prstGeom>
-            <a:solidFill>
-              <a:schemeClr val="accent2">
-                <a:lumMod val="40000"/>
-                <a:lumOff val="60000"/>
-              </a:schemeClr>
-            </a:solidFill>
-            <a:ln>
+              </a:fontRef>
+            </p:style>
+          </p:cxnSp>
+          <p:sp>
+            <p:nvSpPr>
+              <p:cNvPr id="70" name="Rechteck: abgerundete Ecken 69">
+                <a:extLst>
+                  <a:ext uri="{FF2B5EF4-FFF2-40B4-BE49-F238E27FC236}">
+                    <a16:creationId xmlns:a16="http://schemas.microsoft.com/office/drawing/2014/main" id="{4528A99B-F417-454F-9189-0FD09D7033E3}"/>
+                  </a:ext>
+                </a:extLst>
+              </p:cNvPr>
+              <p:cNvSpPr/>
+              <p:nvPr/>
+            </p:nvSpPr>
+            <p:spPr>
+              <a:xfrm>
+                <a:off x="2142268" y="1925060"/>
+                <a:ext cx="1052850" cy="289249"/>
+              </a:xfrm>
+              <a:prstGeom prst="roundRect">
+                <a:avLst/>
+              </a:prstGeom>
               <a:solidFill>
                 <a:schemeClr val="accent2">
-                  <a:lumMod val="40000"/>
-                  <a:lumOff val="60000"/>
+                  <a:lumMod val="75000"/>
                 </a:schemeClr>
               </a:solidFill>
-            </a:ln>
-          </p:spPr>
-          <p:style>
-            <a:lnRef idx="2">
-              <a:schemeClr val="accent1">
-                <a:shade val="50000"/>
-              </a:schemeClr>
-            </a:lnRef>
-            <a:fillRef idx="1">
-              <a:schemeClr val="accent1"/>
-            </a:fillRef>
-            <a:effectRef idx="0">
-              <a:schemeClr val="accent1"/>
-            </a:effectRef>
-            <a:fontRef idx="minor">
-              <a:schemeClr val="lt1"/>
-            </a:fontRef>
-          </p:style>
-          <p:txBody>
-            <a:bodyPr rtlCol="0" anchor="ctr"/>
-            <a:lstStyle/>
-            <a:p>
-              <a:pPr algn="ctr"/>
-              <a:r>
-                <a:rPr lang="de-CH" sz="1200" b="1" dirty="0" err="1">
+              <a:ln>
+                <a:solidFill>
+                  <a:schemeClr val="accent2">
+                    <a:lumMod val="40000"/>
+                    <a:lumOff val="60000"/>
+                  </a:schemeClr>
+                </a:solidFill>
+              </a:ln>
+            </p:spPr>
+            <p:style>
+              <a:lnRef idx="2">
+                <a:schemeClr val="accent1">
+                  <a:shade val="50000"/>
+                </a:schemeClr>
+              </a:lnRef>
+              <a:fillRef idx="1">
+                <a:schemeClr val="accent1"/>
+              </a:fillRef>
+              <a:effectRef idx="0">
+                <a:schemeClr val="accent1"/>
+              </a:effectRef>
+              <a:fontRef idx="minor">
+                <a:schemeClr val="lt1"/>
+              </a:fontRef>
+            </p:style>
+            <p:txBody>
+              <a:bodyPr rtlCol="0" anchor="ctr"/>
+              <a:lstStyle/>
+              <a:p>
+                <a:pPr algn="ctr"/>
+                <a:r>
+                  <a:rPr lang="de-CH" sz="1000" b="1" dirty="0">
+                    <a:solidFill>
+                      <a:schemeClr val="tx1"/>
+                    </a:solidFill>
+                  </a:rPr>
+                  <a:t>Class </a:t>
+                </a:r>
+                <a:r>
+                  <a:rPr lang="de-CH" sz="1000" b="1" dirty="0" err="1">
+                    <a:solidFill>
+                      <a:schemeClr val="tx1"/>
+                    </a:solidFill>
+                  </a:rPr>
+                  <a:t>extension</a:t>
+                </a:r>
+                <a:endParaRPr lang="de-CH" sz="1000" dirty="0">
                   <a:solidFill>
                     <a:schemeClr val="tx1"/>
                   </a:solidFill>
-                </a:rPr>
-                <a:t>Collectd</a:t>
-              </a:r>
-              <a:endParaRPr lang="de-CH" sz="1200" dirty="0">
+                </a:endParaRPr>
+              </a:p>
+            </p:txBody>
+          </p:sp>
+          <p:cxnSp>
+            <p:nvCxnSpPr>
+              <p:cNvPr id="45" name="Gerade Verbindung mit Pfeil 44">
+                <a:extLst>
+                  <a:ext uri="{FF2B5EF4-FFF2-40B4-BE49-F238E27FC236}">
+                    <a16:creationId xmlns:a16="http://schemas.microsoft.com/office/drawing/2014/main" id="{8DC9EFDB-E843-4696-9E85-5EAA4E1BB64C}"/>
+                  </a:ext>
+                </a:extLst>
+              </p:cNvPr>
+              <p:cNvCxnSpPr>
+                <a:cxnSpLocks/>
+              </p:cNvCxnSpPr>
+              <p:nvPr/>
+            </p:nvCxnSpPr>
+            <p:spPr>
+              <a:xfrm>
+                <a:off x="2876266" y="2214309"/>
+                <a:ext cx="196390" cy="208384"/>
+              </a:xfrm>
+              <a:prstGeom prst="straightConnector1">
+                <a:avLst/>
+              </a:prstGeom>
+              <a:ln w="25400">
+                <a:solidFill>
+                  <a:schemeClr val="accent2">
+                    <a:lumMod val="60000"/>
+                    <a:lumOff val="40000"/>
+                  </a:schemeClr>
+                </a:solidFill>
+                <a:tailEnd type="triangle"/>
+              </a:ln>
+            </p:spPr>
+            <p:style>
+              <a:lnRef idx="1">
+                <a:schemeClr val="accent1"/>
+              </a:lnRef>
+              <a:fillRef idx="0">
+                <a:schemeClr val="accent1"/>
+              </a:fillRef>
+              <a:effectRef idx="0">
+                <a:schemeClr val="accent1"/>
+              </a:effectRef>
+              <a:fontRef idx="minor">
+                <a:schemeClr val="tx1"/>
+              </a:fontRef>
+            </p:style>
+          </p:cxnSp>
+          <p:sp>
+            <p:nvSpPr>
+              <p:cNvPr id="38" name="Textfeld 37">
+                <a:extLst>
+                  <a:ext uri="{FF2B5EF4-FFF2-40B4-BE49-F238E27FC236}">
+                    <a16:creationId xmlns:a16="http://schemas.microsoft.com/office/drawing/2014/main" id="{83E9551B-A96C-487C-81D9-E22DD6D72231}"/>
+                  </a:ext>
+                </a:extLst>
+              </p:cNvPr>
+              <p:cNvSpPr txBox="1"/>
+              <p:nvPr/>
+            </p:nvSpPr>
+            <p:spPr>
+              <a:xfrm rot="2191552">
+                <a:off x="4110134" y="2922709"/>
+                <a:ext cx="1495089" cy="461665"/>
+              </a:xfrm>
+              <a:prstGeom prst="rect">
+                <a:avLst/>
+              </a:prstGeom>
+              <a:noFill/>
+            </p:spPr>
+            <p:txBody>
+              <a:bodyPr wrap="none" rtlCol="0">
+                <a:spAutoFit/>
+              </a:bodyPr>
+              <a:lstStyle/>
+              <a:p>
+                <a:r>
+                  <a:rPr lang="de-CH" sz="1200" dirty="0"/>
+                  <a:t>Time Series </a:t>
+                </a:r>
+                <a:r>
+                  <a:rPr lang="de-CH" sz="1200" dirty="0" err="1"/>
+                  <a:t>Metrics</a:t>
+                </a:r>
+                <a:endParaRPr lang="de-CH" sz="1200" dirty="0"/>
+              </a:p>
+              <a:p>
+                <a:r>
+                  <a:rPr lang="de-CH" sz="1200" dirty="0"/>
+                  <a:t>(</a:t>
+                </a:r>
+                <a:r>
+                  <a:rPr lang="de-CH" sz="1200" dirty="0" err="1"/>
+                  <a:t>Typical</a:t>
+                </a:r>
+                <a:r>
+                  <a:rPr lang="de-CH" sz="1200" dirty="0"/>
+                  <a:t> </a:t>
+                </a:r>
+                <a:r>
+                  <a:rPr lang="de-CH" sz="1200" dirty="0" err="1"/>
+                  <a:t>Metric</a:t>
+                </a:r>
+                <a:r>
+                  <a:rPr lang="de-CH" sz="1200" dirty="0"/>
+                  <a:t> Data)</a:t>
+                </a:r>
+              </a:p>
+            </p:txBody>
+          </p:sp>
+          <p:cxnSp>
+            <p:nvCxnSpPr>
+              <p:cNvPr id="37" name="Gerade Verbindung mit Pfeil 36">
+                <a:extLst>
+                  <a:ext uri="{FF2B5EF4-FFF2-40B4-BE49-F238E27FC236}">
+                    <a16:creationId xmlns:a16="http://schemas.microsoft.com/office/drawing/2014/main" id="{5A6FA79E-90FD-43D6-83A1-B68D03C2F6DD}"/>
+                  </a:ext>
+                </a:extLst>
+              </p:cNvPr>
+              <p:cNvCxnSpPr>
+                <a:cxnSpLocks/>
+                <a:stCxn id="27" idx="3"/>
+              </p:cNvCxnSpPr>
+              <p:nvPr/>
+            </p:nvCxnSpPr>
+            <p:spPr>
+              <a:xfrm>
+                <a:off x="4015116" y="2551722"/>
+                <a:ext cx="1827101" cy="1289843"/>
+              </a:xfrm>
+              <a:prstGeom prst="straightConnector1">
+                <a:avLst/>
+              </a:prstGeom>
+              <a:ln>
                 <a:solidFill>
                   <a:schemeClr val="tx1"/>
                 </a:solidFill>
-              </a:endParaRPr>
-            </a:p>
-          </p:txBody>
-        </p:sp>
-        <p:cxnSp>
-          <p:nvCxnSpPr>
-            <p:cNvPr id="12" name="Gerade Verbindung mit Pfeil 11">
-              <a:extLst>
-                <a:ext uri="{FF2B5EF4-FFF2-40B4-BE49-F238E27FC236}">
-                  <a16:creationId xmlns:a16="http://schemas.microsoft.com/office/drawing/2014/main" id="{1EB63A9B-3284-49D5-A592-910D485DFBEC}"/>
-                </a:ext>
-              </a:extLst>
-            </p:cNvPr>
-            <p:cNvCxnSpPr>
-              <a:cxnSpLocks/>
-              <a:stCxn id="63" idx="3"/>
-            </p:cNvCxnSpPr>
-            <p:nvPr/>
-          </p:nvCxnSpPr>
-          <p:spPr>
-            <a:xfrm>
-              <a:off x="2543643" y="2824271"/>
-              <a:ext cx="2645197" cy="1253104"/>
-            </a:xfrm>
-            <a:prstGeom prst="straightConnector1">
-              <a:avLst/>
-            </a:prstGeom>
-            <a:ln>
-              <a:solidFill>
+                <a:tailEnd type="triangle"/>
+              </a:ln>
+            </p:spPr>
+            <p:style>
+              <a:lnRef idx="1">
+                <a:schemeClr val="accent1"/>
+              </a:lnRef>
+              <a:fillRef idx="0">
+                <a:schemeClr val="accent1"/>
+              </a:fillRef>
+              <a:effectRef idx="0">
+                <a:schemeClr val="accent1"/>
+              </a:effectRef>
+              <a:fontRef idx="minor">
                 <a:schemeClr val="tx1"/>
-              </a:solidFill>
-              <a:tailEnd type="triangle"/>
-            </a:ln>
-          </p:spPr>
-          <p:style>
-            <a:lnRef idx="1">
-              <a:schemeClr val="accent1"/>
-            </a:lnRef>
-            <a:fillRef idx="0">
-              <a:schemeClr val="accent1"/>
-            </a:fillRef>
-            <a:effectRef idx="0">
-              <a:schemeClr val="accent1"/>
-            </a:effectRef>
-            <a:fontRef idx="minor">
-              <a:schemeClr val="tx1"/>
-            </a:fontRef>
-          </p:style>
-        </p:cxnSp>
-        <p:sp>
-          <p:nvSpPr>
-            <p:cNvPr id="86" name="Textfeld 85">
-              <a:extLst>
-                <a:ext uri="{FF2B5EF4-FFF2-40B4-BE49-F238E27FC236}">
-                  <a16:creationId xmlns:a16="http://schemas.microsoft.com/office/drawing/2014/main" id="{104C989E-10AE-4D15-BF1A-5DA858BB8AC1}"/>
-                </a:ext>
-              </a:extLst>
-            </p:cNvPr>
-            <p:cNvSpPr txBox="1"/>
-            <p:nvPr/>
-          </p:nvSpPr>
-          <p:spPr>
-            <a:xfrm rot="1547930">
-              <a:off x="3619263" y="3454729"/>
-              <a:ext cx="1464632" cy="461665"/>
-            </a:xfrm>
-            <a:prstGeom prst="rect">
-              <a:avLst/>
-            </a:prstGeom>
-            <a:noFill/>
-          </p:spPr>
-          <p:txBody>
-            <a:bodyPr wrap="none" rtlCol="0">
-              <a:spAutoFit/>
-            </a:bodyPr>
-            <a:lstStyle/>
-            <a:p>
-              <a:r>
-                <a:rPr lang="de-CH" sz="1200" dirty="0"/>
-                <a:t>OS </a:t>
-              </a:r>
-              <a:r>
-                <a:rPr lang="de-CH" sz="1200" dirty="0" err="1"/>
-                <a:t>based</a:t>
-              </a:r>
-              <a:r>
-                <a:rPr lang="de-CH" sz="1200" dirty="0"/>
-                <a:t> </a:t>
-              </a:r>
-              <a:r>
-                <a:rPr lang="de-CH" sz="1200" dirty="0" err="1"/>
-                <a:t>Metrics</a:t>
-              </a:r>
-              <a:r>
-                <a:rPr lang="de-CH" sz="1200" dirty="0"/>
-                <a:t>, </a:t>
-              </a:r>
-              <a:r>
-                <a:rPr lang="de-CH" sz="1200" dirty="0" err="1"/>
-                <a:t>if</a:t>
-              </a:r>
-              <a:r>
-                <a:rPr lang="de-CH" sz="1200" dirty="0"/>
-                <a:t> </a:t>
-              </a:r>
-            </a:p>
-            <a:p>
-              <a:r>
-                <a:rPr lang="de-CH" sz="1200" dirty="0" err="1"/>
-                <a:t>available</a:t>
-              </a:r>
-              <a:endParaRPr lang="de-CH" sz="1200" dirty="0"/>
-            </a:p>
-          </p:txBody>
-        </p:sp>
+              </a:fontRef>
+            </p:style>
+          </p:cxnSp>
+        </p:grpSp>
       </p:grpSp>
     </p:spTree>
     <p:extLst>
@@ -6719,7 +6798,7 @@
                                           </p:stCondLst>
                                         </p:cTn>
                                         <p:tgtEl>
-                                          <p:spTgt spid="73"/>
+                                          <p:spTgt spid="75"/>
                                         </p:tgtEl>
                                         <p:attrNameLst>
                                           <p:attrName>style.visibility</p:attrName>
@@ -6733,7 +6812,7 @@
                                       <p:cBhvr>
                                         <p:cTn id="7" dur="500"/>
                                         <p:tgtEl>
-                                          <p:spTgt spid="73"/>
+                                          <p:spTgt spid="75"/>
                                         </p:tgtEl>
                                       </p:cBhvr>
                                     </p:animEffect>
@@ -6772,7 +6851,7 @@
                                           </p:stCondLst>
                                         </p:cTn>
                                         <p:tgtEl>
-                                          <p:spTgt spid="75"/>
+                                          <p:spTgt spid="76"/>
                                         </p:tgtEl>
                                         <p:attrNameLst>
                                           <p:attrName>style.visibility</p:attrName>
@@ -6786,7 +6865,7 @@
                                       <p:cBhvr>
                                         <p:cTn id="12" dur="500"/>
                                         <p:tgtEl>
-                                          <p:spTgt spid="75"/>
+                                          <p:spTgt spid="76"/>
                                         </p:tgtEl>
                                       </p:cBhvr>
                                     </p:animEffect>
@@ -6825,7 +6904,7 @@
                                           </p:stCondLst>
                                         </p:cTn>
                                         <p:tgtEl>
-                                          <p:spTgt spid="76"/>
+                                          <p:spTgt spid="77"/>
                                         </p:tgtEl>
                                         <p:attrNameLst>
                                           <p:attrName>style.visibility</p:attrName>
@@ -6839,7 +6918,7 @@
                                       <p:cBhvr>
                                         <p:cTn id="17" dur="500"/>
                                         <p:tgtEl>
-                                          <p:spTgt spid="76"/>
+                                          <p:spTgt spid="77"/>
                                         </p:tgtEl>
                                       </p:cBhvr>
                                     </p:animEffect>
@@ -6878,7 +6957,7 @@
                                           </p:stCondLst>
                                         </p:cTn>
                                         <p:tgtEl>
-                                          <p:spTgt spid="77"/>
+                                          <p:spTgt spid="78"/>
                                         </p:tgtEl>
                                         <p:attrNameLst>
                                           <p:attrName>style.visibility</p:attrName>
@@ -6892,7 +6971,7 @@
                                       <p:cBhvr>
                                         <p:cTn id="22" dur="500"/>
                                         <p:tgtEl>
-                                          <p:spTgt spid="77"/>
+                                          <p:spTgt spid="78"/>
                                         </p:tgtEl>
                                       </p:cBhvr>
                                     </p:animEffect>
@@ -6931,7 +7010,7 @@
                                           </p:stCondLst>
                                         </p:cTn>
                                         <p:tgtEl>
-                                          <p:spTgt spid="78"/>
+                                          <p:spTgt spid="5"/>
                                         </p:tgtEl>
                                         <p:attrNameLst>
                                           <p:attrName>style.visibility</p:attrName>
@@ -6945,7 +7024,7 @@
                                       <p:cBhvr>
                                         <p:cTn id="27" dur="500"/>
                                         <p:tgtEl>
-                                          <p:spTgt spid="78"/>
+                                          <p:spTgt spid="5"/>
                                         </p:tgtEl>
                                       </p:cBhvr>
                                     </p:animEffect>
@@ -6984,7 +7063,7 @@
                                           </p:stCondLst>
                                         </p:cTn>
                                         <p:tgtEl>
-                                          <p:spTgt spid="5"/>
+                                          <p:spTgt spid="80"/>
                                         </p:tgtEl>
                                         <p:attrNameLst>
                                           <p:attrName>style.visibility</p:attrName>
@@ -6998,7 +7077,7 @@
                                       <p:cBhvr>
                                         <p:cTn id="32" dur="500"/>
                                         <p:tgtEl>
-                                          <p:spTgt spid="5"/>
+                                          <p:spTgt spid="80"/>
                                         </p:tgtEl>
                                       </p:cBhvr>
                                     </p:animEffect>
@@ -7037,7 +7116,7 @@
                                           </p:stCondLst>
                                         </p:cTn>
                                         <p:tgtEl>
-                                          <p:spTgt spid="80"/>
+                                          <p:spTgt spid="66"/>
                                         </p:tgtEl>
                                         <p:attrNameLst>
                                           <p:attrName>style.visibility</p:attrName>
@@ -7051,7 +7130,7 @@
                                       <p:cBhvr>
                                         <p:cTn id="37" dur="500"/>
                                         <p:tgtEl>
-                                          <p:spTgt spid="80"/>
+                                          <p:spTgt spid="66"/>
                                         </p:tgtEl>
                                       </p:cBhvr>
                                     </p:animEffect>
@@ -7090,7 +7169,7 @@
                                           </p:stCondLst>
                                         </p:cTn>
                                         <p:tgtEl>
-                                          <p:spTgt spid="20"/>
+                                          <p:spTgt spid="22"/>
                                         </p:tgtEl>
                                         <p:attrNameLst>
                                           <p:attrName>style.visibility</p:attrName>
@@ -7104,7 +7183,7 @@
                                       <p:cBhvr>
                                         <p:cTn id="42" dur="500"/>
                                         <p:tgtEl>
-                                          <p:spTgt spid="20"/>
+                                          <p:spTgt spid="22"/>
                                         </p:tgtEl>
                                       </p:cBhvr>
                                     </p:animEffect>
@@ -7143,7 +7222,7 @@
                                           </p:stCondLst>
                                         </p:cTn>
                                         <p:tgtEl>
-                                          <p:spTgt spid="22"/>
+                                          <p:spTgt spid="21"/>
                                         </p:tgtEl>
                                         <p:attrNameLst>
                                           <p:attrName>style.visibility</p:attrName>
@@ -7157,7 +7236,7 @@
                                       <p:cBhvr>
                                         <p:cTn id="47" dur="500"/>
                                         <p:tgtEl>
-                                          <p:spTgt spid="22"/>
+                                          <p:spTgt spid="21"/>
                                         </p:tgtEl>
                                       </p:cBhvr>
                                     </p:animEffect>
@@ -7196,7 +7275,7 @@
                                           </p:stCondLst>
                                         </p:cTn>
                                         <p:tgtEl>
-                                          <p:spTgt spid="21"/>
+                                          <p:spTgt spid="79"/>
                                         </p:tgtEl>
                                         <p:attrNameLst>
                                           <p:attrName>style.visibility</p:attrName>
@@ -7210,7 +7289,7 @@
                                       <p:cBhvr>
                                         <p:cTn id="52" dur="500"/>
                                         <p:tgtEl>
-                                          <p:spTgt spid="21"/>
+                                          <p:spTgt spid="79"/>
                                         </p:tgtEl>
                                       </p:cBhvr>
                                     </p:animEffect>
@@ -7249,7 +7328,7 @@
                                           </p:stCondLst>
                                         </p:cTn>
                                         <p:tgtEl>
-                                          <p:spTgt spid="79"/>
+                                          <p:spTgt spid="82"/>
                                         </p:tgtEl>
                                         <p:attrNameLst>
                                           <p:attrName>style.visibility</p:attrName>
@@ -7263,59 +7342,6 @@
                                       <p:cBhvr>
                                         <p:cTn id="57" dur="500"/>
                                         <p:tgtEl>
-                                          <p:spTgt spid="79"/>
-                                        </p:tgtEl>
-                                      </p:cBhvr>
-                                    </p:animEffect>
-                                  </p:childTnLst>
-                                </p:cTn>
-                              </p:par>
-                            </p:childTnLst>
-                          </p:cTn>
-                        </p:par>
-                      </p:childTnLst>
-                    </p:cTn>
-                  </p:par>
-                  <p:par>
-                    <p:cTn id="58" fill="hold">
-                      <p:stCondLst>
-                        <p:cond delay="indefinite"/>
-                      </p:stCondLst>
-                      <p:childTnLst>
-                        <p:par>
-                          <p:cTn id="59" fill="hold">
-                            <p:stCondLst>
-                              <p:cond delay="0"/>
-                            </p:stCondLst>
-                            <p:childTnLst>
-                              <p:par>
-                                <p:cTn id="60" presetID="22" presetClass="entr" presetSubtype="4" fill="hold" nodeType="clickEffect">
-                                  <p:stCondLst>
-                                    <p:cond delay="0"/>
-                                  </p:stCondLst>
-                                  <p:childTnLst>
-                                    <p:set>
-                                      <p:cBhvr>
-                                        <p:cTn id="61" dur="1" fill="hold">
-                                          <p:stCondLst>
-                                            <p:cond delay="0"/>
-                                          </p:stCondLst>
-                                        </p:cTn>
-                                        <p:tgtEl>
-                                          <p:spTgt spid="82"/>
-                                        </p:tgtEl>
-                                        <p:attrNameLst>
-                                          <p:attrName>style.visibility</p:attrName>
-                                        </p:attrNameLst>
-                                      </p:cBhvr>
-                                      <p:to>
-                                        <p:strVal val="visible"/>
-                                      </p:to>
-                                    </p:set>
-                                    <p:animEffect transition="in" filter="wipe(down)">
-                                      <p:cBhvr>
-                                        <p:cTn id="62" dur="500"/>
-                                        <p:tgtEl>
                                           <p:spTgt spid="82"/>
                                         </p:tgtEl>
                                       </p:cBhvr>
@@ -7324,14 +7350,14 @@
                                 </p:cTn>
                               </p:par>
                               <p:par>
-                                <p:cTn id="63" presetID="22" presetClass="entr" presetSubtype="4" fill="hold" grpId="0" nodeType="withEffect">
+                                <p:cTn id="58" presetID="22" presetClass="entr" presetSubtype="4" fill="hold" grpId="0" nodeType="withEffect">
                                   <p:stCondLst>
                                     <p:cond delay="0"/>
                                   </p:stCondLst>
                                   <p:childTnLst>
                                     <p:set>
                                       <p:cBhvr>
-                                        <p:cTn id="64" dur="1" fill="hold">
+                                        <p:cTn id="59" dur="1" fill="hold">
                                           <p:stCondLst>
                                             <p:cond delay="0"/>
                                           </p:stCondLst>
@@ -7349,7 +7375,7 @@
                                     </p:set>
                                     <p:animEffect transition="in" filter="wipe(down)">
                                       <p:cBhvr>
-                                        <p:cTn id="65" dur="500"/>
+                                        <p:cTn id="60" dur="500"/>
                                         <p:tgtEl>
                                           <p:spTgt spid="26"/>
                                         </p:tgtEl>
@@ -8592,10 +8618,10 @@
         </p:nvGrpSpPr>
         <p:grpSpPr>
           <a:xfrm>
-            <a:off x="688240" y="3877811"/>
-            <a:ext cx="4406604" cy="2024809"/>
-            <a:chOff x="688240" y="3877811"/>
-            <a:chExt cx="4406604" cy="2024809"/>
+            <a:off x="688240" y="3569421"/>
+            <a:ext cx="4406604" cy="2687000"/>
+            <a:chOff x="688240" y="3569421"/>
+            <a:chExt cx="4406604" cy="2687000"/>
           </a:xfrm>
         </p:grpSpPr>
         <p:sp>
@@ -8661,8 +8687,8 @@
           </p:nvSpPr>
           <p:spPr>
             <a:xfrm>
-              <a:off x="715714" y="4904958"/>
-              <a:ext cx="1682496" cy="997662"/>
+              <a:off x="715714" y="4904957"/>
+              <a:ext cx="1682496" cy="1351464"/>
             </a:xfrm>
             <a:prstGeom prst="roundRect">
               <a:avLst/>
@@ -8724,7 +8750,7 @@
                     <a:schemeClr val="tx1"/>
                   </a:solidFill>
                 </a:rPr>
-                <a:t>creates</a:t>
+                <a:t>setup</a:t>
               </a:r>
               <a:r>
                 <a:rPr lang="de-CH" sz="1200" dirty="0">
@@ -8732,7 +8758,85 @@
                     <a:schemeClr val="tx1"/>
                   </a:solidFill>
                 </a:rPr>
-                <a:t> a VM </a:t>
+                <a:t> </a:t>
+              </a:r>
+              <a:r>
+                <a:rPr lang="de-CH" sz="1200" dirty="0" err="1">
+                  <a:solidFill>
+                    <a:schemeClr val="tx1"/>
+                  </a:solidFill>
+                </a:rPr>
+                <a:t>their</a:t>
+              </a:r>
+              <a:r>
+                <a:rPr lang="de-CH" sz="1200" dirty="0">
+                  <a:solidFill>
+                    <a:schemeClr val="tx1"/>
+                  </a:solidFill>
+                </a:rPr>
+                <a:t> own </a:t>
+              </a:r>
+              <a:r>
+                <a:rPr lang="de-CH" sz="1200" dirty="0">
+                  <a:solidFill>
+                    <a:schemeClr val="tx1"/>
+                  </a:solidFill>
+                  <a:effectLst>
+                    <a:outerShdw blurRad="38100" dist="38100" dir="2700000" algn="tl">
+                      <a:srgbClr val="000000">
+                        <a:alpha val="43137"/>
+                      </a:srgbClr>
+                    </a:outerShdw>
+                  </a:effectLst>
+                </a:rPr>
+                <a:t>VM</a:t>
+              </a:r>
+              <a:r>
+                <a:rPr lang="de-CH" sz="1200" dirty="0">
+                  <a:solidFill>
+                    <a:schemeClr val="tx1"/>
+                  </a:solidFill>
+                </a:rPr>
+                <a:t> </a:t>
+              </a:r>
+              <a:r>
+                <a:rPr lang="de-CH" sz="1200" dirty="0" err="1">
+                  <a:solidFill>
+                    <a:schemeClr val="tx1"/>
+                  </a:solidFill>
+                </a:rPr>
+                <a:t>or</a:t>
+              </a:r>
+              <a:r>
+                <a:rPr lang="de-CH" sz="1200" dirty="0">
+                  <a:solidFill>
+                    <a:schemeClr val="tx1"/>
+                  </a:solidFill>
+                </a:rPr>
+                <a:t> a </a:t>
+              </a:r>
+              <a:r>
+                <a:rPr lang="de-CH" sz="1200" dirty="0">
+                  <a:solidFill>
+                    <a:schemeClr val="tx1"/>
+                  </a:solidFill>
+                  <a:effectLst>
+                    <a:outerShdw blurRad="38100" dist="38100" dir="2700000" algn="tl">
+                      <a:srgbClr val="000000">
+                        <a:alpha val="43137"/>
+                      </a:srgbClr>
+                    </a:outerShdw>
+                  </a:effectLst>
+                </a:rPr>
+                <a:t>Real Hardware</a:t>
+              </a:r>
+              <a:r>
+                <a:rPr lang="de-CH" sz="1200" dirty="0">
+                  <a:solidFill>
+                    <a:schemeClr val="tx1"/>
+                  </a:solidFill>
+                </a:rPr>
+                <a:t> </a:t>
               </a:r>
               <a:r>
                 <a:rPr lang="de-CH" sz="1200" dirty="0" err="1">
@@ -8764,7 +8868,7 @@
                     <a:schemeClr val="tx1"/>
                   </a:solidFill>
                 </a:rPr>
-                <a:t> Hat/Suse and </a:t>
+                <a:t> Hat and </a:t>
               </a:r>
               <a:r>
                 <a:rPr lang="de-CH" sz="1200" dirty="0" err="1">
@@ -8844,8 +8948,8 @@
           </p:nvSpPr>
           <p:spPr>
             <a:xfrm>
-              <a:off x="688240" y="3877811"/>
-              <a:ext cx="1682496" cy="695871"/>
+              <a:off x="688240" y="3569421"/>
+              <a:ext cx="1682496" cy="1004262"/>
             </a:xfrm>
             <a:prstGeom prst="roundRect">
               <a:avLst/>
@@ -8966,12 +9070,12 @@
                 <a:t> </a:t>
               </a:r>
               <a:r>
-                <a:rPr lang="de-CH" sz="1200" dirty="0" err="1">
+                <a:rPr lang="de-CH" sz="1200" b="1" dirty="0" err="1">
                   <a:solidFill>
                     <a:schemeClr val="tx1"/>
                   </a:solidFill>
                 </a:rPr>
-                <a:t>either</a:t>
+                <a:t>ovf</a:t>
               </a:r>
               <a:r>
                 <a:rPr lang="de-CH" sz="1200" dirty="0">
@@ -8982,12 +9086,12 @@
                 <a:t> </a:t>
               </a:r>
               <a:r>
-                <a:rPr lang="de-CH" sz="1200" b="1" dirty="0" err="1">
+                <a:rPr lang="de-CH" sz="1200" dirty="0" err="1">
                   <a:solidFill>
                     <a:schemeClr val="tx1"/>
                   </a:solidFill>
                 </a:rPr>
-                <a:t>ovf</a:t>
+                <a:t>importfile</a:t>
               </a:r>
               <a:r>
                 <a:rPr lang="de-CH" sz="1200" dirty="0">
@@ -9003,7 +9107,39 @@
                     <a:schemeClr val="tx1"/>
                   </a:solidFill>
                 </a:rPr>
-                <a:t>importfile</a:t>
+                <a:t>delievered</a:t>
+              </a:r>
+              <a:r>
+                <a:rPr lang="de-CH" sz="1200" dirty="0">
+                  <a:solidFill>
+                    <a:schemeClr val="tx1"/>
+                  </a:solidFill>
+                </a:rPr>
+                <a:t> </a:t>
+              </a:r>
+              <a:r>
+                <a:rPr lang="de-CH" sz="1200" dirty="0" err="1">
+                  <a:solidFill>
+                    <a:schemeClr val="tx1"/>
+                  </a:solidFill>
+                </a:rPr>
+                <a:t>by</a:t>
+              </a:r>
+              <a:r>
+                <a:rPr lang="de-CH" sz="1200" dirty="0">
+                  <a:solidFill>
+                    <a:schemeClr val="tx1"/>
+                  </a:solidFill>
+                </a:rPr>
+                <a:t> </a:t>
+              </a:r>
+              <a:r>
+                <a:rPr lang="de-CH" sz="1200" dirty="0" err="1">
+                  <a:solidFill>
+                    <a:schemeClr val="tx1"/>
+                  </a:solidFill>
+                </a:rPr>
+                <a:t>Profidata</a:t>
               </a:r>
               <a:endParaRPr lang="de-CH" sz="1200" dirty="0">
                 <a:solidFill>
@@ -10563,6 +10699,133 @@
           </p:txBody>
         </p:sp>
       </p:grpSp>
+      <p:sp>
+        <p:nvSpPr>
+          <p:cNvPr id="30" name="Rechteck: abgerundete Ecken 29">
+            <a:extLst>
+              <a:ext uri="{FF2B5EF4-FFF2-40B4-BE49-F238E27FC236}">
+                <a16:creationId xmlns:a16="http://schemas.microsoft.com/office/drawing/2014/main" id="{1957CFFE-5910-4285-BCCA-C77482E93751}"/>
+              </a:ext>
+            </a:extLst>
+          </p:cNvPr>
+          <p:cNvSpPr/>
+          <p:nvPr/>
+        </p:nvSpPr>
+        <p:spPr>
+          <a:xfrm>
+            <a:off x="551617" y="4953751"/>
+            <a:ext cx="2327266" cy="1351464"/>
+          </a:xfrm>
+          <a:prstGeom prst="roundRect">
+            <a:avLst/>
+          </a:prstGeom>
+          <a:solidFill>
+            <a:schemeClr val="accent2">
+              <a:lumMod val="40000"/>
+              <a:lumOff val="60000"/>
+            </a:schemeClr>
+          </a:solidFill>
+        </p:spPr>
+        <p:style>
+          <a:lnRef idx="2">
+            <a:schemeClr val="accent1">
+              <a:shade val="50000"/>
+            </a:schemeClr>
+          </a:lnRef>
+          <a:fillRef idx="1">
+            <a:schemeClr val="accent1"/>
+          </a:fillRef>
+          <a:effectRef idx="0">
+            <a:schemeClr val="accent1"/>
+          </a:effectRef>
+          <a:fontRef idx="minor">
+            <a:schemeClr val="lt1"/>
+          </a:fontRef>
+        </p:style>
+        <p:txBody>
+          <a:bodyPr rtlCol="0" anchor="ctr"/>
+          <a:lstStyle/>
+          <a:p>
+            <a:r>
+              <a:rPr lang="de-CH" sz="1200" dirty="0" err="1">
+                <a:solidFill>
+                  <a:schemeClr val="tx1"/>
+                </a:solidFill>
+              </a:rPr>
+              <a:t>Profidata</a:t>
+            </a:r>
+            <a:r>
+              <a:rPr lang="de-CH" sz="1200" dirty="0">
+                <a:solidFill>
+                  <a:schemeClr val="tx1"/>
+                </a:solidFill>
+              </a:rPr>
+              <a:t> </a:t>
+            </a:r>
+            <a:r>
+              <a:rPr lang="de-CH" sz="1200" dirty="0" err="1">
+                <a:solidFill>
+                  <a:schemeClr val="tx1"/>
+                </a:solidFill>
+              </a:rPr>
+              <a:t>delievers</a:t>
+            </a:r>
+            <a:r>
+              <a:rPr lang="de-CH" sz="1200" dirty="0">
+                <a:solidFill>
+                  <a:schemeClr val="tx1"/>
+                </a:solidFill>
+              </a:rPr>
+              <a:t> </a:t>
+            </a:r>
+            <a:r>
+              <a:rPr lang="de-CH" sz="1200" dirty="0" err="1">
+                <a:solidFill>
+                  <a:schemeClr val="tx1"/>
+                </a:solidFill>
+              </a:rPr>
+              <a:t>the</a:t>
+            </a:r>
+            <a:r>
+              <a:rPr lang="de-CH" sz="1200" dirty="0">
+                <a:solidFill>
+                  <a:schemeClr val="tx1"/>
+                </a:solidFill>
+              </a:rPr>
+              <a:t> Container Image(s) </a:t>
+            </a:r>
+            <a:r>
+              <a:rPr lang="de-CH" sz="1200" dirty="0" err="1">
+                <a:solidFill>
+                  <a:schemeClr val="tx1"/>
+                </a:solidFill>
+              </a:rPr>
+              <a:t>to</a:t>
+            </a:r>
+            <a:r>
+              <a:rPr lang="de-CH" sz="1200" dirty="0">
+                <a:solidFill>
+                  <a:schemeClr val="tx1"/>
+                </a:solidFill>
+              </a:rPr>
+              <a:t> </a:t>
+            </a:r>
+            <a:r>
+              <a:rPr lang="de-CH" sz="1200" dirty="0" err="1">
+                <a:solidFill>
+                  <a:schemeClr val="tx1"/>
+                </a:solidFill>
+              </a:rPr>
+              <a:t>replace</a:t>
+            </a:r>
+            <a:endParaRPr lang="de-CH" sz="1200" dirty="0">
+              <a:solidFill>
+                <a:schemeClr val="tx1"/>
+              </a:solidFill>
+            </a:endParaRPr>
+          </a:p>
+        </p:txBody>
+      </p:sp>
     </p:spTree>
     <p:extLst>
       <p:ext uri="{BB962C8B-B14F-4D97-AF65-F5344CB8AC3E}">
@@ -10634,6 +10897,59 @@
                       </p:childTnLst>
                     </p:cTn>
                   </p:par>
+                  <p:par>
+                    <p:cTn id="8" fill="hold">
+                      <p:stCondLst>
+                        <p:cond delay="indefinite"/>
+                      </p:stCondLst>
+                      <p:childTnLst>
+                        <p:par>
+                          <p:cTn id="9" fill="hold">
+                            <p:stCondLst>
+                              <p:cond delay="0"/>
+                            </p:stCondLst>
+                            <p:childTnLst>
+                              <p:par>
+                                <p:cTn id="10" presetID="22" presetClass="entr" presetSubtype="4" fill="hold" grpId="0" nodeType="clickEffect">
+                                  <p:stCondLst>
+                                    <p:cond delay="0"/>
+                                  </p:stCondLst>
+                                  <p:childTnLst>
+                                    <p:set>
+                                      <p:cBhvr>
+                                        <p:cTn id="11" dur="1" fill="hold">
+                                          <p:stCondLst>
+                                            <p:cond delay="0"/>
+                                          </p:stCondLst>
+                                        </p:cTn>
+                                        <p:tgtEl>
+                                          <p:spTgt spid="30"/>
+                                        </p:tgtEl>
+                                        <p:attrNameLst>
+                                          <p:attrName>style.visibility</p:attrName>
+                                        </p:attrNameLst>
+                                      </p:cBhvr>
+                                      <p:to>
+                                        <p:strVal val="visible"/>
+                                      </p:to>
+                                    </p:set>
+                                    <p:animEffect transition="in" filter="wipe(down)">
+                                      <p:cBhvr>
+                                        <p:cTn id="12" dur="500"/>
+                                        <p:tgtEl>
+                                          <p:spTgt spid="30"/>
+                                        </p:tgtEl>
+                                      </p:cBhvr>
+                                    </p:animEffect>
+                                  </p:childTnLst>
+                                </p:cTn>
+                              </p:par>
+                            </p:childTnLst>
+                          </p:cTn>
+                        </p:par>
+                      </p:childTnLst>
+                    </p:cTn>
+                  </p:par>
                 </p:childTnLst>
               </p:cTn>
               <p:prevCondLst>
@@ -10655,6 +10971,9 @@
         </p:cTn>
       </p:par>
     </p:tnLst>
+    <p:bldLst>
+      <p:bldP spid="30" grpId="0" animBg="1"/>
+    </p:bldLst>
   </p:timing>
 </p:sld>
 </file>
@@ -13421,14 +13740,14 @@
             </a:extLst>
           </p:cNvPr>
           <p:cNvCxnSpPr>
-            <a:endCxn id="27" idx="1"/>
+            <a:cxnSpLocks/>
           </p:cNvCxnSpPr>
           <p:nvPr/>
         </p:nvCxnSpPr>
         <p:spPr>
           <a:xfrm>
-            <a:off x="2147774" y="2349801"/>
-            <a:ext cx="924660" cy="1023151"/>
+            <a:off x="2868918" y="2597357"/>
+            <a:ext cx="493951" cy="599132"/>
           </a:xfrm>
           <a:prstGeom prst="straightConnector1">
             <a:avLst/>
@@ -13474,9 +13793,9 @@
           <p:nvPr/>
         </p:nvCxnSpPr>
         <p:spPr>
-          <a:xfrm flipV="1">
-            <a:off x="1894727" y="3172066"/>
-            <a:ext cx="954751" cy="1197456"/>
+          <a:xfrm flipH="1" flipV="1">
+            <a:off x="3401212" y="3811081"/>
+            <a:ext cx="1" cy="418853"/>
           </a:xfrm>
           <a:prstGeom prst="straightConnector1">
             <a:avLst/>
@@ -13519,8 +13838,8 @@
         </p:nvSpPr>
         <p:spPr>
           <a:xfrm>
-            <a:off x="1025083" y="4775303"/>
-            <a:ext cx="3508506" cy="1261583"/>
+            <a:off x="886121" y="4493846"/>
+            <a:ext cx="3508506" cy="565958"/>
           </a:xfrm>
           <a:prstGeom prst="roundRect">
             <a:avLst/>
@@ -13547,8 +13866,12 @@
           <a:lstStyle/>
           <a:p>
             <a:r>
+              <a:rPr lang="de-CH" sz="1400" dirty="0"/>
+              <a:t>Slow down </a:t>
+            </a:r>
+            <a:r>
               <a:rPr lang="de-CH" sz="1400" dirty="0" err="1"/>
-              <a:t>Since</a:t>
+              <a:t>Xentis</a:t>
             </a:r>
             <a:r>
               <a:rPr lang="de-CH" sz="1400" dirty="0"/>
@@ -13556,15 +13879,7 @@
             </a:r>
             <a:r>
               <a:rPr lang="de-CH" sz="1400" dirty="0" err="1"/>
-              <a:t>the</a:t>
-            </a:r>
-            <a:r>
-              <a:rPr lang="de-CH" sz="1400" dirty="0"/>
-              <a:t> Interface will </a:t>
-            </a:r>
-            <a:r>
-              <a:rPr lang="de-CH" sz="1400" dirty="0" err="1"/>
-              <a:t>be</a:t>
+              <a:t>if</a:t>
             </a:r>
             <a:r>
               <a:rPr lang="de-CH" sz="1400" dirty="0"/>
@@ -13572,23 +13887,7 @@
             </a:r>
             <a:r>
               <a:rPr lang="de-CH" sz="1400" dirty="0" err="1"/>
-              <a:t>feeded</a:t>
-            </a:r>
-            <a:r>
-              <a:rPr lang="de-CH" sz="1400" dirty="0"/>
-              <a:t> bei internal XENTIS </a:t>
-            </a:r>
-            <a:r>
-              <a:rPr lang="de-CH" sz="1400" dirty="0" err="1"/>
-              <a:t>Process</a:t>
-            </a:r>
-            <a:r>
-              <a:rPr lang="de-CH" sz="1400" dirty="0"/>
-              <a:t>, </a:t>
-            </a:r>
-            <a:r>
-              <a:rPr lang="de-CH" sz="1400" dirty="0" err="1"/>
-              <a:t>there</a:t>
+              <a:t>the</a:t>
             </a:r>
             <a:r>
               <a:rPr lang="de-CH" sz="1400" dirty="0"/>
@@ -13596,15 +13895,7 @@
             </a:r>
             <a:r>
               <a:rPr lang="de-CH" sz="1400" dirty="0" err="1"/>
-              <a:t>is</a:t>
-            </a:r>
-            <a:r>
-              <a:rPr lang="de-CH" sz="1400" dirty="0"/>
-              <a:t> a potential Risk </a:t>
-            </a:r>
-            <a:r>
-              <a:rPr lang="de-CH" sz="1400" dirty="0" err="1"/>
-              <a:t>to</a:t>
+              <a:t>ElasticSearch</a:t>
             </a:r>
             <a:r>
               <a:rPr lang="de-CH" sz="1400" dirty="0"/>
@@ -13612,7 +13903,23 @@
             </a:r>
             <a:r>
               <a:rPr lang="de-CH" sz="1400" dirty="0" err="1"/>
-              <a:t>if</a:t>
+              <a:t>or</a:t>
+            </a:r>
+            <a:r>
+              <a:rPr lang="de-CH" sz="1400" dirty="0"/>
+              <a:t> Graphite Interface </a:t>
+            </a:r>
+            <a:r>
+              <a:rPr lang="de-CH" sz="1400" dirty="0" err="1"/>
+              <a:t>is</a:t>
+            </a:r>
+            <a:r>
+              <a:rPr lang="de-CH" sz="1400" dirty="0"/>
+              <a:t> not </a:t>
+            </a:r>
+            <a:r>
+              <a:rPr lang="de-CH" sz="1400" dirty="0" err="1"/>
+              <a:t>available</a:t>
             </a:r>
             <a:r>
               <a:rPr lang="de-CH" sz="1400" dirty="0"/>
@@ -13620,7 +13927,7 @@
             </a:r>
             <a:r>
               <a:rPr lang="de-CH" sz="1400" dirty="0" err="1"/>
-              <a:t>the</a:t>
+              <a:t>or</a:t>
             </a:r>
             <a:r>
               <a:rPr lang="de-CH" sz="1400" dirty="0"/>
@@ -13628,76 +13935,9 @@
             </a:r>
             <a:r>
               <a:rPr lang="de-CH" sz="1400" dirty="0" err="1"/>
-              <a:t>ElasticSearch</a:t>
-            </a:r>
-            <a:r>
-              <a:rPr lang="de-CH" sz="1400" dirty="0"/>
-              <a:t> </a:t>
-            </a:r>
-            <a:r>
-              <a:rPr lang="de-CH" sz="1400" dirty="0" err="1"/>
-              <a:t>or</a:t>
-            </a:r>
-            <a:r>
-              <a:rPr lang="de-CH" sz="1400" dirty="0"/>
-              <a:t> Graphite Interface ist not </a:t>
-            </a:r>
-            <a:r>
-              <a:rPr lang="de-CH" sz="1400" dirty="0" err="1"/>
-              <a:t>available</a:t>
-            </a:r>
-            <a:r>
-              <a:rPr lang="de-CH" sz="1400" dirty="0"/>
-              <a:t> </a:t>
-            </a:r>
-            <a:r>
-              <a:rPr lang="de-CH" sz="1400" dirty="0" err="1"/>
-              <a:t>or</a:t>
-            </a:r>
-            <a:r>
-              <a:rPr lang="de-CH" sz="1400" dirty="0"/>
-              <a:t> </a:t>
-            </a:r>
-            <a:r>
-              <a:rPr lang="de-CH" sz="1400" dirty="0" err="1"/>
               <a:t>slow</a:t>
             </a:r>
-            <a:r>
-              <a:rPr lang="de-CH" sz="1400" dirty="0"/>
-              <a:t> </a:t>
-            </a:r>
-            <a:r>
-              <a:rPr lang="de-CH" sz="1400" dirty="0" err="1"/>
-              <a:t>for</a:t>
-            </a:r>
-            <a:r>
-              <a:rPr lang="de-CH" sz="1400" dirty="0"/>
-              <a:t> </a:t>
-            </a:r>
-            <a:r>
-              <a:rPr lang="de-CH" sz="1400" dirty="0" err="1"/>
-              <a:t>what</a:t>
-            </a:r>
-            <a:r>
-              <a:rPr lang="de-CH" sz="1400" dirty="0"/>
-              <a:t> </a:t>
-            </a:r>
-            <a:r>
-              <a:rPr lang="de-CH" sz="1400" dirty="0" err="1"/>
-              <a:t>reason</a:t>
-            </a:r>
-            <a:r>
-              <a:rPr lang="de-CH" sz="1400" dirty="0"/>
-              <a:t> </a:t>
-            </a:r>
-            <a:r>
-              <a:rPr lang="de-CH" sz="1400" dirty="0" err="1"/>
-              <a:t>ever</a:t>
-            </a:r>
-            <a:r>
-              <a:rPr lang="de-CH" sz="1400" dirty="0"/>
-              <a:t>!</a:t>
-            </a:r>
+            <a:endParaRPr lang="de-CH" sz="1400" dirty="0"/>
           </a:p>
         </p:txBody>
       </p:sp>
@@ -13715,8 +13955,8 @@
         </p:nvSpPr>
         <p:spPr>
           <a:xfrm>
-            <a:off x="939975" y="4369522"/>
-            <a:ext cx="1909503" cy="476584"/>
+            <a:off x="2446461" y="4229934"/>
+            <a:ext cx="1909503" cy="356717"/>
           </a:xfrm>
           <a:prstGeom prst="roundRect">
             <a:avLst/>
@@ -13753,6 +13993,413 @@
           </a:p>
         </p:txBody>
       </p:sp>
+      <p:sp>
+        <p:nvSpPr>
+          <p:cNvPr id="44" name="Rechteck: abgerundete Ecken 43">
+            <a:extLst>
+              <a:ext uri="{FF2B5EF4-FFF2-40B4-BE49-F238E27FC236}">
+                <a16:creationId xmlns:a16="http://schemas.microsoft.com/office/drawing/2014/main" id="{3F54726F-553C-4C16-98E0-4A8298E49D0F}"/>
+              </a:ext>
+            </a:extLst>
+          </p:cNvPr>
+          <p:cNvSpPr/>
+          <p:nvPr/>
+        </p:nvSpPr>
+        <p:spPr>
+          <a:xfrm>
+            <a:off x="855851" y="5699546"/>
+            <a:ext cx="3508506" cy="742422"/>
+          </a:xfrm>
+          <a:prstGeom prst="roundRect">
+            <a:avLst/>
+          </a:prstGeom>
+        </p:spPr>
+        <p:style>
+          <a:lnRef idx="2">
+            <a:schemeClr val="accent1">
+              <a:shade val="50000"/>
+            </a:schemeClr>
+          </a:lnRef>
+          <a:fillRef idx="1">
+            <a:schemeClr val="accent1"/>
+          </a:fillRef>
+          <a:effectRef idx="0">
+            <a:schemeClr val="accent1"/>
+          </a:effectRef>
+          <a:fontRef idx="minor">
+            <a:schemeClr val="lt1"/>
+          </a:fontRef>
+        </p:style>
+        <p:txBody>
+          <a:bodyPr rtlCol="0" anchor="t"/>
+          <a:lstStyle/>
+          <a:p>
+            <a:r>
+              <a:rPr lang="de-CH" sz="1400" dirty="0" err="1"/>
+              <a:t>Changed</a:t>
+            </a:r>
+            <a:r>
+              <a:rPr lang="de-CH" sz="1400" dirty="0"/>
+              <a:t> </a:t>
+            </a:r>
+            <a:r>
+              <a:rPr lang="de-CH" sz="1400" dirty="0" err="1"/>
+              <a:t>Xentis</a:t>
+            </a:r>
+            <a:r>
+              <a:rPr lang="de-CH" sz="1400" dirty="0"/>
+              <a:t> </a:t>
+            </a:r>
+            <a:r>
+              <a:rPr lang="de-CH" sz="1400" dirty="0" err="1"/>
+              <a:t>code</a:t>
+            </a:r>
+            <a:r>
+              <a:rPr lang="de-CH" sz="1400" dirty="0"/>
+              <a:t> </a:t>
+            </a:r>
+            <a:r>
+              <a:rPr lang="de-CH" sz="1400" dirty="0" err="1"/>
+              <a:t>can</a:t>
+            </a:r>
+            <a:r>
+              <a:rPr lang="de-CH" sz="1400" dirty="0"/>
+              <a:t> </a:t>
+            </a:r>
+            <a:r>
+              <a:rPr lang="de-CH" sz="1400" dirty="0" err="1"/>
+              <a:t>have</a:t>
+            </a:r>
+            <a:r>
+              <a:rPr lang="de-CH" sz="1400" dirty="0"/>
+              <a:t> negative </a:t>
+            </a:r>
+            <a:r>
+              <a:rPr lang="de-CH" sz="1400" dirty="0" err="1"/>
+              <a:t>influence</a:t>
+            </a:r>
+            <a:r>
+              <a:rPr lang="de-CH" sz="1400" dirty="0"/>
+              <a:t> on </a:t>
+            </a:r>
+            <a:r>
+              <a:rPr lang="de-CH" sz="1400" dirty="0" err="1"/>
+              <a:t>the</a:t>
+            </a:r>
+            <a:r>
+              <a:rPr lang="de-CH" sz="1400" dirty="0"/>
+              <a:t> sensitive </a:t>
+            </a:r>
+            <a:r>
+              <a:rPr lang="de-CH" sz="1400" dirty="0" err="1"/>
+              <a:t>stabaliltity</a:t>
+            </a:r>
+            <a:r>
+              <a:rPr lang="de-CH" sz="1400" dirty="0"/>
+              <a:t> </a:t>
+            </a:r>
+            <a:r>
+              <a:rPr lang="de-CH" sz="1400" dirty="0" err="1"/>
+              <a:t>of</a:t>
+            </a:r>
+            <a:r>
+              <a:rPr lang="de-CH" sz="1400" dirty="0"/>
+              <a:t> </a:t>
+            </a:r>
+            <a:r>
+              <a:rPr lang="de-CH" sz="1400" dirty="0" err="1"/>
+              <a:t>xentis</a:t>
+            </a:r>
+            <a:endParaRPr lang="de-CH" sz="1400" dirty="0"/>
+          </a:p>
+        </p:txBody>
+      </p:sp>
+      <p:sp>
+        <p:nvSpPr>
+          <p:cNvPr id="45" name="Rechteck: abgerundete Ecken 44">
+            <a:extLst>
+              <a:ext uri="{FF2B5EF4-FFF2-40B4-BE49-F238E27FC236}">
+                <a16:creationId xmlns:a16="http://schemas.microsoft.com/office/drawing/2014/main" id="{8E390A64-1C01-43A4-896A-39E8F86E7376}"/>
+              </a:ext>
+            </a:extLst>
+          </p:cNvPr>
+          <p:cNvSpPr/>
+          <p:nvPr/>
+        </p:nvSpPr>
+        <p:spPr>
+          <a:xfrm>
+            <a:off x="601702" y="5443839"/>
+            <a:ext cx="1909503" cy="356717"/>
+          </a:xfrm>
+          <a:prstGeom prst="roundRect">
+            <a:avLst/>
+          </a:prstGeom>
+          <a:solidFill>
+            <a:srgbClr val="CC6600"/>
+          </a:solidFill>
+        </p:spPr>
+        <p:style>
+          <a:lnRef idx="2">
+            <a:schemeClr val="accent1">
+              <a:shade val="50000"/>
+            </a:schemeClr>
+          </a:lnRef>
+          <a:fillRef idx="1">
+            <a:schemeClr val="accent1"/>
+          </a:fillRef>
+          <a:effectRef idx="0">
+            <a:schemeClr val="accent1"/>
+          </a:effectRef>
+          <a:fontRef idx="minor">
+            <a:schemeClr val="lt1"/>
+          </a:fontRef>
+        </p:style>
+        <p:txBody>
+          <a:bodyPr rtlCol="0" anchor="ctr"/>
+          <a:lstStyle/>
+          <a:p>
+            <a:pPr algn="ctr"/>
+            <a:r>
+              <a:rPr lang="de-CH" dirty="0"/>
+              <a:t>Potential Risk 2</a:t>
+            </a:r>
+          </a:p>
+        </p:txBody>
+      </p:sp>
+      <p:sp>
+        <p:nvSpPr>
+          <p:cNvPr id="47" name="Rechteck: abgerundete Ecken 46">
+            <a:extLst>
+              <a:ext uri="{FF2B5EF4-FFF2-40B4-BE49-F238E27FC236}">
+                <a16:creationId xmlns:a16="http://schemas.microsoft.com/office/drawing/2014/main" id="{860B3484-4A8A-49C6-8E0E-6CABAF789035}"/>
+              </a:ext>
+            </a:extLst>
+          </p:cNvPr>
+          <p:cNvSpPr/>
+          <p:nvPr/>
+        </p:nvSpPr>
+        <p:spPr>
+          <a:xfrm>
+            <a:off x="2257112" y="2211892"/>
+            <a:ext cx="1031494" cy="352926"/>
+          </a:xfrm>
+          <a:prstGeom prst="roundRect">
+            <a:avLst/>
+          </a:prstGeom>
+          <a:solidFill>
+            <a:schemeClr val="accent2">
+              <a:lumMod val="75000"/>
+            </a:schemeClr>
+          </a:solidFill>
+          <a:ln>
+            <a:solidFill>
+              <a:schemeClr val="accent2">
+                <a:lumMod val="40000"/>
+                <a:lumOff val="60000"/>
+              </a:schemeClr>
+            </a:solidFill>
+          </a:ln>
+        </p:spPr>
+        <p:style>
+          <a:lnRef idx="2">
+            <a:schemeClr val="accent1">
+              <a:shade val="50000"/>
+            </a:schemeClr>
+          </a:lnRef>
+          <a:fillRef idx="1">
+            <a:schemeClr val="accent1"/>
+          </a:fillRef>
+          <a:effectRef idx="0">
+            <a:schemeClr val="accent1"/>
+          </a:effectRef>
+          <a:fontRef idx="minor">
+            <a:schemeClr val="lt1"/>
+          </a:fontRef>
+        </p:style>
+        <p:txBody>
+          <a:bodyPr rtlCol="0" anchor="ctr"/>
+          <a:lstStyle/>
+          <a:p>
+            <a:pPr algn="ctr"/>
+            <a:r>
+              <a:rPr lang="de-CH" sz="1200" b="1" dirty="0" err="1">
+                <a:solidFill>
+                  <a:schemeClr val="tx1"/>
+                </a:solidFill>
+              </a:rPr>
+              <a:t>Xentis</a:t>
+            </a:r>
+            <a:r>
+              <a:rPr lang="de-CH" sz="1200" b="1" dirty="0">
+                <a:solidFill>
+                  <a:schemeClr val="tx1"/>
+                </a:solidFill>
+              </a:rPr>
+              <a:t> </a:t>
+            </a:r>
+          </a:p>
+          <a:p>
+            <a:pPr algn="ctr"/>
+            <a:r>
+              <a:rPr lang="de-CH" sz="1000" b="1" dirty="0">
+                <a:solidFill>
+                  <a:schemeClr val="tx1"/>
+                </a:solidFill>
+              </a:rPr>
+              <a:t>Class </a:t>
+            </a:r>
+            <a:r>
+              <a:rPr lang="de-CH" sz="1000" b="1" dirty="0" err="1">
+                <a:solidFill>
+                  <a:schemeClr val="tx1"/>
+                </a:solidFill>
+              </a:rPr>
+              <a:t>extention</a:t>
+            </a:r>
+            <a:endParaRPr lang="de-CH" sz="1000" dirty="0">
+              <a:solidFill>
+                <a:schemeClr val="tx1"/>
+              </a:solidFill>
+            </a:endParaRPr>
+          </a:p>
+        </p:txBody>
+      </p:sp>
+      <p:sp>
+        <p:nvSpPr>
+          <p:cNvPr id="48" name="Rechteck: abgerundete Ecken 47">
+            <a:extLst>
+              <a:ext uri="{FF2B5EF4-FFF2-40B4-BE49-F238E27FC236}">
+                <a16:creationId xmlns:a16="http://schemas.microsoft.com/office/drawing/2014/main" id="{C79525D6-33C1-441D-B04A-A141CDC4B37E}"/>
+              </a:ext>
+            </a:extLst>
+          </p:cNvPr>
+          <p:cNvSpPr/>
+          <p:nvPr/>
+        </p:nvSpPr>
+        <p:spPr>
+          <a:xfrm>
+            <a:off x="2647630" y="3465892"/>
+            <a:ext cx="1031494" cy="352926"/>
+          </a:xfrm>
+          <a:prstGeom prst="roundRect">
+            <a:avLst/>
+          </a:prstGeom>
+          <a:solidFill>
+            <a:schemeClr val="accent2">
+              <a:lumMod val="75000"/>
+            </a:schemeClr>
+          </a:solidFill>
+          <a:ln>
+            <a:solidFill>
+              <a:schemeClr val="accent2">
+                <a:lumMod val="40000"/>
+                <a:lumOff val="60000"/>
+              </a:schemeClr>
+            </a:solidFill>
+          </a:ln>
+        </p:spPr>
+        <p:style>
+          <a:lnRef idx="2">
+            <a:schemeClr val="accent1">
+              <a:shade val="50000"/>
+            </a:schemeClr>
+          </a:lnRef>
+          <a:fillRef idx="1">
+            <a:schemeClr val="accent1"/>
+          </a:fillRef>
+          <a:effectRef idx="0">
+            <a:schemeClr val="accent1"/>
+          </a:effectRef>
+          <a:fontRef idx="minor">
+            <a:schemeClr val="lt1"/>
+          </a:fontRef>
+        </p:style>
+        <p:txBody>
+          <a:bodyPr rtlCol="0" anchor="ctr"/>
+          <a:lstStyle/>
+          <a:p>
+            <a:pPr algn="ctr"/>
+            <a:r>
+              <a:rPr lang="de-CH" sz="1200" b="1" dirty="0" err="1">
+                <a:solidFill>
+                  <a:schemeClr val="tx1"/>
+                </a:solidFill>
+              </a:rPr>
+              <a:t>Xentis</a:t>
+            </a:r>
+            <a:r>
+              <a:rPr lang="de-CH" sz="1200" b="1" dirty="0">
+                <a:solidFill>
+                  <a:schemeClr val="tx1"/>
+                </a:solidFill>
+              </a:rPr>
+              <a:t> </a:t>
+            </a:r>
+          </a:p>
+          <a:p>
+            <a:pPr algn="ctr"/>
+            <a:r>
+              <a:rPr lang="de-CH" sz="1000" b="1" dirty="0">
+                <a:solidFill>
+                  <a:schemeClr val="tx1"/>
+                </a:solidFill>
+              </a:rPr>
+              <a:t>New Class</a:t>
+            </a:r>
+            <a:endParaRPr lang="de-CH" sz="1000" dirty="0">
+              <a:solidFill>
+                <a:schemeClr val="tx1"/>
+              </a:solidFill>
+            </a:endParaRPr>
+          </a:p>
+        </p:txBody>
+      </p:sp>
+      <p:cxnSp>
+        <p:nvCxnSpPr>
+          <p:cNvPr id="49" name="Gerade Verbindung mit Pfeil 48">
+            <a:extLst>
+              <a:ext uri="{FF2B5EF4-FFF2-40B4-BE49-F238E27FC236}">
+                <a16:creationId xmlns:a16="http://schemas.microsoft.com/office/drawing/2014/main" id="{0E7E0933-9C73-4887-ABDE-15A4B1837F4C}"/>
+              </a:ext>
+            </a:extLst>
+          </p:cNvPr>
+          <p:cNvCxnSpPr>
+            <a:cxnSpLocks/>
+          </p:cNvCxnSpPr>
+          <p:nvPr/>
+        </p:nvCxnSpPr>
+        <p:spPr>
+          <a:xfrm flipV="1">
+            <a:off x="762000" y="2564818"/>
+            <a:ext cx="1548550" cy="2879022"/>
+          </a:xfrm>
+          <a:prstGeom prst="straightConnector1">
+            <a:avLst/>
+          </a:prstGeom>
+          <a:ln w="25400">
+            <a:solidFill>
+              <a:schemeClr val="accent2">
+                <a:lumMod val="75000"/>
+              </a:schemeClr>
+            </a:solidFill>
+            <a:tailEnd type="triangle"/>
+          </a:ln>
+        </p:spPr>
+        <p:style>
+          <a:lnRef idx="1">
+            <a:schemeClr val="accent1"/>
+          </a:lnRef>
+          <a:fillRef idx="0">
+            <a:schemeClr val="accent1"/>
+          </a:fillRef>
+          <a:effectRef idx="0">
+            <a:schemeClr val="accent1"/>
+          </a:effectRef>
+          <a:fontRef idx="minor">
+            <a:schemeClr val="tx1"/>
+          </a:fontRef>
+        </p:style>
+      </p:cxnSp>
     </p:spTree>
     <p:extLst>
       <p:ext uri="{BB962C8B-B14F-4D97-AF65-F5344CB8AC3E}">
@@ -14381,12 +15028,31 @@
               <a:p>
                 <a:pPr algn="ctr"/>
                 <a:r>
+                  <a:rPr lang="de-CH" sz="1200" b="1" dirty="0" err="1">
+                    <a:solidFill>
+                      <a:schemeClr val="tx1"/>
+                    </a:solidFill>
+                  </a:rPr>
+                  <a:t>Xentis</a:t>
+                </a:r>
+                <a:r>
                   <a:rPr lang="de-CH" sz="1200" b="1" dirty="0">
                     <a:solidFill>
                       <a:schemeClr val="tx1"/>
                     </a:solidFill>
                   </a:rPr>
-                  <a:t>HOOKS</a:t>
+                  <a:t> </a:t>
+                </a:r>
+              </a:p>
+              <a:p>
+                <a:pPr algn="ctr"/>
+                <a:r>
+                  <a:rPr lang="de-CH" sz="1200" b="1" dirty="0" err="1">
+                    <a:solidFill>
+                      <a:schemeClr val="tx1"/>
+                    </a:solidFill>
+                  </a:rPr>
+                  <a:t>extension</a:t>
                 </a:r>
                 <a:endParaRPr lang="de-CH" sz="1200" dirty="0">
                   <a:solidFill>
@@ -14978,7 +15644,7 @@
         <p:spPr>
           <a:xfrm>
             <a:off x="529746" y="3209173"/>
-            <a:ext cx="5510656" cy="646331"/>
+            <a:ext cx="5510656" cy="1200329"/>
           </a:xfrm>
           <a:prstGeom prst="rect">
             <a:avLst/>
@@ -15048,7 +15714,7 @@
             </a:r>
             <a:r>
               <a:rPr lang="de-CH" dirty="0" err="1"/>
-              <a:t>get</a:t>
+              <a:t>depricate</a:t>
             </a:r>
             <a:r>
               <a:rPr lang="de-CH" dirty="0"/>
@@ -15056,28 +15722,46 @@
             </a:r>
             <a:r>
               <a:rPr lang="de-CH" dirty="0" err="1"/>
-              <a:t>rid</a:t>
-            </a:r>
-            <a:r>
-              <a:rPr lang="de-CH" dirty="0"/>
-              <a:t> </a:t>
-            </a:r>
-            <a:r>
-              <a:rPr lang="de-CH" dirty="0" err="1"/>
-              <a:t>of</a:t>
-            </a:r>
-            <a:r>
-              <a:rPr lang="de-CH" dirty="0"/>
-              <a:t> </a:t>
-            </a:r>
-            <a:r>
-              <a:rPr lang="de-CH" dirty="0" err="1"/>
               <a:t>Xentis</a:t>
             </a:r>
             <a:r>
               <a:rPr lang="de-CH" dirty="0"/>
               <a:t> XMON</a:t>
             </a:r>
+          </a:p>
+          <a:p>
+            <a:pPr marL="742950" lvl="1" indent="-285750">
+              <a:buFont typeface="Arial" panose="020B0604020202020204" pitchFamily="34" charset="0"/>
+              <a:buChar char="•"/>
+            </a:pPr>
+            <a:r>
+              <a:rPr lang="de-CH" dirty="0"/>
+              <a:t>Final Report </a:t>
+            </a:r>
+            <a:r>
+              <a:rPr lang="de-CH" dirty="0" err="1"/>
+              <a:t>Statistics</a:t>
+            </a:r>
+            <a:endParaRPr lang="de-CH" dirty="0"/>
+          </a:p>
+          <a:p>
+            <a:pPr marL="742950" lvl="1" indent="-285750">
+              <a:buFont typeface="Arial" panose="020B0604020202020204" pitchFamily="34" charset="0"/>
+              <a:buChar char="•"/>
+            </a:pPr>
+            <a:r>
+              <a:rPr lang="de-CH" dirty="0" err="1"/>
+              <a:t>Current</a:t>
+            </a:r>
+            <a:r>
+              <a:rPr lang="de-CH" dirty="0"/>
+              <a:t> DB </a:t>
+            </a:r>
+            <a:r>
+              <a:rPr lang="de-CH" dirty="0" err="1"/>
+              <a:t>locks</a:t>
+            </a:r>
+            <a:endParaRPr lang="de-CH" dirty="0"/>
           </a:p>
         </p:txBody>
       </p:sp>
@@ -15116,7 +15800,7 @@
           <p:spPr>
             <a:xfrm>
               <a:off x="529746" y="4702690"/>
-              <a:ext cx="5510656" cy="646331"/>
+              <a:ext cx="5510656" cy="923330"/>
             </a:xfrm>
             <a:prstGeom prst="rect">
               <a:avLst/>
@@ -15153,8 +15837,79 @@
                 <a:buChar char="•"/>
               </a:pPr>
               <a:r>
+                <a:rPr lang="de-CH" dirty="0" err="1"/>
+                <a:t>Exapand</a:t>
+              </a:r>
+              <a:r>
                 <a:rPr lang="de-CH" dirty="0"/>
-                <a:t>Put off </a:t>
+                <a:t> </a:t>
+              </a:r>
+              <a:r>
+                <a:rPr lang="de-CH" dirty="0" err="1"/>
+                <a:t>further</a:t>
+              </a:r>
+              <a:r>
+                <a:rPr lang="de-CH" dirty="0"/>
+                <a:t> in </a:t>
+              </a:r>
+              <a:r>
+                <a:rPr lang="de-CH" dirty="0" err="1"/>
+                <a:t>order</a:t>
+              </a:r>
+              <a:r>
+                <a:rPr lang="de-CH" dirty="0"/>
+                <a:t> </a:t>
+              </a:r>
+              <a:r>
+                <a:rPr lang="de-CH" dirty="0" err="1"/>
+                <a:t>to</a:t>
+              </a:r>
+              <a:r>
+                <a:rPr lang="de-CH" dirty="0"/>
+                <a:t> </a:t>
+              </a:r>
+              <a:r>
+                <a:rPr lang="de-CH" dirty="0" err="1"/>
+                <a:t>be</a:t>
+              </a:r>
+              <a:r>
+                <a:rPr lang="de-CH" dirty="0"/>
+                <a:t> </a:t>
+              </a:r>
+              <a:r>
+                <a:rPr lang="de-CH" dirty="0" err="1"/>
+                <a:t>able</a:t>
+              </a:r>
+              <a:r>
+                <a:rPr lang="de-CH" dirty="0"/>
+                <a:t> </a:t>
+              </a:r>
+              <a:r>
+                <a:rPr lang="de-CH" dirty="0" err="1"/>
+                <a:t>to</a:t>
+              </a:r>
+              <a:r>
+                <a:rPr lang="de-CH" dirty="0"/>
+                <a:t> </a:t>
+              </a:r>
+              <a:r>
+                <a:rPr lang="de-CH" dirty="0" err="1"/>
+                <a:t>finally</a:t>
+              </a:r>
+              <a:r>
+                <a:rPr lang="de-CH" dirty="0"/>
+                <a:t> </a:t>
+              </a:r>
+              <a:r>
+                <a:rPr lang="de-CH" dirty="0" err="1"/>
+                <a:t>put</a:t>
+              </a:r>
+              <a:endParaRPr lang="de-CH" dirty="0"/>
+            </a:p>
+            <a:p>
+              <a:r>
+                <a:rPr lang="de-CH" dirty="0"/>
+                <a:t>      off XMON in </a:t>
               </a:r>
               <a:r>
                 <a:rPr lang="de-CH" dirty="0" err="1"/>
@@ -15479,7 +16234,7 @@
                       <a:schemeClr val="tx1"/>
                     </a:solidFill>
                   </a:rPr>
-                  <a:t>XNON</a:t>
+                  <a:t>XMON</a:t>
                 </a:r>
               </a:p>
               <a:p>
@@ -15556,12 +16311,31 @@
               <a:p>
                 <a:pPr algn="ctr"/>
                 <a:r>
+                  <a:rPr lang="de-CH" sz="1200" b="1" dirty="0" err="1">
+                    <a:solidFill>
+                      <a:schemeClr val="tx1"/>
+                    </a:solidFill>
+                  </a:rPr>
+                  <a:t>Xentis</a:t>
+                </a:r>
+                <a:r>
                   <a:rPr lang="de-CH" sz="1200" b="1" dirty="0">
                     <a:solidFill>
                       <a:schemeClr val="tx1"/>
                     </a:solidFill>
                   </a:rPr>
-                  <a:t>HOOKS</a:t>
+                  <a:t> </a:t>
+                </a:r>
+              </a:p>
+              <a:p>
+                <a:pPr algn="ctr"/>
+                <a:r>
+                  <a:rPr lang="de-CH" sz="1200" b="1" dirty="0" err="1">
+                    <a:solidFill>
+                      <a:schemeClr val="tx1"/>
+                    </a:solidFill>
+                  </a:rPr>
+                  <a:t>extension</a:t>
                 </a:r>
                 <a:endParaRPr lang="de-CH" sz="1200" dirty="0">
                   <a:solidFill>
@@ -16426,13 +17200,8 @@
             </a:r>
             <a:r>
               <a:rPr lang="de-CH" dirty="0"/>
-              <a:t> Monitoring -  </a:t>
-            </a:r>
-            <a:r>
-              <a:rPr lang="de-CH" dirty="0" err="1"/>
-              <a:t>aim</a:t>
-            </a:r>
-            <a:endParaRPr lang="de-CH" dirty="0"/>
+              <a:t> Monitoring -  NEXT STEPS</a:t>
+            </a:r>
           </a:p>
         </p:txBody>
       </p:sp>
@@ -16450,8 +17219,8 @@
         </p:nvSpPr>
         <p:spPr>
           <a:xfrm>
-            <a:off x="563527" y="1184366"/>
-            <a:ext cx="10898372" cy="5155457"/>
+            <a:off x="563527" y="1184367"/>
+            <a:ext cx="10898372" cy="2076070"/>
           </a:xfrm>
           <a:prstGeom prst="roundRect">
             <a:avLst/>
@@ -16487,7 +17256,7 @@
                   </a:outerShdw>
                 </a:effectLst>
               </a:rPr>
-              <a:t>Open Items </a:t>
+              <a:t>Next </a:t>
             </a:r>
             <a:r>
               <a:rPr lang="de-DE" sz="1600" dirty="0" err="1">
@@ -16499,55 +17268,7 @@
                   </a:outerShdw>
                 </a:effectLst>
               </a:rPr>
-              <a:t>to</a:t>
-            </a:r>
-            <a:r>
-              <a:rPr lang="de-DE" sz="1600" dirty="0">
-                <a:effectLst>
-                  <a:outerShdw blurRad="38100" dist="38100" dir="2700000" algn="tl">
-                    <a:srgbClr val="000000">
-                      <a:alpha val="43137"/>
-                    </a:srgbClr>
-                  </a:outerShdw>
-                </a:effectLst>
-              </a:rPr>
-              <a:t> </a:t>
-            </a:r>
-            <a:r>
-              <a:rPr lang="de-DE" sz="1600" dirty="0" err="1">
-                <a:effectLst>
-                  <a:outerShdw blurRad="38100" dist="38100" dir="2700000" algn="tl">
-                    <a:srgbClr val="000000">
-                      <a:alpha val="43137"/>
-                    </a:srgbClr>
-                  </a:outerShdw>
-                </a:effectLst>
-              </a:rPr>
-              <a:t>be</a:t>
-            </a:r>
-            <a:r>
-              <a:rPr lang="de-DE" sz="1600" dirty="0">
-                <a:effectLst>
-                  <a:outerShdw blurRad="38100" dist="38100" dir="2700000" algn="tl">
-                    <a:srgbClr val="000000">
-                      <a:alpha val="43137"/>
-                    </a:srgbClr>
-                  </a:outerShdw>
-                </a:effectLst>
-              </a:rPr>
-              <a:t> </a:t>
-            </a:r>
-            <a:r>
-              <a:rPr lang="de-DE" sz="1600" dirty="0" err="1">
-                <a:effectLst>
-                  <a:outerShdw blurRad="38100" dist="38100" dir="2700000" algn="tl">
-                    <a:srgbClr val="000000">
-                      <a:alpha val="43137"/>
-                    </a:srgbClr>
-                  </a:outerShdw>
-                </a:effectLst>
-              </a:rPr>
-              <a:t>Clarified</a:t>
+              <a:t>Steps</a:t>
             </a:r>
             <a:r>
               <a:rPr lang="de-DE" sz="1600" dirty="0">
@@ -16570,9 +17291,133 @@
               <a:buAutoNum type="arabicParenR"/>
             </a:pPr>
             <a:r>
+              <a:rPr lang="de-DE" sz="1400" dirty="0" err="1"/>
+              <a:t>Present</a:t>
+            </a:r>
+            <a:r>
               <a:rPr lang="de-DE" sz="1400" dirty="0"/>
-              <a:t>Housekeeping:</a:t>
-            </a:r>
+              <a:t> </a:t>
+            </a:r>
+            <a:r>
+              <a:rPr lang="de-DE" sz="1400" dirty="0" err="1"/>
+              <a:t>this</a:t>
+            </a:r>
+            <a:r>
+              <a:rPr lang="de-DE" sz="1400" dirty="0"/>
+              <a:t> (</a:t>
+            </a:r>
+            <a:r>
+              <a:rPr lang="de-DE" sz="1400" dirty="0" err="1"/>
+              <a:t>without</a:t>
+            </a:r>
+            <a:r>
+              <a:rPr lang="de-DE" sz="1400" dirty="0"/>
+              <a:t> Risk Slide) </a:t>
+            </a:r>
+            <a:r>
+              <a:rPr lang="de-DE" sz="1400" dirty="0" err="1"/>
+              <a:t>to</a:t>
+            </a:r>
+            <a:r>
+              <a:rPr lang="de-DE" sz="1400" dirty="0"/>
+              <a:t> UI and </a:t>
+            </a:r>
+            <a:r>
+              <a:rPr lang="de-DE" sz="1400" dirty="0" err="1"/>
+              <a:t>get</a:t>
+            </a:r>
+            <a:r>
+              <a:rPr lang="de-DE" sz="1400" dirty="0"/>
+              <a:t> </a:t>
+            </a:r>
+            <a:r>
+              <a:rPr lang="de-DE" sz="1400" dirty="0" err="1"/>
+              <a:t>his</a:t>
+            </a:r>
+            <a:r>
+              <a:rPr lang="de-DE" sz="1400" dirty="0"/>
+              <a:t> </a:t>
+            </a:r>
+            <a:r>
+              <a:rPr lang="de-DE" sz="1400" dirty="0" err="1"/>
+              <a:t>agreement</a:t>
+            </a:r>
+            <a:r>
+              <a:rPr lang="de-DE" sz="1400" dirty="0"/>
+              <a:t> on </a:t>
+            </a:r>
+            <a:r>
+              <a:rPr lang="de-DE" sz="1400" dirty="0" err="1"/>
+              <a:t>the</a:t>
+            </a:r>
+            <a:r>
+              <a:rPr lang="de-DE" sz="1400" dirty="0"/>
+              <a:t> </a:t>
+            </a:r>
+            <a:r>
+              <a:rPr lang="de-DE" sz="1400" dirty="0" err="1"/>
+              <a:t>Idea</a:t>
+            </a:r>
+            <a:r>
+              <a:rPr lang="de-DE" sz="1400" dirty="0"/>
+              <a:t> </a:t>
+            </a:r>
+            <a:r>
+              <a:rPr lang="de-DE" sz="1400" dirty="0" err="1"/>
+              <a:t>of</a:t>
+            </a:r>
+            <a:r>
+              <a:rPr lang="de-DE" sz="1400" dirty="0"/>
+              <a:t> </a:t>
+            </a:r>
+            <a:r>
+              <a:rPr lang="de-DE" sz="1400" dirty="0" err="1"/>
+              <a:t>docker</a:t>
+            </a:r>
+            <a:r>
+              <a:rPr lang="de-DE" sz="1400" dirty="0"/>
+              <a:t>/</a:t>
+            </a:r>
+            <a:r>
+              <a:rPr lang="de-DE" sz="1400" dirty="0" err="1"/>
+              <a:t>Redhat</a:t>
+            </a:r>
+            <a:r>
+              <a:rPr lang="de-DE" sz="1400" dirty="0"/>
+              <a:t>/Host </a:t>
+            </a:r>
+            <a:r>
+              <a:rPr lang="de-DE" sz="1400" dirty="0" err="1"/>
+              <a:t>based</a:t>
+            </a:r>
+            <a:r>
+              <a:rPr lang="de-DE" sz="1400" dirty="0"/>
+              <a:t> on VM</a:t>
+            </a:r>
+          </a:p>
+          <a:p>
+            <a:pPr marL="342900" indent="-342900">
+              <a:buAutoNum type="arabicParenR"/>
+            </a:pPr>
+            <a:endParaRPr lang="de-DE" sz="1400" dirty="0"/>
+          </a:p>
+          <a:p>
+            <a:pPr marL="342900" indent="-342900">
+              <a:buAutoNum type="arabicParenR"/>
+            </a:pPr>
+            <a:r>
+              <a:rPr lang="de-DE" sz="1400" dirty="0" err="1"/>
+              <a:t>Define</a:t>
+            </a:r>
+            <a:r>
+              <a:rPr lang="de-DE" sz="1400" dirty="0"/>
+              <a:t> </a:t>
+            </a:r>
+            <a:r>
+              <a:rPr lang="de-DE" sz="1400" dirty="0" err="1"/>
+              <a:t>Responsibilties</a:t>
+            </a:r>
+            <a:endParaRPr lang="de-DE" sz="1400" dirty="0"/>
           </a:p>
           <a:p>
             <a:pPr marL="800100" lvl="1" indent="-342900">
@@ -16580,88 +17425,22 @@
               <a:buChar char="•"/>
             </a:pPr>
             <a:r>
-              <a:rPr lang="de-DE" sz="1400" dirty="0" err="1">
+              <a:rPr lang="de-CH" sz="1400" dirty="0">
                 <a:sym typeface="Wingdings" panose="05000000000000000000" pitchFamily="2" charset="2"/>
               </a:rPr>
-              <a:t>How</a:t>
-            </a:r>
-            <a:r>
-              <a:rPr lang="de-DE" sz="1400" dirty="0">
+              <a:t>Licence </a:t>
+            </a:r>
+            <a:r>
+              <a:rPr lang="de-CH" sz="1400" dirty="0" err="1">
                 <a:sym typeface="Wingdings" panose="05000000000000000000" pitchFamily="2" charset="2"/>
               </a:rPr>
-              <a:t> </a:t>
-            </a:r>
-            <a:r>
-              <a:rPr lang="de-DE" sz="1400" dirty="0" err="1">
+              <a:t>Responsability</a:t>
+            </a:r>
+            <a:r>
+              <a:rPr lang="de-CH" sz="1400" dirty="0">
                 <a:sym typeface="Wingdings" panose="05000000000000000000" pitchFamily="2" charset="2"/>
               </a:rPr>
-              <a:t>long</a:t>
-            </a:r>
-            <a:r>
-              <a:rPr lang="de-DE" sz="1400" dirty="0">
-                <a:sym typeface="Wingdings" panose="05000000000000000000" pitchFamily="2" charset="2"/>
-              </a:rPr>
-              <a:t> do </a:t>
-            </a:r>
-            <a:r>
-              <a:rPr lang="de-DE" sz="1400" dirty="0" err="1">
-                <a:sym typeface="Wingdings" panose="05000000000000000000" pitchFamily="2" charset="2"/>
-              </a:rPr>
-              <a:t>we</a:t>
-            </a:r>
-            <a:r>
-              <a:rPr lang="de-DE" sz="1400" dirty="0">
-                <a:sym typeface="Wingdings" panose="05000000000000000000" pitchFamily="2" charset="2"/>
-              </a:rPr>
-              <a:t> </a:t>
-            </a:r>
-            <a:r>
-              <a:rPr lang="de-DE" sz="1400" dirty="0" err="1">
-                <a:sym typeface="Wingdings" panose="05000000000000000000" pitchFamily="2" charset="2"/>
-              </a:rPr>
-              <a:t>have</a:t>
-            </a:r>
-            <a:r>
-              <a:rPr lang="de-DE" sz="1400" dirty="0">
-                <a:sym typeface="Wingdings" panose="05000000000000000000" pitchFamily="2" charset="2"/>
-              </a:rPr>
-              <a:t> </a:t>
-            </a:r>
-            <a:r>
-              <a:rPr lang="de-DE" sz="1400" dirty="0" err="1">
-                <a:sym typeface="Wingdings" panose="05000000000000000000" pitchFamily="2" charset="2"/>
-              </a:rPr>
-              <a:t>to</a:t>
-            </a:r>
-            <a:r>
-              <a:rPr lang="de-DE" sz="1400" dirty="0">
-                <a:sym typeface="Wingdings" panose="05000000000000000000" pitchFamily="2" charset="2"/>
-              </a:rPr>
-              <a:t> </a:t>
-            </a:r>
-            <a:r>
-              <a:rPr lang="de-DE" sz="1400" dirty="0" err="1">
-                <a:sym typeface="Wingdings" panose="05000000000000000000" pitchFamily="2" charset="2"/>
-              </a:rPr>
-              <a:t>keep</a:t>
-            </a:r>
-            <a:r>
-              <a:rPr lang="de-DE" sz="1400" dirty="0">
-                <a:sym typeface="Wingdings" panose="05000000000000000000" pitchFamily="2" charset="2"/>
-              </a:rPr>
-              <a:t> </a:t>
-            </a:r>
-            <a:r>
-              <a:rPr lang="de-DE" sz="1400" dirty="0" err="1">
-                <a:sym typeface="Wingdings" panose="05000000000000000000" pitchFamily="2" charset="2"/>
-              </a:rPr>
-              <a:t>the</a:t>
-            </a:r>
-            <a:r>
-              <a:rPr lang="de-DE" sz="1400" dirty="0">
-                <a:sym typeface="Wingdings" panose="05000000000000000000" pitchFamily="2" charset="2"/>
-              </a:rPr>
-              <a:t> Data?</a:t>
+              <a:t> (REL 7.3)</a:t>
             </a:r>
           </a:p>
           <a:p>
@@ -16670,264 +17449,44 @@
               <a:buChar char="•"/>
             </a:pPr>
             <a:r>
-              <a:rPr lang="de-DE" sz="1400" dirty="0" err="1">
-                <a:sym typeface="Wingdings" panose="05000000000000000000" pitchFamily="2" charset="2"/>
-              </a:rPr>
-              <a:t>How</a:t>
-            </a:r>
-            <a:r>
-              <a:rPr lang="de-DE" sz="1400" dirty="0">
-                <a:sym typeface="Wingdings" panose="05000000000000000000" pitchFamily="2" charset="2"/>
-              </a:rPr>
-              <a:t> will </a:t>
-            </a:r>
-            <a:r>
-              <a:rPr lang="de-DE" sz="1400" dirty="0" err="1">
-                <a:sym typeface="Wingdings" panose="05000000000000000000" pitchFamily="2" charset="2"/>
-              </a:rPr>
-              <a:t>the</a:t>
-            </a:r>
-            <a:r>
-              <a:rPr lang="de-DE" sz="1400" dirty="0">
-                <a:sym typeface="Wingdings" panose="05000000000000000000" pitchFamily="2" charset="2"/>
-              </a:rPr>
+              <a:rPr lang="de-DE" sz="1400" dirty="0"/>
+              <a:t>Who </a:t>
+            </a:r>
+            <a:r>
+              <a:rPr lang="de-DE" sz="1400" dirty="0" err="1"/>
+              <a:t>is</a:t>
+            </a:r>
+            <a:r>
+              <a:rPr lang="de-DE" sz="1400" dirty="0"/>
               <a:t> </a:t>
             </a:r>
             <a:r>
-              <a:rPr lang="de-DE" sz="1400" dirty="0" err="1">
-                <a:sym typeface="Wingdings" panose="05000000000000000000" pitchFamily="2" charset="2"/>
-              </a:rPr>
-              <a:t>housekeeping</a:t>
-            </a:r>
-            <a:r>
-              <a:rPr lang="de-DE" sz="1400" dirty="0">
-                <a:sym typeface="Wingdings" panose="05000000000000000000" pitchFamily="2" charset="2"/>
-              </a:rPr>
+              <a:rPr lang="de-DE" sz="1400" dirty="0" err="1"/>
+              <a:t>managing</a:t>
+            </a:r>
+            <a:r>
+              <a:rPr lang="de-DE" sz="1400" dirty="0"/>
               <a:t> </a:t>
             </a:r>
             <a:r>
-              <a:rPr lang="de-DE" sz="1400" dirty="0" err="1">
-                <a:sym typeface="Wingdings" panose="05000000000000000000" pitchFamily="2" charset="2"/>
-              </a:rPr>
-              <a:t>be</a:t>
-            </a:r>
-            <a:r>
-              <a:rPr lang="de-DE" sz="1400" dirty="0">
-                <a:sym typeface="Wingdings" panose="05000000000000000000" pitchFamily="2" charset="2"/>
-              </a:rPr>
-              <a:t> </a:t>
-            </a:r>
-            <a:r>
-              <a:rPr lang="de-DE" sz="1400" dirty="0" err="1">
-                <a:sym typeface="Wingdings" panose="05000000000000000000" pitchFamily="2" charset="2"/>
-              </a:rPr>
-              <a:t>done</a:t>
-            </a:r>
-            <a:r>
-              <a:rPr lang="de-DE" sz="1400" dirty="0">
-                <a:sym typeface="Wingdings" panose="05000000000000000000" pitchFamily="2" charset="2"/>
-              </a:rPr>
-              <a:t> on Graphite and </a:t>
-            </a:r>
-            <a:r>
-              <a:rPr lang="de-DE" sz="1400" dirty="0" err="1">
-                <a:sym typeface="Wingdings" panose="05000000000000000000" pitchFamily="2" charset="2"/>
-              </a:rPr>
-              <a:t>ElasticSearch</a:t>
-            </a:r>
-            <a:r>
-              <a:rPr lang="de-DE" sz="1400" dirty="0">
-                <a:sym typeface="Wingdings" panose="05000000000000000000" pitchFamily="2" charset="2"/>
-              </a:rPr>
-              <a:t>?   </a:t>
-            </a:r>
-          </a:p>
-          <a:p>
-            <a:pPr marL="800100" lvl="1" indent="-342900">
-              <a:buFont typeface="Arial" panose="020B0604020202020204" pitchFamily="34" charset="0"/>
-              <a:buChar char="•"/>
-            </a:pPr>
-            <a:endParaRPr lang="de-DE" sz="1400" dirty="0">
-              <a:sym typeface="Wingdings" panose="05000000000000000000" pitchFamily="2" charset="2"/>
-            </a:endParaRPr>
-          </a:p>
-          <a:p>
-            <a:pPr marL="342900" indent="-342900">
-              <a:buAutoNum type="arabicParenR" startAt="2"/>
-            </a:pPr>
-            <a:r>
-              <a:rPr lang="de-CH" sz="1400" dirty="0">
-                <a:sym typeface="Wingdings" panose="05000000000000000000" pitchFamily="2" charset="2"/>
-              </a:rPr>
-              <a:t>Agreement </a:t>
-            </a:r>
-            <a:r>
-              <a:rPr lang="de-CH" sz="1400" dirty="0" err="1">
-                <a:sym typeface="Wingdings" panose="05000000000000000000" pitchFamily="2" charset="2"/>
-              </a:rPr>
-              <a:t>of</a:t>
-            </a:r>
-            <a:r>
-              <a:rPr lang="de-CH" sz="1400" dirty="0">
-                <a:sym typeface="Wingdings" panose="05000000000000000000" pitchFamily="2" charset="2"/>
-              </a:rPr>
-              <a:t> </a:t>
-            </a:r>
-            <a:r>
-              <a:rPr lang="de-CH" sz="1400" dirty="0" err="1">
-                <a:sym typeface="Wingdings" panose="05000000000000000000" pitchFamily="2" charset="2"/>
-              </a:rPr>
-              <a:t>the</a:t>
-            </a:r>
-            <a:r>
-              <a:rPr lang="de-CH" sz="1400" dirty="0">
-                <a:sym typeface="Wingdings" panose="05000000000000000000" pitchFamily="2" charset="2"/>
-              </a:rPr>
-              <a:t> Customers</a:t>
-            </a:r>
+              <a:rPr lang="de-DE" sz="1400" dirty="0" err="1"/>
+              <a:t>docker</a:t>
+            </a:r>
+            <a:r>
+              <a:rPr lang="de-DE" sz="1400" dirty="0"/>
+              <a:t> host</a:t>
+            </a:r>
+          </a:p>
+          <a:p>
+            <a:endParaRPr lang="de-DE" sz="1400" dirty="0"/>
           </a:p>
           <a:p>
             <a:pPr lvl="1"/>
-            <a:endParaRPr lang="de-CH" sz="1400" dirty="0">
-              <a:sym typeface="Wingdings" panose="05000000000000000000" pitchFamily="2" charset="2"/>
-            </a:endParaRPr>
-          </a:p>
-          <a:p>
-            <a:pPr marL="342900" indent="-342900">
-              <a:buAutoNum type="arabicParenR" startAt="3"/>
-            </a:pPr>
-            <a:r>
-              <a:rPr lang="de-CH" sz="1400" dirty="0" err="1">
-                <a:sym typeface="Wingdings" panose="05000000000000000000" pitchFamily="2" charset="2"/>
-              </a:rPr>
-              <a:t>How</a:t>
-            </a:r>
-            <a:r>
-              <a:rPr lang="de-CH" sz="1400" dirty="0">
-                <a:sym typeface="Wingdings" panose="05000000000000000000" pitchFamily="2" charset="2"/>
-              </a:rPr>
-              <a:t> </a:t>
-            </a:r>
-            <a:r>
-              <a:rPr lang="de-CH" sz="1400" dirty="0" err="1">
-                <a:sym typeface="Wingdings" panose="05000000000000000000" pitchFamily="2" charset="2"/>
-              </a:rPr>
-              <a:t>to</a:t>
-            </a:r>
-            <a:r>
-              <a:rPr lang="de-CH" sz="1400" dirty="0">
-                <a:sym typeface="Wingdings" panose="05000000000000000000" pitchFamily="2" charset="2"/>
-              </a:rPr>
-              <a:t> </a:t>
-            </a:r>
-            <a:r>
-              <a:rPr lang="de-CH" sz="1400" dirty="0" err="1">
-                <a:sym typeface="Wingdings" panose="05000000000000000000" pitchFamily="2" charset="2"/>
-              </a:rPr>
-              <a:t>deliver</a:t>
-            </a:r>
-            <a:r>
-              <a:rPr lang="de-CH" sz="1400" dirty="0">
-                <a:sym typeface="Wingdings" panose="05000000000000000000" pitchFamily="2" charset="2"/>
-              </a:rPr>
-              <a:t> Monitoring Instance  </a:t>
-            </a:r>
-            <a:r>
-              <a:rPr lang="de-CH" sz="1400" dirty="0" err="1">
-                <a:sym typeface="Wingdings" panose="05000000000000000000" pitchFamily="2" charset="2"/>
-              </a:rPr>
-              <a:t>seperate</a:t>
-            </a:r>
-            <a:r>
-              <a:rPr lang="de-CH" sz="1400" dirty="0">
-                <a:sym typeface="Wingdings" panose="05000000000000000000" pitchFamily="2" charset="2"/>
-              </a:rPr>
-              <a:t> Task after </a:t>
-            </a:r>
-            <a:r>
-              <a:rPr lang="de-CH" sz="1400" dirty="0" err="1">
-                <a:sym typeface="Wingdings" panose="05000000000000000000" pitchFamily="2" charset="2"/>
-              </a:rPr>
-              <a:t>rollout</a:t>
-            </a:r>
-            <a:r>
-              <a:rPr lang="de-CH" sz="1400" dirty="0">
-                <a:sym typeface="Wingdings" panose="05000000000000000000" pitchFamily="2" charset="2"/>
-              </a:rPr>
-              <a:t> </a:t>
-            </a:r>
-            <a:r>
-              <a:rPr lang="de-CH" sz="1400" dirty="0" err="1">
-                <a:sym typeface="Wingdings" panose="05000000000000000000" pitchFamily="2" charset="2"/>
-              </a:rPr>
-              <a:t>of</a:t>
-            </a:r>
-            <a:r>
-              <a:rPr lang="de-CH" sz="1400" dirty="0">
-                <a:sym typeface="Wingdings" panose="05000000000000000000" pitchFamily="2" charset="2"/>
-              </a:rPr>
-              <a:t> XENTIS 5.5?</a:t>
-            </a:r>
-          </a:p>
-          <a:p>
-            <a:pPr marL="800100" lvl="1" indent="-342900">
-              <a:buFont typeface="Arial" panose="020B0604020202020204" pitchFamily="34" charset="0"/>
-              <a:buChar char="•"/>
-            </a:pPr>
-            <a:r>
-              <a:rPr lang="de-CH" sz="1400" dirty="0">
-                <a:sym typeface="Wingdings" panose="05000000000000000000" pitchFamily="2" charset="2"/>
-              </a:rPr>
-              <a:t>Setup Monitor VM</a:t>
-            </a:r>
-          </a:p>
-          <a:p>
-            <a:pPr marL="800100" lvl="1" indent="-342900">
-              <a:buFont typeface="Arial" panose="020B0604020202020204" pitchFamily="34" charset="0"/>
-              <a:buChar char="•"/>
-            </a:pPr>
-            <a:r>
-              <a:rPr lang="de-CH" sz="1400" dirty="0">
-                <a:sym typeface="Wingdings" panose="05000000000000000000" pitchFamily="2" charset="2"/>
-              </a:rPr>
-              <a:t>Setup </a:t>
-            </a:r>
-            <a:r>
-              <a:rPr lang="de-CH" sz="1400" dirty="0" err="1">
-                <a:sym typeface="Wingdings" panose="05000000000000000000" pitchFamily="2" charset="2"/>
-              </a:rPr>
-              <a:t>collectd</a:t>
-            </a:r>
-            <a:endParaRPr lang="de-CH" sz="1400" dirty="0">
-              <a:sym typeface="Wingdings" panose="05000000000000000000" pitchFamily="2" charset="2"/>
-            </a:endParaRPr>
-          </a:p>
-          <a:p>
-            <a:pPr marL="800100" lvl="1" indent="-342900">
-              <a:buFont typeface="Arial" panose="020B0604020202020204" pitchFamily="34" charset="0"/>
-              <a:buChar char="•"/>
-            </a:pPr>
-            <a:r>
-              <a:rPr lang="de-CH" sz="1400" dirty="0" err="1">
-                <a:sym typeface="Wingdings" panose="05000000000000000000" pitchFamily="2" charset="2"/>
-              </a:rPr>
-              <a:t>Enable</a:t>
-            </a:r>
-            <a:r>
-              <a:rPr lang="de-CH" sz="1400" dirty="0">
-                <a:sym typeface="Wingdings" panose="05000000000000000000" pitchFamily="2" charset="2"/>
-              </a:rPr>
-              <a:t> Monitoring vom </a:t>
-            </a:r>
-            <a:r>
-              <a:rPr lang="de-CH" sz="1400" dirty="0" err="1">
-                <a:sym typeface="Wingdings" panose="05000000000000000000" pitchFamily="2" charset="2"/>
-              </a:rPr>
-              <a:t>Xentis</a:t>
-            </a:r>
-            <a:endParaRPr lang="de-DE" sz="1400" dirty="0">
-              <a:sym typeface="Wingdings" panose="05000000000000000000" pitchFamily="2" charset="2"/>
-            </a:endParaRPr>
+            <a:endParaRPr lang="de-DE" sz="1400" dirty="0"/>
+          </a:p>
+          <a:p>
+            <a:pPr lvl="1"/>
+            <a:endParaRPr lang="de-DE" sz="1400" dirty="0"/>
           </a:p>
         </p:txBody>
       </p:sp>

--- a/XENTIS-Monitoring.pptx
+++ b/XENTIS-Monitoring.pptx
@@ -273,7 +273,7 @@
           <a:p>
             <a:fld id="{10014CDF-9FE5-4E1C-8A78-84758F72220B}" type="datetimeFigureOut">
               <a:rPr lang="de-CH" smtClean="0"/>
-              <a:t>18.07.2017</a:t>
+              <a:t>19.07.2017</a:t>
             </a:fld>
             <a:endParaRPr lang="de-CH"/>
           </a:p>
@@ -473,7 +473,7 @@
           <a:p>
             <a:fld id="{10014CDF-9FE5-4E1C-8A78-84758F72220B}" type="datetimeFigureOut">
               <a:rPr lang="de-CH" smtClean="0"/>
-              <a:t>18.07.2017</a:t>
+              <a:t>19.07.2017</a:t>
             </a:fld>
             <a:endParaRPr lang="de-CH"/>
           </a:p>
@@ -683,7 +683,7 @@
           <a:p>
             <a:fld id="{10014CDF-9FE5-4E1C-8A78-84758F72220B}" type="datetimeFigureOut">
               <a:rPr lang="de-CH" smtClean="0"/>
-              <a:t>18.07.2017</a:t>
+              <a:t>19.07.2017</a:t>
             </a:fld>
             <a:endParaRPr lang="de-CH"/>
           </a:p>
@@ -1373,7 +1373,7 @@
           <a:p>
             <a:fld id="{10014CDF-9FE5-4E1C-8A78-84758F72220B}" type="datetimeFigureOut">
               <a:rPr lang="de-CH" smtClean="0"/>
-              <a:t>18.07.2017</a:t>
+              <a:t>19.07.2017</a:t>
             </a:fld>
             <a:endParaRPr lang="de-CH"/>
           </a:p>
@@ -1649,7 +1649,7 @@
           <a:p>
             <a:fld id="{10014CDF-9FE5-4E1C-8A78-84758F72220B}" type="datetimeFigureOut">
               <a:rPr lang="de-CH" smtClean="0"/>
-              <a:t>18.07.2017</a:t>
+              <a:t>19.07.2017</a:t>
             </a:fld>
             <a:endParaRPr lang="de-CH"/>
           </a:p>
@@ -1917,7 +1917,7 @@
           <a:p>
             <a:fld id="{10014CDF-9FE5-4E1C-8A78-84758F72220B}" type="datetimeFigureOut">
               <a:rPr lang="de-CH" smtClean="0"/>
-              <a:t>18.07.2017</a:t>
+              <a:t>19.07.2017</a:t>
             </a:fld>
             <a:endParaRPr lang="de-CH"/>
           </a:p>
@@ -2332,7 +2332,7 @@
           <a:p>
             <a:fld id="{10014CDF-9FE5-4E1C-8A78-84758F72220B}" type="datetimeFigureOut">
               <a:rPr lang="de-CH" smtClean="0"/>
-              <a:t>18.07.2017</a:t>
+              <a:t>19.07.2017</a:t>
             </a:fld>
             <a:endParaRPr lang="de-CH"/>
           </a:p>
@@ -2474,7 +2474,7 @@
           <a:p>
             <a:fld id="{10014CDF-9FE5-4E1C-8A78-84758F72220B}" type="datetimeFigureOut">
               <a:rPr lang="de-CH" smtClean="0"/>
-              <a:t>18.07.2017</a:t>
+              <a:t>19.07.2017</a:t>
             </a:fld>
             <a:endParaRPr lang="de-CH"/>
           </a:p>
@@ -2587,7 +2587,7 @@
           <a:p>
             <a:fld id="{10014CDF-9FE5-4E1C-8A78-84758F72220B}" type="datetimeFigureOut">
               <a:rPr lang="de-CH" smtClean="0"/>
-              <a:t>18.07.2017</a:t>
+              <a:t>19.07.2017</a:t>
             </a:fld>
             <a:endParaRPr lang="de-CH"/>
           </a:p>
@@ -2900,7 +2900,7 @@
           <a:p>
             <a:fld id="{10014CDF-9FE5-4E1C-8A78-84758F72220B}" type="datetimeFigureOut">
               <a:rPr lang="de-CH" smtClean="0"/>
-              <a:t>18.07.2017</a:t>
+              <a:t>19.07.2017</a:t>
             </a:fld>
             <a:endParaRPr lang="de-CH"/>
           </a:p>
@@ -3189,7 +3189,7 @@
           <a:p>
             <a:fld id="{10014CDF-9FE5-4E1C-8A78-84758F72220B}" type="datetimeFigureOut">
               <a:rPr lang="de-CH" smtClean="0"/>
-              <a:t>18.07.2017</a:t>
+              <a:t>19.07.2017</a:t>
             </a:fld>
             <a:endParaRPr lang="de-CH"/>
           </a:p>
@@ -3432,7 +3432,7 @@
           <a:p>
             <a:fld id="{10014CDF-9FE5-4E1C-8A78-84758F72220B}" type="datetimeFigureOut">
               <a:rPr lang="de-CH" smtClean="0"/>
-              <a:t>18.07.2017</a:t>
+              <a:t>19.07.2017</a:t>
             </a:fld>
             <a:endParaRPr lang="de-CH"/>
           </a:p>
@@ -3948,7 +3948,7 @@
           <p:spPr>
             <a:xfrm>
               <a:off x="4986853" y="1050431"/>
-              <a:ext cx="5737917" cy="369332"/>
+              <a:ext cx="5445786" cy="369332"/>
             </a:xfrm>
             <a:prstGeom prst="rect">
               <a:avLst/>
@@ -3973,11 +3973,7 @@
                     </a:schemeClr>
                   </a:solidFill>
                 </a:rPr>
-                <a:t>VM</a:t>
-              </a:r>
-              <a:r>
-                <a:rPr lang="de-CH" dirty="0"/>
-                <a:t> Instance </a:t>
+                <a:t>Host (VM) </a:t>
               </a:r>
               <a:r>
                 <a:rPr lang="de-CH" dirty="0" err="1"/>
@@ -4498,10 +4494,10 @@
         </p:nvGrpSpPr>
         <p:grpSpPr>
           <a:xfrm>
-            <a:off x="5154985" y="1761888"/>
-            <a:ext cx="5743387" cy="1227221"/>
+            <a:off x="5154986" y="1761888"/>
+            <a:ext cx="5018384" cy="1227221"/>
             <a:chOff x="5154985" y="1761888"/>
-            <a:chExt cx="5743387" cy="1227221"/>
+            <a:chExt cx="5106733" cy="1227221"/>
           </a:xfrm>
         </p:grpSpPr>
         <p:sp>
@@ -4519,7 +4515,7 @@
           <p:spPr>
             <a:xfrm>
               <a:off x="5194351" y="1761888"/>
-              <a:ext cx="5704021" cy="1227221"/>
+              <a:ext cx="5067367" cy="1227221"/>
             </a:xfrm>
             <a:prstGeom prst="rect">
               <a:avLst/>
@@ -4693,7 +4689,7 @@
           </p:blipFill>
           <p:spPr>
             <a:xfrm>
-              <a:off x="9983972" y="1899452"/>
+              <a:off x="9347318" y="1899452"/>
               <a:ext cx="914400" cy="914400"/>
             </a:xfrm>
             <a:prstGeom prst="rect">
@@ -4762,9 +4758,9 @@
         <p:grpSpPr>
           <a:xfrm>
             <a:off x="5156261" y="3059131"/>
-            <a:ext cx="5780201" cy="1227221"/>
+            <a:ext cx="5022460" cy="1227221"/>
             <a:chOff x="5156261" y="3059131"/>
-            <a:chExt cx="5780201" cy="1227221"/>
+            <a:chExt cx="5110899" cy="1227221"/>
           </a:xfrm>
         </p:grpSpPr>
         <p:sp>
@@ -4782,7 +4778,7 @@
           <p:spPr>
             <a:xfrm>
               <a:off x="5194351" y="3059131"/>
-              <a:ext cx="5704021" cy="1227221"/>
+              <a:ext cx="5067364" cy="1227221"/>
             </a:xfrm>
             <a:prstGeom prst="rect">
               <a:avLst/>
@@ -4934,7 +4930,7 @@
           </p:blipFill>
           <p:spPr>
             <a:xfrm>
-              <a:off x="10022062" y="3177365"/>
+              <a:off x="9352760" y="3177365"/>
               <a:ext cx="914400" cy="914400"/>
             </a:xfrm>
             <a:prstGeom prst="rect">
@@ -4957,10 +4953,10 @@
         </p:nvGrpSpPr>
         <p:grpSpPr>
           <a:xfrm>
-            <a:off x="6891374" y="2410890"/>
-            <a:ext cx="3358330" cy="3452528"/>
-            <a:chOff x="6891374" y="2410890"/>
-            <a:chExt cx="3358330" cy="3452528"/>
+            <a:off x="6891374" y="2375498"/>
+            <a:ext cx="2549405" cy="3487920"/>
+            <a:chOff x="6891374" y="2375498"/>
+            <a:chExt cx="2549405" cy="3487920"/>
           </a:xfrm>
         </p:grpSpPr>
         <p:cxnSp>
@@ -4979,8 +4975,8 @@
           </p:nvCxnSpPr>
           <p:spPr>
             <a:xfrm flipV="1">
-              <a:off x="6891374" y="2410890"/>
-              <a:ext cx="3300644" cy="3452528"/>
+              <a:off x="6891374" y="2375498"/>
+              <a:ext cx="2549405" cy="3487920"/>
             </a:xfrm>
             <a:prstGeom prst="straightConnector1">
               <a:avLst/>
@@ -5027,8 +5023,8 @@
           </p:nvCxnSpPr>
           <p:spPr>
             <a:xfrm flipV="1">
-              <a:off x="6891374" y="3652771"/>
-              <a:ext cx="3358330" cy="2193515"/>
+              <a:off x="6891374" y="3634565"/>
+              <a:ext cx="2549405" cy="2211721"/>
             </a:xfrm>
             <a:prstGeom prst="straightConnector1">
               <a:avLst/>
@@ -5400,10 +5396,10 @@
         </p:nvGrpSpPr>
         <p:grpSpPr>
           <a:xfrm>
-            <a:off x="6400800" y="1332749"/>
-            <a:ext cx="3319123" cy="661168"/>
-            <a:chOff x="6400800" y="1332749"/>
-            <a:chExt cx="3319123" cy="661168"/>
+            <a:off x="6833937" y="1332749"/>
+            <a:ext cx="2885986" cy="661168"/>
+            <a:chOff x="6833937" y="1332749"/>
+            <a:chExt cx="2885986" cy="661168"/>
           </a:xfrm>
         </p:grpSpPr>
         <p:cxnSp>
@@ -5422,8 +5418,8 @@
           </p:nvCxnSpPr>
           <p:spPr>
             <a:xfrm flipH="1" flipV="1">
-              <a:off x="6400800" y="1338111"/>
-              <a:ext cx="1525043" cy="376428"/>
+              <a:off x="6833937" y="1332749"/>
+              <a:ext cx="1091907" cy="381790"/>
             </a:xfrm>
             <a:prstGeom prst="straightConnector1">
               <a:avLst/>
@@ -5638,210 +5634,6 @@
             </a:fontRef>
           </p:style>
         </p:cxnSp>
-      </p:grpSp>
-      <p:grpSp>
-        <p:nvGrpSpPr>
-          <p:cNvPr id="21" name="Gruppieren 20">
-            <a:extLst>
-              <a:ext uri="{FF2B5EF4-FFF2-40B4-BE49-F238E27FC236}">
-                <a16:creationId xmlns:a16="http://schemas.microsoft.com/office/drawing/2014/main" id="{77318FD3-D361-4776-B4E0-A3122D3E6AA2}"/>
-              </a:ext>
-            </a:extLst>
-          </p:cNvPr>
-          <p:cNvGrpSpPr/>
-          <p:nvPr/>
-        </p:nvGrpSpPr>
-        <p:grpSpPr>
-          <a:xfrm>
-            <a:off x="367184" y="2555654"/>
-            <a:ext cx="4847185" cy="1580544"/>
-            <a:chOff x="367184" y="2555654"/>
-            <a:chExt cx="4847185" cy="1580544"/>
-          </a:xfrm>
-        </p:grpSpPr>
-        <p:sp>
-          <p:nvSpPr>
-            <p:cNvPr id="63" name="Rechteck: abgerundete Ecken 62">
-              <a:extLst>
-                <a:ext uri="{FF2B5EF4-FFF2-40B4-BE49-F238E27FC236}">
-                  <a16:creationId xmlns:a16="http://schemas.microsoft.com/office/drawing/2014/main" id="{8E5FE157-443B-4B60-B568-3BE9A7446426}"/>
-                </a:ext>
-              </a:extLst>
-            </p:cNvPr>
-            <p:cNvSpPr/>
-            <p:nvPr/>
-          </p:nvSpPr>
-          <p:spPr>
-            <a:xfrm>
-              <a:off x="367184" y="2555654"/>
-              <a:ext cx="1397041" cy="488800"/>
-            </a:xfrm>
-            <a:prstGeom prst="roundRect">
-              <a:avLst/>
-            </a:prstGeom>
-            <a:solidFill>
-              <a:schemeClr val="accent2">
-                <a:lumMod val="40000"/>
-                <a:lumOff val="60000"/>
-              </a:schemeClr>
-            </a:solidFill>
-            <a:ln>
-              <a:solidFill>
-                <a:schemeClr val="accent2">
-                  <a:lumMod val="40000"/>
-                  <a:lumOff val="60000"/>
-                </a:schemeClr>
-              </a:solidFill>
-            </a:ln>
-          </p:spPr>
-          <p:style>
-            <a:lnRef idx="2">
-              <a:schemeClr val="accent1">
-                <a:shade val="50000"/>
-              </a:schemeClr>
-            </a:lnRef>
-            <a:fillRef idx="1">
-              <a:schemeClr val="accent1"/>
-            </a:fillRef>
-            <a:effectRef idx="0">
-              <a:schemeClr val="accent1"/>
-            </a:effectRef>
-            <a:fontRef idx="minor">
-              <a:schemeClr val="lt1"/>
-            </a:fontRef>
-          </p:style>
-          <p:txBody>
-            <a:bodyPr rtlCol="0" anchor="ctr"/>
-            <a:lstStyle/>
-            <a:p>
-              <a:pPr algn="ctr"/>
-              <a:r>
-                <a:rPr lang="de-CH" sz="1200" b="1" dirty="0" err="1">
-                  <a:solidFill>
-                    <a:schemeClr val="tx1"/>
-                  </a:solidFill>
-                </a:rPr>
-                <a:t>Collectd</a:t>
-              </a:r>
-              <a:endParaRPr lang="de-CH" sz="1200" dirty="0">
-                <a:solidFill>
-                  <a:schemeClr val="tx1"/>
-                </a:solidFill>
-              </a:endParaRPr>
-            </a:p>
-          </p:txBody>
-        </p:sp>
-        <p:cxnSp>
-          <p:nvCxnSpPr>
-            <p:cNvPr id="12" name="Gerade Verbindung mit Pfeil 11">
-              <a:extLst>
-                <a:ext uri="{FF2B5EF4-FFF2-40B4-BE49-F238E27FC236}">
-                  <a16:creationId xmlns:a16="http://schemas.microsoft.com/office/drawing/2014/main" id="{1EB63A9B-3284-49D5-A592-910D485DFBEC}"/>
-                </a:ext>
-              </a:extLst>
-            </p:cNvPr>
-            <p:cNvCxnSpPr>
-              <a:cxnSpLocks/>
-              <a:stCxn id="63" idx="3"/>
-            </p:cNvCxnSpPr>
-            <p:nvPr/>
-          </p:nvCxnSpPr>
-          <p:spPr>
-            <a:xfrm>
-              <a:off x="1764225" y="2800054"/>
-              <a:ext cx="3450144" cy="1336144"/>
-            </a:xfrm>
-            <a:prstGeom prst="straightConnector1">
-              <a:avLst/>
-            </a:prstGeom>
-            <a:ln>
-              <a:solidFill>
-                <a:schemeClr val="tx1"/>
-              </a:solidFill>
-              <a:tailEnd type="triangle"/>
-            </a:ln>
-          </p:spPr>
-          <p:style>
-            <a:lnRef idx="1">
-              <a:schemeClr val="accent1"/>
-            </a:lnRef>
-            <a:fillRef idx="0">
-              <a:schemeClr val="accent1"/>
-            </a:fillRef>
-            <a:effectRef idx="0">
-              <a:schemeClr val="accent1"/>
-            </a:effectRef>
-            <a:fontRef idx="minor">
-              <a:schemeClr val="tx1"/>
-            </a:fontRef>
-          </p:style>
-        </p:cxnSp>
-        <p:sp>
-          <p:nvSpPr>
-            <p:cNvPr id="86" name="Textfeld 85">
-              <a:extLst>
-                <a:ext uri="{FF2B5EF4-FFF2-40B4-BE49-F238E27FC236}">
-                  <a16:creationId xmlns:a16="http://schemas.microsoft.com/office/drawing/2014/main" id="{104C989E-10AE-4D15-BF1A-5DA858BB8AC1}"/>
-                </a:ext>
-              </a:extLst>
-            </p:cNvPr>
-            <p:cNvSpPr txBox="1"/>
-            <p:nvPr/>
-          </p:nvSpPr>
-          <p:spPr>
-            <a:xfrm rot="1297917">
-              <a:off x="3385736" y="3495543"/>
-              <a:ext cx="1464632" cy="461665"/>
-            </a:xfrm>
-            <a:prstGeom prst="rect">
-              <a:avLst/>
-            </a:prstGeom>
-            <a:noFill/>
-          </p:spPr>
-          <p:txBody>
-            <a:bodyPr wrap="none" rtlCol="0">
-              <a:spAutoFit/>
-            </a:bodyPr>
-            <a:lstStyle/>
-            <a:p>
-              <a:r>
-                <a:rPr lang="de-CH" sz="1200" dirty="0"/>
-                <a:t>OS </a:t>
-              </a:r>
-              <a:r>
-                <a:rPr lang="de-CH" sz="1200" dirty="0" err="1"/>
-                <a:t>based</a:t>
-              </a:r>
-              <a:r>
-                <a:rPr lang="de-CH" sz="1200" dirty="0"/>
-                <a:t> </a:t>
-              </a:r>
-              <a:r>
-                <a:rPr lang="de-CH" sz="1200" dirty="0" err="1"/>
-                <a:t>Metrics</a:t>
-              </a:r>
-              <a:r>
-                <a:rPr lang="de-CH" sz="1200" dirty="0"/>
-                <a:t>, </a:t>
-              </a:r>
-              <a:r>
-                <a:rPr lang="de-CH" sz="1200" dirty="0" err="1"/>
-                <a:t>if</a:t>
-              </a:r>
-              <a:r>
-                <a:rPr lang="de-CH" sz="1200" dirty="0"/>
-                <a:t> </a:t>
-              </a:r>
-            </a:p>
-            <a:p>
-              <a:r>
-                <a:rPr lang="de-CH" sz="1200" dirty="0" err="1"/>
-                <a:t>available</a:t>
-              </a:r>
-              <a:endParaRPr lang="de-CH" sz="1200" dirty="0"/>
-            </a:p>
-          </p:txBody>
-        </p:sp>
       </p:grpSp>
       <p:grpSp>
         <p:nvGrpSpPr>
@@ -6492,7 +6284,7 @@
             <p:spPr>
               <a:xfrm>
                 <a:off x="4015116" y="2551722"/>
-                <a:ext cx="1767717" cy="109895"/>
+                <a:ext cx="1767718" cy="109895"/>
               </a:xfrm>
               <a:prstGeom prst="straightConnector1">
                 <a:avLst/>
@@ -6753,6 +6545,506 @@
             </p:style>
           </p:cxnSp>
         </p:grpSp>
+      </p:grpSp>
+      <p:grpSp>
+        <p:nvGrpSpPr>
+          <p:cNvPr id="18" name="Gruppieren 17">
+            <a:extLst>
+              <a:ext uri="{FF2B5EF4-FFF2-40B4-BE49-F238E27FC236}">
+                <a16:creationId xmlns:a16="http://schemas.microsoft.com/office/drawing/2014/main" id="{49D0731C-6CD8-4D52-B8DC-0E7DE1A4F7C2}"/>
+              </a:ext>
+            </a:extLst>
+          </p:cNvPr>
+          <p:cNvGrpSpPr/>
+          <p:nvPr/>
+        </p:nvGrpSpPr>
+        <p:grpSpPr>
+          <a:xfrm>
+            <a:off x="10014667" y="2374741"/>
+            <a:ext cx="1545273" cy="2142995"/>
+            <a:chOff x="10014667" y="2374741"/>
+            <a:chExt cx="1545273" cy="2142995"/>
+          </a:xfrm>
+        </p:grpSpPr>
+        <p:pic>
+          <p:nvPicPr>
+            <p:cNvPr id="9" name="Grafik 8">
+              <a:extLst>
+                <a:ext uri="{FF2B5EF4-FFF2-40B4-BE49-F238E27FC236}">
+                  <a16:creationId xmlns:a16="http://schemas.microsoft.com/office/drawing/2014/main" id="{926B1CE8-D6BC-4C50-BB08-2E65A8A6D414}"/>
+                </a:ext>
+              </a:extLst>
+            </p:cNvPr>
+            <p:cNvPicPr>
+              <a:picLocks noChangeAspect="1"/>
+            </p:cNvPicPr>
+            <p:nvPr/>
+          </p:nvPicPr>
+          <p:blipFill>
+            <a:blip r:embed="rId7">
+              <a:extLst>
+                <a:ext uri="{28A0092B-C50C-407E-A947-70E740481C1C}">
+                  <a14:useLocalDpi xmlns:a14="http://schemas.microsoft.com/office/drawing/2010/main" val="0"/>
+                </a:ext>
+              </a:extLst>
+            </a:blip>
+            <a:stretch>
+              <a:fillRect/>
+            </a:stretch>
+          </p:blipFill>
+          <p:spPr>
+            <a:xfrm>
+              <a:off x="10533685" y="2610182"/>
+              <a:ext cx="1011164" cy="836408"/>
+            </a:xfrm>
+            <a:prstGeom prst="rect">
+              <a:avLst/>
+            </a:prstGeom>
+          </p:spPr>
+        </p:pic>
+        <p:sp>
+          <p:nvSpPr>
+            <p:cNvPr id="10" name="Textfeld 9">
+              <a:extLst>
+                <a:ext uri="{FF2B5EF4-FFF2-40B4-BE49-F238E27FC236}">
+                  <a16:creationId xmlns:a16="http://schemas.microsoft.com/office/drawing/2014/main" id="{F9F21357-0E83-412C-9B9C-7FEAB881ED59}"/>
+                </a:ext>
+              </a:extLst>
+            </p:cNvPr>
+            <p:cNvSpPr txBox="1"/>
+            <p:nvPr/>
+          </p:nvSpPr>
+          <p:spPr>
+            <a:xfrm>
+              <a:off x="10502471" y="3502073"/>
+              <a:ext cx="1057469" cy="1015663"/>
+            </a:xfrm>
+            <a:prstGeom prst="rect">
+              <a:avLst/>
+            </a:prstGeom>
+            <a:noFill/>
+          </p:spPr>
+          <p:txBody>
+            <a:bodyPr wrap="none" rtlCol="0">
+              <a:spAutoFit/>
+            </a:bodyPr>
+            <a:lstStyle/>
+            <a:p>
+              <a:r>
+                <a:rPr lang="de-CH" sz="1200" b="1" dirty="0" err="1"/>
+                <a:t>Dockermount</a:t>
+              </a:r>
+              <a:endParaRPr lang="de-CH" sz="1200" b="1" dirty="0"/>
+            </a:p>
+            <a:p>
+              <a:r>
+                <a:rPr lang="de-CH" sz="1200" dirty="0"/>
+                <a:t> -  DB Data</a:t>
+              </a:r>
+            </a:p>
+            <a:p>
+              <a:pPr marL="171450" indent="-171450">
+                <a:buFontTx/>
+                <a:buChar char="-"/>
+              </a:pPr>
+              <a:r>
+                <a:rPr lang="de-CH" sz="1200" dirty="0" err="1"/>
+                <a:t>Logfie</a:t>
+              </a:r>
+              <a:endParaRPr lang="de-CH" sz="1200" dirty="0"/>
+            </a:p>
+            <a:p>
+              <a:pPr marL="171450" indent="-171450">
+                <a:buFontTx/>
+                <a:buChar char="-"/>
+              </a:pPr>
+              <a:endParaRPr lang="de-CH" sz="1200" dirty="0"/>
+            </a:p>
+            <a:p>
+              <a:pPr marL="171450" indent="-171450">
+                <a:buFontTx/>
+                <a:buChar char="-"/>
+              </a:pPr>
+              <a:endParaRPr lang="de-CH" sz="1200" dirty="0"/>
+            </a:p>
+          </p:txBody>
+        </p:sp>
+        <p:pic>
+          <p:nvPicPr>
+            <p:cNvPr id="74" name="Grafik 73" descr="Datenbank">
+              <a:extLst>
+                <a:ext uri="{FF2B5EF4-FFF2-40B4-BE49-F238E27FC236}">
+                  <a16:creationId xmlns:a16="http://schemas.microsoft.com/office/drawing/2014/main" id="{58C5142A-9792-4A4D-B90F-6AF970E000C2}"/>
+                </a:ext>
+              </a:extLst>
+            </p:cNvPr>
+            <p:cNvPicPr>
+              <a:picLocks noChangeAspect="1"/>
+            </p:cNvPicPr>
+            <p:nvPr/>
+          </p:nvPicPr>
+          <p:blipFill>
+            <a:blip r:embed="rId2">
+              <a:extLst>
+                <a:ext uri="{28A0092B-C50C-407E-A947-70E740481C1C}">
+                  <a14:useLocalDpi xmlns:a14="http://schemas.microsoft.com/office/drawing/2010/main" val="0"/>
+                </a:ext>
+                <a:ext uri="{96DAC541-7B7A-43D3-8B79-37D633B846F1}">
+                  <asvg:svgBlip xmlns:asvg="http://schemas.microsoft.com/office/drawing/2016/SVG/main" r:embed="rId3"/>
+                </a:ext>
+              </a:extLst>
+            </a:blip>
+            <a:stretch>
+              <a:fillRect/>
+            </a:stretch>
+          </p:blipFill>
+          <p:spPr>
+            <a:xfrm>
+              <a:off x="10982721" y="2764782"/>
+              <a:ext cx="445590" cy="453435"/>
+            </a:xfrm>
+            <a:prstGeom prst="rect">
+              <a:avLst/>
+            </a:prstGeom>
+          </p:spPr>
+        </p:pic>
+        <p:pic>
+          <p:nvPicPr>
+            <p:cNvPr id="84" name="Grafik 83" descr="Datenbank">
+              <a:extLst>
+                <a:ext uri="{FF2B5EF4-FFF2-40B4-BE49-F238E27FC236}">
+                  <a16:creationId xmlns:a16="http://schemas.microsoft.com/office/drawing/2014/main" id="{69D9720C-FCD1-42AA-A901-16E350DFBBFC}"/>
+                </a:ext>
+              </a:extLst>
+            </p:cNvPr>
+            <p:cNvPicPr>
+              <a:picLocks noChangeAspect="1"/>
+            </p:cNvPicPr>
+            <p:nvPr/>
+          </p:nvPicPr>
+          <p:blipFill>
+            <a:blip r:embed="rId2">
+              <a:extLst>
+                <a:ext uri="{28A0092B-C50C-407E-A947-70E740481C1C}">
+                  <a14:useLocalDpi xmlns:a14="http://schemas.microsoft.com/office/drawing/2010/main" val="0"/>
+                </a:ext>
+                <a:ext uri="{96DAC541-7B7A-43D3-8B79-37D633B846F1}">
+                  <asvg:svgBlip xmlns:asvg="http://schemas.microsoft.com/office/drawing/2016/SVG/main" r:embed="rId3"/>
+                </a:ext>
+              </a:extLst>
+            </a:blip>
+            <a:stretch>
+              <a:fillRect/>
+            </a:stretch>
+          </p:blipFill>
+          <p:spPr>
+            <a:xfrm>
+              <a:off x="10639801" y="2884128"/>
+              <a:ext cx="445590" cy="453435"/>
+            </a:xfrm>
+            <a:prstGeom prst="rect">
+              <a:avLst/>
+            </a:prstGeom>
+          </p:spPr>
+        </p:pic>
+        <p:cxnSp>
+          <p:nvCxnSpPr>
+            <p:cNvPr id="87" name="Gerade Verbindung mit Pfeil 86">
+              <a:extLst>
+                <a:ext uri="{FF2B5EF4-FFF2-40B4-BE49-F238E27FC236}">
+                  <a16:creationId xmlns:a16="http://schemas.microsoft.com/office/drawing/2014/main" id="{DEC9AE12-CDAB-44F3-B9A1-28E3ABEFD11C}"/>
+                </a:ext>
+              </a:extLst>
+            </p:cNvPr>
+            <p:cNvCxnSpPr>
+              <a:cxnSpLocks/>
+            </p:cNvCxnSpPr>
+            <p:nvPr/>
+          </p:nvCxnSpPr>
+          <p:spPr>
+            <a:xfrm>
+              <a:off x="10014667" y="2374741"/>
+              <a:ext cx="1070724" cy="575431"/>
+            </a:xfrm>
+            <a:prstGeom prst="straightConnector1">
+              <a:avLst/>
+            </a:prstGeom>
+            <a:ln w="25400">
+              <a:solidFill>
+                <a:schemeClr val="accent2">
+                  <a:lumMod val="75000"/>
+                </a:schemeClr>
+              </a:solidFill>
+              <a:prstDash val="sysDash"/>
+              <a:tailEnd type="triangle"/>
+            </a:ln>
+          </p:spPr>
+          <p:style>
+            <a:lnRef idx="1">
+              <a:schemeClr val="accent1"/>
+            </a:lnRef>
+            <a:fillRef idx="0">
+              <a:schemeClr val="accent1"/>
+            </a:fillRef>
+            <a:effectRef idx="0">
+              <a:schemeClr val="accent1"/>
+            </a:effectRef>
+            <a:fontRef idx="minor">
+              <a:schemeClr val="tx1"/>
+            </a:fontRef>
+          </p:style>
+        </p:cxnSp>
+        <p:cxnSp>
+          <p:nvCxnSpPr>
+            <p:cNvPr id="88" name="Gerade Verbindung mit Pfeil 87">
+              <a:extLst>
+                <a:ext uri="{FF2B5EF4-FFF2-40B4-BE49-F238E27FC236}">
+                  <a16:creationId xmlns:a16="http://schemas.microsoft.com/office/drawing/2014/main" id="{20F3E7DD-8912-4076-9EAB-B31B82F736EF}"/>
+                </a:ext>
+              </a:extLst>
+            </p:cNvPr>
+            <p:cNvCxnSpPr>
+              <a:cxnSpLocks/>
+            </p:cNvCxnSpPr>
+            <p:nvPr/>
+          </p:nvCxnSpPr>
+          <p:spPr>
+            <a:xfrm flipV="1">
+              <a:off x="10066732" y="3154759"/>
+              <a:ext cx="694041" cy="380751"/>
+            </a:xfrm>
+            <a:prstGeom prst="straightConnector1">
+              <a:avLst/>
+            </a:prstGeom>
+            <a:ln w="25400">
+              <a:solidFill>
+                <a:schemeClr val="accent2">
+                  <a:lumMod val="75000"/>
+                </a:schemeClr>
+              </a:solidFill>
+              <a:prstDash val="sysDash"/>
+              <a:tailEnd type="triangle"/>
+            </a:ln>
+          </p:spPr>
+          <p:style>
+            <a:lnRef idx="1">
+              <a:schemeClr val="accent1"/>
+            </a:lnRef>
+            <a:fillRef idx="0">
+              <a:schemeClr val="accent1"/>
+            </a:fillRef>
+            <a:effectRef idx="0">
+              <a:schemeClr val="accent1"/>
+            </a:effectRef>
+            <a:fontRef idx="minor">
+              <a:schemeClr val="tx1"/>
+            </a:fontRef>
+          </p:style>
+        </p:cxnSp>
+      </p:grpSp>
+      <p:grpSp>
+        <p:nvGrpSpPr>
+          <p:cNvPr id="21" name="Gruppieren 20">
+            <a:extLst>
+              <a:ext uri="{FF2B5EF4-FFF2-40B4-BE49-F238E27FC236}">
+                <a16:creationId xmlns:a16="http://schemas.microsoft.com/office/drawing/2014/main" id="{77318FD3-D361-4776-B4E0-A3122D3E6AA2}"/>
+              </a:ext>
+            </a:extLst>
+          </p:cNvPr>
+          <p:cNvGrpSpPr/>
+          <p:nvPr/>
+        </p:nvGrpSpPr>
+        <p:grpSpPr>
+          <a:xfrm>
+            <a:off x="367184" y="2555654"/>
+            <a:ext cx="4847185" cy="1580544"/>
+            <a:chOff x="367184" y="2555654"/>
+            <a:chExt cx="4847185" cy="1580544"/>
+          </a:xfrm>
+        </p:grpSpPr>
+        <p:sp>
+          <p:nvSpPr>
+            <p:cNvPr id="63" name="Rechteck: abgerundete Ecken 62">
+              <a:extLst>
+                <a:ext uri="{FF2B5EF4-FFF2-40B4-BE49-F238E27FC236}">
+                  <a16:creationId xmlns:a16="http://schemas.microsoft.com/office/drawing/2014/main" id="{8E5FE157-443B-4B60-B568-3BE9A7446426}"/>
+                </a:ext>
+              </a:extLst>
+            </p:cNvPr>
+            <p:cNvSpPr/>
+            <p:nvPr/>
+          </p:nvSpPr>
+          <p:spPr>
+            <a:xfrm>
+              <a:off x="367184" y="2555654"/>
+              <a:ext cx="1397041" cy="488800"/>
+            </a:xfrm>
+            <a:prstGeom prst="roundRect">
+              <a:avLst/>
+            </a:prstGeom>
+            <a:solidFill>
+              <a:schemeClr val="accent2">
+                <a:lumMod val="40000"/>
+                <a:lumOff val="60000"/>
+              </a:schemeClr>
+            </a:solidFill>
+            <a:ln>
+              <a:solidFill>
+                <a:schemeClr val="accent2">
+                  <a:lumMod val="40000"/>
+                  <a:lumOff val="60000"/>
+                </a:schemeClr>
+              </a:solidFill>
+            </a:ln>
+          </p:spPr>
+          <p:style>
+            <a:lnRef idx="2">
+              <a:schemeClr val="accent1">
+                <a:shade val="50000"/>
+              </a:schemeClr>
+            </a:lnRef>
+            <a:fillRef idx="1">
+              <a:schemeClr val="accent1"/>
+            </a:fillRef>
+            <a:effectRef idx="0">
+              <a:schemeClr val="accent1"/>
+            </a:effectRef>
+            <a:fontRef idx="minor">
+              <a:schemeClr val="lt1"/>
+            </a:fontRef>
+          </p:style>
+          <p:txBody>
+            <a:bodyPr rtlCol="0" anchor="ctr"/>
+            <a:lstStyle/>
+            <a:p>
+              <a:pPr algn="ctr"/>
+              <a:r>
+                <a:rPr lang="de-CH" sz="1200" b="1" dirty="0" err="1">
+                  <a:solidFill>
+                    <a:schemeClr val="tx1"/>
+                  </a:solidFill>
+                </a:rPr>
+                <a:t>Collectd</a:t>
+              </a:r>
+              <a:endParaRPr lang="de-CH" sz="1200" dirty="0">
+                <a:solidFill>
+                  <a:schemeClr val="tx1"/>
+                </a:solidFill>
+              </a:endParaRPr>
+            </a:p>
+          </p:txBody>
+        </p:sp>
+        <p:cxnSp>
+          <p:nvCxnSpPr>
+            <p:cNvPr id="12" name="Gerade Verbindung mit Pfeil 11">
+              <a:extLst>
+                <a:ext uri="{FF2B5EF4-FFF2-40B4-BE49-F238E27FC236}">
+                  <a16:creationId xmlns:a16="http://schemas.microsoft.com/office/drawing/2014/main" id="{1EB63A9B-3284-49D5-A592-910D485DFBEC}"/>
+                </a:ext>
+              </a:extLst>
+            </p:cNvPr>
+            <p:cNvCxnSpPr>
+              <a:cxnSpLocks/>
+              <a:stCxn id="63" idx="3"/>
+            </p:cNvCxnSpPr>
+            <p:nvPr/>
+          </p:nvCxnSpPr>
+          <p:spPr>
+            <a:xfrm>
+              <a:off x="1764225" y="2800054"/>
+              <a:ext cx="3450144" cy="1336144"/>
+            </a:xfrm>
+            <a:prstGeom prst="straightConnector1">
+              <a:avLst/>
+            </a:prstGeom>
+            <a:ln>
+              <a:solidFill>
+                <a:schemeClr val="tx1"/>
+              </a:solidFill>
+              <a:tailEnd type="triangle"/>
+            </a:ln>
+          </p:spPr>
+          <p:style>
+            <a:lnRef idx="1">
+              <a:schemeClr val="accent1"/>
+            </a:lnRef>
+            <a:fillRef idx="0">
+              <a:schemeClr val="accent1"/>
+            </a:fillRef>
+            <a:effectRef idx="0">
+              <a:schemeClr val="accent1"/>
+            </a:effectRef>
+            <a:fontRef idx="minor">
+              <a:schemeClr val="tx1"/>
+            </a:fontRef>
+          </p:style>
+        </p:cxnSp>
+        <p:sp>
+          <p:nvSpPr>
+            <p:cNvPr id="86" name="Textfeld 85">
+              <a:extLst>
+                <a:ext uri="{FF2B5EF4-FFF2-40B4-BE49-F238E27FC236}">
+                  <a16:creationId xmlns:a16="http://schemas.microsoft.com/office/drawing/2014/main" id="{104C989E-10AE-4D15-BF1A-5DA858BB8AC1}"/>
+                </a:ext>
+              </a:extLst>
+            </p:cNvPr>
+            <p:cNvSpPr txBox="1"/>
+            <p:nvPr/>
+          </p:nvSpPr>
+          <p:spPr>
+            <a:xfrm rot="1297917">
+              <a:off x="3385736" y="3495543"/>
+              <a:ext cx="1464632" cy="461665"/>
+            </a:xfrm>
+            <a:prstGeom prst="rect">
+              <a:avLst/>
+            </a:prstGeom>
+            <a:noFill/>
+          </p:spPr>
+          <p:txBody>
+            <a:bodyPr wrap="none" rtlCol="0">
+              <a:spAutoFit/>
+            </a:bodyPr>
+            <a:lstStyle/>
+            <a:p>
+              <a:r>
+                <a:rPr lang="de-CH" sz="1200" dirty="0"/>
+                <a:t>OS </a:t>
+              </a:r>
+              <a:r>
+                <a:rPr lang="de-CH" sz="1200" dirty="0" err="1"/>
+                <a:t>based</a:t>
+              </a:r>
+              <a:r>
+                <a:rPr lang="de-CH" sz="1200" dirty="0"/>
+                <a:t> </a:t>
+              </a:r>
+              <a:r>
+                <a:rPr lang="de-CH" sz="1200" dirty="0" err="1"/>
+                <a:t>Metrics</a:t>
+              </a:r>
+              <a:r>
+                <a:rPr lang="de-CH" sz="1200" dirty="0"/>
+                <a:t>, </a:t>
+              </a:r>
+              <a:r>
+                <a:rPr lang="de-CH" sz="1200" dirty="0" err="1"/>
+                <a:t>if</a:t>
+              </a:r>
+              <a:r>
+                <a:rPr lang="de-CH" sz="1200" dirty="0"/>
+                <a:t> </a:t>
+              </a:r>
+            </a:p>
+            <a:p>
+              <a:r>
+                <a:rPr lang="de-CH" sz="1200" dirty="0" err="1"/>
+                <a:t>available</a:t>
+              </a:r>
+              <a:endParaRPr lang="de-CH" sz="1200" dirty="0"/>
+            </a:p>
+          </p:txBody>
+        </p:sp>
       </p:grpSp>
     </p:spTree>
     <p:extLst>
@@ -7063,7 +7355,7 @@
                                           </p:stCondLst>
                                         </p:cTn>
                                         <p:tgtEl>
-                                          <p:spTgt spid="80"/>
+                                          <p:spTgt spid="79"/>
                                         </p:tgtEl>
                                         <p:attrNameLst>
                                           <p:attrName>style.visibility</p:attrName>
@@ -7077,7 +7369,7 @@
                                       <p:cBhvr>
                                         <p:cTn id="32" dur="500"/>
                                         <p:tgtEl>
-                                          <p:spTgt spid="80"/>
+                                          <p:spTgt spid="79"/>
                                         </p:tgtEl>
                                       </p:cBhvr>
                                     </p:animEffect>
@@ -7116,7 +7408,7 @@
                                           </p:stCondLst>
                                         </p:cTn>
                                         <p:tgtEl>
-                                          <p:spTgt spid="66"/>
+                                          <p:spTgt spid="80"/>
                                         </p:tgtEl>
                                         <p:attrNameLst>
                                           <p:attrName>style.visibility</p:attrName>
@@ -7130,7 +7422,7 @@
                                       <p:cBhvr>
                                         <p:cTn id="37" dur="500"/>
                                         <p:tgtEl>
-                                          <p:spTgt spid="66"/>
+                                          <p:spTgt spid="80"/>
                                         </p:tgtEl>
                                       </p:cBhvr>
                                     </p:animEffect>
@@ -7169,7 +7461,7 @@
                                           </p:stCondLst>
                                         </p:cTn>
                                         <p:tgtEl>
-                                          <p:spTgt spid="22"/>
+                                          <p:spTgt spid="18"/>
                                         </p:tgtEl>
                                         <p:attrNameLst>
                                           <p:attrName>style.visibility</p:attrName>
@@ -7183,7 +7475,7 @@
                                       <p:cBhvr>
                                         <p:cTn id="42" dur="500"/>
                                         <p:tgtEl>
-                                          <p:spTgt spid="22"/>
+                                          <p:spTgt spid="18"/>
                                         </p:tgtEl>
                                       </p:cBhvr>
                                     </p:animEffect>
@@ -7222,7 +7514,7 @@
                                           </p:stCondLst>
                                         </p:cTn>
                                         <p:tgtEl>
-                                          <p:spTgt spid="21"/>
+                                          <p:spTgt spid="66"/>
                                         </p:tgtEl>
                                         <p:attrNameLst>
                                           <p:attrName>style.visibility</p:attrName>
@@ -7236,7 +7528,7 @@
                                       <p:cBhvr>
                                         <p:cTn id="47" dur="500"/>
                                         <p:tgtEl>
-                                          <p:spTgt spid="21"/>
+                                          <p:spTgt spid="66"/>
                                         </p:tgtEl>
                                       </p:cBhvr>
                                     </p:animEffect>
@@ -7275,7 +7567,7 @@
                                           </p:stCondLst>
                                         </p:cTn>
                                         <p:tgtEl>
-                                          <p:spTgt spid="79"/>
+                                          <p:spTgt spid="21"/>
                                         </p:tgtEl>
                                         <p:attrNameLst>
                                           <p:attrName>style.visibility</p:attrName>
@@ -7289,7 +7581,7 @@
                                       <p:cBhvr>
                                         <p:cTn id="52" dur="500"/>
                                         <p:tgtEl>
-                                          <p:spTgt spid="79"/>
+                                          <p:spTgt spid="21"/>
                                         </p:tgtEl>
                                       </p:cBhvr>
                                     </p:animEffect>
@@ -7328,7 +7620,7 @@
                                           </p:stCondLst>
                                         </p:cTn>
                                         <p:tgtEl>
-                                          <p:spTgt spid="82"/>
+                                          <p:spTgt spid="22"/>
                                         </p:tgtEl>
                                         <p:attrNameLst>
                                           <p:attrName>style.visibility</p:attrName>
@@ -7342,6 +7634,59 @@
                                       <p:cBhvr>
                                         <p:cTn id="57" dur="500"/>
                                         <p:tgtEl>
+                                          <p:spTgt spid="22"/>
+                                        </p:tgtEl>
+                                      </p:cBhvr>
+                                    </p:animEffect>
+                                  </p:childTnLst>
+                                </p:cTn>
+                              </p:par>
+                            </p:childTnLst>
+                          </p:cTn>
+                        </p:par>
+                      </p:childTnLst>
+                    </p:cTn>
+                  </p:par>
+                  <p:par>
+                    <p:cTn id="58" fill="hold">
+                      <p:stCondLst>
+                        <p:cond delay="indefinite"/>
+                      </p:stCondLst>
+                      <p:childTnLst>
+                        <p:par>
+                          <p:cTn id="59" fill="hold">
+                            <p:stCondLst>
+                              <p:cond delay="0"/>
+                            </p:stCondLst>
+                            <p:childTnLst>
+                              <p:par>
+                                <p:cTn id="60" presetID="22" presetClass="entr" presetSubtype="4" fill="hold" nodeType="clickEffect">
+                                  <p:stCondLst>
+                                    <p:cond delay="0"/>
+                                  </p:stCondLst>
+                                  <p:childTnLst>
+                                    <p:set>
+                                      <p:cBhvr>
+                                        <p:cTn id="61" dur="1" fill="hold">
+                                          <p:stCondLst>
+                                            <p:cond delay="0"/>
+                                          </p:stCondLst>
+                                        </p:cTn>
+                                        <p:tgtEl>
+                                          <p:spTgt spid="82"/>
+                                        </p:tgtEl>
+                                        <p:attrNameLst>
+                                          <p:attrName>style.visibility</p:attrName>
+                                        </p:attrNameLst>
+                                      </p:cBhvr>
+                                      <p:to>
+                                        <p:strVal val="visible"/>
+                                      </p:to>
+                                    </p:set>
+                                    <p:animEffect transition="in" filter="wipe(down)">
+                                      <p:cBhvr>
+                                        <p:cTn id="62" dur="500"/>
+                                        <p:tgtEl>
                                           <p:spTgt spid="82"/>
                                         </p:tgtEl>
                                       </p:cBhvr>
@@ -7350,14 +7695,14 @@
                                 </p:cTn>
                               </p:par>
                               <p:par>
-                                <p:cTn id="58" presetID="22" presetClass="entr" presetSubtype="4" fill="hold" grpId="0" nodeType="withEffect">
+                                <p:cTn id="63" presetID="22" presetClass="entr" presetSubtype="4" fill="hold" grpId="0" nodeType="withEffect">
                                   <p:stCondLst>
                                     <p:cond delay="0"/>
                                   </p:stCondLst>
                                   <p:childTnLst>
                                     <p:set>
                                       <p:cBhvr>
-                                        <p:cTn id="59" dur="1" fill="hold">
+                                        <p:cTn id="64" dur="1" fill="hold">
                                           <p:stCondLst>
                                             <p:cond delay="0"/>
                                           </p:stCondLst>
@@ -7375,7 +7720,7 @@
                                     </p:set>
                                     <p:animEffect transition="in" filter="wipe(down)">
                                       <p:cBhvr>
-                                        <p:cTn id="60" dur="500"/>
+                                        <p:cTn id="65" dur="500"/>
                                         <p:tgtEl>
                                           <p:spTgt spid="26"/>
                                         </p:tgtEl>
@@ -7450,9 +7795,9 @@
         <p:grpSpPr>
           <a:xfrm>
             <a:off x="4965342" y="1035098"/>
-            <a:ext cx="6891149" cy="5412210"/>
+            <a:ext cx="6792020" cy="5412210"/>
             <a:chOff x="4965342" y="1035098"/>
-            <a:chExt cx="6891149" cy="5412210"/>
+            <a:chExt cx="6792020" cy="5412210"/>
           </a:xfrm>
         </p:grpSpPr>
         <p:sp>
@@ -7533,7 +7878,7 @@
           <p:spPr>
             <a:xfrm>
               <a:off x="4986853" y="1050431"/>
-              <a:ext cx="6869638" cy="369332"/>
+              <a:ext cx="1446230" cy="369332"/>
             </a:xfrm>
             <a:prstGeom prst="rect">
               <a:avLst/>
@@ -7558,54 +7903,9 @@
                     </a:schemeClr>
                   </a:solidFill>
                 </a:rPr>
-                <a:t>VM</a:t>
-              </a:r>
-              <a:r>
-                <a:rPr lang="de-CH" dirty="0"/>
-                <a:t> Instance </a:t>
-              </a:r>
-              <a:r>
-                <a:rPr lang="de-CH" dirty="0" err="1"/>
-                <a:t>based</a:t>
-              </a:r>
-              <a:r>
-                <a:rPr lang="de-CH" dirty="0"/>
-                <a:t> on Docker (</a:t>
-              </a:r>
-              <a:r>
-                <a:rPr lang="de-CH" dirty="0">
-                  <a:solidFill>
-                    <a:schemeClr val="accent2">
-                      <a:lumMod val="75000"/>
-                    </a:schemeClr>
-                  </a:solidFill>
-                </a:rPr>
-                <a:t>Linux RED Hat 7.x </a:t>
-              </a:r>
-              <a:r>
-                <a:rPr lang="de-CH" dirty="0" err="1">
-                  <a:solidFill>
-                    <a:schemeClr val="accent2">
-                      <a:lumMod val="75000"/>
-                    </a:schemeClr>
-                  </a:solidFill>
-                </a:rPr>
-                <a:t>or</a:t>
-              </a:r>
-              <a:r>
-                <a:rPr lang="de-CH" dirty="0">
-                  <a:solidFill>
-                    <a:schemeClr val="accent2">
-                      <a:lumMod val="75000"/>
-                    </a:schemeClr>
-                  </a:solidFill>
-                </a:rPr>
-                <a:t> Suse 12.x </a:t>
-              </a:r>
-              <a:r>
-                <a:rPr lang="de-CH" dirty="0"/>
-                <a:t>)</a:t>
-              </a:r>
+                <a:t>Host</a:t>
+              </a:r>
+              <a:endParaRPr lang="de-CH" dirty="0"/>
             </a:p>
           </p:txBody>
         </p:sp>
@@ -7915,7 +8215,7 @@
               <a:pPr algn="ctr"/>
               <a:r>
                 <a:rPr lang="de-CH" dirty="0"/>
-                <a:t>	             Ver: 1.0</a:t>
+                <a:t>	            </a:t>
               </a:r>
             </a:p>
           </p:txBody>
@@ -8618,10 +8918,10 @@
         </p:nvGrpSpPr>
         <p:grpSpPr>
           <a:xfrm>
-            <a:off x="688240" y="3569421"/>
-            <a:ext cx="4406604" cy="2687000"/>
-            <a:chOff x="688240" y="3569421"/>
-            <a:chExt cx="4406604" cy="2687000"/>
+            <a:off x="688240" y="3329765"/>
+            <a:ext cx="4406604" cy="2926656"/>
+            <a:chOff x="688240" y="3329765"/>
+            <a:chExt cx="4406604" cy="2926656"/>
           </a:xfrm>
         </p:grpSpPr>
         <p:sp>
@@ -8948,8 +9248,8 @@
           </p:nvSpPr>
           <p:spPr>
             <a:xfrm>
-              <a:off x="688240" y="3569421"/>
-              <a:ext cx="1682496" cy="1004262"/>
+              <a:off x="688240" y="3329765"/>
+              <a:ext cx="1682496" cy="1243918"/>
             </a:xfrm>
             <a:prstGeom prst="roundRect">
               <a:avLst/>
@@ -9083,7 +9383,39 @@
                     <a:schemeClr val="tx1"/>
                   </a:solidFill>
                 </a:rPr>
+                <a:t> (open </a:t>
+              </a:r>
+              <a:r>
+                <a:rPr lang="de-CH" sz="1200" dirty="0" err="1">
+                  <a:solidFill>
+                    <a:schemeClr val="tx1"/>
+                  </a:solidFill>
+                </a:rPr>
+                <a:t>virtualization</a:t>
+              </a:r>
+              <a:r>
+                <a:rPr lang="de-CH" sz="1200" dirty="0">
+                  <a:solidFill>
+                    <a:schemeClr val="tx1"/>
+                  </a:solidFill>
+                </a:rPr>
                 <a:t> </a:t>
+              </a:r>
+              <a:r>
+                <a:rPr lang="de-CH" sz="1200" dirty="0" err="1">
+                  <a:solidFill>
+                    <a:schemeClr val="tx1"/>
+                  </a:solidFill>
+                </a:rPr>
+                <a:t>format</a:t>
+              </a:r>
+              <a:r>
+                <a:rPr lang="de-CH" sz="1200" dirty="0">
+                  <a:solidFill>
+                    <a:schemeClr val="tx1"/>
+                  </a:solidFill>
+                </a:rPr>
+                <a:t>) </a:t>
               </a:r>
               <a:r>
                 <a:rPr lang="de-CH" sz="1200" dirty="0" err="1">
@@ -9316,9 +9648,9 @@
         <p:grpSpPr>
           <a:xfrm>
             <a:off x="4965342" y="1035098"/>
-            <a:ext cx="6891149" cy="5412210"/>
+            <a:ext cx="6792020" cy="5412210"/>
             <a:chOff x="4965342" y="1035098"/>
-            <a:chExt cx="6891149" cy="5412210"/>
+            <a:chExt cx="6792020" cy="5412210"/>
           </a:xfrm>
         </p:grpSpPr>
         <p:sp>
@@ -9399,7 +9731,7 @@
           <p:spPr>
             <a:xfrm>
               <a:off x="4986853" y="1050431"/>
-              <a:ext cx="6869638" cy="369332"/>
+              <a:ext cx="1446230" cy="369332"/>
             </a:xfrm>
             <a:prstGeom prst="rect">
               <a:avLst/>
@@ -9424,54 +9756,9 @@
                     </a:schemeClr>
                   </a:solidFill>
                 </a:rPr>
-                <a:t>VM</a:t>
-              </a:r>
-              <a:r>
-                <a:rPr lang="de-CH" dirty="0"/>
-                <a:t> Instance </a:t>
-              </a:r>
-              <a:r>
-                <a:rPr lang="de-CH" dirty="0" err="1"/>
-                <a:t>based</a:t>
-              </a:r>
-              <a:r>
-                <a:rPr lang="de-CH" dirty="0"/>
-                <a:t> on Docker (</a:t>
-              </a:r>
-              <a:r>
-                <a:rPr lang="de-CH" dirty="0">
-                  <a:solidFill>
-                    <a:schemeClr val="accent2">
-                      <a:lumMod val="75000"/>
-                    </a:schemeClr>
-                  </a:solidFill>
-                </a:rPr>
-                <a:t>Linux RED Hat 7.x </a:t>
-              </a:r>
-              <a:r>
-                <a:rPr lang="de-CH" dirty="0" err="1">
-                  <a:solidFill>
-                    <a:schemeClr val="accent2">
-                      <a:lumMod val="75000"/>
-                    </a:schemeClr>
-                  </a:solidFill>
-                </a:rPr>
-                <a:t>or</a:t>
-              </a:r>
-              <a:r>
-                <a:rPr lang="de-CH" dirty="0">
-                  <a:solidFill>
-                    <a:schemeClr val="accent2">
-                      <a:lumMod val="75000"/>
-                    </a:schemeClr>
-                  </a:solidFill>
-                </a:rPr>
-                <a:t> Suse 12.x </a:t>
-              </a:r>
-              <a:r>
-                <a:rPr lang="de-CH" dirty="0"/>
-                <a:t>)</a:t>
-              </a:r>
+                <a:t>Host</a:t>
+              </a:r>
+              <a:endParaRPr lang="de-CH" dirty="0"/>
             </a:p>
           </p:txBody>
         </p:sp>
@@ -11102,7 +11389,19 @@
           <a:p>
             <a:r>
               <a:rPr lang="de-DE" sz="1400" dirty="0"/>
-              <a:t>  1. Plot: Anzahl der laufenden TRX zum Zeitpunkt t, auf Basis vom Typ {Bus, Cpp,Cp2, LL, </a:t>
+              <a:t>  1. </a:t>
+            </a:r>
+            <a:r>
+              <a:rPr lang="de-DE" sz="1400" dirty="0">
+                <a:solidFill>
+                  <a:srgbClr val="FF0000"/>
+                </a:solidFill>
+              </a:rPr>
+              <a:t>Grafik</a:t>
+            </a:r>
+            <a:r>
+              <a:rPr lang="de-DE" sz="1400" dirty="0"/>
+              <a:t>: Anzahl der laufenden TRX zum Zeitpunkt t, auf Basis vom Typ {Bus, Cpp,Cp2, LL, </a:t>
             </a:r>
             <a:r>
               <a:rPr lang="de-DE" sz="1400" dirty="0" err="1"/>
@@ -11228,7 +11527,19 @@
           <a:p>
             <a:r>
               <a:rPr lang="de-DE" sz="1400" dirty="0"/>
-              <a:t>  2. Plot: Anzahl der laufenden, zu </a:t>
+              <a:t>  2. </a:t>
+            </a:r>
+            <a:r>
+              <a:rPr lang="de-DE" sz="1400" dirty="0">
+                <a:solidFill>
+                  <a:srgbClr val="FF0000"/>
+                </a:solidFill>
+              </a:rPr>
+              <a:t>Grafik</a:t>
+            </a:r>
+            <a:r>
+              <a:rPr lang="de-DE" sz="1400" dirty="0"/>
+              <a:t>: Anzahl der laufenden, zu </a:t>
             </a:r>
             <a:r>
               <a:rPr lang="de-DE" sz="1400" b="1" i="1" dirty="0"/>
@@ -11330,7 +11641,19 @@
           <a:p>
             <a:r>
               <a:rPr lang="de-DE" sz="1400" dirty="0"/>
-              <a:t>  3. Plot: Anzahl der laufenden TRX zum Zeitpunkt t, auf der Basis von State {Waiting, </a:t>
+              <a:t>  3. </a:t>
+            </a:r>
+            <a:r>
+              <a:rPr lang="de-DE" sz="1400" dirty="0">
+                <a:solidFill>
+                  <a:srgbClr val="FF0000"/>
+                </a:solidFill>
+              </a:rPr>
+              <a:t>Grafik</a:t>
+            </a:r>
+            <a:r>
+              <a:rPr lang="de-DE" sz="1400" dirty="0"/>
+              <a:t>: Anzahl der laufenden TRX zum Zeitpunkt t, auf der Basis von State {Waiting, </a:t>
             </a:r>
             <a:r>
               <a:rPr lang="de-DE" sz="1400" dirty="0" err="1"/>
@@ -11459,7 +11782,19 @@
           <a:p>
             <a:r>
               <a:rPr lang="de-DE" sz="1400" dirty="0"/>
-              <a:t>  4. Anzahl: Anzahl Abgeschlossene TRX innerhalb des gewählten Zeitintervall auf Basis vom Typ {all, </a:t>
+              <a:t>  4. </a:t>
+            </a:r>
+            <a:r>
+              <a:rPr lang="de-DE" sz="1400" dirty="0">
+                <a:solidFill>
+                  <a:srgbClr val="FF0000"/>
+                </a:solidFill>
+              </a:rPr>
+              <a:t>Anzahl</a:t>
+            </a:r>
+            <a:r>
+              <a:rPr lang="de-DE" sz="1400" dirty="0"/>
+              <a:t>: Anzahl Abgeschlossene TRX innerhalb des gewählten Zeitintervall auf Basis vom Typ {all, </a:t>
             </a:r>
             <a:r>
               <a:rPr lang="de-DE" sz="1400" dirty="0" err="1"/>
@@ -11587,7 +11922,19 @@
           <a:p>
             <a:r>
               <a:rPr lang="de-DE" sz="1400" dirty="0"/>
-              <a:t>   5. Anzahl: Anzahl Abgeschlossene </a:t>
+              <a:t>   5. </a:t>
+            </a:r>
+            <a:r>
+              <a:rPr lang="de-DE" sz="1400" dirty="0">
+                <a:solidFill>
+                  <a:srgbClr val="FF0000"/>
+                </a:solidFill>
+              </a:rPr>
+              <a:t>Anzahl</a:t>
+            </a:r>
+            <a:r>
+              <a:rPr lang="de-DE" sz="1400" dirty="0"/>
+              <a:t>: Anzahl Abgeschlossene </a:t>
             </a:r>
             <a:r>
               <a:rPr lang="de-DE" sz="1400" b="1" i="1" dirty="0"/>
@@ -11691,7 +12038,19 @@
           <a:p>
             <a:r>
               <a:rPr lang="de-DE" sz="1400" dirty="0"/>
-              <a:t>  6. Anzahl: Anzahl Rollbacks innerhalb des ausgewählten Zeitraum </a:t>
+              <a:t>  6. </a:t>
+            </a:r>
+            <a:r>
+              <a:rPr lang="de-DE" sz="1400" dirty="0">
+                <a:solidFill>
+                  <a:srgbClr val="FF0000"/>
+                </a:solidFill>
+              </a:rPr>
+              <a:t>Anzahl</a:t>
+            </a:r>
+            <a:r>
+              <a:rPr lang="de-DE" sz="1400" dirty="0"/>
+              <a:t>: Anzahl Rollbacks innerhalb des ausgewählten Zeitraum </a:t>
             </a:r>
             <a:endParaRPr lang="de-CH" sz="1400" dirty="0"/>
           </a:p>
@@ -11830,7 +12189,19 @@
           <a:p>
             <a:r>
               <a:rPr lang="de-DE" sz="1400" dirty="0"/>
-              <a:t>  7. Tabelle: Auslistung von den TRX im ausgewählten Zeitraum, sortiert nach Laufzeit absteigend</a:t>
+              <a:t>  7. </a:t>
+            </a:r>
+            <a:r>
+              <a:rPr lang="de-DE" sz="1400" dirty="0">
+                <a:solidFill>
+                  <a:srgbClr val="FF0000"/>
+                </a:solidFill>
+              </a:rPr>
+              <a:t>Tabelle</a:t>
+            </a:r>
+            <a:r>
+              <a:rPr lang="de-DE" sz="1400" dirty="0"/>
+              <a:t>: Auslistung von den TRX im ausgewählten Zeitraum, sortiert nach Laufzeit absteigend</a:t>
             </a:r>
             <a:endParaRPr lang="de-CH" sz="1400" dirty="0"/>
           </a:p>
@@ -12258,7 +12629,15 @@
                   <a:srgbClr val="FF0000"/>
                 </a:solidFill>
               </a:rPr>
-              <a:t>Grafik:</a:t>
+              <a:t>Grafik</a:t>
+            </a:r>
+            <a:r>
+              <a:rPr lang="de-DE" sz="1400" dirty="0">
+                <a:solidFill>
+                  <a:schemeClr val="bg1"/>
+                </a:solidFill>
+              </a:rPr>
+              <a:t>:</a:t>
             </a:r>
             <a:r>
               <a:rPr lang="de-DE" sz="1400" dirty="0"/>
@@ -12901,7 +13280,7 @@
         <p:spPr>
           <a:xfrm>
             <a:off x="5144596" y="1343443"/>
-            <a:ext cx="5632119" cy="369332"/>
+            <a:ext cx="1446230" cy="369332"/>
           </a:xfrm>
           <a:prstGeom prst="rect">
             <a:avLst/>
@@ -12926,34 +13305,9 @@
                   </a:schemeClr>
                 </a:solidFill>
               </a:rPr>
-              <a:t>VM</a:t>
-            </a:r>
-            <a:r>
-              <a:rPr lang="de-CH" dirty="0"/>
-              <a:t> Instance </a:t>
-            </a:r>
-            <a:r>
-              <a:rPr lang="de-CH" dirty="0" err="1"/>
-              <a:t>based</a:t>
-            </a:r>
-            <a:r>
-              <a:rPr lang="de-CH" dirty="0"/>
-              <a:t> on Docker (</a:t>
-            </a:r>
-            <a:r>
-              <a:rPr lang="de-CH" dirty="0">
-                <a:solidFill>
-                  <a:schemeClr val="accent2">
-                    <a:lumMod val="75000"/>
-                  </a:schemeClr>
-                </a:solidFill>
-              </a:rPr>
-              <a:t>Linux RED Hat 7.x</a:t>
-            </a:r>
-            <a:r>
-              <a:rPr lang="de-CH" dirty="0"/>
-              <a:t>)</a:t>
-            </a:r>
+              <a:t>Host</a:t>
+            </a:r>
+            <a:endParaRPr lang="de-CH" dirty="0"/>
           </a:p>
         </p:txBody>
       </p:sp>
@@ -13839,7 +14193,7 @@
         <p:spPr>
           <a:xfrm>
             <a:off x="886121" y="4493846"/>
-            <a:ext cx="3508506" cy="565958"/>
+            <a:ext cx="3508506" cy="1177844"/>
           </a:xfrm>
           <a:prstGeom prst="roundRect">
             <a:avLst/>
@@ -13936,6 +14290,83 @@
             <a:r>
               <a:rPr lang="de-CH" sz="1400" dirty="0" err="1"/>
               <a:t>slow</a:t>
+            </a:r>
+            <a:endParaRPr lang="de-CH" sz="1400" dirty="0"/>
+          </a:p>
+          <a:p>
+            <a:r>
+              <a:rPr lang="de-CH" sz="1400" b="1" dirty="0">
+                <a:effectLst>
+                  <a:outerShdw blurRad="38100" dist="38100" dir="2700000" algn="tl">
+                    <a:srgbClr val="000000">
+                      <a:alpha val="43137"/>
+                    </a:srgbClr>
+                  </a:outerShdw>
+                </a:effectLst>
+              </a:rPr>
+              <a:t>AND</a:t>
+            </a:r>
+          </a:p>
+          <a:p>
+            <a:r>
+              <a:rPr lang="de-CH" sz="1400" dirty="0" err="1"/>
+              <a:t>We</a:t>
+            </a:r>
+            <a:r>
+              <a:rPr lang="de-CH" sz="1400" dirty="0"/>
+              <a:t> will </a:t>
+            </a:r>
+            <a:r>
+              <a:rPr lang="de-CH" sz="1400" dirty="0" err="1"/>
+              <a:t>loose</a:t>
+            </a:r>
+            <a:r>
+              <a:rPr lang="de-CH" sz="1400" dirty="0"/>
+              <a:t> </a:t>
+            </a:r>
+            <a:r>
+              <a:rPr lang="de-CH" sz="1400" dirty="0" err="1"/>
+              <a:t>information</a:t>
+            </a:r>
+            <a:r>
+              <a:rPr lang="de-CH" sz="1400" dirty="0"/>
+              <a:t> </a:t>
+            </a:r>
+            <a:r>
+              <a:rPr lang="de-CH" sz="1400" dirty="0" err="1"/>
+              <a:t>if</a:t>
+            </a:r>
+            <a:r>
+              <a:rPr lang="de-CH" sz="1400" dirty="0"/>
+              <a:t> </a:t>
+            </a:r>
+            <a:r>
+              <a:rPr lang="de-CH" sz="1400" dirty="0" err="1"/>
+              <a:t>the</a:t>
+            </a:r>
+            <a:r>
+              <a:rPr lang="de-CH" sz="1400" dirty="0"/>
+              <a:t> </a:t>
+            </a:r>
+            <a:r>
+              <a:rPr lang="de-CH" sz="1400" dirty="0" err="1"/>
+              <a:t>interface</a:t>
+            </a:r>
+            <a:r>
+              <a:rPr lang="de-CH" sz="1400" dirty="0"/>
+              <a:t>(s) </a:t>
+            </a:r>
+            <a:r>
+              <a:rPr lang="de-CH" sz="1400" dirty="0" err="1"/>
+              <a:t>are</a:t>
+            </a:r>
+            <a:r>
+              <a:rPr lang="de-CH" sz="1400" dirty="0"/>
+              <a:t> not </a:t>
+            </a:r>
+            <a:r>
+              <a:rPr lang="de-CH" sz="1400" dirty="0" err="1"/>
+              <a:t>available</a:t>
             </a:r>
             <a:endParaRPr lang="de-CH" sz="1400" dirty="0"/>
           </a:p>
@@ -14007,7 +14438,7 @@
         </p:nvSpPr>
         <p:spPr>
           <a:xfrm>
-            <a:off x="855851" y="5699546"/>
+            <a:off x="855851" y="6028407"/>
             <a:ext cx="3508506" cy="742422"/>
           </a:xfrm>
           <a:prstGeom prst="roundRect">
@@ -14128,7 +14559,7 @@
         </p:nvSpPr>
         <p:spPr>
           <a:xfrm>
-            <a:off x="601702" y="5443839"/>
+            <a:off x="601702" y="5772700"/>
             <a:ext cx="1909503" cy="356717"/>
           </a:xfrm>
           <a:prstGeom prst="roundRect">
@@ -14370,8 +14801,8 @@
         </p:nvCxnSpPr>
         <p:spPr>
           <a:xfrm flipV="1">
-            <a:off x="762000" y="2564818"/>
-            <a:ext cx="1548550" cy="2879022"/>
+            <a:off x="681789" y="2564818"/>
+            <a:ext cx="1628761" cy="3207882"/>
           </a:xfrm>
           <a:prstGeom prst="straightConnector1">
             <a:avLst/>
@@ -15209,11 +15640,21 @@
             </a:bodyPr>
             <a:lstStyle/>
             <a:p>
-              <a:pPr algn="ctr"/>
               <a:r>
                 <a:rPr lang="de-CH" dirty="0"/>
-                <a:t>Monitor Host (VM)</a:t>
-              </a:r>
+                <a:t>Monitor </a:t>
+              </a:r>
+              <a:r>
+                <a:rPr lang="de-CH" b="1" dirty="0">
+                  <a:solidFill>
+                    <a:schemeClr val="accent2">
+                      <a:lumMod val="75000"/>
+                    </a:schemeClr>
+                  </a:solidFill>
+                </a:rPr>
+                <a:t>Host</a:t>
+              </a:r>
+              <a:endParaRPr lang="de-CH" dirty="0"/>
             </a:p>
           </p:txBody>
         </p:sp>
@@ -15838,7 +16279,7 @@
               </a:pPr>
               <a:r>
                 <a:rPr lang="de-CH" dirty="0" err="1"/>
-                <a:t>Exapand</a:t>
+                <a:t>Expand</a:t>
               </a:r>
               <a:r>
                 <a:rPr lang="de-CH" dirty="0"/>
@@ -15846,6 +16287,14 @@
               </a:r>
               <a:r>
                 <a:rPr lang="de-CH" dirty="0" err="1"/>
+                <a:t>functoinality</a:t>
+              </a:r>
+              <a:r>
+                <a:rPr lang="de-CH" dirty="0"/>
+                <a:t> </a:t>
+              </a:r>
+              <a:r>
+                <a:rPr lang="de-CH" dirty="0" err="1"/>
                 <a:t>further</a:t>
               </a:r>
               <a:r>
@@ -15904,12 +16353,9 @@
                 <a:rPr lang="de-CH" dirty="0" err="1"/>
                 <a:t>put</a:t>
               </a:r>
-              <a:endParaRPr lang="de-CH" dirty="0"/>
-            </a:p>
-            <a:p>
               <a:r>
                 <a:rPr lang="de-CH" dirty="0"/>
-                <a:t>      off XMON in </a:t>
+                <a:t> off XMON in </a:t>
               </a:r>
               <a:r>
                 <a:rPr lang="de-CH" dirty="0" err="1"/>
@@ -16492,11 +16938,21 @@
             </a:bodyPr>
             <a:lstStyle/>
             <a:p>
-              <a:pPr algn="ctr"/>
               <a:r>
                 <a:rPr lang="de-CH" dirty="0"/>
-                <a:t>Monitor Host (VM)</a:t>
-              </a:r>
+                <a:t>Monitor </a:t>
+              </a:r>
+              <a:r>
+                <a:rPr lang="de-CH" b="1" dirty="0">
+                  <a:solidFill>
+                    <a:schemeClr val="accent2">
+                      <a:lumMod val="75000"/>
+                    </a:schemeClr>
+                  </a:solidFill>
+                </a:rPr>
+                <a:t>Host</a:t>
+              </a:r>
+              <a:endParaRPr lang="de-CH" dirty="0"/>
             </a:p>
           </p:txBody>
         </p:sp>
@@ -17220,7 +17676,7 @@
         <p:spPr>
           <a:xfrm>
             <a:off x="563527" y="1184367"/>
-            <a:ext cx="10898372" cy="2076070"/>
+            <a:ext cx="10898372" cy="3636286"/>
           </a:xfrm>
           <a:prstGeom prst="roundRect">
             <a:avLst/>
@@ -17476,6 +17932,27 @@
               <a:rPr lang="de-DE" sz="1400" dirty="0"/>
               <a:t> host</a:t>
             </a:r>
+          </a:p>
+          <a:p>
+            <a:pPr marL="800100" lvl="1" indent="-342900">
+              <a:buFont typeface="Arial" panose="020B0604020202020204" pitchFamily="34" charset="0"/>
+              <a:buChar char="•"/>
+            </a:pPr>
+            <a:endParaRPr lang="de-DE" sz="1400" dirty="0"/>
+          </a:p>
+          <a:p>
+            <a:pPr marL="800100" lvl="1" indent="-342900">
+              <a:buFont typeface="Arial" panose="020B0604020202020204" pitchFamily="34" charset="0"/>
+              <a:buChar char="•"/>
+            </a:pPr>
+            <a:endParaRPr lang="de-DE" sz="1400" dirty="0"/>
+          </a:p>
+          <a:p>
+            <a:pPr marL="800100" lvl="1" indent="-342900">
+              <a:buFont typeface="Arial" panose="020B0604020202020204" pitchFamily="34" charset="0"/>
+              <a:buChar char="•"/>
+            </a:pPr>
+            <a:endParaRPr lang="de-DE" sz="1400" dirty="0"/>
           </a:p>
           <a:p>
             <a:endParaRPr lang="de-DE" sz="1400" dirty="0"/>
